--- a/Apresentação_Monografia.pptx
+++ b/Apresentação_Monografia.pptx
@@ -4,10 +4,21 @@
   <p:sldMasterIdLst>
     <p:sldMasterId id="2147483660" r:id="rId1"/>
   </p:sldMasterIdLst>
+  <p:notesMasterIdLst>
+    <p:notesMasterId r:id="rId13"/>
+  </p:notesMasterIdLst>
   <p:sldIdLst>
     <p:sldId id="256" r:id="rId2"/>
     <p:sldId id="257" r:id="rId3"/>
     <p:sldId id="258" r:id="rId4"/>
+    <p:sldId id="259" r:id="rId5"/>
+    <p:sldId id="260" r:id="rId6"/>
+    <p:sldId id="266" r:id="rId7"/>
+    <p:sldId id="265" r:id="rId8"/>
+    <p:sldId id="264" r:id="rId9"/>
+    <p:sldId id="262" r:id="rId10"/>
+    <p:sldId id="261" r:id="rId11"/>
+    <p:sldId id="263" r:id="rId12"/>
   </p:sldIdLst>
   <p:sldSz cx="12192000" cy="6858000"/>
   <p:notesSz cx="6858000" cy="9144000"/>
@@ -114,6 +125,439 @@
 </p:presentation>
 </file>
 
+<file path=ppt/notesMasters/notesMaster1.xml><?xml version="1.0" encoding="utf-8"?>
+<p:notesMaster xmlns:a="http://schemas.openxmlformats.org/drawingml/2006/main" xmlns:r="http://schemas.openxmlformats.org/officeDocument/2006/relationships" xmlns:p="http://schemas.openxmlformats.org/presentationml/2006/main">
+  <p:cSld>
+    <p:bg>
+      <p:bgRef idx="1001">
+        <a:schemeClr val="bg1"/>
+      </p:bgRef>
+    </p:bg>
+    <p:spTree>
+      <p:nvGrpSpPr>
+        <p:cNvPr id="1" name=""/>
+        <p:cNvGrpSpPr/>
+        <p:nvPr/>
+      </p:nvGrpSpPr>
+      <p:grpSpPr>
+        <a:xfrm>
+          <a:off x="0" y="0"/>
+          <a:ext cx="0" cy="0"/>
+          <a:chOff x="0" y="0"/>
+          <a:chExt cx="0" cy="0"/>
+        </a:xfrm>
+      </p:grpSpPr>
+      <p:sp>
+        <p:nvSpPr>
+          <p:cNvPr id="2" name="Espaço Reservado para Cabeçalho 1"/>
+          <p:cNvSpPr>
+            <a:spLocks noGrp="1"/>
+          </p:cNvSpPr>
+          <p:nvPr>
+            <p:ph type="hdr" sz="quarter"/>
+          </p:nvPr>
+        </p:nvSpPr>
+        <p:spPr>
+          <a:xfrm>
+            <a:off x="0" y="0"/>
+            <a:ext cx="2971800" cy="458788"/>
+          </a:xfrm>
+          <a:prstGeom prst="rect">
+            <a:avLst/>
+          </a:prstGeom>
+        </p:spPr>
+        <p:txBody>
+          <a:bodyPr vert="horz" lIns="91440" tIns="45720" rIns="91440" bIns="45720" rtlCol="0"/>
+          <a:lstStyle>
+            <a:lvl1pPr algn="l">
+              <a:defRPr sz="1200"/>
+            </a:lvl1pPr>
+          </a:lstStyle>
+          <a:p>
+            <a:endParaRPr lang="pt-BR"/>
+          </a:p>
+        </p:txBody>
+      </p:sp>
+      <p:sp>
+        <p:nvSpPr>
+          <p:cNvPr id="3" name="Espaço Reservado para Data 2"/>
+          <p:cNvSpPr>
+            <a:spLocks noGrp="1"/>
+          </p:cNvSpPr>
+          <p:nvPr>
+            <p:ph type="dt" idx="1"/>
+          </p:nvPr>
+        </p:nvSpPr>
+        <p:spPr>
+          <a:xfrm>
+            <a:off x="3884613" y="0"/>
+            <a:ext cx="2971800" cy="458788"/>
+          </a:xfrm>
+          <a:prstGeom prst="rect">
+            <a:avLst/>
+          </a:prstGeom>
+        </p:spPr>
+        <p:txBody>
+          <a:bodyPr vert="horz" lIns="91440" tIns="45720" rIns="91440" bIns="45720" rtlCol="0"/>
+          <a:lstStyle>
+            <a:lvl1pPr algn="r">
+              <a:defRPr sz="1200"/>
+            </a:lvl1pPr>
+          </a:lstStyle>
+          <a:p>
+            <a:fld id="{B249BB1A-A7AB-4605-BA31-E8B7C8754CB0}" type="datetimeFigureOut">
+              <a:rPr lang="pt-BR" smtClean="0"/>
+              <a:t>10/03/2022</a:t>
+            </a:fld>
+            <a:endParaRPr lang="pt-BR"/>
+          </a:p>
+        </p:txBody>
+      </p:sp>
+      <p:sp>
+        <p:nvSpPr>
+          <p:cNvPr id="4" name="Espaço Reservado para Imagem de Slide 3"/>
+          <p:cNvSpPr>
+            <a:spLocks noGrp="1" noRot="1" noChangeAspect="1"/>
+          </p:cNvSpPr>
+          <p:nvPr>
+            <p:ph type="sldImg" idx="2"/>
+          </p:nvPr>
+        </p:nvSpPr>
+        <p:spPr>
+          <a:xfrm>
+            <a:off x="685800" y="1143000"/>
+            <a:ext cx="5486400" cy="3086100"/>
+          </a:xfrm>
+          <a:prstGeom prst="rect">
+            <a:avLst/>
+          </a:prstGeom>
+          <a:noFill/>
+          <a:ln w="12700">
+            <a:solidFill>
+              <a:prstClr val="black"/>
+            </a:solidFill>
+          </a:ln>
+        </p:spPr>
+        <p:txBody>
+          <a:bodyPr vert="horz" lIns="91440" tIns="45720" rIns="91440" bIns="45720" rtlCol="0" anchor="ctr"/>
+          <a:lstStyle/>
+          <a:p>
+            <a:endParaRPr lang="pt-BR"/>
+          </a:p>
+        </p:txBody>
+      </p:sp>
+      <p:sp>
+        <p:nvSpPr>
+          <p:cNvPr id="5" name="Espaço Reservado para Anotações 4"/>
+          <p:cNvSpPr>
+            <a:spLocks noGrp="1"/>
+          </p:cNvSpPr>
+          <p:nvPr>
+            <p:ph type="body" sz="quarter" idx="3"/>
+          </p:nvPr>
+        </p:nvSpPr>
+        <p:spPr>
+          <a:xfrm>
+            <a:off x="685800" y="4400550"/>
+            <a:ext cx="5486400" cy="3600450"/>
+          </a:xfrm>
+          <a:prstGeom prst="rect">
+            <a:avLst/>
+          </a:prstGeom>
+        </p:spPr>
+        <p:txBody>
+          <a:bodyPr vert="horz" lIns="91440" tIns="45720" rIns="91440" bIns="45720" rtlCol="0"/>
+          <a:lstStyle/>
+          <a:p>
+            <a:pPr lvl="0"/>
+            <a:r>
+              <a:rPr lang="pt-BR"/>
+              <a:t>Clique para editar os estilos de texto Mestres</a:t>
+            </a:r>
+          </a:p>
+          <a:p>
+            <a:pPr lvl="1"/>
+            <a:r>
+              <a:rPr lang="pt-BR"/>
+              <a:t>Segundo nível</a:t>
+            </a:r>
+          </a:p>
+          <a:p>
+            <a:pPr lvl="2"/>
+            <a:r>
+              <a:rPr lang="pt-BR"/>
+              <a:t>Terceiro nível</a:t>
+            </a:r>
+          </a:p>
+          <a:p>
+            <a:pPr lvl="3"/>
+            <a:r>
+              <a:rPr lang="pt-BR"/>
+              <a:t>Quarto nível</a:t>
+            </a:r>
+          </a:p>
+          <a:p>
+            <a:pPr lvl="4"/>
+            <a:r>
+              <a:rPr lang="pt-BR"/>
+              <a:t>Quinto nível</a:t>
+            </a:r>
+          </a:p>
+        </p:txBody>
+      </p:sp>
+      <p:sp>
+        <p:nvSpPr>
+          <p:cNvPr id="6" name="Espaço Reservado para Rodapé 5"/>
+          <p:cNvSpPr>
+            <a:spLocks noGrp="1"/>
+          </p:cNvSpPr>
+          <p:nvPr>
+            <p:ph type="ftr" sz="quarter" idx="4"/>
+          </p:nvPr>
+        </p:nvSpPr>
+        <p:spPr>
+          <a:xfrm>
+            <a:off x="0" y="8685213"/>
+            <a:ext cx="2971800" cy="458787"/>
+          </a:xfrm>
+          <a:prstGeom prst="rect">
+            <a:avLst/>
+          </a:prstGeom>
+        </p:spPr>
+        <p:txBody>
+          <a:bodyPr vert="horz" lIns="91440" tIns="45720" rIns="91440" bIns="45720" rtlCol="0" anchor="b"/>
+          <a:lstStyle>
+            <a:lvl1pPr algn="l">
+              <a:defRPr sz="1200"/>
+            </a:lvl1pPr>
+          </a:lstStyle>
+          <a:p>
+            <a:endParaRPr lang="pt-BR"/>
+          </a:p>
+        </p:txBody>
+      </p:sp>
+      <p:sp>
+        <p:nvSpPr>
+          <p:cNvPr id="7" name="Espaço Reservado para Número de Slide 6"/>
+          <p:cNvSpPr>
+            <a:spLocks noGrp="1"/>
+          </p:cNvSpPr>
+          <p:nvPr>
+            <p:ph type="sldNum" sz="quarter" idx="5"/>
+          </p:nvPr>
+        </p:nvSpPr>
+        <p:spPr>
+          <a:xfrm>
+            <a:off x="3884613" y="8685213"/>
+            <a:ext cx="2971800" cy="458787"/>
+          </a:xfrm>
+          <a:prstGeom prst="rect">
+            <a:avLst/>
+          </a:prstGeom>
+        </p:spPr>
+        <p:txBody>
+          <a:bodyPr vert="horz" lIns="91440" tIns="45720" rIns="91440" bIns="45720" rtlCol="0" anchor="b"/>
+          <a:lstStyle>
+            <a:lvl1pPr algn="r">
+              <a:defRPr sz="1200"/>
+            </a:lvl1pPr>
+          </a:lstStyle>
+          <a:p>
+            <a:fld id="{5E52DD54-238D-4887-8CA4-0F17E0B9CCB6}" type="slidenum">
+              <a:rPr lang="pt-BR" smtClean="0"/>
+              <a:t>‹nº›</a:t>
+            </a:fld>
+            <a:endParaRPr lang="pt-BR"/>
+          </a:p>
+        </p:txBody>
+      </p:sp>
+    </p:spTree>
+    <p:extLst>
+      <p:ext uri="{BB962C8B-B14F-4D97-AF65-F5344CB8AC3E}">
+        <p14:creationId xmlns:p14="http://schemas.microsoft.com/office/powerpoint/2010/main" val="2437473687"/>
+      </p:ext>
+    </p:extLst>
+  </p:cSld>
+  <p:clrMap bg1="lt1" tx1="dk1" bg2="lt2" tx2="dk2" accent1="accent1" accent2="accent2" accent3="accent3" accent4="accent4" accent5="accent5" accent6="accent6" hlink="hlink" folHlink="folHlink"/>
+  <p:notesStyle>
+    <a:lvl1pPr marL="0" algn="l" defTabSz="914400" rtl="0" eaLnBrk="1" latinLnBrk="0" hangingPunct="1">
+      <a:defRPr sz="1200" kern="1200">
+        <a:solidFill>
+          <a:schemeClr val="tx1"/>
+        </a:solidFill>
+        <a:latin typeface="+mn-lt"/>
+        <a:ea typeface="+mn-ea"/>
+        <a:cs typeface="+mn-cs"/>
+      </a:defRPr>
+    </a:lvl1pPr>
+    <a:lvl2pPr marL="457200" algn="l" defTabSz="914400" rtl="0" eaLnBrk="1" latinLnBrk="0" hangingPunct="1">
+      <a:defRPr sz="1200" kern="1200">
+        <a:solidFill>
+          <a:schemeClr val="tx1"/>
+        </a:solidFill>
+        <a:latin typeface="+mn-lt"/>
+        <a:ea typeface="+mn-ea"/>
+        <a:cs typeface="+mn-cs"/>
+      </a:defRPr>
+    </a:lvl2pPr>
+    <a:lvl3pPr marL="914400" algn="l" defTabSz="914400" rtl="0" eaLnBrk="1" latinLnBrk="0" hangingPunct="1">
+      <a:defRPr sz="1200" kern="1200">
+        <a:solidFill>
+          <a:schemeClr val="tx1"/>
+        </a:solidFill>
+        <a:latin typeface="+mn-lt"/>
+        <a:ea typeface="+mn-ea"/>
+        <a:cs typeface="+mn-cs"/>
+      </a:defRPr>
+    </a:lvl3pPr>
+    <a:lvl4pPr marL="1371600" algn="l" defTabSz="914400" rtl="0" eaLnBrk="1" latinLnBrk="0" hangingPunct="1">
+      <a:defRPr sz="1200" kern="1200">
+        <a:solidFill>
+          <a:schemeClr val="tx1"/>
+        </a:solidFill>
+        <a:latin typeface="+mn-lt"/>
+        <a:ea typeface="+mn-ea"/>
+        <a:cs typeface="+mn-cs"/>
+      </a:defRPr>
+    </a:lvl4pPr>
+    <a:lvl5pPr marL="1828800" algn="l" defTabSz="914400" rtl="0" eaLnBrk="1" latinLnBrk="0" hangingPunct="1">
+      <a:defRPr sz="1200" kern="1200">
+        <a:solidFill>
+          <a:schemeClr val="tx1"/>
+        </a:solidFill>
+        <a:latin typeface="+mn-lt"/>
+        <a:ea typeface="+mn-ea"/>
+        <a:cs typeface="+mn-cs"/>
+      </a:defRPr>
+    </a:lvl5pPr>
+    <a:lvl6pPr marL="2286000" algn="l" defTabSz="914400" rtl="0" eaLnBrk="1" latinLnBrk="0" hangingPunct="1">
+      <a:defRPr sz="1200" kern="1200">
+        <a:solidFill>
+          <a:schemeClr val="tx1"/>
+        </a:solidFill>
+        <a:latin typeface="+mn-lt"/>
+        <a:ea typeface="+mn-ea"/>
+        <a:cs typeface="+mn-cs"/>
+      </a:defRPr>
+    </a:lvl6pPr>
+    <a:lvl7pPr marL="2743200" algn="l" defTabSz="914400" rtl="0" eaLnBrk="1" latinLnBrk="0" hangingPunct="1">
+      <a:defRPr sz="1200" kern="1200">
+        <a:solidFill>
+          <a:schemeClr val="tx1"/>
+        </a:solidFill>
+        <a:latin typeface="+mn-lt"/>
+        <a:ea typeface="+mn-ea"/>
+        <a:cs typeface="+mn-cs"/>
+      </a:defRPr>
+    </a:lvl7pPr>
+    <a:lvl8pPr marL="3200400" algn="l" defTabSz="914400" rtl="0" eaLnBrk="1" latinLnBrk="0" hangingPunct="1">
+      <a:defRPr sz="1200" kern="1200">
+        <a:solidFill>
+          <a:schemeClr val="tx1"/>
+        </a:solidFill>
+        <a:latin typeface="+mn-lt"/>
+        <a:ea typeface="+mn-ea"/>
+        <a:cs typeface="+mn-cs"/>
+      </a:defRPr>
+    </a:lvl8pPr>
+    <a:lvl9pPr marL="3657600" algn="l" defTabSz="914400" rtl="0" eaLnBrk="1" latinLnBrk="0" hangingPunct="1">
+      <a:defRPr sz="1200" kern="1200">
+        <a:solidFill>
+          <a:schemeClr val="tx1"/>
+        </a:solidFill>
+        <a:latin typeface="+mn-lt"/>
+        <a:ea typeface="+mn-ea"/>
+        <a:cs typeface="+mn-cs"/>
+      </a:defRPr>
+    </a:lvl9pPr>
+  </p:notesStyle>
+</p:notesMaster>
+</file>
+
+<file path=ppt/notesSlides/notesSlide1.xml><?xml version="1.0" encoding="utf-8"?>
+<p:notes xmlns:a="http://schemas.openxmlformats.org/drawingml/2006/main" xmlns:r="http://schemas.openxmlformats.org/officeDocument/2006/relationships" xmlns:p="http://schemas.openxmlformats.org/presentationml/2006/main">
+  <p:cSld>
+    <p:spTree>
+      <p:nvGrpSpPr>
+        <p:cNvPr id="1" name=""/>
+        <p:cNvGrpSpPr/>
+        <p:nvPr/>
+      </p:nvGrpSpPr>
+      <p:grpSpPr>
+        <a:xfrm>
+          <a:off x="0" y="0"/>
+          <a:ext cx="0" cy="0"/>
+          <a:chOff x="0" y="0"/>
+          <a:chExt cx="0" cy="0"/>
+        </a:xfrm>
+      </p:grpSpPr>
+      <p:sp>
+        <p:nvSpPr>
+          <p:cNvPr id="2" name="Espaço Reservado para Imagem de Slide 1"/>
+          <p:cNvSpPr>
+            <a:spLocks noGrp="1" noRot="1" noChangeAspect="1"/>
+          </p:cNvSpPr>
+          <p:nvPr>
+            <p:ph type="sldImg"/>
+          </p:nvPr>
+        </p:nvSpPr>
+        <p:spPr/>
+      </p:sp>
+      <p:sp>
+        <p:nvSpPr>
+          <p:cNvPr id="3" name="Espaço Reservado para Anotações 2"/>
+          <p:cNvSpPr>
+            <a:spLocks noGrp="1"/>
+          </p:cNvSpPr>
+          <p:nvPr>
+            <p:ph type="body" idx="1"/>
+          </p:nvPr>
+        </p:nvSpPr>
+        <p:spPr/>
+        <p:txBody>
+          <a:bodyPr/>
+          <a:lstStyle/>
+          <a:p>
+            <a:endParaRPr lang="pt-BR" dirty="0"/>
+          </a:p>
+        </p:txBody>
+      </p:sp>
+      <p:sp>
+        <p:nvSpPr>
+          <p:cNvPr id="4" name="Espaço Reservado para Número de Slide 3"/>
+          <p:cNvSpPr>
+            <a:spLocks noGrp="1"/>
+          </p:cNvSpPr>
+          <p:nvPr>
+            <p:ph type="sldNum" sz="quarter" idx="5"/>
+          </p:nvPr>
+        </p:nvSpPr>
+        <p:spPr/>
+        <p:txBody>
+          <a:bodyPr/>
+          <a:lstStyle/>
+          <a:p>
+            <a:fld id="{5E52DD54-238D-4887-8CA4-0F17E0B9CCB6}" type="slidenum">
+              <a:rPr lang="pt-BR" smtClean="0"/>
+              <a:t>7</a:t>
+            </a:fld>
+            <a:endParaRPr lang="pt-BR"/>
+          </a:p>
+        </p:txBody>
+      </p:sp>
+    </p:spTree>
+    <p:extLst>
+      <p:ext uri="{BB962C8B-B14F-4D97-AF65-F5344CB8AC3E}">
+        <p14:creationId xmlns:p14="http://schemas.microsoft.com/office/powerpoint/2010/main" val="4250786048"/>
+      </p:ext>
+    </p:extLst>
+  </p:cSld>
+  <p:clrMapOvr>
+    <a:masterClrMapping/>
+  </p:clrMapOvr>
+</p:notes>
+</file>
+
 <file path=ppt/slideLayouts/slideLayout1.xml><?xml version="1.0" encoding="utf-8"?>
 <p:sldLayout xmlns:a="http://schemas.openxmlformats.org/drawingml/2006/main" xmlns:r="http://schemas.openxmlformats.org/officeDocument/2006/relationships" xmlns:p="http://schemas.openxmlformats.org/presentationml/2006/main" type="title" preserve="1">
   <p:cSld name="Slide de Título">
@@ -277,7 +721,7 @@
           <a:p>
             <a:fld id="{60BA69AB-7D77-4AD1-B9DF-F84D0C411437}" type="datetimeFigureOut">
               <a:rPr lang="pt-BR" smtClean="0"/>
-              <a:t>07/03/2022</a:t>
+              <a:t>10/03/2022</a:t>
             </a:fld>
             <a:endParaRPr lang="pt-BR"/>
           </a:p>
@@ -447,7 +891,7 @@
           <a:p>
             <a:fld id="{60BA69AB-7D77-4AD1-B9DF-F84D0C411437}" type="datetimeFigureOut">
               <a:rPr lang="pt-BR" smtClean="0"/>
-              <a:t>07/03/2022</a:t>
+              <a:t>10/03/2022</a:t>
             </a:fld>
             <a:endParaRPr lang="pt-BR"/>
           </a:p>
@@ -627,7 +1071,7 @@
           <a:p>
             <a:fld id="{60BA69AB-7D77-4AD1-B9DF-F84D0C411437}" type="datetimeFigureOut">
               <a:rPr lang="pt-BR" smtClean="0"/>
-              <a:t>07/03/2022</a:t>
+              <a:t>10/03/2022</a:t>
             </a:fld>
             <a:endParaRPr lang="pt-BR"/>
           </a:p>
@@ -797,7 +1241,7 @@
           <a:p>
             <a:fld id="{60BA69AB-7D77-4AD1-B9DF-F84D0C411437}" type="datetimeFigureOut">
               <a:rPr lang="pt-BR" smtClean="0"/>
-              <a:t>07/03/2022</a:t>
+              <a:t>10/03/2022</a:t>
             </a:fld>
             <a:endParaRPr lang="pt-BR"/>
           </a:p>
@@ -1065,7 +1509,7 @@
           <a:p>
             <a:fld id="{60BA69AB-7D77-4AD1-B9DF-F84D0C411437}" type="datetimeFigureOut">
               <a:rPr lang="pt-BR" smtClean="0"/>
-              <a:t>07/03/2022</a:t>
+              <a:t>10/03/2022</a:t>
             </a:fld>
             <a:endParaRPr lang="pt-BR"/>
           </a:p>
@@ -1297,7 +1741,7 @@
           <a:p>
             <a:fld id="{60BA69AB-7D77-4AD1-B9DF-F84D0C411437}" type="datetimeFigureOut">
               <a:rPr lang="pt-BR" smtClean="0"/>
-              <a:t>07/03/2022</a:t>
+              <a:t>10/03/2022</a:t>
             </a:fld>
             <a:endParaRPr lang="pt-BR"/>
           </a:p>
@@ -1656,7 +2100,7 @@
           <a:p>
             <a:fld id="{60BA69AB-7D77-4AD1-B9DF-F84D0C411437}" type="datetimeFigureOut">
               <a:rPr lang="pt-BR" smtClean="0"/>
-              <a:t>07/03/2022</a:t>
+              <a:t>10/03/2022</a:t>
             </a:fld>
             <a:endParaRPr lang="pt-BR"/>
           </a:p>
@@ -1797,7 +2241,7 @@
           <a:p>
             <a:fld id="{60BA69AB-7D77-4AD1-B9DF-F84D0C411437}" type="datetimeFigureOut">
               <a:rPr lang="pt-BR" smtClean="0"/>
-              <a:t>07/03/2022</a:t>
+              <a:t>10/03/2022</a:t>
             </a:fld>
             <a:endParaRPr lang="pt-BR"/>
           </a:p>
@@ -1892,7 +2336,7 @@
           <a:p>
             <a:fld id="{60BA69AB-7D77-4AD1-B9DF-F84D0C411437}" type="datetimeFigureOut">
               <a:rPr lang="pt-BR" smtClean="0"/>
-              <a:t>07/03/2022</a:t>
+              <a:t>10/03/2022</a:t>
             </a:fld>
             <a:endParaRPr lang="pt-BR"/>
           </a:p>
@@ -2249,7 +2693,7 @@
           <a:p>
             <a:fld id="{60BA69AB-7D77-4AD1-B9DF-F84D0C411437}" type="datetimeFigureOut">
               <a:rPr lang="pt-BR" smtClean="0"/>
-              <a:t>07/03/2022</a:t>
+              <a:t>10/03/2022</a:t>
             </a:fld>
             <a:endParaRPr lang="pt-BR"/>
           </a:p>
@@ -2606,7 +3050,7 @@
           <a:p>
             <a:fld id="{60BA69AB-7D77-4AD1-B9DF-F84D0C411437}" type="datetimeFigureOut">
               <a:rPr lang="pt-BR" smtClean="0"/>
-              <a:t>07/03/2022</a:t>
+              <a:t>10/03/2022</a:t>
             </a:fld>
             <a:endParaRPr lang="pt-BR"/>
           </a:p>
@@ -2848,7 +3292,7 @@
           <a:p>
             <a:fld id="{60BA69AB-7D77-4AD1-B9DF-F84D0C411437}" type="datetimeFigureOut">
               <a:rPr lang="pt-BR" smtClean="0"/>
-              <a:t>07/03/2022</a:t>
+              <a:t>10/03/2022</a:t>
             </a:fld>
             <a:endParaRPr lang="pt-BR"/>
           </a:p>
@@ -3660,6 +4104,231 @@
 </p:sld>
 </file>
 
+<file path=ppt/slides/slide10.xml><?xml version="1.0" encoding="utf-8"?>
+<p:sld xmlns:a="http://schemas.openxmlformats.org/drawingml/2006/main" xmlns:r="http://schemas.openxmlformats.org/officeDocument/2006/relationships" xmlns:p="http://schemas.openxmlformats.org/presentationml/2006/main">
+  <p:cSld>
+    <p:spTree>
+      <p:nvGrpSpPr>
+        <p:cNvPr id="1" name=""/>
+        <p:cNvGrpSpPr/>
+        <p:nvPr/>
+      </p:nvGrpSpPr>
+      <p:grpSpPr>
+        <a:xfrm>
+          <a:off x="0" y="0"/>
+          <a:ext cx="0" cy="0"/>
+          <a:chOff x="0" y="0"/>
+          <a:chExt cx="0" cy="0"/>
+        </a:xfrm>
+      </p:grpSpPr>
+      <p:sp>
+        <p:nvSpPr>
+          <p:cNvPr id="2" name="Título 1">
+            <a:extLst>
+              <a:ext uri="{FF2B5EF4-FFF2-40B4-BE49-F238E27FC236}">
+                <a16:creationId xmlns:a16="http://schemas.microsoft.com/office/drawing/2014/main" id="{EE723563-498C-41C1-B3F0-3151A8E3C0D1}"/>
+              </a:ext>
+            </a:extLst>
+          </p:cNvPr>
+          <p:cNvSpPr>
+            <a:spLocks noGrp="1"/>
+          </p:cNvSpPr>
+          <p:nvPr>
+            <p:ph type="title"/>
+          </p:nvPr>
+        </p:nvSpPr>
+        <p:spPr/>
+        <p:txBody>
+          <a:bodyPr/>
+          <a:lstStyle/>
+          <a:p>
+            <a:r>
+              <a:rPr lang="pt-BR" dirty="0"/>
+              <a:t>Trabalhos futuros</a:t>
+            </a:r>
+          </a:p>
+        </p:txBody>
+      </p:sp>
+      <p:sp>
+        <p:nvSpPr>
+          <p:cNvPr id="3" name="Espaço Reservado para Conteúdo 2">
+            <a:extLst>
+              <a:ext uri="{FF2B5EF4-FFF2-40B4-BE49-F238E27FC236}">
+                <a16:creationId xmlns:a16="http://schemas.microsoft.com/office/drawing/2014/main" id="{8660081E-8ACB-4B7E-BA17-832681C4C0C9}"/>
+              </a:ext>
+            </a:extLst>
+          </p:cNvPr>
+          <p:cNvSpPr>
+            <a:spLocks noGrp="1"/>
+          </p:cNvSpPr>
+          <p:nvPr>
+            <p:ph idx="1"/>
+          </p:nvPr>
+        </p:nvSpPr>
+        <p:spPr/>
+        <p:txBody>
+          <a:bodyPr>
+            <a:normAutofit fontScale="85000" lnSpcReduction="20000"/>
+          </a:bodyPr>
+          <a:lstStyle/>
+          <a:p>
+            <a:pPr lvl="0">
+              <a:lnSpc>
+                <a:spcPct val="110000"/>
+              </a:lnSpc>
+            </a:pPr>
+            <a:r>
+              <a:rPr lang="pt-BR" dirty="0"/>
+              <a:t>Criar bancos de dados transacional para os anos após 2015 do ENEM e a população desses dados no banco de dados do DW.</a:t>
+            </a:r>
+          </a:p>
+          <a:p>
+            <a:pPr lvl="0">
+              <a:lnSpc>
+                <a:spcPct val="110000"/>
+              </a:lnSpc>
+            </a:pPr>
+            <a:r>
+              <a:rPr lang="pt-BR" dirty="0"/>
+              <a:t>Ampliar a visualização de dados e ampliar os relatórios baseados em novas perguntas que o DW responda.</a:t>
+            </a:r>
+          </a:p>
+          <a:p>
+            <a:pPr lvl="0">
+              <a:lnSpc>
+                <a:spcPct val="110000"/>
+              </a:lnSpc>
+            </a:pPr>
+            <a:r>
+              <a:rPr lang="pt-BR" dirty="0"/>
+              <a:t> Melhorar a capacidade da infraestrutura, principalmente, no armazenamento de dados. </a:t>
+            </a:r>
+          </a:p>
+          <a:p>
+            <a:pPr lvl="0">
+              <a:lnSpc>
+                <a:spcPct val="110000"/>
+              </a:lnSpc>
+            </a:pPr>
+            <a:r>
+              <a:rPr lang="pt-BR" dirty="0"/>
+              <a:t>Refatorar os códigos do ETL tanto do transacional quanto do DW. </a:t>
+            </a:r>
+          </a:p>
+          <a:p>
+            <a:pPr lvl="0">
+              <a:lnSpc>
+                <a:spcPct val="110000"/>
+              </a:lnSpc>
+            </a:pPr>
+            <a:r>
+              <a:rPr lang="pt-BR" dirty="0"/>
+              <a:t>Realizar estudo de heurísticas para melhorar o desempenho das consultas que já existem e geram os relatórios. </a:t>
+            </a:r>
+          </a:p>
+          <a:p>
+            <a:pPr lvl="0">
+              <a:lnSpc>
+                <a:spcPct val="110000"/>
+              </a:lnSpc>
+            </a:pPr>
+            <a:r>
+              <a:rPr lang="pt-BR" dirty="0"/>
+              <a:t>Usar a capacidade dos dados para realizar um estudo com foco em </a:t>
+            </a:r>
+            <a:r>
+              <a:rPr lang="pt-BR" dirty="0" err="1"/>
+              <a:t>Tuning</a:t>
+            </a:r>
+            <a:r>
+              <a:rPr lang="pt-BR" dirty="0"/>
+              <a:t> de banco de dados.</a:t>
+            </a:r>
+          </a:p>
+          <a:p>
+            <a:pPr lvl="0">
+              <a:lnSpc>
+                <a:spcPct val="110000"/>
+              </a:lnSpc>
+            </a:pPr>
+            <a:r>
+              <a:rPr lang="pt-BR" dirty="0"/>
+              <a:t>Adaptar o banco de dados atual de acordo com o LGPD.</a:t>
+            </a:r>
+          </a:p>
+        </p:txBody>
+      </p:sp>
+    </p:spTree>
+    <p:extLst>
+      <p:ext uri="{BB962C8B-B14F-4D97-AF65-F5344CB8AC3E}">
+        <p14:creationId xmlns:p14="http://schemas.microsoft.com/office/powerpoint/2010/main" val="580782446"/>
+      </p:ext>
+    </p:extLst>
+  </p:cSld>
+  <p:clrMapOvr>
+    <a:masterClrMapping/>
+  </p:clrMapOvr>
+</p:sld>
+</file>
+
+<file path=ppt/slides/slide11.xml><?xml version="1.0" encoding="utf-8"?>
+<p:sld xmlns:a="http://schemas.openxmlformats.org/drawingml/2006/main" xmlns:r="http://schemas.openxmlformats.org/officeDocument/2006/relationships" xmlns:p="http://schemas.openxmlformats.org/presentationml/2006/main">
+  <p:cSld>
+    <p:spTree>
+      <p:nvGrpSpPr>
+        <p:cNvPr id="1" name=""/>
+        <p:cNvGrpSpPr/>
+        <p:nvPr/>
+      </p:nvGrpSpPr>
+      <p:grpSpPr>
+        <a:xfrm>
+          <a:off x="0" y="0"/>
+          <a:ext cx="0" cy="0"/>
+          <a:chOff x="0" y="0"/>
+          <a:chExt cx="0" cy="0"/>
+        </a:xfrm>
+      </p:grpSpPr>
+      <p:sp>
+        <p:nvSpPr>
+          <p:cNvPr id="4" name="Título 3">
+            <a:extLst>
+              <a:ext uri="{FF2B5EF4-FFF2-40B4-BE49-F238E27FC236}">
+                <a16:creationId xmlns:a16="http://schemas.microsoft.com/office/drawing/2014/main" id="{6E1BA72A-980A-4BB4-8D44-217C7B3A4431}"/>
+              </a:ext>
+            </a:extLst>
+          </p:cNvPr>
+          <p:cNvSpPr>
+            <a:spLocks noGrp="1"/>
+          </p:cNvSpPr>
+          <p:nvPr>
+            <p:ph type="ctrTitle"/>
+          </p:nvPr>
+        </p:nvSpPr>
+        <p:spPr/>
+        <p:txBody>
+          <a:bodyPr/>
+          <a:lstStyle/>
+          <a:p>
+            <a:r>
+              <a:rPr lang="pt-BR" dirty="0"/>
+              <a:t>OBRIgado!!</a:t>
+            </a:r>
+          </a:p>
+        </p:txBody>
+      </p:sp>
+    </p:spTree>
+    <p:extLst>
+      <p:ext uri="{BB962C8B-B14F-4D97-AF65-F5344CB8AC3E}">
+        <p14:creationId xmlns:p14="http://schemas.microsoft.com/office/powerpoint/2010/main" val="2185586797"/>
+      </p:ext>
+    </p:extLst>
+  </p:cSld>
+  <p:clrMapOvr>
+    <a:masterClrMapping/>
+  </p:clrMapOvr>
+</p:sld>
+</file>
+
 <file path=ppt/slides/slide2.xml><?xml version="1.0" encoding="utf-8"?>
 <p:sld xmlns:a="http://schemas.openxmlformats.org/drawingml/2006/main" xmlns:r="http://schemas.openxmlformats.org/officeDocument/2006/relationships" xmlns:p="http://schemas.openxmlformats.org/presentationml/2006/main">
   <p:cSld>
@@ -3925,23 +4594,25 @@
           <a:bodyPr/>
           <a:lstStyle/>
           <a:p>
+            <a:pPr algn="just"/>
             <a:r>
               <a:rPr lang="pt-BR" dirty="0"/>
               <a:t>Através da Lei de Acesso à Informação (LAI) cujo a referência é: Lei nº 12.527/2011. Os dados são disponibilizados e podem ser acessar de forma gratuita.</a:t>
             </a:r>
           </a:p>
           <a:p>
+            <a:pPr algn="just"/>
             <a:r>
               <a:rPr lang="pt-BR" dirty="0"/>
-              <a:t>Um dados disponibilizados na área </a:t>
-            </a:r>
-            <a:r>
-              <a:rPr lang="pt-BR"/>
-              <a:t>da educação são os dados do Enem.</a:t>
-            </a:r>
-          </a:p>
-          <a:p>
-            <a:endParaRPr lang="pt-BR" dirty="0"/>
+              <a:t>Um dos dados disponibilizados na área da educação são os dados do Enem.</a:t>
+            </a:r>
+          </a:p>
+          <a:p>
+            <a:pPr algn="just"/>
+            <a:r>
+              <a:rPr lang="pt-BR" dirty="0"/>
+              <a:t>A principal motivação deste trabalho é ampliar o conhecimento sobre o Enem utilizando esses dados que são disponibilizados.</a:t>
+            </a:r>
           </a:p>
         </p:txBody>
       </p:sp>
@@ -3949,6 +4620,834 @@
     <p:extLst>
       <p:ext uri="{BB962C8B-B14F-4D97-AF65-F5344CB8AC3E}">
         <p14:creationId xmlns:p14="http://schemas.microsoft.com/office/powerpoint/2010/main" val="1652980792"/>
+      </p:ext>
+    </p:extLst>
+  </p:cSld>
+  <p:clrMapOvr>
+    <a:masterClrMapping/>
+  </p:clrMapOvr>
+</p:sld>
+</file>
+
+<file path=ppt/slides/slide4.xml><?xml version="1.0" encoding="utf-8"?>
+<p:sld xmlns:a="http://schemas.openxmlformats.org/drawingml/2006/main" xmlns:r="http://schemas.openxmlformats.org/officeDocument/2006/relationships" xmlns:p="http://schemas.openxmlformats.org/presentationml/2006/main">
+  <p:cSld>
+    <p:spTree>
+      <p:nvGrpSpPr>
+        <p:cNvPr id="1" name=""/>
+        <p:cNvGrpSpPr/>
+        <p:nvPr/>
+      </p:nvGrpSpPr>
+      <p:grpSpPr>
+        <a:xfrm>
+          <a:off x="0" y="0"/>
+          <a:ext cx="0" cy="0"/>
+          <a:chOff x="0" y="0"/>
+          <a:chExt cx="0" cy="0"/>
+        </a:xfrm>
+      </p:grpSpPr>
+      <p:sp>
+        <p:nvSpPr>
+          <p:cNvPr id="2" name="Título 1">
+            <a:extLst>
+              <a:ext uri="{FF2B5EF4-FFF2-40B4-BE49-F238E27FC236}">
+                <a16:creationId xmlns:a16="http://schemas.microsoft.com/office/drawing/2014/main" id="{6C8A5F95-9E09-4BE4-A2EB-CB3408597B08}"/>
+              </a:ext>
+            </a:extLst>
+          </p:cNvPr>
+          <p:cNvSpPr>
+            <a:spLocks noGrp="1"/>
+          </p:cNvSpPr>
+          <p:nvPr>
+            <p:ph type="title"/>
+          </p:nvPr>
+        </p:nvSpPr>
+        <p:spPr/>
+        <p:txBody>
+          <a:bodyPr/>
+          <a:lstStyle/>
+          <a:p>
+            <a:r>
+              <a:rPr lang="pt-BR" dirty="0"/>
+              <a:t>Objetivo</a:t>
+            </a:r>
+          </a:p>
+        </p:txBody>
+      </p:sp>
+      <p:sp>
+        <p:nvSpPr>
+          <p:cNvPr id="3" name="Espaço Reservado para Conteúdo 2">
+            <a:extLst>
+              <a:ext uri="{FF2B5EF4-FFF2-40B4-BE49-F238E27FC236}">
+                <a16:creationId xmlns:a16="http://schemas.microsoft.com/office/drawing/2014/main" id="{48245E10-2B3E-4ADC-A72D-44E4C2A9B7A4}"/>
+              </a:ext>
+            </a:extLst>
+          </p:cNvPr>
+          <p:cNvSpPr>
+            <a:spLocks noGrp="1"/>
+          </p:cNvSpPr>
+          <p:nvPr>
+            <p:ph idx="1"/>
+          </p:nvPr>
+        </p:nvSpPr>
+        <p:spPr/>
+        <p:txBody>
+          <a:bodyPr/>
+          <a:lstStyle/>
+          <a:p>
+            <a:pPr algn="just"/>
+            <a:r>
+              <a:rPr lang="pt-BR" dirty="0"/>
+              <a:t>Disponibilizar os dados em banco de dados a ser estudado. </a:t>
+            </a:r>
+          </a:p>
+          <a:p>
+            <a:pPr algn="just"/>
+            <a:r>
+              <a:rPr lang="pt-BR" dirty="0"/>
+              <a:t>Criar banco de dados transacional contém os dados normalizados a cada ano. </a:t>
+            </a:r>
+          </a:p>
+          <a:p>
+            <a:pPr algn="just"/>
+            <a:r>
+              <a:rPr lang="pt-BR" dirty="0"/>
+              <a:t>Criar um DW contém os dados históricos.</a:t>
+            </a:r>
+          </a:p>
+          <a:p>
+            <a:pPr algn="just"/>
+            <a:r>
+              <a:rPr lang="pt-BR" dirty="0"/>
+              <a:t>Criar as </a:t>
+            </a:r>
+            <a:r>
+              <a:rPr lang="pt-BR" dirty="0" err="1"/>
+              <a:t>ETL’s</a:t>
+            </a:r>
+            <a:r>
+              <a:rPr lang="pt-BR" dirty="0"/>
+              <a:t> tanto para o transacional quanto para o DW.</a:t>
+            </a:r>
+          </a:p>
+          <a:p>
+            <a:pPr algn="just"/>
+            <a:r>
+              <a:rPr lang="pt-BR" dirty="0"/>
+              <a:t>Criar os gráficos no PowerBi para a visualização de dados.</a:t>
+            </a:r>
+          </a:p>
+        </p:txBody>
+      </p:sp>
+    </p:spTree>
+    <p:extLst>
+      <p:ext uri="{BB962C8B-B14F-4D97-AF65-F5344CB8AC3E}">
+        <p14:creationId xmlns:p14="http://schemas.microsoft.com/office/powerpoint/2010/main" val="3980846735"/>
+      </p:ext>
+    </p:extLst>
+  </p:cSld>
+  <p:clrMapOvr>
+    <a:masterClrMapping/>
+  </p:clrMapOvr>
+</p:sld>
+</file>
+
+<file path=ppt/slides/slide5.xml><?xml version="1.0" encoding="utf-8"?>
+<p:sld xmlns:a="http://schemas.openxmlformats.org/drawingml/2006/main" xmlns:r="http://schemas.openxmlformats.org/officeDocument/2006/relationships" xmlns:p="http://schemas.openxmlformats.org/presentationml/2006/main">
+  <p:cSld>
+    <p:spTree>
+      <p:nvGrpSpPr>
+        <p:cNvPr id="1" name=""/>
+        <p:cNvGrpSpPr/>
+        <p:nvPr/>
+      </p:nvGrpSpPr>
+      <p:grpSpPr>
+        <a:xfrm>
+          <a:off x="0" y="0"/>
+          <a:ext cx="0" cy="0"/>
+          <a:chOff x="0" y="0"/>
+          <a:chExt cx="0" cy="0"/>
+        </a:xfrm>
+      </p:grpSpPr>
+      <p:sp>
+        <p:nvSpPr>
+          <p:cNvPr id="2" name="Título 1">
+            <a:extLst>
+              <a:ext uri="{FF2B5EF4-FFF2-40B4-BE49-F238E27FC236}">
+                <a16:creationId xmlns:a16="http://schemas.microsoft.com/office/drawing/2014/main" id="{CB3FFAE1-D83D-4A35-BEA7-A04966D75E69}"/>
+              </a:ext>
+            </a:extLst>
+          </p:cNvPr>
+          <p:cNvSpPr>
+            <a:spLocks noGrp="1"/>
+          </p:cNvSpPr>
+          <p:nvPr>
+            <p:ph type="title"/>
+          </p:nvPr>
+        </p:nvSpPr>
+        <p:spPr/>
+        <p:txBody>
+          <a:bodyPr/>
+          <a:lstStyle/>
+          <a:p>
+            <a:r>
+              <a:rPr lang="pt-BR" dirty="0"/>
+              <a:t>O que é o </a:t>
+            </a:r>
+            <a:r>
+              <a:rPr lang="pt-BR" dirty="0" err="1"/>
+              <a:t>enem</a:t>
+            </a:r>
+            <a:r>
+              <a:rPr lang="pt-BR" dirty="0"/>
+              <a:t>?</a:t>
+            </a:r>
+          </a:p>
+        </p:txBody>
+      </p:sp>
+      <p:sp>
+        <p:nvSpPr>
+          <p:cNvPr id="3" name="Espaço Reservado para Conteúdo 2">
+            <a:extLst>
+              <a:ext uri="{FF2B5EF4-FFF2-40B4-BE49-F238E27FC236}">
+                <a16:creationId xmlns:a16="http://schemas.microsoft.com/office/drawing/2014/main" id="{CF3F8C7A-EC56-4447-AACF-498405F209E7}"/>
+              </a:ext>
+            </a:extLst>
+          </p:cNvPr>
+          <p:cNvSpPr>
+            <a:spLocks noGrp="1"/>
+          </p:cNvSpPr>
+          <p:nvPr>
+            <p:ph idx="1"/>
+          </p:nvPr>
+        </p:nvSpPr>
+        <p:spPr>
+          <a:xfrm>
+            <a:off x="2231136" y="2359152"/>
+            <a:ext cx="7729728" cy="3380875"/>
+          </a:xfrm>
+        </p:spPr>
+        <p:txBody>
+          <a:bodyPr/>
+          <a:lstStyle/>
+          <a:p>
+            <a:pPr algn="just"/>
+            <a:r>
+              <a:rPr lang="pt-BR" dirty="0"/>
+              <a:t>Exame Nacional de Ensino Médio que tem por objetivo avaliar a qualidade do Ensino Médio Brasileiro. </a:t>
+            </a:r>
+          </a:p>
+          <a:p>
+            <a:pPr algn="just"/>
+            <a:r>
+              <a:rPr lang="pt-BR" dirty="0"/>
+              <a:t>As provas são divididas em: Ciência da Natureza, Ciência Humanas, Linguagens e Códigos (com a Redação).</a:t>
+            </a:r>
+          </a:p>
+          <a:p>
+            <a:r>
+              <a:rPr lang="pt-BR" dirty="0"/>
+              <a:t>O exame contém ao total 180 questões objetivas e uma prova discursa.</a:t>
+            </a:r>
+          </a:p>
+          <a:p>
+            <a:r>
+              <a:rPr lang="pt-BR" dirty="0"/>
+              <a:t>As provas são dividas em cores como: amarela, azul, branca e rosa, porém as cores podem mudar de acordo com o ano.</a:t>
+            </a:r>
+          </a:p>
+        </p:txBody>
+      </p:sp>
+    </p:spTree>
+    <p:extLst>
+      <p:ext uri="{BB962C8B-B14F-4D97-AF65-F5344CB8AC3E}">
+        <p14:creationId xmlns:p14="http://schemas.microsoft.com/office/powerpoint/2010/main" val="1380718363"/>
+      </p:ext>
+    </p:extLst>
+  </p:cSld>
+  <p:clrMapOvr>
+    <a:masterClrMapping/>
+  </p:clrMapOvr>
+</p:sld>
+</file>
+
+<file path=ppt/slides/slide6.xml><?xml version="1.0" encoding="utf-8"?>
+<p:sld xmlns:a="http://schemas.openxmlformats.org/drawingml/2006/main" xmlns:r="http://schemas.openxmlformats.org/officeDocument/2006/relationships" xmlns:p="http://schemas.openxmlformats.org/presentationml/2006/main">
+  <p:cSld>
+    <p:spTree>
+      <p:nvGrpSpPr>
+        <p:cNvPr id="1" name=""/>
+        <p:cNvGrpSpPr/>
+        <p:nvPr/>
+      </p:nvGrpSpPr>
+      <p:grpSpPr>
+        <a:xfrm>
+          <a:off x="0" y="0"/>
+          <a:ext cx="0" cy="0"/>
+          <a:chOff x="0" y="0"/>
+          <a:chExt cx="0" cy="0"/>
+        </a:xfrm>
+      </p:grpSpPr>
+      <p:sp>
+        <p:nvSpPr>
+          <p:cNvPr id="2" name="Título 1">
+            <a:extLst>
+              <a:ext uri="{FF2B5EF4-FFF2-40B4-BE49-F238E27FC236}">
+                <a16:creationId xmlns:a16="http://schemas.microsoft.com/office/drawing/2014/main" id="{27A9E124-2A85-4DCA-B085-C790C652574B}"/>
+              </a:ext>
+            </a:extLst>
+          </p:cNvPr>
+          <p:cNvSpPr>
+            <a:spLocks noGrp="1"/>
+          </p:cNvSpPr>
+          <p:nvPr>
+            <p:ph type="title"/>
+          </p:nvPr>
+        </p:nvSpPr>
+        <p:spPr>
+          <a:xfrm>
+            <a:off x="2417749" y="1"/>
+            <a:ext cx="7729728" cy="578498"/>
+          </a:xfrm>
+        </p:spPr>
+        <p:txBody>
+          <a:bodyPr>
+            <a:normAutofit fontScale="90000"/>
+          </a:bodyPr>
+          <a:lstStyle/>
+          <a:p>
+            <a:r>
+              <a:rPr lang="pt-BR" dirty="0"/>
+              <a:t>MODELO CONCEITUAL</a:t>
+            </a:r>
+          </a:p>
+        </p:txBody>
+      </p:sp>
+      <p:pic>
+        <p:nvPicPr>
+          <p:cNvPr id="4" name="Imagem 3" descr="Diagrama, Esquemático&#10;&#10;Descrição gerada automaticamente">
+            <a:extLst>
+              <a:ext uri="{FF2B5EF4-FFF2-40B4-BE49-F238E27FC236}">
+                <a16:creationId xmlns:a16="http://schemas.microsoft.com/office/drawing/2014/main" id="{0723FB66-1A7E-46FA-AE76-CB81EB8A287E}"/>
+              </a:ext>
+            </a:extLst>
+          </p:cNvPr>
+          <p:cNvPicPr>
+            <a:picLocks noChangeAspect="1"/>
+          </p:cNvPicPr>
+          <p:nvPr/>
+        </p:nvPicPr>
+        <p:blipFill>
+          <a:blip r:embed="rId2">
+            <a:extLst>
+              <a:ext uri="{28A0092B-C50C-407E-A947-70E740481C1C}">
+                <a14:useLocalDpi xmlns:a14="http://schemas.microsoft.com/office/drawing/2010/main" val="0"/>
+              </a:ext>
+            </a:extLst>
+          </a:blip>
+          <a:stretch>
+            <a:fillRect/>
+          </a:stretch>
+        </p:blipFill>
+        <p:spPr>
+          <a:xfrm>
+            <a:off x="0" y="662474"/>
+            <a:ext cx="12192000" cy="6195526"/>
+          </a:xfrm>
+          <a:prstGeom prst="rect">
+            <a:avLst/>
+          </a:prstGeom>
+        </p:spPr>
+      </p:pic>
+    </p:spTree>
+    <p:extLst>
+      <p:ext uri="{BB962C8B-B14F-4D97-AF65-F5344CB8AC3E}">
+        <p14:creationId xmlns:p14="http://schemas.microsoft.com/office/powerpoint/2010/main" val="2125985074"/>
+      </p:ext>
+    </p:extLst>
+  </p:cSld>
+  <p:clrMapOvr>
+    <a:masterClrMapping/>
+  </p:clrMapOvr>
+</p:sld>
+</file>
+
+<file path=ppt/slides/slide7.xml><?xml version="1.0" encoding="utf-8"?>
+<p:sld xmlns:a="http://schemas.openxmlformats.org/drawingml/2006/main" xmlns:r="http://schemas.openxmlformats.org/officeDocument/2006/relationships" xmlns:p="http://schemas.openxmlformats.org/presentationml/2006/main">
+  <p:cSld>
+    <p:spTree>
+      <p:nvGrpSpPr>
+        <p:cNvPr id="1" name=""/>
+        <p:cNvGrpSpPr/>
+        <p:nvPr/>
+      </p:nvGrpSpPr>
+      <p:grpSpPr>
+        <a:xfrm>
+          <a:off x="0" y="0"/>
+          <a:ext cx="0" cy="0"/>
+          <a:chOff x="0" y="0"/>
+          <a:chExt cx="0" cy="0"/>
+        </a:xfrm>
+      </p:grpSpPr>
+      <p:sp>
+        <p:nvSpPr>
+          <p:cNvPr id="2" name="Título 1">
+            <a:extLst>
+              <a:ext uri="{FF2B5EF4-FFF2-40B4-BE49-F238E27FC236}">
+                <a16:creationId xmlns:a16="http://schemas.microsoft.com/office/drawing/2014/main" id="{DEA205FE-3801-415D-B3CF-AC68802183C2}"/>
+              </a:ext>
+            </a:extLst>
+          </p:cNvPr>
+          <p:cNvSpPr>
+            <a:spLocks noGrp="1"/>
+          </p:cNvSpPr>
+          <p:nvPr>
+            <p:ph type="title"/>
+          </p:nvPr>
+        </p:nvSpPr>
+        <p:spPr>
+          <a:xfrm>
+            <a:off x="2231135" y="65315"/>
+            <a:ext cx="7729728" cy="569168"/>
+          </a:xfrm>
+        </p:spPr>
+        <p:txBody>
+          <a:bodyPr>
+            <a:normAutofit fontScale="90000"/>
+          </a:bodyPr>
+          <a:lstStyle/>
+          <a:p>
+            <a:r>
+              <a:rPr lang="pt-BR" dirty="0"/>
+              <a:t>MODELO lógico</a:t>
+            </a:r>
+          </a:p>
+        </p:txBody>
+      </p:sp>
+      <p:pic>
+        <p:nvPicPr>
+          <p:cNvPr id="5" name="Imagem 4" descr="Diagrama&#10;&#10;Descrição gerada automaticamente">
+            <a:extLst>
+              <a:ext uri="{FF2B5EF4-FFF2-40B4-BE49-F238E27FC236}">
+                <a16:creationId xmlns:a16="http://schemas.microsoft.com/office/drawing/2014/main" id="{762F17E1-BEE4-4F33-BE89-A17CD547582A}"/>
+              </a:ext>
+            </a:extLst>
+          </p:cNvPr>
+          <p:cNvPicPr>
+            <a:picLocks noChangeAspect="1"/>
+          </p:cNvPicPr>
+          <p:nvPr/>
+        </p:nvPicPr>
+        <p:blipFill>
+          <a:blip r:embed="rId3">
+            <a:extLst>
+              <a:ext uri="{28A0092B-C50C-407E-A947-70E740481C1C}">
+                <a14:useLocalDpi xmlns:a14="http://schemas.microsoft.com/office/drawing/2010/main" val="0"/>
+              </a:ext>
+            </a:extLst>
+          </a:blip>
+          <a:stretch>
+            <a:fillRect/>
+          </a:stretch>
+        </p:blipFill>
+        <p:spPr>
+          <a:xfrm>
+            <a:off x="1" y="718457"/>
+            <a:ext cx="12192000" cy="6074229"/>
+          </a:xfrm>
+          <a:prstGeom prst="rect">
+            <a:avLst/>
+          </a:prstGeom>
+        </p:spPr>
+      </p:pic>
+    </p:spTree>
+    <p:extLst>
+      <p:ext uri="{BB962C8B-B14F-4D97-AF65-F5344CB8AC3E}">
+        <p14:creationId xmlns:p14="http://schemas.microsoft.com/office/powerpoint/2010/main" val="2348554424"/>
+      </p:ext>
+    </p:extLst>
+  </p:cSld>
+  <p:clrMapOvr>
+    <a:masterClrMapping/>
+  </p:clrMapOvr>
+</p:sld>
+</file>
+
+<file path=ppt/slides/slide8.xml><?xml version="1.0" encoding="utf-8"?>
+<p:sld xmlns:a="http://schemas.openxmlformats.org/drawingml/2006/main" xmlns:r="http://schemas.openxmlformats.org/officeDocument/2006/relationships" xmlns:p="http://schemas.openxmlformats.org/presentationml/2006/main">
+  <p:cSld>
+    <p:spTree>
+      <p:nvGrpSpPr>
+        <p:cNvPr id="1" name=""/>
+        <p:cNvGrpSpPr/>
+        <p:nvPr/>
+      </p:nvGrpSpPr>
+      <p:grpSpPr>
+        <a:xfrm>
+          <a:off x="0" y="0"/>
+          <a:ext cx="0" cy="0"/>
+          <a:chOff x="0" y="0"/>
+          <a:chExt cx="0" cy="0"/>
+        </a:xfrm>
+      </p:grpSpPr>
+      <p:sp>
+        <p:nvSpPr>
+          <p:cNvPr id="2" name="Título 1">
+            <a:extLst>
+              <a:ext uri="{FF2B5EF4-FFF2-40B4-BE49-F238E27FC236}">
+                <a16:creationId xmlns:a16="http://schemas.microsoft.com/office/drawing/2014/main" id="{B89C9709-FA34-4CD6-8FA2-8861B8B7D31A}"/>
+              </a:ext>
+            </a:extLst>
+          </p:cNvPr>
+          <p:cNvSpPr>
+            <a:spLocks noGrp="1"/>
+          </p:cNvSpPr>
+          <p:nvPr>
+            <p:ph type="title"/>
+          </p:nvPr>
+        </p:nvSpPr>
+        <p:spPr/>
+        <p:txBody>
+          <a:bodyPr/>
+          <a:lstStyle/>
+          <a:p>
+            <a:r>
+              <a:rPr lang="pt-BR" dirty="0"/>
+              <a:t>resultados</a:t>
+            </a:r>
+          </a:p>
+        </p:txBody>
+      </p:sp>
+      <p:sp>
+        <p:nvSpPr>
+          <p:cNvPr id="3" name="Espaço Reservado para Conteúdo 2">
+            <a:extLst>
+              <a:ext uri="{FF2B5EF4-FFF2-40B4-BE49-F238E27FC236}">
+                <a16:creationId xmlns:a16="http://schemas.microsoft.com/office/drawing/2014/main" id="{FE487595-0C4A-47C0-9340-617A5A8351FB}"/>
+              </a:ext>
+            </a:extLst>
+          </p:cNvPr>
+          <p:cNvSpPr>
+            <a:spLocks noGrp="1"/>
+          </p:cNvSpPr>
+          <p:nvPr>
+            <p:ph idx="1"/>
+          </p:nvPr>
+        </p:nvSpPr>
+        <p:spPr/>
+        <p:txBody>
+          <a:bodyPr/>
+          <a:lstStyle/>
+          <a:p>
+            <a:r>
+              <a:rPr lang="pt-BR" dirty="0"/>
+              <a:t>Respostas das perguntas que foram base do DW.</a:t>
+            </a:r>
+          </a:p>
+          <a:p>
+            <a:r>
+              <a:rPr lang="pt-BR" dirty="0"/>
+              <a:t>Disponibilização de uma infraestrutura fim-a-fim para os dados DW.</a:t>
+            </a:r>
+          </a:p>
+          <a:p>
+            <a:r>
+              <a:rPr lang="pt-BR" dirty="0"/>
+              <a:t>Visualização de dados através dos gráficos gerados pela ferramenta </a:t>
+            </a:r>
+            <a:r>
+              <a:rPr lang="pt-BR" i="1" dirty="0"/>
+              <a:t>PowerBi</a:t>
+            </a:r>
+            <a:r>
+              <a:rPr lang="pt-BR" dirty="0"/>
+              <a:t>.</a:t>
+            </a:r>
+          </a:p>
+          <a:p>
+            <a:r>
+              <a:rPr lang="pt-BR" dirty="0"/>
+              <a:t>A análise de desempenho do DW: </a:t>
+            </a:r>
+            <a:br>
+              <a:rPr lang="pt-BR" dirty="0"/>
+            </a:br>
+            <a:r>
+              <a:rPr lang="pt-BR" dirty="0"/>
+              <a:t>Média dos alunos agrupados por: estado, área da prova e ano do Enem.</a:t>
+            </a:r>
+            <a:br>
+              <a:rPr lang="pt-BR" dirty="0"/>
+            </a:br>
+            <a:endParaRPr lang="pt-BR" dirty="0"/>
+          </a:p>
+        </p:txBody>
+      </p:sp>
+      <p:graphicFrame>
+        <p:nvGraphicFramePr>
+          <p:cNvPr id="4" name="Tabela 4">
+            <a:extLst>
+              <a:ext uri="{FF2B5EF4-FFF2-40B4-BE49-F238E27FC236}">
+                <a16:creationId xmlns:a16="http://schemas.microsoft.com/office/drawing/2014/main" id="{9FBDF2C0-7D64-4A95-B57C-92DC0E63C6E3}"/>
+              </a:ext>
+            </a:extLst>
+          </p:cNvPr>
+          <p:cNvGraphicFramePr>
+            <a:graphicFrameLocks noGrp="1"/>
+          </p:cNvGraphicFramePr>
+          <p:nvPr>
+            <p:extLst>
+              <p:ext uri="{D42A27DB-BD31-4B8C-83A1-F6EECF244321}">
+                <p14:modId xmlns:p14="http://schemas.microsoft.com/office/powerpoint/2010/main" val="1045072540"/>
+              </p:ext>
+            </p:extLst>
+          </p:nvPr>
+        </p:nvGraphicFramePr>
+        <p:xfrm>
+          <a:off x="2497328" y="4442290"/>
+          <a:ext cx="6975856" cy="731520"/>
+        </p:xfrm>
+        <a:graphic>
+          <a:graphicData uri="http://schemas.openxmlformats.org/drawingml/2006/table">
+            <a:tbl>
+              <a:tblPr firstRow="1" bandRow="1">
+                <a:tableStyleId>{5C22544A-7EE6-4342-B048-85BDC9FD1C3A}</a:tableStyleId>
+              </a:tblPr>
+              <a:tblGrid>
+                <a:gridCol w="3487928">
+                  <a:extLst>
+                    <a:ext uri="{9D8B030D-6E8A-4147-A177-3AD203B41FA5}">
+                      <a16:colId xmlns:a16="http://schemas.microsoft.com/office/drawing/2014/main" val="3761727199"/>
+                    </a:ext>
+                  </a:extLst>
+                </a:gridCol>
+                <a:gridCol w="3487928">
+                  <a:extLst>
+                    <a:ext uri="{9D8B030D-6E8A-4147-A177-3AD203B41FA5}">
+                      <a16:colId xmlns:a16="http://schemas.microsoft.com/office/drawing/2014/main" val="1451528394"/>
+                    </a:ext>
+                  </a:extLst>
+                </a:gridCol>
+              </a:tblGrid>
+              <a:tr h="0">
+                <a:tc>
+                  <a:txBody>
+                    <a:bodyPr/>
+                    <a:lstStyle/>
+                    <a:p>
+                      <a:pPr algn="ctr"/>
+                      <a:r>
+                        <a:rPr lang="pt-BR" b="0" dirty="0">
+                          <a:solidFill>
+                            <a:schemeClr val="tx1"/>
+                          </a:solidFill>
+                        </a:rPr>
+                        <a:t>Transacional</a:t>
+                      </a:r>
+                    </a:p>
+                  </a:txBody>
+                  <a:tcPr>
+                    <a:noFill/>
+                  </a:tcPr>
+                </a:tc>
+                <a:tc>
+                  <a:txBody>
+                    <a:bodyPr/>
+                    <a:lstStyle/>
+                    <a:p>
+                      <a:pPr algn="ctr"/>
+                      <a:r>
+                        <a:rPr lang="pt-BR" b="0" dirty="0">
+                          <a:solidFill>
+                            <a:schemeClr val="tx1"/>
+                          </a:solidFill>
+                        </a:rPr>
+                        <a:t>DW</a:t>
+                      </a:r>
+                    </a:p>
+                  </a:txBody>
+                  <a:tcPr>
+                    <a:noFill/>
+                  </a:tcPr>
+                </a:tc>
+                <a:extLst>
+                  <a:ext uri="{0D108BD9-81ED-4DB2-BD59-A6C34878D82A}">
+                    <a16:rowId xmlns:a16="http://schemas.microsoft.com/office/drawing/2014/main" val="3380088079"/>
+                  </a:ext>
+                </a:extLst>
+              </a:tr>
+              <a:tr h="0">
+                <a:tc>
+                  <a:txBody>
+                    <a:bodyPr/>
+                    <a:lstStyle/>
+                    <a:p>
+                      <a:pPr algn="ctr"/>
+                      <a:r>
+                        <a:rPr lang="pt-BR" dirty="0"/>
+                        <a:t>3 min</a:t>
+                      </a:r>
+                    </a:p>
+                  </a:txBody>
+                  <a:tcPr>
+                    <a:noFill/>
+                  </a:tcPr>
+                </a:tc>
+                <a:tc>
+                  <a:txBody>
+                    <a:bodyPr/>
+                    <a:lstStyle/>
+                    <a:p>
+                      <a:pPr marL="0" marR="0" lvl="0" indent="0" algn="ctr" defTabSz="914400" rtl="0" eaLnBrk="1" fontAlgn="auto" latinLnBrk="0" hangingPunct="1">
+                        <a:lnSpc>
+                          <a:spcPct val="100000"/>
+                        </a:lnSpc>
+                        <a:spcBef>
+                          <a:spcPts val="0"/>
+                        </a:spcBef>
+                        <a:spcAft>
+                          <a:spcPts val="0"/>
+                        </a:spcAft>
+                        <a:buClrTx/>
+                        <a:buSzTx/>
+                        <a:buFontTx/>
+                        <a:buNone/>
+                        <a:tabLst/>
+                        <a:defRPr/>
+                      </a:pPr>
+                      <a:r>
+                        <a:rPr lang="pt-BR" dirty="0"/>
+                        <a:t>1min 9 </a:t>
+                      </a:r>
+                      <a:r>
+                        <a:rPr lang="pt-BR" dirty="0" err="1"/>
+                        <a:t>secs</a:t>
+                      </a:r>
+                      <a:endParaRPr lang="pt-BR" dirty="0"/>
+                    </a:p>
+                  </a:txBody>
+                  <a:tcPr>
+                    <a:noFill/>
+                  </a:tcPr>
+                </a:tc>
+                <a:extLst>
+                  <a:ext uri="{0D108BD9-81ED-4DB2-BD59-A6C34878D82A}">
+                    <a16:rowId xmlns:a16="http://schemas.microsoft.com/office/drawing/2014/main" val="936073560"/>
+                  </a:ext>
+                </a:extLst>
+              </a:tr>
+            </a:tbl>
+          </a:graphicData>
+        </a:graphic>
+      </p:graphicFrame>
+    </p:spTree>
+    <p:extLst>
+      <p:ext uri="{BB962C8B-B14F-4D97-AF65-F5344CB8AC3E}">
+        <p14:creationId xmlns:p14="http://schemas.microsoft.com/office/powerpoint/2010/main" val="2995042864"/>
+      </p:ext>
+    </p:extLst>
+  </p:cSld>
+  <p:clrMapOvr>
+    <a:masterClrMapping/>
+  </p:clrMapOvr>
+</p:sld>
+</file>
+
+<file path=ppt/slides/slide9.xml><?xml version="1.0" encoding="utf-8"?>
+<p:sld xmlns:a="http://schemas.openxmlformats.org/drawingml/2006/main" xmlns:r="http://schemas.openxmlformats.org/officeDocument/2006/relationships" xmlns:p="http://schemas.openxmlformats.org/presentationml/2006/main">
+  <p:cSld>
+    <p:spTree>
+      <p:nvGrpSpPr>
+        <p:cNvPr id="1" name=""/>
+        <p:cNvGrpSpPr/>
+        <p:nvPr/>
+      </p:nvGrpSpPr>
+      <p:grpSpPr>
+        <a:xfrm>
+          <a:off x="0" y="0"/>
+          <a:ext cx="0" cy="0"/>
+          <a:chOff x="0" y="0"/>
+          <a:chExt cx="0" cy="0"/>
+        </a:xfrm>
+      </p:grpSpPr>
+      <p:sp>
+        <p:nvSpPr>
+          <p:cNvPr id="2" name="Título 1">
+            <a:extLst>
+              <a:ext uri="{FF2B5EF4-FFF2-40B4-BE49-F238E27FC236}">
+                <a16:creationId xmlns:a16="http://schemas.microsoft.com/office/drawing/2014/main" id="{46A95C4D-FEDB-4D6F-9A85-8D656F0138B4}"/>
+              </a:ext>
+            </a:extLst>
+          </p:cNvPr>
+          <p:cNvSpPr>
+            <a:spLocks noGrp="1"/>
+          </p:cNvSpPr>
+          <p:nvPr>
+            <p:ph type="title"/>
+          </p:nvPr>
+        </p:nvSpPr>
+        <p:spPr/>
+        <p:txBody>
+          <a:bodyPr/>
+          <a:lstStyle/>
+          <a:p>
+            <a:r>
+              <a:rPr lang="pt-BR" dirty="0"/>
+              <a:t>Limitações</a:t>
+            </a:r>
+          </a:p>
+        </p:txBody>
+      </p:sp>
+      <p:sp>
+        <p:nvSpPr>
+          <p:cNvPr id="3" name="Espaço Reservado para Conteúdo 2">
+            <a:extLst>
+              <a:ext uri="{FF2B5EF4-FFF2-40B4-BE49-F238E27FC236}">
+                <a16:creationId xmlns:a16="http://schemas.microsoft.com/office/drawing/2014/main" id="{73190E5A-FB2B-41E3-8959-40D8E8B89DC5}"/>
+              </a:ext>
+            </a:extLst>
+          </p:cNvPr>
+          <p:cNvSpPr>
+            <a:spLocks noGrp="1"/>
+          </p:cNvSpPr>
+          <p:nvPr>
+            <p:ph idx="1"/>
+          </p:nvPr>
+        </p:nvSpPr>
+        <p:spPr/>
+        <p:txBody>
+          <a:bodyPr/>
+          <a:lstStyle/>
+          <a:p>
+            <a:r>
+              <a:rPr lang="pt-BR" dirty="0"/>
+              <a:t>Padronização dos dados.</a:t>
+            </a:r>
+          </a:p>
+          <a:p>
+            <a:r>
+              <a:rPr lang="pt-BR" dirty="0"/>
+              <a:t>Criação da infraestrutura.</a:t>
+            </a:r>
+          </a:p>
+          <a:p>
+            <a:r>
+              <a:rPr lang="pt-BR" dirty="0"/>
+              <a:t>Armazenamento dos dados.</a:t>
+            </a:r>
+          </a:p>
+          <a:p>
+            <a:r>
+              <a:rPr lang="pt-BR" dirty="0"/>
+              <a:t>Capacidade de processamento dos dados.</a:t>
+            </a:r>
+          </a:p>
+        </p:txBody>
+      </p:sp>
+    </p:spTree>
+    <p:extLst>
+      <p:ext uri="{BB962C8B-B14F-4D97-AF65-F5344CB8AC3E}">
+        <p14:creationId xmlns:p14="http://schemas.microsoft.com/office/powerpoint/2010/main" val="493301709"/>
       </p:ext>
     </p:extLst>
   </p:cSld>
@@ -4216,4 +5715,299 @@
     </a:ext>
   </a:extLst>
 </a:theme>
+</file>
+
+<file path=ppt/theme/theme2.xml><?xml version="1.0" encoding="utf-8"?>
+<a:theme xmlns:a="http://schemas.openxmlformats.org/drawingml/2006/main" name="Tema do Office">
+  <a:themeElements>
+    <a:clrScheme name="Office">
+      <a:dk1>
+        <a:sysClr val="windowText" lastClr="000000"/>
+      </a:dk1>
+      <a:lt1>
+        <a:sysClr val="window" lastClr="FFFFFF"/>
+      </a:lt1>
+      <a:dk2>
+        <a:srgbClr val="44546A"/>
+      </a:dk2>
+      <a:lt2>
+        <a:srgbClr val="E7E6E6"/>
+      </a:lt2>
+      <a:accent1>
+        <a:srgbClr val="4472C4"/>
+      </a:accent1>
+      <a:accent2>
+        <a:srgbClr val="ED7D31"/>
+      </a:accent2>
+      <a:accent3>
+        <a:srgbClr val="A5A5A5"/>
+      </a:accent3>
+      <a:accent4>
+        <a:srgbClr val="FFC000"/>
+      </a:accent4>
+      <a:accent5>
+        <a:srgbClr val="5B9BD5"/>
+      </a:accent5>
+      <a:accent6>
+        <a:srgbClr val="70AD47"/>
+      </a:accent6>
+      <a:hlink>
+        <a:srgbClr val="0563C1"/>
+      </a:hlink>
+      <a:folHlink>
+        <a:srgbClr val="954F72"/>
+      </a:folHlink>
+    </a:clrScheme>
+    <a:fontScheme name="Office">
+      <a:majorFont>
+        <a:latin typeface="Calibri Light" panose="020F0302020204030204"/>
+        <a:ea typeface=""/>
+        <a:cs typeface=""/>
+        <a:font script="Jpan" typeface="游ゴシック Light"/>
+        <a:font script="Hang" typeface="맑은 고딕"/>
+        <a:font script="Hans" typeface="等线 Light"/>
+        <a:font script="Hant" typeface="新細明體"/>
+        <a:font script="Arab" typeface="Times New Roman"/>
+        <a:font script="Hebr" typeface="Times New Roman"/>
+        <a:font script="Thai" typeface="Angsana New"/>
+        <a:font script="Ethi" typeface="Nyala"/>
+        <a:font script="Beng" typeface="Vrinda"/>
+        <a:font script="Gujr" typeface="Shruti"/>
+        <a:font script="Khmr" typeface="MoolBoran"/>
+        <a:font script="Knda" typeface="Tunga"/>
+        <a:font script="Guru" typeface="Raavi"/>
+        <a:font script="Cans" typeface="Euphemia"/>
+        <a:font script="Cher" typeface="Plantagenet Cherokee"/>
+        <a:font script="Yiii" typeface="Microsoft Yi Baiti"/>
+        <a:font script="Tibt" typeface="Microsoft Himalaya"/>
+        <a:font script="Thaa" typeface="MV Boli"/>
+        <a:font script="Deva" typeface="Mangal"/>
+        <a:font script="Telu" typeface="Gautami"/>
+        <a:font script="Taml" typeface="Latha"/>
+        <a:font script="Syrc" typeface="Estrangelo Edessa"/>
+        <a:font script="Orya" typeface="Kalinga"/>
+        <a:font script="Mlym" typeface="Kartika"/>
+        <a:font script="Laoo" typeface="DokChampa"/>
+        <a:font script="Sinh" typeface="Iskoola Pota"/>
+        <a:font script="Mong" typeface="Mongolian Baiti"/>
+        <a:font script="Viet" typeface="Times New Roman"/>
+        <a:font script="Uigh" typeface="Microsoft Uighur"/>
+        <a:font script="Geor" typeface="Sylfaen"/>
+        <a:font script="Armn" typeface="Arial"/>
+        <a:font script="Bugi" typeface="Leelawadee UI"/>
+        <a:font script="Bopo" typeface="Microsoft JhengHei"/>
+        <a:font script="Java" typeface="Javanese Text"/>
+        <a:font script="Lisu" typeface="Segoe UI"/>
+        <a:font script="Mymr" typeface="Myanmar Text"/>
+        <a:font script="Nkoo" typeface="Ebrima"/>
+        <a:font script="Olck" typeface="Nirmala UI"/>
+        <a:font script="Osma" typeface="Ebrima"/>
+        <a:font script="Phag" typeface="Phagspa"/>
+        <a:font script="Syrn" typeface="Estrangelo Edessa"/>
+        <a:font script="Syrj" typeface="Estrangelo Edessa"/>
+        <a:font script="Syre" typeface="Estrangelo Edessa"/>
+        <a:font script="Sora" typeface="Nirmala UI"/>
+        <a:font script="Tale" typeface="Microsoft Tai Le"/>
+        <a:font script="Talu" typeface="Microsoft New Tai Lue"/>
+        <a:font script="Tfng" typeface="Ebrima"/>
+      </a:majorFont>
+      <a:minorFont>
+        <a:latin typeface="Calibri" panose="020F0502020204030204"/>
+        <a:ea typeface=""/>
+        <a:cs typeface=""/>
+        <a:font script="Jpan" typeface="游ゴシック"/>
+        <a:font script="Hang" typeface="맑은 고딕"/>
+        <a:font script="Hans" typeface="等线"/>
+        <a:font script="Hant" typeface="新細明體"/>
+        <a:font script="Arab" typeface="Arial"/>
+        <a:font script="Hebr" typeface="Arial"/>
+        <a:font script="Thai" typeface="Cordia New"/>
+        <a:font script="Ethi" typeface="Nyala"/>
+        <a:font script="Beng" typeface="Vrinda"/>
+        <a:font script="Gujr" typeface="Shruti"/>
+        <a:font script="Khmr" typeface="DaunPenh"/>
+        <a:font script="Knda" typeface="Tunga"/>
+        <a:font script="Guru" typeface="Raavi"/>
+        <a:font script="Cans" typeface="Euphemia"/>
+        <a:font script="Cher" typeface="Plantagenet Cherokee"/>
+        <a:font script="Yiii" typeface="Microsoft Yi Baiti"/>
+        <a:font script="Tibt" typeface="Microsoft Himalaya"/>
+        <a:font script="Thaa" typeface="MV Boli"/>
+        <a:font script="Deva" typeface="Mangal"/>
+        <a:font script="Telu" typeface="Gautami"/>
+        <a:font script="Taml" typeface="Latha"/>
+        <a:font script="Syrc" typeface="Estrangelo Edessa"/>
+        <a:font script="Orya" typeface="Kalinga"/>
+        <a:font script="Mlym" typeface="Kartika"/>
+        <a:font script="Laoo" typeface="DokChampa"/>
+        <a:font script="Sinh" typeface="Iskoola Pota"/>
+        <a:font script="Mong" typeface="Mongolian Baiti"/>
+        <a:font script="Viet" typeface="Arial"/>
+        <a:font script="Uigh" typeface="Microsoft Uighur"/>
+        <a:font script="Geor" typeface="Sylfaen"/>
+        <a:font script="Armn" typeface="Arial"/>
+        <a:font script="Bugi" typeface="Leelawadee UI"/>
+        <a:font script="Bopo" typeface="Microsoft JhengHei"/>
+        <a:font script="Java" typeface="Javanese Text"/>
+        <a:font script="Lisu" typeface="Segoe UI"/>
+        <a:font script="Mymr" typeface="Myanmar Text"/>
+        <a:font script="Nkoo" typeface="Ebrima"/>
+        <a:font script="Olck" typeface="Nirmala UI"/>
+        <a:font script="Osma" typeface="Ebrima"/>
+        <a:font script="Phag" typeface="Phagspa"/>
+        <a:font script="Syrn" typeface="Estrangelo Edessa"/>
+        <a:font script="Syrj" typeface="Estrangelo Edessa"/>
+        <a:font script="Syre" typeface="Estrangelo Edessa"/>
+        <a:font script="Sora" typeface="Nirmala UI"/>
+        <a:font script="Tale" typeface="Microsoft Tai Le"/>
+        <a:font script="Talu" typeface="Microsoft New Tai Lue"/>
+        <a:font script="Tfng" typeface="Ebrima"/>
+      </a:minorFont>
+    </a:fontScheme>
+    <a:fmtScheme name="Office">
+      <a:fillStyleLst>
+        <a:solidFill>
+          <a:schemeClr val="phClr"/>
+        </a:solidFill>
+        <a:gradFill rotWithShape="1">
+          <a:gsLst>
+            <a:gs pos="0">
+              <a:schemeClr val="phClr">
+                <a:lumMod val="110000"/>
+                <a:satMod val="105000"/>
+                <a:tint val="67000"/>
+              </a:schemeClr>
+            </a:gs>
+            <a:gs pos="50000">
+              <a:schemeClr val="phClr">
+                <a:lumMod val="105000"/>
+                <a:satMod val="103000"/>
+                <a:tint val="73000"/>
+              </a:schemeClr>
+            </a:gs>
+            <a:gs pos="100000">
+              <a:schemeClr val="phClr">
+                <a:lumMod val="105000"/>
+                <a:satMod val="109000"/>
+                <a:tint val="81000"/>
+              </a:schemeClr>
+            </a:gs>
+          </a:gsLst>
+          <a:lin ang="5400000" scaled="0"/>
+        </a:gradFill>
+        <a:gradFill rotWithShape="1">
+          <a:gsLst>
+            <a:gs pos="0">
+              <a:schemeClr val="phClr">
+                <a:satMod val="103000"/>
+                <a:lumMod val="102000"/>
+                <a:tint val="94000"/>
+              </a:schemeClr>
+            </a:gs>
+            <a:gs pos="50000">
+              <a:schemeClr val="phClr">
+                <a:satMod val="110000"/>
+                <a:lumMod val="100000"/>
+                <a:shade val="100000"/>
+              </a:schemeClr>
+            </a:gs>
+            <a:gs pos="100000">
+              <a:schemeClr val="phClr">
+                <a:lumMod val="99000"/>
+                <a:satMod val="120000"/>
+                <a:shade val="78000"/>
+              </a:schemeClr>
+            </a:gs>
+          </a:gsLst>
+          <a:lin ang="5400000" scaled="0"/>
+        </a:gradFill>
+      </a:fillStyleLst>
+      <a:lnStyleLst>
+        <a:ln w="6350" cap="flat" cmpd="sng" algn="ctr">
+          <a:solidFill>
+            <a:schemeClr val="phClr"/>
+          </a:solidFill>
+          <a:prstDash val="solid"/>
+          <a:miter lim="800000"/>
+        </a:ln>
+        <a:ln w="12700" cap="flat" cmpd="sng" algn="ctr">
+          <a:solidFill>
+            <a:schemeClr val="phClr"/>
+          </a:solidFill>
+          <a:prstDash val="solid"/>
+          <a:miter lim="800000"/>
+        </a:ln>
+        <a:ln w="19050" cap="flat" cmpd="sng" algn="ctr">
+          <a:solidFill>
+            <a:schemeClr val="phClr"/>
+          </a:solidFill>
+          <a:prstDash val="solid"/>
+          <a:miter lim="800000"/>
+        </a:ln>
+      </a:lnStyleLst>
+      <a:effectStyleLst>
+        <a:effectStyle>
+          <a:effectLst/>
+        </a:effectStyle>
+        <a:effectStyle>
+          <a:effectLst/>
+        </a:effectStyle>
+        <a:effectStyle>
+          <a:effectLst>
+            <a:outerShdw blurRad="57150" dist="19050" dir="5400000" algn="ctr" rotWithShape="0">
+              <a:srgbClr val="000000">
+                <a:alpha val="63000"/>
+              </a:srgbClr>
+            </a:outerShdw>
+          </a:effectLst>
+        </a:effectStyle>
+      </a:effectStyleLst>
+      <a:bgFillStyleLst>
+        <a:solidFill>
+          <a:schemeClr val="phClr"/>
+        </a:solidFill>
+        <a:solidFill>
+          <a:schemeClr val="phClr">
+            <a:tint val="95000"/>
+            <a:satMod val="170000"/>
+          </a:schemeClr>
+        </a:solidFill>
+        <a:gradFill rotWithShape="1">
+          <a:gsLst>
+            <a:gs pos="0">
+              <a:schemeClr val="phClr">
+                <a:tint val="93000"/>
+                <a:satMod val="150000"/>
+                <a:shade val="98000"/>
+                <a:lumMod val="102000"/>
+              </a:schemeClr>
+            </a:gs>
+            <a:gs pos="50000">
+              <a:schemeClr val="phClr">
+                <a:tint val="98000"/>
+                <a:satMod val="130000"/>
+                <a:shade val="90000"/>
+                <a:lumMod val="103000"/>
+              </a:schemeClr>
+            </a:gs>
+            <a:gs pos="100000">
+              <a:schemeClr val="phClr">
+                <a:shade val="63000"/>
+                <a:satMod val="120000"/>
+              </a:schemeClr>
+            </a:gs>
+          </a:gsLst>
+          <a:lin ang="5400000" scaled="0"/>
+        </a:gradFill>
+      </a:bgFillStyleLst>
+    </a:fmtScheme>
+  </a:themeElements>
+  <a:objectDefaults/>
+  <a:extraClrSchemeLst/>
+  <a:extLst>
+    <a:ext uri="{05A4C25C-085E-4340-85A3-A5531E510DB2}">
+      <thm15:themeFamily xmlns:thm15="http://schemas.microsoft.com/office/thememl/2012/main" name="Office Theme" id="{62F939B6-93AF-4DB8-9C6B-D6C7DFDC589F}" vid="{4A3C46E8-61CC-4603-A589-7422A47A8E4A}"/>
+    </a:ext>
+  </a:extLst>
+</a:theme>
 </file>
--- a/Apresentação_Monografia.pptx
+++ b/Apresentação_Monografia.pptx
@@ -5,7 +5,7 @@
     <p:sldMasterId id="2147483660" r:id="rId1"/>
   </p:sldMasterIdLst>
   <p:notesMasterIdLst>
-    <p:notesMasterId r:id="rId13"/>
+    <p:notesMasterId r:id="rId18"/>
   </p:notesMasterIdLst>
   <p:sldIdLst>
     <p:sldId id="256" r:id="rId2"/>
@@ -15,10 +15,15 @@
     <p:sldId id="260" r:id="rId6"/>
     <p:sldId id="266" r:id="rId7"/>
     <p:sldId id="265" r:id="rId8"/>
-    <p:sldId id="264" r:id="rId9"/>
-    <p:sldId id="262" r:id="rId10"/>
-    <p:sldId id="261" r:id="rId11"/>
-    <p:sldId id="263" r:id="rId12"/>
+    <p:sldId id="268" r:id="rId9"/>
+    <p:sldId id="269" r:id="rId10"/>
+    <p:sldId id="267" r:id="rId11"/>
+    <p:sldId id="270" r:id="rId12"/>
+    <p:sldId id="271" r:id="rId13"/>
+    <p:sldId id="264" r:id="rId14"/>
+    <p:sldId id="262" r:id="rId15"/>
+    <p:sldId id="261" r:id="rId16"/>
+    <p:sldId id="263" r:id="rId17"/>
   </p:sldIdLst>
   <p:sldSz cx="12192000" cy="6858000"/>
   <p:notesSz cx="6858000" cy="9144000"/>
@@ -207,7 +212,7 @@
           <a:p>
             <a:fld id="{B249BB1A-A7AB-4605-BA31-E8B7C8754CB0}" type="datetimeFigureOut">
               <a:rPr lang="pt-BR" smtClean="0"/>
-              <a:t>10/03/2022</a:t>
+              <a:t>21/03/2022</a:t>
             </a:fld>
             <a:endParaRPr lang="pt-BR"/>
           </a:p>
@@ -721,7 +726,7 @@
           <a:p>
             <a:fld id="{60BA69AB-7D77-4AD1-B9DF-F84D0C411437}" type="datetimeFigureOut">
               <a:rPr lang="pt-BR" smtClean="0"/>
-              <a:t>10/03/2022</a:t>
+              <a:t>21/03/2022</a:t>
             </a:fld>
             <a:endParaRPr lang="pt-BR"/>
           </a:p>
@@ -891,7 +896,7 @@
           <a:p>
             <a:fld id="{60BA69AB-7D77-4AD1-B9DF-F84D0C411437}" type="datetimeFigureOut">
               <a:rPr lang="pt-BR" smtClean="0"/>
-              <a:t>10/03/2022</a:t>
+              <a:t>21/03/2022</a:t>
             </a:fld>
             <a:endParaRPr lang="pt-BR"/>
           </a:p>
@@ -1071,7 +1076,7 @@
           <a:p>
             <a:fld id="{60BA69AB-7D77-4AD1-B9DF-F84D0C411437}" type="datetimeFigureOut">
               <a:rPr lang="pt-BR" smtClean="0"/>
-              <a:t>10/03/2022</a:t>
+              <a:t>21/03/2022</a:t>
             </a:fld>
             <a:endParaRPr lang="pt-BR"/>
           </a:p>
@@ -1241,7 +1246,7 @@
           <a:p>
             <a:fld id="{60BA69AB-7D77-4AD1-B9DF-F84D0C411437}" type="datetimeFigureOut">
               <a:rPr lang="pt-BR" smtClean="0"/>
-              <a:t>10/03/2022</a:t>
+              <a:t>21/03/2022</a:t>
             </a:fld>
             <a:endParaRPr lang="pt-BR"/>
           </a:p>
@@ -1509,7 +1514,7 @@
           <a:p>
             <a:fld id="{60BA69AB-7D77-4AD1-B9DF-F84D0C411437}" type="datetimeFigureOut">
               <a:rPr lang="pt-BR" smtClean="0"/>
-              <a:t>10/03/2022</a:t>
+              <a:t>21/03/2022</a:t>
             </a:fld>
             <a:endParaRPr lang="pt-BR"/>
           </a:p>
@@ -1741,7 +1746,7 @@
           <a:p>
             <a:fld id="{60BA69AB-7D77-4AD1-B9DF-F84D0C411437}" type="datetimeFigureOut">
               <a:rPr lang="pt-BR" smtClean="0"/>
-              <a:t>10/03/2022</a:t>
+              <a:t>21/03/2022</a:t>
             </a:fld>
             <a:endParaRPr lang="pt-BR"/>
           </a:p>
@@ -2100,7 +2105,7 @@
           <a:p>
             <a:fld id="{60BA69AB-7D77-4AD1-B9DF-F84D0C411437}" type="datetimeFigureOut">
               <a:rPr lang="pt-BR" smtClean="0"/>
-              <a:t>10/03/2022</a:t>
+              <a:t>21/03/2022</a:t>
             </a:fld>
             <a:endParaRPr lang="pt-BR"/>
           </a:p>
@@ -2241,7 +2246,7 @@
           <a:p>
             <a:fld id="{60BA69AB-7D77-4AD1-B9DF-F84D0C411437}" type="datetimeFigureOut">
               <a:rPr lang="pt-BR" smtClean="0"/>
-              <a:t>10/03/2022</a:t>
+              <a:t>21/03/2022</a:t>
             </a:fld>
             <a:endParaRPr lang="pt-BR"/>
           </a:p>
@@ -2336,7 +2341,7 @@
           <a:p>
             <a:fld id="{60BA69AB-7D77-4AD1-B9DF-F84D0C411437}" type="datetimeFigureOut">
               <a:rPr lang="pt-BR" smtClean="0"/>
-              <a:t>10/03/2022</a:t>
+              <a:t>21/03/2022</a:t>
             </a:fld>
             <a:endParaRPr lang="pt-BR"/>
           </a:p>
@@ -2693,7 +2698,7 @@
           <a:p>
             <a:fld id="{60BA69AB-7D77-4AD1-B9DF-F84D0C411437}" type="datetimeFigureOut">
               <a:rPr lang="pt-BR" smtClean="0"/>
-              <a:t>10/03/2022</a:t>
+              <a:t>21/03/2022</a:t>
             </a:fld>
             <a:endParaRPr lang="pt-BR"/>
           </a:p>
@@ -3050,7 +3055,7 @@
           <a:p>
             <a:fld id="{60BA69AB-7D77-4AD1-B9DF-F84D0C411437}" type="datetimeFigureOut">
               <a:rPr lang="pt-BR" smtClean="0"/>
-              <a:t>10/03/2022</a:t>
+              <a:t>21/03/2022</a:t>
             </a:fld>
             <a:endParaRPr lang="pt-BR"/>
           </a:p>
@@ -3292,7 +3297,7 @@
           <a:p>
             <a:fld id="{60BA69AB-7D77-4AD1-B9DF-F84D0C411437}" type="datetimeFigureOut">
               <a:rPr lang="pt-BR" smtClean="0"/>
-              <a:t>10/03/2022</a:t>
+              <a:t>21/03/2022</a:t>
             </a:fld>
             <a:endParaRPr lang="pt-BR"/>
           </a:p>
@@ -4126,7 +4131,7 @@
           <p:cNvPr id="2" name="Título 1">
             <a:extLst>
               <a:ext uri="{FF2B5EF4-FFF2-40B4-BE49-F238E27FC236}">
-                <a16:creationId xmlns:a16="http://schemas.microsoft.com/office/drawing/2014/main" id="{EE723563-498C-41C1-B3F0-3151A8E3C0D1}"/>
+                <a16:creationId xmlns:a16="http://schemas.microsoft.com/office/drawing/2014/main" id="{00254AF3-D498-404C-B6FD-BEF2A1C729C7}"/>
               </a:ext>
             </a:extLst>
           </p:cNvPr>
@@ -4137,131 +4142,64 @@
             <p:ph type="title"/>
           </p:nvPr>
         </p:nvSpPr>
-        <p:spPr/>
-        <p:txBody>
-          <a:bodyPr/>
-          <a:lstStyle/>
-          <a:p>
-            <a:r>
-              <a:rPr lang="pt-BR" dirty="0"/>
-              <a:t>Trabalhos futuros</a:t>
-            </a:r>
-          </a:p>
-        </p:txBody>
-      </p:sp>
-      <p:sp>
-        <p:nvSpPr>
-          <p:cNvPr id="3" name="Espaço Reservado para Conteúdo 2">
+        <p:spPr>
+          <a:xfrm>
+            <a:off x="2352434" y="96687"/>
+            <a:ext cx="7729728" cy="685384"/>
+          </a:xfrm>
+        </p:spPr>
+        <p:txBody>
+          <a:bodyPr>
+            <a:normAutofit fontScale="90000"/>
+          </a:bodyPr>
+          <a:lstStyle/>
+          <a:p>
+            <a:r>
+              <a:rPr lang="pt-BR" dirty="0"/>
+              <a:t>Modelo do DW</a:t>
+            </a:r>
+          </a:p>
+        </p:txBody>
+      </p:sp>
+      <p:pic>
+        <p:nvPicPr>
+          <p:cNvPr id="7" name="Espaço Reservado para Conteúdo 6" descr="Diagrama, Esquemático&#10;&#10;Descrição gerada automaticamente">
             <a:extLst>
               <a:ext uri="{FF2B5EF4-FFF2-40B4-BE49-F238E27FC236}">
-                <a16:creationId xmlns:a16="http://schemas.microsoft.com/office/drawing/2014/main" id="{8660081E-8ACB-4B7E-BA17-832681C4C0C9}"/>
+                <a16:creationId xmlns:a16="http://schemas.microsoft.com/office/drawing/2014/main" id="{C998D2B8-515C-47AA-88D2-E665F0F64D1B}"/>
               </a:ext>
             </a:extLst>
           </p:cNvPr>
-          <p:cNvSpPr>
-            <a:spLocks noGrp="1"/>
-          </p:cNvSpPr>
+          <p:cNvPicPr>
+            <a:picLocks noGrp="1" noChangeAspect="1"/>
+          </p:cNvPicPr>
           <p:nvPr>
             <p:ph idx="1"/>
           </p:nvPr>
-        </p:nvSpPr>
-        <p:spPr/>
-        <p:txBody>
-          <a:bodyPr>
-            <a:normAutofit fontScale="85000" lnSpcReduction="20000"/>
-          </a:bodyPr>
-          <a:lstStyle/>
-          <a:p>
-            <a:pPr lvl="0">
-              <a:lnSpc>
-                <a:spcPct val="110000"/>
-              </a:lnSpc>
-            </a:pPr>
-            <a:r>
-              <a:rPr lang="pt-BR" dirty="0"/>
-              <a:t>Criar bancos de dados transacional para os anos após 2015 do ENEM e a população desses dados no banco de dados do DW.</a:t>
-            </a:r>
-          </a:p>
-          <a:p>
-            <a:pPr lvl="0">
-              <a:lnSpc>
-                <a:spcPct val="110000"/>
-              </a:lnSpc>
-            </a:pPr>
-            <a:r>
-              <a:rPr lang="pt-BR" dirty="0"/>
-              <a:t>Ampliar a visualização de dados e ampliar os relatórios baseados em novas perguntas que o DW responda.</a:t>
-            </a:r>
-          </a:p>
-          <a:p>
-            <a:pPr lvl="0">
-              <a:lnSpc>
-                <a:spcPct val="110000"/>
-              </a:lnSpc>
-            </a:pPr>
-            <a:r>
-              <a:rPr lang="pt-BR" dirty="0"/>
-              <a:t> Melhorar a capacidade da infraestrutura, principalmente, no armazenamento de dados. </a:t>
-            </a:r>
-          </a:p>
-          <a:p>
-            <a:pPr lvl="0">
-              <a:lnSpc>
-                <a:spcPct val="110000"/>
-              </a:lnSpc>
-            </a:pPr>
-            <a:r>
-              <a:rPr lang="pt-BR" dirty="0"/>
-              <a:t>Refatorar os códigos do ETL tanto do transacional quanto do DW. </a:t>
-            </a:r>
-          </a:p>
-          <a:p>
-            <a:pPr lvl="0">
-              <a:lnSpc>
-                <a:spcPct val="110000"/>
-              </a:lnSpc>
-            </a:pPr>
-            <a:r>
-              <a:rPr lang="pt-BR" dirty="0"/>
-              <a:t>Realizar estudo de heurísticas para melhorar o desempenho das consultas que já existem e geram os relatórios. </a:t>
-            </a:r>
-          </a:p>
-          <a:p>
-            <a:pPr lvl="0">
-              <a:lnSpc>
-                <a:spcPct val="110000"/>
-              </a:lnSpc>
-            </a:pPr>
-            <a:r>
-              <a:rPr lang="pt-BR" dirty="0"/>
-              <a:t>Usar a capacidade dos dados para realizar um estudo com foco em </a:t>
-            </a:r>
-            <a:r>
-              <a:rPr lang="pt-BR" dirty="0" err="1"/>
-              <a:t>Tuning</a:t>
-            </a:r>
-            <a:r>
-              <a:rPr lang="pt-BR" dirty="0"/>
-              <a:t> de banco de dados.</a:t>
-            </a:r>
-          </a:p>
-          <a:p>
-            <a:pPr lvl="0">
-              <a:lnSpc>
-                <a:spcPct val="110000"/>
-              </a:lnSpc>
-            </a:pPr>
-            <a:r>
-              <a:rPr lang="pt-BR" dirty="0"/>
-              <a:t>Adaptar o banco de dados atual de acordo com o LGPD.</a:t>
-            </a:r>
-          </a:p>
-        </p:txBody>
-      </p:sp>
+        </p:nvPicPr>
+        <p:blipFill>
+          <a:blip r:embed="rId2">
+            <a:extLst>
+              <a:ext uri="{28A0092B-C50C-407E-A947-70E740481C1C}">
+                <a14:useLocalDpi xmlns:a14="http://schemas.microsoft.com/office/drawing/2010/main" val="0"/>
+              </a:ext>
+            </a:extLst>
+          </a:blip>
+          <a:stretch>
+            <a:fillRect/>
+          </a:stretch>
+        </p:blipFill>
+        <p:spPr>
+          <a:xfrm>
+            <a:off x="1572768" y="886968"/>
+            <a:ext cx="9098280" cy="5971032"/>
+          </a:xfrm>
+        </p:spPr>
+      </p:pic>
     </p:spTree>
     <p:extLst>
       <p:ext uri="{BB962C8B-B14F-4D97-AF65-F5344CB8AC3E}">
-        <p14:creationId xmlns:p14="http://schemas.microsoft.com/office/powerpoint/2010/main" val="580782446"/>
+        <p14:creationId xmlns:p14="http://schemas.microsoft.com/office/powerpoint/2010/main" val="574228118"/>
       </p:ext>
     </p:extLst>
   </p:cSld>
@@ -4290,10 +4228,10 @@
       </p:grpSpPr>
       <p:sp>
         <p:nvSpPr>
-          <p:cNvPr id="4" name="Título 3">
+          <p:cNvPr id="2" name="Título 1">
             <a:extLst>
               <a:ext uri="{FF2B5EF4-FFF2-40B4-BE49-F238E27FC236}">
-                <a16:creationId xmlns:a16="http://schemas.microsoft.com/office/drawing/2014/main" id="{6E1BA72A-980A-4BB4-8D44-217C7B3A4431}"/>
+                <a16:creationId xmlns:a16="http://schemas.microsoft.com/office/drawing/2014/main" id="{F4CB12D3-4265-43E4-87F2-7433FCCB1AAB}"/>
               </a:ext>
             </a:extLst>
           </p:cNvPr>
@@ -4301,7 +4239,7 @@
             <a:spLocks noGrp="1"/>
           </p:cNvSpPr>
           <p:nvPr>
-            <p:ph type="ctrTitle"/>
+            <p:ph type="title"/>
           </p:nvPr>
         </p:nvSpPr>
         <p:spPr/>
@@ -4311,15 +4249,66 @@
           <a:p>
             <a:r>
               <a:rPr lang="pt-BR" dirty="0"/>
-              <a:t>OBRIgado!!</a:t>
-            </a:r>
+              <a:t>ETL do TRANSACIONAL para o </a:t>
+            </a:r>
+            <a:r>
+              <a:rPr lang="pt-BR" dirty="0" err="1"/>
+              <a:t>dw</a:t>
+            </a:r>
+            <a:endParaRPr lang="pt-BR" dirty="0"/>
+          </a:p>
+        </p:txBody>
+      </p:sp>
+      <p:sp>
+        <p:nvSpPr>
+          <p:cNvPr id="4" name="Espaço Reservado para Conteúdo 3">
+            <a:extLst>
+              <a:ext uri="{FF2B5EF4-FFF2-40B4-BE49-F238E27FC236}">
+                <a16:creationId xmlns:a16="http://schemas.microsoft.com/office/drawing/2014/main" id="{9086E008-917B-4C09-8876-71D158D3EB10}"/>
+              </a:ext>
+            </a:extLst>
+          </p:cNvPr>
+          <p:cNvSpPr>
+            <a:spLocks noGrp="1"/>
+          </p:cNvSpPr>
+          <p:nvPr>
+            <p:ph idx="1"/>
+          </p:nvPr>
+        </p:nvSpPr>
+        <p:spPr/>
+        <p:txBody>
+          <a:bodyPr/>
+          <a:lstStyle/>
+          <a:p>
+            <a:r>
+              <a:rPr lang="pt-BR" dirty="0"/>
+              <a:t>Após os dados estarem disponíveis nos bancos de dados transacionais, então pode ser realizado o ETL do transacional para o DW. </a:t>
+            </a:r>
+          </a:p>
+          <a:p>
+            <a:r>
+              <a:rPr lang="pt-BR" dirty="0"/>
+              <a:t>O ETL extrai os dados do transacional, realiza as devidas transformações e faz o carregamento para o DW. </a:t>
+            </a:r>
+          </a:p>
+          <a:p>
+            <a:r>
+              <a:rPr lang="pt-BR" dirty="0"/>
+              <a:t>Os planos de carga em sua maioria são gerados e executados usando a ferramenta Pentaho Data Integration.</a:t>
+            </a:r>
+          </a:p>
+          <a:p>
+            <a:pPr marL="0" indent="0">
+              <a:buNone/>
+            </a:pPr>
+            <a:endParaRPr lang="pt-BR" dirty="0"/>
           </a:p>
         </p:txBody>
       </p:sp>
     </p:spTree>
     <p:extLst>
       <p:ext uri="{BB962C8B-B14F-4D97-AF65-F5344CB8AC3E}">
-        <p14:creationId xmlns:p14="http://schemas.microsoft.com/office/powerpoint/2010/main" val="2185586797"/>
+        <p14:creationId xmlns:p14="http://schemas.microsoft.com/office/powerpoint/2010/main" val="2011013534"/>
       </p:ext>
     </p:extLst>
   </p:cSld>
@@ -4329,206 +4318,7 @@
 </p:sld>
 </file>
 
-<file path=ppt/slides/slide2.xml><?xml version="1.0" encoding="utf-8"?>
-<p:sld xmlns:a="http://schemas.openxmlformats.org/drawingml/2006/main" xmlns:r="http://schemas.openxmlformats.org/officeDocument/2006/relationships" xmlns:p="http://schemas.openxmlformats.org/presentationml/2006/main">
-  <p:cSld>
-    <p:bg>
-      <p:bgPr>
-        <a:solidFill>
-          <a:schemeClr val="bg1"/>
-        </a:solidFill>
-        <a:effectLst/>
-      </p:bgPr>
-    </p:bg>
-    <p:spTree>
-      <p:nvGrpSpPr>
-        <p:cNvPr id="1" name=""/>
-        <p:cNvGrpSpPr/>
-        <p:nvPr/>
-      </p:nvGrpSpPr>
-      <p:grpSpPr>
-        <a:xfrm>
-          <a:off x="0" y="0"/>
-          <a:ext cx="0" cy="0"/>
-          <a:chOff x="0" y="0"/>
-          <a:chExt cx="0" cy="0"/>
-        </a:xfrm>
-      </p:grpSpPr>
-      <p:sp>
-        <p:nvSpPr>
-          <p:cNvPr id="4" name="Título 3">
-            <a:extLst>
-              <a:ext uri="{FF2B5EF4-FFF2-40B4-BE49-F238E27FC236}">
-                <a16:creationId xmlns:a16="http://schemas.microsoft.com/office/drawing/2014/main" id="{013A5804-A670-482E-AFAC-1C35D1094321}"/>
-              </a:ext>
-            </a:extLst>
-          </p:cNvPr>
-          <p:cNvSpPr>
-            <a:spLocks noGrp="1"/>
-          </p:cNvSpPr>
-          <p:nvPr>
-            <p:ph type="title"/>
-          </p:nvPr>
-        </p:nvSpPr>
-        <p:spPr/>
-        <p:txBody>
-          <a:bodyPr/>
-          <a:lstStyle/>
-          <a:p>
-            <a:r>
-              <a:rPr lang="pt-BR" dirty="0"/>
-              <a:t>Sumário da apresentação</a:t>
-            </a:r>
-          </a:p>
-        </p:txBody>
-      </p:sp>
-      <p:sp>
-        <p:nvSpPr>
-          <p:cNvPr id="5" name="Espaço Reservado para Conteúdo 4">
-            <a:extLst>
-              <a:ext uri="{FF2B5EF4-FFF2-40B4-BE49-F238E27FC236}">
-                <a16:creationId xmlns:a16="http://schemas.microsoft.com/office/drawing/2014/main" id="{E52EF3AD-EF1D-4842-9D25-784B91827396}"/>
-              </a:ext>
-            </a:extLst>
-          </p:cNvPr>
-          <p:cNvSpPr>
-            <a:spLocks noGrp="1"/>
-          </p:cNvSpPr>
-          <p:nvPr>
-            <p:ph sz="half" idx="1"/>
-          </p:nvPr>
-        </p:nvSpPr>
-        <p:spPr>
-          <a:xfrm>
-            <a:off x="1581912" y="2332653"/>
-            <a:ext cx="4271771" cy="3407373"/>
-          </a:xfrm>
-        </p:spPr>
-        <p:txBody>
-          <a:bodyPr>
-            <a:normAutofit fontScale="92500" lnSpcReduction="10000"/>
-          </a:bodyPr>
-          <a:lstStyle/>
-          <a:p>
-            <a:r>
-              <a:rPr lang="pt-BR" dirty="0"/>
-              <a:t>Motivação do trabalho</a:t>
-            </a:r>
-          </a:p>
-          <a:p>
-            <a:r>
-              <a:rPr lang="pt-BR" dirty="0"/>
-              <a:t>O que é o Enem?</a:t>
-            </a:r>
-          </a:p>
-          <a:p>
-            <a:r>
-              <a:rPr lang="pt-BR" dirty="0"/>
-              <a:t>Estrutura do Enem</a:t>
-            </a:r>
-          </a:p>
-          <a:p>
-            <a:r>
-              <a:rPr lang="pt-BR" dirty="0"/>
-              <a:t>Disponibilização dos dados</a:t>
-            </a:r>
-          </a:p>
-          <a:p>
-            <a:r>
-              <a:rPr lang="pt-BR" dirty="0"/>
-              <a:t>Modelo Conceitual</a:t>
-            </a:r>
-          </a:p>
-          <a:p>
-            <a:r>
-              <a:rPr lang="pt-BR" dirty="0"/>
-              <a:t>Modelo Lógico</a:t>
-            </a:r>
-          </a:p>
-          <a:p>
-            <a:r>
-              <a:rPr lang="pt-BR" dirty="0"/>
-              <a:t>ETL do fonte para o transacional</a:t>
-            </a:r>
-          </a:p>
-          <a:p>
-            <a:r>
-              <a:rPr lang="pt-BR" dirty="0"/>
-              <a:t>Modelo do DW</a:t>
-            </a:r>
-          </a:p>
-          <a:p>
-            <a:r>
-              <a:rPr lang="pt-BR" dirty="0"/>
-              <a:t>ETL do transacional para o DW</a:t>
-            </a:r>
-          </a:p>
-          <a:p>
-            <a:endParaRPr lang="pt-BR" dirty="0"/>
-          </a:p>
-        </p:txBody>
-      </p:sp>
-      <p:sp>
-        <p:nvSpPr>
-          <p:cNvPr id="12" name="Espaço Reservado para Conteúdo 11">
-            <a:extLst>
-              <a:ext uri="{FF2B5EF4-FFF2-40B4-BE49-F238E27FC236}">
-                <a16:creationId xmlns:a16="http://schemas.microsoft.com/office/drawing/2014/main" id="{1DC8DC75-F08F-4BB9-B139-994375B64C72}"/>
-              </a:ext>
-            </a:extLst>
-          </p:cNvPr>
-          <p:cNvSpPr>
-            <a:spLocks noGrp="1"/>
-          </p:cNvSpPr>
-          <p:nvPr>
-            <p:ph sz="half" idx="2"/>
-          </p:nvPr>
-        </p:nvSpPr>
-        <p:spPr>
-          <a:xfrm>
-            <a:off x="6338315" y="2332653"/>
-            <a:ext cx="4270247" cy="3407373"/>
-          </a:xfrm>
-        </p:spPr>
-        <p:txBody>
-          <a:bodyPr>
-            <a:normAutofit fontScale="92500" lnSpcReduction="10000"/>
-          </a:bodyPr>
-          <a:lstStyle/>
-          <a:p>
-            <a:r>
-              <a:rPr lang="pt-BR" dirty="0"/>
-              <a:t>Resultados</a:t>
-            </a:r>
-          </a:p>
-          <a:p>
-            <a:r>
-              <a:rPr lang="pt-BR" dirty="0"/>
-              <a:t>Impedimentos</a:t>
-            </a:r>
-          </a:p>
-          <a:p>
-            <a:r>
-              <a:rPr lang="pt-BR" dirty="0"/>
-              <a:t>Trabalhos futuros</a:t>
-            </a:r>
-          </a:p>
-        </p:txBody>
-      </p:sp>
-    </p:spTree>
-    <p:extLst>
-      <p:ext uri="{BB962C8B-B14F-4D97-AF65-F5344CB8AC3E}">
-        <p14:creationId xmlns:p14="http://schemas.microsoft.com/office/powerpoint/2010/main" val="4088120445"/>
-      </p:ext>
-    </p:extLst>
-  </p:cSld>
-  <p:clrMapOvr>
-    <a:masterClrMapping/>
-  </p:clrMapOvr>
-</p:sld>
-</file>
-
-<file path=ppt/slides/slide3.xml><?xml version="1.0" encoding="utf-8"?>
+<file path=ppt/slides/slide12.xml><?xml version="1.0" encoding="utf-8"?>
 <p:sld xmlns:a="http://schemas.openxmlformats.org/drawingml/2006/main" xmlns:r="http://schemas.openxmlformats.org/officeDocument/2006/relationships" xmlns:p="http://schemas.openxmlformats.org/presentationml/2006/main">
   <p:cSld>
     <p:spTree>
@@ -4550,7 +4340,7 @@
           <p:cNvPr id="2" name="Título 1">
             <a:extLst>
               <a:ext uri="{FF2B5EF4-FFF2-40B4-BE49-F238E27FC236}">
-                <a16:creationId xmlns:a16="http://schemas.microsoft.com/office/drawing/2014/main" id="{55B233D2-FBF4-4F78-A628-C204A007F775}"/>
+                <a16:creationId xmlns:a16="http://schemas.microsoft.com/office/drawing/2014/main" id="{F4CB12D3-4265-43E4-87F2-7433FCCB1AAB}"/>
               </a:ext>
             </a:extLst>
           </p:cNvPr>
@@ -4561,65 +4351,61 @@
             <p:ph type="title"/>
           </p:nvPr>
         </p:nvSpPr>
-        <p:spPr/>
+        <p:spPr>
+          <a:xfrm>
+            <a:off x="2231136" y="218243"/>
+            <a:ext cx="7729728" cy="1188720"/>
+          </a:xfrm>
+        </p:spPr>
         <p:txBody>
           <a:bodyPr/>
           <a:lstStyle/>
           <a:p>
             <a:r>
               <a:rPr lang="pt-BR" dirty="0"/>
-              <a:t>Motivação </a:t>
-            </a:r>
-          </a:p>
-        </p:txBody>
-      </p:sp>
-      <p:sp>
-        <p:nvSpPr>
-          <p:cNvPr id="5" name="Espaço Reservado para Conteúdo 4">
+              <a:t>ETL do TRANSACIONAL para o </a:t>
+            </a:r>
+            <a:r>
+              <a:rPr lang="pt-BR" dirty="0" err="1"/>
+              <a:t>dw</a:t>
+            </a:r>
+            <a:endParaRPr lang="pt-BR" dirty="0"/>
+          </a:p>
+        </p:txBody>
+      </p:sp>
+      <p:pic>
+        <p:nvPicPr>
+          <p:cNvPr id="4" name="Espaço Reservado para Conteúdo 3">
             <a:extLst>
               <a:ext uri="{FF2B5EF4-FFF2-40B4-BE49-F238E27FC236}">
-                <a16:creationId xmlns:a16="http://schemas.microsoft.com/office/drawing/2014/main" id="{F7B30167-1EEE-4828-822C-E7977107202F}"/>
+                <a16:creationId xmlns:a16="http://schemas.microsoft.com/office/drawing/2014/main" id="{3D17C2CA-DC54-4B88-B8D3-745136CF89B9}"/>
               </a:ext>
             </a:extLst>
           </p:cNvPr>
-          <p:cNvSpPr>
-            <a:spLocks noGrp="1"/>
-          </p:cNvSpPr>
+          <p:cNvPicPr>
+            <a:picLocks noGrp="1" noChangeAspect="1"/>
+          </p:cNvPicPr>
           <p:nvPr>
             <p:ph idx="1"/>
           </p:nvPr>
-        </p:nvSpPr>
-        <p:spPr/>
-        <p:txBody>
-          <a:bodyPr/>
-          <a:lstStyle/>
-          <a:p>
-            <a:pPr algn="just"/>
-            <a:r>
-              <a:rPr lang="pt-BR" dirty="0"/>
-              <a:t>Através da Lei de Acesso à Informação (LAI) cujo a referência é: Lei nº 12.527/2011. Os dados são disponibilizados e podem ser acessar de forma gratuita.</a:t>
-            </a:r>
-          </a:p>
-          <a:p>
-            <a:pPr algn="just"/>
-            <a:r>
-              <a:rPr lang="pt-BR" dirty="0"/>
-              <a:t>Um dos dados disponibilizados na área da educação são os dados do Enem.</a:t>
-            </a:r>
-          </a:p>
-          <a:p>
-            <a:pPr algn="just"/>
-            <a:r>
-              <a:rPr lang="pt-BR" dirty="0"/>
-              <a:t>A principal motivação deste trabalho é ampliar o conhecimento sobre o Enem utilizando esses dados que são disponibilizados.</a:t>
-            </a:r>
-          </a:p>
-        </p:txBody>
-      </p:sp>
+        </p:nvPicPr>
+        <p:blipFill>
+          <a:blip r:embed="rId2"/>
+          <a:stretch>
+            <a:fillRect/>
+          </a:stretch>
+        </p:blipFill>
+        <p:spPr>
+          <a:xfrm>
+            <a:off x="827316" y="1567478"/>
+            <a:ext cx="10686660" cy="4422776"/>
+          </a:xfrm>
+        </p:spPr>
+      </p:pic>
     </p:spTree>
     <p:extLst>
       <p:ext uri="{BB962C8B-B14F-4D97-AF65-F5344CB8AC3E}">
-        <p14:creationId xmlns:p14="http://schemas.microsoft.com/office/powerpoint/2010/main" val="1652980792"/>
+        <p14:creationId xmlns:p14="http://schemas.microsoft.com/office/powerpoint/2010/main" val="2117636349"/>
       </p:ext>
     </p:extLst>
   </p:cSld>
@@ -4629,451 +4415,7 @@
 </p:sld>
 </file>
 
-<file path=ppt/slides/slide4.xml><?xml version="1.0" encoding="utf-8"?>
-<p:sld xmlns:a="http://schemas.openxmlformats.org/drawingml/2006/main" xmlns:r="http://schemas.openxmlformats.org/officeDocument/2006/relationships" xmlns:p="http://schemas.openxmlformats.org/presentationml/2006/main">
-  <p:cSld>
-    <p:spTree>
-      <p:nvGrpSpPr>
-        <p:cNvPr id="1" name=""/>
-        <p:cNvGrpSpPr/>
-        <p:nvPr/>
-      </p:nvGrpSpPr>
-      <p:grpSpPr>
-        <a:xfrm>
-          <a:off x="0" y="0"/>
-          <a:ext cx="0" cy="0"/>
-          <a:chOff x="0" y="0"/>
-          <a:chExt cx="0" cy="0"/>
-        </a:xfrm>
-      </p:grpSpPr>
-      <p:sp>
-        <p:nvSpPr>
-          <p:cNvPr id="2" name="Título 1">
-            <a:extLst>
-              <a:ext uri="{FF2B5EF4-FFF2-40B4-BE49-F238E27FC236}">
-                <a16:creationId xmlns:a16="http://schemas.microsoft.com/office/drawing/2014/main" id="{6C8A5F95-9E09-4BE4-A2EB-CB3408597B08}"/>
-              </a:ext>
-            </a:extLst>
-          </p:cNvPr>
-          <p:cNvSpPr>
-            <a:spLocks noGrp="1"/>
-          </p:cNvSpPr>
-          <p:nvPr>
-            <p:ph type="title"/>
-          </p:nvPr>
-        </p:nvSpPr>
-        <p:spPr/>
-        <p:txBody>
-          <a:bodyPr/>
-          <a:lstStyle/>
-          <a:p>
-            <a:r>
-              <a:rPr lang="pt-BR" dirty="0"/>
-              <a:t>Objetivo</a:t>
-            </a:r>
-          </a:p>
-        </p:txBody>
-      </p:sp>
-      <p:sp>
-        <p:nvSpPr>
-          <p:cNvPr id="3" name="Espaço Reservado para Conteúdo 2">
-            <a:extLst>
-              <a:ext uri="{FF2B5EF4-FFF2-40B4-BE49-F238E27FC236}">
-                <a16:creationId xmlns:a16="http://schemas.microsoft.com/office/drawing/2014/main" id="{48245E10-2B3E-4ADC-A72D-44E4C2A9B7A4}"/>
-              </a:ext>
-            </a:extLst>
-          </p:cNvPr>
-          <p:cNvSpPr>
-            <a:spLocks noGrp="1"/>
-          </p:cNvSpPr>
-          <p:nvPr>
-            <p:ph idx="1"/>
-          </p:nvPr>
-        </p:nvSpPr>
-        <p:spPr/>
-        <p:txBody>
-          <a:bodyPr/>
-          <a:lstStyle/>
-          <a:p>
-            <a:pPr algn="just"/>
-            <a:r>
-              <a:rPr lang="pt-BR" dirty="0"/>
-              <a:t>Disponibilizar os dados em banco de dados a ser estudado. </a:t>
-            </a:r>
-          </a:p>
-          <a:p>
-            <a:pPr algn="just"/>
-            <a:r>
-              <a:rPr lang="pt-BR" dirty="0"/>
-              <a:t>Criar banco de dados transacional contém os dados normalizados a cada ano. </a:t>
-            </a:r>
-          </a:p>
-          <a:p>
-            <a:pPr algn="just"/>
-            <a:r>
-              <a:rPr lang="pt-BR" dirty="0"/>
-              <a:t>Criar um DW contém os dados históricos.</a:t>
-            </a:r>
-          </a:p>
-          <a:p>
-            <a:pPr algn="just"/>
-            <a:r>
-              <a:rPr lang="pt-BR" dirty="0"/>
-              <a:t>Criar as </a:t>
-            </a:r>
-            <a:r>
-              <a:rPr lang="pt-BR" dirty="0" err="1"/>
-              <a:t>ETL’s</a:t>
-            </a:r>
-            <a:r>
-              <a:rPr lang="pt-BR" dirty="0"/>
-              <a:t> tanto para o transacional quanto para o DW.</a:t>
-            </a:r>
-          </a:p>
-          <a:p>
-            <a:pPr algn="just"/>
-            <a:r>
-              <a:rPr lang="pt-BR" dirty="0"/>
-              <a:t>Criar os gráficos no PowerBi para a visualização de dados.</a:t>
-            </a:r>
-          </a:p>
-        </p:txBody>
-      </p:sp>
-    </p:spTree>
-    <p:extLst>
-      <p:ext uri="{BB962C8B-B14F-4D97-AF65-F5344CB8AC3E}">
-        <p14:creationId xmlns:p14="http://schemas.microsoft.com/office/powerpoint/2010/main" val="3980846735"/>
-      </p:ext>
-    </p:extLst>
-  </p:cSld>
-  <p:clrMapOvr>
-    <a:masterClrMapping/>
-  </p:clrMapOvr>
-</p:sld>
-</file>
-
-<file path=ppt/slides/slide5.xml><?xml version="1.0" encoding="utf-8"?>
-<p:sld xmlns:a="http://schemas.openxmlformats.org/drawingml/2006/main" xmlns:r="http://schemas.openxmlformats.org/officeDocument/2006/relationships" xmlns:p="http://schemas.openxmlformats.org/presentationml/2006/main">
-  <p:cSld>
-    <p:spTree>
-      <p:nvGrpSpPr>
-        <p:cNvPr id="1" name=""/>
-        <p:cNvGrpSpPr/>
-        <p:nvPr/>
-      </p:nvGrpSpPr>
-      <p:grpSpPr>
-        <a:xfrm>
-          <a:off x="0" y="0"/>
-          <a:ext cx="0" cy="0"/>
-          <a:chOff x="0" y="0"/>
-          <a:chExt cx="0" cy="0"/>
-        </a:xfrm>
-      </p:grpSpPr>
-      <p:sp>
-        <p:nvSpPr>
-          <p:cNvPr id="2" name="Título 1">
-            <a:extLst>
-              <a:ext uri="{FF2B5EF4-FFF2-40B4-BE49-F238E27FC236}">
-                <a16:creationId xmlns:a16="http://schemas.microsoft.com/office/drawing/2014/main" id="{CB3FFAE1-D83D-4A35-BEA7-A04966D75E69}"/>
-              </a:ext>
-            </a:extLst>
-          </p:cNvPr>
-          <p:cNvSpPr>
-            <a:spLocks noGrp="1"/>
-          </p:cNvSpPr>
-          <p:nvPr>
-            <p:ph type="title"/>
-          </p:nvPr>
-        </p:nvSpPr>
-        <p:spPr/>
-        <p:txBody>
-          <a:bodyPr/>
-          <a:lstStyle/>
-          <a:p>
-            <a:r>
-              <a:rPr lang="pt-BR" dirty="0"/>
-              <a:t>O que é o </a:t>
-            </a:r>
-            <a:r>
-              <a:rPr lang="pt-BR" dirty="0" err="1"/>
-              <a:t>enem</a:t>
-            </a:r>
-            <a:r>
-              <a:rPr lang="pt-BR" dirty="0"/>
-              <a:t>?</a:t>
-            </a:r>
-          </a:p>
-        </p:txBody>
-      </p:sp>
-      <p:sp>
-        <p:nvSpPr>
-          <p:cNvPr id="3" name="Espaço Reservado para Conteúdo 2">
-            <a:extLst>
-              <a:ext uri="{FF2B5EF4-FFF2-40B4-BE49-F238E27FC236}">
-                <a16:creationId xmlns:a16="http://schemas.microsoft.com/office/drawing/2014/main" id="{CF3F8C7A-EC56-4447-AACF-498405F209E7}"/>
-              </a:ext>
-            </a:extLst>
-          </p:cNvPr>
-          <p:cNvSpPr>
-            <a:spLocks noGrp="1"/>
-          </p:cNvSpPr>
-          <p:nvPr>
-            <p:ph idx="1"/>
-          </p:nvPr>
-        </p:nvSpPr>
-        <p:spPr>
-          <a:xfrm>
-            <a:off x="2231136" y="2359152"/>
-            <a:ext cx="7729728" cy="3380875"/>
-          </a:xfrm>
-        </p:spPr>
-        <p:txBody>
-          <a:bodyPr/>
-          <a:lstStyle/>
-          <a:p>
-            <a:pPr algn="just"/>
-            <a:r>
-              <a:rPr lang="pt-BR" dirty="0"/>
-              <a:t>Exame Nacional de Ensino Médio que tem por objetivo avaliar a qualidade do Ensino Médio Brasileiro. </a:t>
-            </a:r>
-          </a:p>
-          <a:p>
-            <a:pPr algn="just"/>
-            <a:r>
-              <a:rPr lang="pt-BR" dirty="0"/>
-              <a:t>As provas são divididas em: Ciência da Natureza, Ciência Humanas, Linguagens e Códigos (com a Redação).</a:t>
-            </a:r>
-          </a:p>
-          <a:p>
-            <a:r>
-              <a:rPr lang="pt-BR" dirty="0"/>
-              <a:t>O exame contém ao total 180 questões objetivas e uma prova discursa.</a:t>
-            </a:r>
-          </a:p>
-          <a:p>
-            <a:r>
-              <a:rPr lang="pt-BR" dirty="0"/>
-              <a:t>As provas são dividas em cores como: amarela, azul, branca e rosa, porém as cores podem mudar de acordo com o ano.</a:t>
-            </a:r>
-          </a:p>
-        </p:txBody>
-      </p:sp>
-    </p:spTree>
-    <p:extLst>
-      <p:ext uri="{BB962C8B-B14F-4D97-AF65-F5344CB8AC3E}">
-        <p14:creationId xmlns:p14="http://schemas.microsoft.com/office/powerpoint/2010/main" val="1380718363"/>
-      </p:ext>
-    </p:extLst>
-  </p:cSld>
-  <p:clrMapOvr>
-    <a:masterClrMapping/>
-  </p:clrMapOvr>
-</p:sld>
-</file>
-
-<file path=ppt/slides/slide6.xml><?xml version="1.0" encoding="utf-8"?>
-<p:sld xmlns:a="http://schemas.openxmlformats.org/drawingml/2006/main" xmlns:r="http://schemas.openxmlformats.org/officeDocument/2006/relationships" xmlns:p="http://schemas.openxmlformats.org/presentationml/2006/main">
-  <p:cSld>
-    <p:spTree>
-      <p:nvGrpSpPr>
-        <p:cNvPr id="1" name=""/>
-        <p:cNvGrpSpPr/>
-        <p:nvPr/>
-      </p:nvGrpSpPr>
-      <p:grpSpPr>
-        <a:xfrm>
-          <a:off x="0" y="0"/>
-          <a:ext cx="0" cy="0"/>
-          <a:chOff x="0" y="0"/>
-          <a:chExt cx="0" cy="0"/>
-        </a:xfrm>
-      </p:grpSpPr>
-      <p:sp>
-        <p:nvSpPr>
-          <p:cNvPr id="2" name="Título 1">
-            <a:extLst>
-              <a:ext uri="{FF2B5EF4-FFF2-40B4-BE49-F238E27FC236}">
-                <a16:creationId xmlns:a16="http://schemas.microsoft.com/office/drawing/2014/main" id="{27A9E124-2A85-4DCA-B085-C790C652574B}"/>
-              </a:ext>
-            </a:extLst>
-          </p:cNvPr>
-          <p:cNvSpPr>
-            <a:spLocks noGrp="1"/>
-          </p:cNvSpPr>
-          <p:nvPr>
-            <p:ph type="title"/>
-          </p:nvPr>
-        </p:nvSpPr>
-        <p:spPr>
-          <a:xfrm>
-            <a:off x="2417749" y="1"/>
-            <a:ext cx="7729728" cy="578498"/>
-          </a:xfrm>
-        </p:spPr>
-        <p:txBody>
-          <a:bodyPr>
-            <a:normAutofit fontScale="90000"/>
-          </a:bodyPr>
-          <a:lstStyle/>
-          <a:p>
-            <a:r>
-              <a:rPr lang="pt-BR" dirty="0"/>
-              <a:t>MODELO CONCEITUAL</a:t>
-            </a:r>
-          </a:p>
-        </p:txBody>
-      </p:sp>
-      <p:pic>
-        <p:nvPicPr>
-          <p:cNvPr id="4" name="Imagem 3" descr="Diagrama, Esquemático&#10;&#10;Descrição gerada automaticamente">
-            <a:extLst>
-              <a:ext uri="{FF2B5EF4-FFF2-40B4-BE49-F238E27FC236}">
-                <a16:creationId xmlns:a16="http://schemas.microsoft.com/office/drawing/2014/main" id="{0723FB66-1A7E-46FA-AE76-CB81EB8A287E}"/>
-              </a:ext>
-            </a:extLst>
-          </p:cNvPr>
-          <p:cNvPicPr>
-            <a:picLocks noChangeAspect="1"/>
-          </p:cNvPicPr>
-          <p:nvPr/>
-        </p:nvPicPr>
-        <p:blipFill>
-          <a:blip r:embed="rId2">
-            <a:extLst>
-              <a:ext uri="{28A0092B-C50C-407E-A947-70E740481C1C}">
-                <a14:useLocalDpi xmlns:a14="http://schemas.microsoft.com/office/drawing/2010/main" val="0"/>
-              </a:ext>
-            </a:extLst>
-          </a:blip>
-          <a:stretch>
-            <a:fillRect/>
-          </a:stretch>
-        </p:blipFill>
-        <p:spPr>
-          <a:xfrm>
-            <a:off x="0" y="662474"/>
-            <a:ext cx="12192000" cy="6195526"/>
-          </a:xfrm>
-          <a:prstGeom prst="rect">
-            <a:avLst/>
-          </a:prstGeom>
-        </p:spPr>
-      </p:pic>
-    </p:spTree>
-    <p:extLst>
-      <p:ext uri="{BB962C8B-B14F-4D97-AF65-F5344CB8AC3E}">
-        <p14:creationId xmlns:p14="http://schemas.microsoft.com/office/powerpoint/2010/main" val="2125985074"/>
-      </p:ext>
-    </p:extLst>
-  </p:cSld>
-  <p:clrMapOvr>
-    <a:masterClrMapping/>
-  </p:clrMapOvr>
-</p:sld>
-</file>
-
-<file path=ppt/slides/slide7.xml><?xml version="1.0" encoding="utf-8"?>
-<p:sld xmlns:a="http://schemas.openxmlformats.org/drawingml/2006/main" xmlns:r="http://schemas.openxmlformats.org/officeDocument/2006/relationships" xmlns:p="http://schemas.openxmlformats.org/presentationml/2006/main">
-  <p:cSld>
-    <p:spTree>
-      <p:nvGrpSpPr>
-        <p:cNvPr id="1" name=""/>
-        <p:cNvGrpSpPr/>
-        <p:nvPr/>
-      </p:nvGrpSpPr>
-      <p:grpSpPr>
-        <a:xfrm>
-          <a:off x="0" y="0"/>
-          <a:ext cx="0" cy="0"/>
-          <a:chOff x="0" y="0"/>
-          <a:chExt cx="0" cy="0"/>
-        </a:xfrm>
-      </p:grpSpPr>
-      <p:sp>
-        <p:nvSpPr>
-          <p:cNvPr id="2" name="Título 1">
-            <a:extLst>
-              <a:ext uri="{FF2B5EF4-FFF2-40B4-BE49-F238E27FC236}">
-                <a16:creationId xmlns:a16="http://schemas.microsoft.com/office/drawing/2014/main" id="{DEA205FE-3801-415D-B3CF-AC68802183C2}"/>
-              </a:ext>
-            </a:extLst>
-          </p:cNvPr>
-          <p:cNvSpPr>
-            <a:spLocks noGrp="1"/>
-          </p:cNvSpPr>
-          <p:nvPr>
-            <p:ph type="title"/>
-          </p:nvPr>
-        </p:nvSpPr>
-        <p:spPr>
-          <a:xfrm>
-            <a:off x="2231135" y="65315"/>
-            <a:ext cx="7729728" cy="569168"/>
-          </a:xfrm>
-        </p:spPr>
-        <p:txBody>
-          <a:bodyPr>
-            <a:normAutofit fontScale="90000"/>
-          </a:bodyPr>
-          <a:lstStyle/>
-          <a:p>
-            <a:r>
-              <a:rPr lang="pt-BR" dirty="0"/>
-              <a:t>MODELO lógico</a:t>
-            </a:r>
-          </a:p>
-        </p:txBody>
-      </p:sp>
-      <p:pic>
-        <p:nvPicPr>
-          <p:cNvPr id="5" name="Imagem 4" descr="Diagrama&#10;&#10;Descrição gerada automaticamente">
-            <a:extLst>
-              <a:ext uri="{FF2B5EF4-FFF2-40B4-BE49-F238E27FC236}">
-                <a16:creationId xmlns:a16="http://schemas.microsoft.com/office/drawing/2014/main" id="{762F17E1-BEE4-4F33-BE89-A17CD547582A}"/>
-              </a:ext>
-            </a:extLst>
-          </p:cNvPr>
-          <p:cNvPicPr>
-            <a:picLocks noChangeAspect="1"/>
-          </p:cNvPicPr>
-          <p:nvPr/>
-        </p:nvPicPr>
-        <p:blipFill>
-          <a:blip r:embed="rId3">
-            <a:extLst>
-              <a:ext uri="{28A0092B-C50C-407E-A947-70E740481C1C}">
-                <a14:useLocalDpi xmlns:a14="http://schemas.microsoft.com/office/drawing/2010/main" val="0"/>
-              </a:ext>
-            </a:extLst>
-          </a:blip>
-          <a:stretch>
-            <a:fillRect/>
-          </a:stretch>
-        </p:blipFill>
-        <p:spPr>
-          <a:xfrm>
-            <a:off x="1" y="718457"/>
-            <a:ext cx="12192000" cy="6074229"/>
-          </a:xfrm>
-          <a:prstGeom prst="rect">
-            <a:avLst/>
-          </a:prstGeom>
-        </p:spPr>
-      </p:pic>
-    </p:spTree>
-    <p:extLst>
-      <p:ext uri="{BB962C8B-B14F-4D97-AF65-F5344CB8AC3E}">
-        <p14:creationId xmlns:p14="http://schemas.microsoft.com/office/powerpoint/2010/main" val="2348554424"/>
-      </p:ext>
-    </p:extLst>
-  </p:cSld>
-  <p:clrMapOvr>
-    <a:masterClrMapping/>
-  </p:clrMapOvr>
-</p:sld>
-</file>
-
-<file path=ppt/slides/slide8.xml><?xml version="1.0" encoding="utf-8"?>
+<file path=ppt/slides/slide13.xml><?xml version="1.0" encoding="utf-8"?>
 <p:sld xmlns:a="http://schemas.openxmlformats.org/drawingml/2006/main" xmlns:r="http://schemas.openxmlformats.org/officeDocument/2006/relationships" xmlns:p="http://schemas.openxmlformats.org/presentationml/2006/main">
   <p:cSld>
     <p:spTree>
@@ -5353,6 +4695,1218 @@
 </p:sld>
 </file>
 
+<file path=ppt/slides/slide14.xml><?xml version="1.0" encoding="utf-8"?>
+<p:sld xmlns:a="http://schemas.openxmlformats.org/drawingml/2006/main" xmlns:r="http://schemas.openxmlformats.org/officeDocument/2006/relationships" xmlns:p="http://schemas.openxmlformats.org/presentationml/2006/main">
+  <p:cSld>
+    <p:spTree>
+      <p:nvGrpSpPr>
+        <p:cNvPr id="1" name=""/>
+        <p:cNvGrpSpPr/>
+        <p:nvPr/>
+      </p:nvGrpSpPr>
+      <p:grpSpPr>
+        <a:xfrm>
+          <a:off x="0" y="0"/>
+          <a:ext cx="0" cy="0"/>
+          <a:chOff x="0" y="0"/>
+          <a:chExt cx="0" cy="0"/>
+        </a:xfrm>
+      </p:grpSpPr>
+      <p:sp>
+        <p:nvSpPr>
+          <p:cNvPr id="2" name="Título 1">
+            <a:extLst>
+              <a:ext uri="{FF2B5EF4-FFF2-40B4-BE49-F238E27FC236}">
+                <a16:creationId xmlns:a16="http://schemas.microsoft.com/office/drawing/2014/main" id="{46A95C4D-FEDB-4D6F-9A85-8D656F0138B4}"/>
+              </a:ext>
+            </a:extLst>
+          </p:cNvPr>
+          <p:cNvSpPr>
+            <a:spLocks noGrp="1"/>
+          </p:cNvSpPr>
+          <p:nvPr>
+            <p:ph type="title"/>
+          </p:nvPr>
+        </p:nvSpPr>
+        <p:spPr/>
+        <p:txBody>
+          <a:bodyPr/>
+          <a:lstStyle/>
+          <a:p>
+            <a:r>
+              <a:rPr lang="pt-BR" dirty="0"/>
+              <a:t>Limitações</a:t>
+            </a:r>
+          </a:p>
+        </p:txBody>
+      </p:sp>
+      <p:sp>
+        <p:nvSpPr>
+          <p:cNvPr id="3" name="Espaço Reservado para Conteúdo 2">
+            <a:extLst>
+              <a:ext uri="{FF2B5EF4-FFF2-40B4-BE49-F238E27FC236}">
+                <a16:creationId xmlns:a16="http://schemas.microsoft.com/office/drawing/2014/main" id="{73190E5A-FB2B-41E3-8959-40D8E8B89DC5}"/>
+              </a:ext>
+            </a:extLst>
+          </p:cNvPr>
+          <p:cNvSpPr>
+            <a:spLocks noGrp="1"/>
+          </p:cNvSpPr>
+          <p:nvPr>
+            <p:ph idx="1"/>
+          </p:nvPr>
+        </p:nvSpPr>
+        <p:spPr/>
+        <p:txBody>
+          <a:bodyPr/>
+          <a:lstStyle/>
+          <a:p>
+            <a:r>
+              <a:rPr lang="pt-BR" dirty="0"/>
+              <a:t>Padronização dos dados.</a:t>
+            </a:r>
+          </a:p>
+          <a:p>
+            <a:r>
+              <a:rPr lang="pt-BR" dirty="0"/>
+              <a:t>Criação da infraestrutura.</a:t>
+            </a:r>
+          </a:p>
+          <a:p>
+            <a:r>
+              <a:rPr lang="pt-BR" dirty="0"/>
+              <a:t>Armazenamento dos dados.</a:t>
+            </a:r>
+          </a:p>
+          <a:p>
+            <a:r>
+              <a:rPr lang="pt-BR" dirty="0"/>
+              <a:t>Capacidade de processamento dos dados.</a:t>
+            </a:r>
+          </a:p>
+        </p:txBody>
+      </p:sp>
+    </p:spTree>
+    <p:extLst>
+      <p:ext uri="{BB962C8B-B14F-4D97-AF65-F5344CB8AC3E}">
+        <p14:creationId xmlns:p14="http://schemas.microsoft.com/office/powerpoint/2010/main" val="493301709"/>
+      </p:ext>
+    </p:extLst>
+  </p:cSld>
+  <p:clrMapOvr>
+    <a:masterClrMapping/>
+  </p:clrMapOvr>
+</p:sld>
+</file>
+
+<file path=ppt/slides/slide15.xml><?xml version="1.0" encoding="utf-8"?>
+<p:sld xmlns:a="http://schemas.openxmlformats.org/drawingml/2006/main" xmlns:r="http://schemas.openxmlformats.org/officeDocument/2006/relationships" xmlns:p="http://schemas.openxmlformats.org/presentationml/2006/main">
+  <p:cSld>
+    <p:spTree>
+      <p:nvGrpSpPr>
+        <p:cNvPr id="1" name=""/>
+        <p:cNvGrpSpPr/>
+        <p:nvPr/>
+      </p:nvGrpSpPr>
+      <p:grpSpPr>
+        <a:xfrm>
+          <a:off x="0" y="0"/>
+          <a:ext cx="0" cy="0"/>
+          <a:chOff x="0" y="0"/>
+          <a:chExt cx="0" cy="0"/>
+        </a:xfrm>
+      </p:grpSpPr>
+      <p:sp>
+        <p:nvSpPr>
+          <p:cNvPr id="2" name="Título 1">
+            <a:extLst>
+              <a:ext uri="{FF2B5EF4-FFF2-40B4-BE49-F238E27FC236}">
+                <a16:creationId xmlns:a16="http://schemas.microsoft.com/office/drawing/2014/main" id="{EE723563-498C-41C1-B3F0-3151A8E3C0D1}"/>
+              </a:ext>
+            </a:extLst>
+          </p:cNvPr>
+          <p:cNvSpPr>
+            <a:spLocks noGrp="1"/>
+          </p:cNvSpPr>
+          <p:nvPr>
+            <p:ph type="title"/>
+          </p:nvPr>
+        </p:nvSpPr>
+        <p:spPr/>
+        <p:txBody>
+          <a:bodyPr/>
+          <a:lstStyle/>
+          <a:p>
+            <a:r>
+              <a:rPr lang="pt-BR" dirty="0"/>
+              <a:t>Trabalhos futuros</a:t>
+            </a:r>
+          </a:p>
+        </p:txBody>
+      </p:sp>
+      <p:sp>
+        <p:nvSpPr>
+          <p:cNvPr id="3" name="Espaço Reservado para Conteúdo 2">
+            <a:extLst>
+              <a:ext uri="{FF2B5EF4-FFF2-40B4-BE49-F238E27FC236}">
+                <a16:creationId xmlns:a16="http://schemas.microsoft.com/office/drawing/2014/main" id="{8660081E-8ACB-4B7E-BA17-832681C4C0C9}"/>
+              </a:ext>
+            </a:extLst>
+          </p:cNvPr>
+          <p:cNvSpPr>
+            <a:spLocks noGrp="1"/>
+          </p:cNvSpPr>
+          <p:nvPr>
+            <p:ph idx="1"/>
+          </p:nvPr>
+        </p:nvSpPr>
+        <p:spPr/>
+        <p:txBody>
+          <a:bodyPr>
+            <a:normAutofit fontScale="85000" lnSpcReduction="20000"/>
+          </a:bodyPr>
+          <a:lstStyle/>
+          <a:p>
+            <a:pPr lvl="0">
+              <a:lnSpc>
+                <a:spcPct val="110000"/>
+              </a:lnSpc>
+            </a:pPr>
+            <a:r>
+              <a:rPr lang="pt-BR" dirty="0"/>
+              <a:t>Criar bancos de dados transacional para os anos após 2015 do ENEM e a população desses dados no banco de dados do DW.</a:t>
+            </a:r>
+          </a:p>
+          <a:p>
+            <a:pPr lvl="0">
+              <a:lnSpc>
+                <a:spcPct val="110000"/>
+              </a:lnSpc>
+            </a:pPr>
+            <a:r>
+              <a:rPr lang="pt-BR" dirty="0"/>
+              <a:t>Ampliar a visualização de dados e ampliar os relatórios baseados em novas perguntas que o DW responda.</a:t>
+            </a:r>
+          </a:p>
+          <a:p>
+            <a:pPr lvl="0">
+              <a:lnSpc>
+                <a:spcPct val="110000"/>
+              </a:lnSpc>
+            </a:pPr>
+            <a:r>
+              <a:rPr lang="pt-BR" dirty="0"/>
+              <a:t> Melhorar a capacidade da infraestrutura, principalmente, no armazenamento de dados. </a:t>
+            </a:r>
+          </a:p>
+          <a:p>
+            <a:pPr lvl="0">
+              <a:lnSpc>
+                <a:spcPct val="110000"/>
+              </a:lnSpc>
+            </a:pPr>
+            <a:r>
+              <a:rPr lang="pt-BR" dirty="0"/>
+              <a:t>Refatorar os códigos do ETL tanto do transacional quanto do DW. </a:t>
+            </a:r>
+          </a:p>
+          <a:p>
+            <a:pPr lvl="0">
+              <a:lnSpc>
+                <a:spcPct val="110000"/>
+              </a:lnSpc>
+            </a:pPr>
+            <a:r>
+              <a:rPr lang="pt-BR" dirty="0"/>
+              <a:t>Realizar estudo de heurísticas para melhorar o desempenho das consultas que já existem e geram os relatórios. </a:t>
+            </a:r>
+          </a:p>
+          <a:p>
+            <a:pPr lvl="0">
+              <a:lnSpc>
+                <a:spcPct val="110000"/>
+              </a:lnSpc>
+            </a:pPr>
+            <a:r>
+              <a:rPr lang="pt-BR" dirty="0"/>
+              <a:t>Usar a capacidade dos dados para realizar um estudo com foco em </a:t>
+            </a:r>
+            <a:r>
+              <a:rPr lang="pt-BR" dirty="0" err="1"/>
+              <a:t>Tuning</a:t>
+            </a:r>
+            <a:r>
+              <a:rPr lang="pt-BR" dirty="0"/>
+              <a:t> de banco de dados.</a:t>
+            </a:r>
+          </a:p>
+          <a:p>
+            <a:pPr lvl="0">
+              <a:lnSpc>
+                <a:spcPct val="110000"/>
+              </a:lnSpc>
+            </a:pPr>
+            <a:r>
+              <a:rPr lang="pt-BR" dirty="0"/>
+              <a:t>Adaptar o banco de dados atual de acordo com o LGPD.</a:t>
+            </a:r>
+          </a:p>
+        </p:txBody>
+      </p:sp>
+    </p:spTree>
+    <p:extLst>
+      <p:ext uri="{BB962C8B-B14F-4D97-AF65-F5344CB8AC3E}">
+        <p14:creationId xmlns:p14="http://schemas.microsoft.com/office/powerpoint/2010/main" val="580782446"/>
+      </p:ext>
+    </p:extLst>
+  </p:cSld>
+  <p:clrMapOvr>
+    <a:masterClrMapping/>
+  </p:clrMapOvr>
+</p:sld>
+</file>
+
+<file path=ppt/slides/slide16.xml><?xml version="1.0" encoding="utf-8"?>
+<p:sld xmlns:a="http://schemas.openxmlformats.org/drawingml/2006/main" xmlns:r="http://schemas.openxmlformats.org/officeDocument/2006/relationships" xmlns:p="http://schemas.openxmlformats.org/presentationml/2006/main">
+  <p:cSld>
+    <p:spTree>
+      <p:nvGrpSpPr>
+        <p:cNvPr id="1" name=""/>
+        <p:cNvGrpSpPr/>
+        <p:nvPr/>
+      </p:nvGrpSpPr>
+      <p:grpSpPr>
+        <a:xfrm>
+          <a:off x="0" y="0"/>
+          <a:ext cx="0" cy="0"/>
+          <a:chOff x="0" y="0"/>
+          <a:chExt cx="0" cy="0"/>
+        </a:xfrm>
+      </p:grpSpPr>
+      <p:sp>
+        <p:nvSpPr>
+          <p:cNvPr id="4" name="Título 3">
+            <a:extLst>
+              <a:ext uri="{FF2B5EF4-FFF2-40B4-BE49-F238E27FC236}">
+                <a16:creationId xmlns:a16="http://schemas.microsoft.com/office/drawing/2014/main" id="{6E1BA72A-980A-4BB4-8D44-217C7B3A4431}"/>
+              </a:ext>
+            </a:extLst>
+          </p:cNvPr>
+          <p:cNvSpPr>
+            <a:spLocks noGrp="1"/>
+          </p:cNvSpPr>
+          <p:nvPr>
+            <p:ph type="ctrTitle"/>
+          </p:nvPr>
+        </p:nvSpPr>
+        <p:spPr/>
+        <p:txBody>
+          <a:bodyPr/>
+          <a:lstStyle/>
+          <a:p>
+            <a:r>
+              <a:rPr lang="pt-BR" dirty="0"/>
+              <a:t>OBRIgado!!</a:t>
+            </a:r>
+          </a:p>
+        </p:txBody>
+      </p:sp>
+    </p:spTree>
+    <p:extLst>
+      <p:ext uri="{BB962C8B-B14F-4D97-AF65-F5344CB8AC3E}">
+        <p14:creationId xmlns:p14="http://schemas.microsoft.com/office/powerpoint/2010/main" val="2185586797"/>
+      </p:ext>
+    </p:extLst>
+  </p:cSld>
+  <p:clrMapOvr>
+    <a:masterClrMapping/>
+  </p:clrMapOvr>
+</p:sld>
+</file>
+
+<file path=ppt/slides/slide2.xml><?xml version="1.0" encoding="utf-8"?>
+<p:sld xmlns:a="http://schemas.openxmlformats.org/drawingml/2006/main" xmlns:r="http://schemas.openxmlformats.org/officeDocument/2006/relationships" xmlns:p="http://schemas.openxmlformats.org/presentationml/2006/main">
+  <p:cSld>
+    <p:bg>
+      <p:bgPr>
+        <a:solidFill>
+          <a:schemeClr val="bg1"/>
+        </a:solidFill>
+        <a:effectLst/>
+      </p:bgPr>
+    </p:bg>
+    <p:spTree>
+      <p:nvGrpSpPr>
+        <p:cNvPr id="1" name=""/>
+        <p:cNvGrpSpPr/>
+        <p:nvPr/>
+      </p:nvGrpSpPr>
+      <p:grpSpPr>
+        <a:xfrm>
+          <a:off x="0" y="0"/>
+          <a:ext cx="0" cy="0"/>
+          <a:chOff x="0" y="0"/>
+          <a:chExt cx="0" cy="0"/>
+        </a:xfrm>
+      </p:grpSpPr>
+      <p:sp>
+        <p:nvSpPr>
+          <p:cNvPr id="4" name="Título 3">
+            <a:extLst>
+              <a:ext uri="{FF2B5EF4-FFF2-40B4-BE49-F238E27FC236}">
+                <a16:creationId xmlns:a16="http://schemas.microsoft.com/office/drawing/2014/main" id="{013A5804-A670-482E-AFAC-1C35D1094321}"/>
+              </a:ext>
+            </a:extLst>
+          </p:cNvPr>
+          <p:cNvSpPr>
+            <a:spLocks noGrp="1"/>
+          </p:cNvSpPr>
+          <p:nvPr>
+            <p:ph type="title"/>
+          </p:nvPr>
+        </p:nvSpPr>
+        <p:spPr/>
+        <p:txBody>
+          <a:bodyPr/>
+          <a:lstStyle/>
+          <a:p>
+            <a:r>
+              <a:rPr lang="pt-BR" dirty="0"/>
+              <a:t>Sumário da apresentação</a:t>
+            </a:r>
+          </a:p>
+        </p:txBody>
+      </p:sp>
+      <p:sp>
+        <p:nvSpPr>
+          <p:cNvPr id="5" name="Espaço Reservado para Conteúdo 4">
+            <a:extLst>
+              <a:ext uri="{FF2B5EF4-FFF2-40B4-BE49-F238E27FC236}">
+                <a16:creationId xmlns:a16="http://schemas.microsoft.com/office/drawing/2014/main" id="{E52EF3AD-EF1D-4842-9D25-784B91827396}"/>
+              </a:ext>
+            </a:extLst>
+          </p:cNvPr>
+          <p:cNvSpPr>
+            <a:spLocks noGrp="1"/>
+          </p:cNvSpPr>
+          <p:nvPr>
+            <p:ph sz="half" idx="1"/>
+          </p:nvPr>
+        </p:nvSpPr>
+        <p:spPr>
+          <a:xfrm>
+            <a:off x="1581912" y="2332653"/>
+            <a:ext cx="4271771" cy="3407373"/>
+          </a:xfrm>
+        </p:spPr>
+        <p:txBody>
+          <a:bodyPr>
+            <a:normAutofit fontScale="92500" lnSpcReduction="10000"/>
+          </a:bodyPr>
+          <a:lstStyle/>
+          <a:p>
+            <a:r>
+              <a:rPr lang="pt-BR" dirty="0"/>
+              <a:t>Motivação do trabalho</a:t>
+            </a:r>
+          </a:p>
+          <a:p>
+            <a:r>
+              <a:rPr lang="pt-BR" dirty="0"/>
+              <a:t>O que é o Enem?</a:t>
+            </a:r>
+          </a:p>
+          <a:p>
+            <a:r>
+              <a:rPr lang="pt-BR" dirty="0"/>
+              <a:t>Estrutura do Enem</a:t>
+            </a:r>
+          </a:p>
+          <a:p>
+            <a:r>
+              <a:rPr lang="pt-BR" dirty="0"/>
+              <a:t>Disponibilização dos dados</a:t>
+            </a:r>
+          </a:p>
+          <a:p>
+            <a:r>
+              <a:rPr lang="pt-BR" dirty="0"/>
+              <a:t>Modelo Conceitual</a:t>
+            </a:r>
+          </a:p>
+          <a:p>
+            <a:r>
+              <a:rPr lang="pt-BR" dirty="0"/>
+              <a:t>Modelo Lógico</a:t>
+            </a:r>
+          </a:p>
+          <a:p>
+            <a:r>
+              <a:rPr lang="pt-BR" dirty="0"/>
+              <a:t>ETL do fonte para o transacional</a:t>
+            </a:r>
+          </a:p>
+          <a:p>
+            <a:r>
+              <a:rPr lang="pt-BR" dirty="0"/>
+              <a:t>Modelo do DW</a:t>
+            </a:r>
+          </a:p>
+          <a:p>
+            <a:r>
+              <a:rPr lang="pt-BR" dirty="0"/>
+              <a:t>ETL do transacional para o DW</a:t>
+            </a:r>
+          </a:p>
+          <a:p>
+            <a:endParaRPr lang="pt-BR" dirty="0"/>
+          </a:p>
+        </p:txBody>
+      </p:sp>
+      <p:sp>
+        <p:nvSpPr>
+          <p:cNvPr id="12" name="Espaço Reservado para Conteúdo 11">
+            <a:extLst>
+              <a:ext uri="{FF2B5EF4-FFF2-40B4-BE49-F238E27FC236}">
+                <a16:creationId xmlns:a16="http://schemas.microsoft.com/office/drawing/2014/main" id="{1DC8DC75-F08F-4BB9-B139-994375B64C72}"/>
+              </a:ext>
+            </a:extLst>
+          </p:cNvPr>
+          <p:cNvSpPr>
+            <a:spLocks noGrp="1"/>
+          </p:cNvSpPr>
+          <p:nvPr>
+            <p:ph sz="half" idx="2"/>
+          </p:nvPr>
+        </p:nvSpPr>
+        <p:spPr>
+          <a:xfrm>
+            <a:off x="6338315" y="2332653"/>
+            <a:ext cx="4270247" cy="3407373"/>
+          </a:xfrm>
+        </p:spPr>
+        <p:txBody>
+          <a:bodyPr>
+            <a:normAutofit fontScale="92500" lnSpcReduction="10000"/>
+          </a:bodyPr>
+          <a:lstStyle/>
+          <a:p>
+            <a:r>
+              <a:rPr lang="pt-BR" dirty="0"/>
+              <a:t>Resultados</a:t>
+            </a:r>
+          </a:p>
+          <a:p>
+            <a:r>
+              <a:rPr lang="pt-BR" dirty="0"/>
+              <a:t>Impedimentos</a:t>
+            </a:r>
+          </a:p>
+          <a:p>
+            <a:r>
+              <a:rPr lang="pt-BR" dirty="0"/>
+              <a:t>Trabalhos futuros</a:t>
+            </a:r>
+          </a:p>
+        </p:txBody>
+      </p:sp>
+    </p:spTree>
+    <p:extLst>
+      <p:ext uri="{BB962C8B-B14F-4D97-AF65-F5344CB8AC3E}">
+        <p14:creationId xmlns:p14="http://schemas.microsoft.com/office/powerpoint/2010/main" val="4088120445"/>
+      </p:ext>
+    </p:extLst>
+  </p:cSld>
+  <p:clrMapOvr>
+    <a:masterClrMapping/>
+  </p:clrMapOvr>
+</p:sld>
+</file>
+
+<file path=ppt/slides/slide3.xml><?xml version="1.0" encoding="utf-8"?>
+<p:sld xmlns:a="http://schemas.openxmlformats.org/drawingml/2006/main" xmlns:r="http://schemas.openxmlformats.org/officeDocument/2006/relationships" xmlns:p="http://schemas.openxmlformats.org/presentationml/2006/main">
+  <p:cSld>
+    <p:spTree>
+      <p:nvGrpSpPr>
+        <p:cNvPr id="1" name=""/>
+        <p:cNvGrpSpPr/>
+        <p:nvPr/>
+      </p:nvGrpSpPr>
+      <p:grpSpPr>
+        <a:xfrm>
+          <a:off x="0" y="0"/>
+          <a:ext cx="0" cy="0"/>
+          <a:chOff x="0" y="0"/>
+          <a:chExt cx="0" cy="0"/>
+        </a:xfrm>
+      </p:grpSpPr>
+      <p:sp>
+        <p:nvSpPr>
+          <p:cNvPr id="2" name="Título 1">
+            <a:extLst>
+              <a:ext uri="{FF2B5EF4-FFF2-40B4-BE49-F238E27FC236}">
+                <a16:creationId xmlns:a16="http://schemas.microsoft.com/office/drawing/2014/main" id="{55B233D2-FBF4-4F78-A628-C204A007F775}"/>
+              </a:ext>
+            </a:extLst>
+          </p:cNvPr>
+          <p:cNvSpPr>
+            <a:spLocks noGrp="1"/>
+          </p:cNvSpPr>
+          <p:nvPr>
+            <p:ph type="title"/>
+          </p:nvPr>
+        </p:nvSpPr>
+        <p:spPr/>
+        <p:txBody>
+          <a:bodyPr/>
+          <a:lstStyle/>
+          <a:p>
+            <a:r>
+              <a:rPr lang="pt-BR" dirty="0"/>
+              <a:t>Motivação </a:t>
+            </a:r>
+          </a:p>
+        </p:txBody>
+      </p:sp>
+      <p:sp>
+        <p:nvSpPr>
+          <p:cNvPr id="5" name="Espaço Reservado para Conteúdo 4">
+            <a:extLst>
+              <a:ext uri="{FF2B5EF4-FFF2-40B4-BE49-F238E27FC236}">
+                <a16:creationId xmlns:a16="http://schemas.microsoft.com/office/drawing/2014/main" id="{F7B30167-1EEE-4828-822C-E7977107202F}"/>
+              </a:ext>
+            </a:extLst>
+          </p:cNvPr>
+          <p:cNvSpPr>
+            <a:spLocks noGrp="1"/>
+          </p:cNvSpPr>
+          <p:nvPr>
+            <p:ph idx="1"/>
+          </p:nvPr>
+        </p:nvSpPr>
+        <p:spPr/>
+        <p:txBody>
+          <a:bodyPr/>
+          <a:lstStyle/>
+          <a:p>
+            <a:pPr algn="just"/>
+            <a:r>
+              <a:rPr lang="pt-BR" dirty="0"/>
+              <a:t>Através da Lei de Acesso à Informação (LAI) cujo a referência é: Lei nº 12.527/2011. Os dados são disponibilizados e podem ser acessar de forma gratuita.</a:t>
+            </a:r>
+          </a:p>
+          <a:p>
+            <a:pPr algn="just"/>
+            <a:r>
+              <a:rPr lang="pt-BR" dirty="0"/>
+              <a:t>Um dos dados disponibilizados na área da educação são os dados do Enem.</a:t>
+            </a:r>
+          </a:p>
+          <a:p>
+            <a:pPr algn="just"/>
+            <a:r>
+              <a:rPr lang="pt-BR" dirty="0"/>
+              <a:t>A principal motivação deste trabalho é ampliar o conhecimento sobre o Enem utilizando esses dados que são disponibilizados.</a:t>
+            </a:r>
+          </a:p>
+        </p:txBody>
+      </p:sp>
+    </p:spTree>
+    <p:extLst>
+      <p:ext uri="{BB962C8B-B14F-4D97-AF65-F5344CB8AC3E}">
+        <p14:creationId xmlns:p14="http://schemas.microsoft.com/office/powerpoint/2010/main" val="1652980792"/>
+      </p:ext>
+    </p:extLst>
+  </p:cSld>
+  <p:clrMapOvr>
+    <a:masterClrMapping/>
+  </p:clrMapOvr>
+</p:sld>
+</file>
+
+<file path=ppt/slides/slide4.xml><?xml version="1.0" encoding="utf-8"?>
+<p:sld xmlns:a="http://schemas.openxmlformats.org/drawingml/2006/main" xmlns:r="http://schemas.openxmlformats.org/officeDocument/2006/relationships" xmlns:p="http://schemas.openxmlformats.org/presentationml/2006/main">
+  <p:cSld>
+    <p:spTree>
+      <p:nvGrpSpPr>
+        <p:cNvPr id="1" name=""/>
+        <p:cNvGrpSpPr/>
+        <p:nvPr/>
+      </p:nvGrpSpPr>
+      <p:grpSpPr>
+        <a:xfrm>
+          <a:off x="0" y="0"/>
+          <a:ext cx="0" cy="0"/>
+          <a:chOff x="0" y="0"/>
+          <a:chExt cx="0" cy="0"/>
+        </a:xfrm>
+      </p:grpSpPr>
+      <p:sp>
+        <p:nvSpPr>
+          <p:cNvPr id="2" name="Título 1">
+            <a:extLst>
+              <a:ext uri="{FF2B5EF4-FFF2-40B4-BE49-F238E27FC236}">
+                <a16:creationId xmlns:a16="http://schemas.microsoft.com/office/drawing/2014/main" id="{6C8A5F95-9E09-4BE4-A2EB-CB3408597B08}"/>
+              </a:ext>
+            </a:extLst>
+          </p:cNvPr>
+          <p:cNvSpPr>
+            <a:spLocks noGrp="1"/>
+          </p:cNvSpPr>
+          <p:nvPr>
+            <p:ph type="title"/>
+          </p:nvPr>
+        </p:nvSpPr>
+        <p:spPr/>
+        <p:txBody>
+          <a:bodyPr/>
+          <a:lstStyle/>
+          <a:p>
+            <a:r>
+              <a:rPr lang="pt-BR" dirty="0"/>
+              <a:t>Objetivo</a:t>
+            </a:r>
+          </a:p>
+        </p:txBody>
+      </p:sp>
+      <p:sp>
+        <p:nvSpPr>
+          <p:cNvPr id="3" name="Espaço Reservado para Conteúdo 2">
+            <a:extLst>
+              <a:ext uri="{FF2B5EF4-FFF2-40B4-BE49-F238E27FC236}">
+                <a16:creationId xmlns:a16="http://schemas.microsoft.com/office/drawing/2014/main" id="{48245E10-2B3E-4ADC-A72D-44E4C2A9B7A4}"/>
+              </a:ext>
+            </a:extLst>
+          </p:cNvPr>
+          <p:cNvSpPr>
+            <a:spLocks noGrp="1"/>
+          </p:cNvSpPr>
+          <p:nvPr>
+            <p:ph idx="1"/>
+          </p:nvPr>
+        </p:nvSpPr>
+        <p:spPr/>
+        <p:txBody>
+          <a:bodyPr/>
+          <a:lstStyle/>
+          <a:p>
+            <a:pPr algn="just"/>
+            <a:r>
+              <a:rPr lang="pt-BR" dirty="0"/>
+              <a:t>Disponibilizar os dados em banco de dados a ser estudado. </a:t>
+            </a:r>
+          </a:p>
+          <a:p>
+            <a:pPr algn="just"/>
+            <a:r>
+              <a:rPr lang="pt-BR" dirty="0"/>
+              <a:t>Criar banco de dados transacional contém os dados normalizados a cada ano. </a:t>
+            </a:r>
+          </a:p>
+          <a:p>
+            <a:pPr algn="just"/>
+            <a:r>
+              <a:rPr lang="pt-BR" dirty="0"/>
+              <a:t>Criar um DW contém os dados históricos.</a:t>
+            </a:r>
+          </a:p>
+          <a:p>
+            <a:pPr algn="just"/>
+            <a:r>
+              <a:rPr lang="pt-BR" dirty="0"/>
+              <a:t>Criar as </a:t>
+            </a:r>
+            <a:r>
+              <a:rPr lang="pt-BR" dirty="0" err="1"/>
+              <a:t>ETL’s</a:t>
+            </a:r>
+            <a:r>
+              <a:rPr lang="pt-BR" dirty="0"/>
+              <a:t> tanto para o transacional quanto para o DW.</a:t>
+            </a:r>
+          </a:p>
+          <a:p>
+            <a:pPr algn="just"/>
+            <a:r>
+              <a:rPr lang="pt-BR" dirty="0"/>
+              <a:t>Criar os gráficos no PowerBi para a visualização de dados.</a:t>
+            </a:r>
+          </a:p>
+        </p:txBody>
+      </p:sp>
+    </p:spTree>
+    <p:extLst>
+      <p:ext uri="{BB962C8B-B14F-4D97-AF65-F5344CB8AC3E}">
+        <p14:creationId xmlns:p14="http://schemas.microsoft.com/office/powerpoint/2010/main" val="3980846735"/>
+      </p:ext>
+    </p:extLst>
+  </p:cSld>
+  <p:clrMapOvr>
+    <a:masterClrMapping/>
+  </p:clrMapOvr>
+</p:sld>
+</file>
+
+<file path=ppt/slides/slide5.xml><?xml version="1.0" encoding="utf-8"?>
+<p:sld xmlns:a="http://schemas.openxmlformats.org/drawingml/2006/main" xmlns:r="http://schemas.openxmlformats.org/officeDocument/2006/relationships" xmlns:p="http://schemas.openxmlformats.org/presentationml/2006/main">
+  <p:cSld>
+    <p:bg>
+      <p:bgPr>
+        <a:solidFill>
+          <a:schemeClr val="bg1">
+            <a:lumMod val="95000"/>
+          </a:schemeClr>
+        </a:solidFill>
+        <a:effectLst/>
+      </p:bgPr>
+    </p:bg>
+    <p:spTree>
+      <p:nvGrpSpPr>
+        <p:cNvPr id="1" name=""/>
+        <p:cNvGrpSpPr/>
+        <p:nvPr/>
+      </p:nvGrpSpPr>
+      <p:grpSpPr>
+        <a:xfrm>
+          <a:off x="0" y="0"/>
+          <a:ext cx="0" cy="0"/>
+          <a:chOff x="0" y="0"/>
+          <a:chExt cx="0" cy="0"/>
+        </a:xfrm>
+      </p:grpSpPr>
+      <p:sp>
+        <p:nvSpPr>
+          <p:cNvPr id="2" name="Título 1">
+            <a:extLst>
+              <a:ext uri="{FF2B5EF4-FFF2-40B4-BE49-F238E27FC236}">
+                <a16:creationId xmlns:a16="http://schemas.microsoft.com/office/drawing/2014/main" id="{CB3FFAE1-D83D-4A35-BEA7-A04966D75E69}"/>
+              </a:ext>
+            </a:extLst>
+          </p:cNvPr>
+          <p:cNvSpPr>
+            <a:spLocks noGrp="1"/>
+          </p:cNvSpPr>
+          <p:nvPr>
+            <p:ph type="title"/>
+          </p:nvPr>
+        </p:nvSpPr>
+        <p:spPr/>
+        <p:txBody>
+          <a:bodyPr/>
+          <a:lstStyle/>
+          <a:p>
+            <a:r>
+              <a:rPr lang="pt-BR" dirty="0"/>
+              <a:t>O que é o </a:t>
+            </a:r>
+            <a:r>
+              <a:rPr lang="pt-BR" dirty="0" err="1"/>
+              <a:t>enem</a:t>
+            </a:r>
+            <a:r>
+              <a:rPr lang="pt-BR" dirty="0"/>
+              <a:t>?</a:t>
+            </a:r>
+          </a:p>
+        </p:txBody>
+      </p:sp>
+      <p:sp>
+        <p:nvSpPr>
+          <p:cNvPr id="3" name="Espaço Reservado para Conteúdo 2">
+            <a:extLst>
+              <a:ext uri="{FF2B5EF4-FFF2-40B4-BE49-F238E27FC236}">
+                <a16:creationId xmlns:a16="http://schemas.microsoft.com/office/drawing/2014/main" id="{CF3F8C7A-EC56-4447-AACF-498405F209E7}"/>
+              </a:ext>
+            </a:extLst>
+          </p:cNvPr>
+          <p:cNvSpPr>
+            <a:spLocks noGrp="1"/>
+          </p:cNvSpPr>
+          <p:nvPr>
+            <p:ph idx="1"/>
+          </p:nvPr>
+        </p:nvSpPr>
+        <p:spPr>
+          <a:xfrm>
+            <a:off x="2231136" y="2359152"/>
+            <a:ext cx="7729728" cy="3380875"/>
+          </a:xfrm>
+        </p:spPr>
+        <p:txBody>
+          <a:bodyPr/>
+          <a:lstStyle/>
+          <a:p>
+            <a:pPr algn="just"/>
+            <a:r>
+              <a:rPr lang="pt-BR" dirty="0"/>
+              <a:t>Exame Nacional de Ensino Médio que tem por objetivo avaliar a qualidade do Ensino Médio Brasileiro. </a:t>
+            </a:r>
+          </a:p>
+          <a:p>
+            <a:pPr algn="just"/>
+            <a:r>
+              <a:rPr lang="pt-BR" dirty="0"/>
+              <a:t>As provas são divididas em: Ciência da Natureza, Ciência Humanas, Linguagens e Códigos (com a Redação).</a:t>
+            </a:r>
+          </a:p>
+          <a:p>
+            <a:r>
+              <a:rPr lang="pt-BR" dirty="0"/>
+              <a:t>O exame contém ao total 180 questões objetivas e uma prova discursa.</a:t>
+            </a:r>
+          </a:p>
+          <a:p>
+            <a:r>
+              <a:rPr lang="pt-BR" dirty="0"/>
+              <a:t>As provas são dividas em cores como: amarela, azul, branca e rosa, porém as cores podem mudar de acordo com o ano.</a:t>
+            </a:r>
+          </a:p>
+        </p:txBody>
+      </p:sp>
+    </p:spTree>
+    <p:extLst>
+      <p:ext uri="{BB962C8B-B14F-4D97-AF65-F5344CB8AC3E}">
+        <p14:creationId xmlns:p14="http://schemas.microsoft.com/office/powerpoint/2010/main" val="1380718363"/>
+      </p:ext>
+    </p:extLst>
+  </p:cSld>
+  <p:clrMapOvr>
+    <a:overrideClrMapping bg1="lt1" tx1="dk1" bg2="lt2" tx2="dk2" accent1="accent1" accent2="accent2" accent3="accent3" accent4="accent4" accent5="accent5" accent6="accent6" hlink="hlink" folHlink="folHlink"/>
+  </p:clrMapOvr>
+</p:sld>
+</file>
+
+<file path=ppt/slides/slide6.xml><?xml version="1.0" encoding="utf-8"?>
+<p:sld xmlns:a="http://schemas.openxmlformats.org/drawingml/2006/main" xmlns:r="http://schemas.openxmlformats.org/officeDocument/2006/relationships" xmlns:p="http://schemas.openxmlformats.org/presentationml/2006/main">
+  <p:cSld>
+    <p:spTree>
+      <p:nvGrpSpPr>
+        <p:cNvPr id="1" name=""/>
+        <p:cNvGrpSpPr/>
+        <p:nvPr/>
+      </p:nvGrpSpPr>
+      <p:grpSpPr>
+        <a:xfrm>
+          <a:off x="0" y="0"/>
+          <a:ext cx="0" cy="0"/>
+          <a:chOff x="0" y="0"/>
+          <a:chExt cx="0" cy="0"/>
+        </a:xfrm>
+      </p:grpSpPr>
+      <p:sp>
+        <p:nvSpPr>
+          <p:cNvPr id="2" name="Título 1">
+            <a:extLst>
+              <a:ext uri="{FF2B5EF4-FFF2-40B4-BE49-F238E27FC236}">
+                <a16:creationId xmlns:a16="http://schemas.microsoft.com/office/drawing/2014/main" id="{27A9E124-2A85-4DCA-B085-C790C652574B}"/>
+              </a:ext>
+            </a:extLst>
+          </p:cNvPr>
+          <p:cNvSpPr>
+            <a:spLocks noGrp="1"/>
+          </p:cNvSpPr>
+          <p:nvPr>
+            <p:ph type="title"/>
+          </p:nvPr>
+        </p:nvSpPr>
+        <p:spPr>
+          <a:xfrm>
+            <a:off x="2417749" y="1"/>
+            <a:ext cx="7729728" cy="578498"/>
+          </a:xfrm>
+        </p:spPr>
+        <p:txBody>
+          <a:bodyPr>
+            <a:normAutofit fontScale="90000"/>
+          </a:bodyPr>
+          <a:lstStyle/>
+          <a:p>
+            <a:r>
+              <a:rPr lang="pt-BR" dirty="0"/>
+              <a:t>MODELO CONCEITUAL</a:t>
+            </a:r>
+          </a:p>
+        </p:txBody>
+      </p:sp>
+      <p:pic>
+        <p:nvPicPr>
+          <p:cNvPr id="4" name="Imagem 3" descr="Diagrama, Esquemático&#10;&#10;Descrição gerada automaticamente">
+            <a:extLst>
+              <a:ext uri="{FF2B5EF4-FFF2-40B4-BE49-F238E27FC236}">
+                <a16:creationId xmlns:a16="http://schemas.microsoft.com/office/drawing/2014/main" id="{0723FB66-1A7E-46FA-AE76-CB81EB8A287E}"/>
+              </a:ext>
+            </a:extLst>
+          </p:cNvPr>
+          <p:cNvPicPr>
+            <a:picLocks noChangeAspect="1"/>
+          </p:cNvPicPr>
+          <p:nvPr/>
+        </p:nvPicPr>
+        <p:blipFill>
+          <a:blip r:embed="rId2">
+            <a:extLst>
+              <a:ext uri="{28A0092B-C50C-407E-A947-70E740481C1C}">
+                <a14:useLocalDpi xmlns:a14="http://schemas.microsoft.com/office/drawing/2010/main" val="0"/>
+              </a:ext>
+            </a:extLst>
+          </a:blip>
+          <a:stretch>
+            <a:fillRect/>
+          </a:stretch>
+        </p:blipFill>
+        <p:spPr>
+          <a:xfrm>
+            <a:off x="0" y="662474"/>
+            <a:ext cx="12192000" cy="6195526"/>
+          </a:xfrm>
+          <a:prstGeom prst="rect">
+            <a:avLst/>
+          </a:prstGeom>
+        </p:spPr>
+      </p:pic>
+    </p:spTree>
+    <p:extLst>
+      <p:ext uri="{BB962C8B-B14F-4D97-AF65-F5344CB8AC3E}">
+        <p14:creationId xmlns:p14="http://schemas.microsoft.com/office/powerpoint/2010/main" val="2125985074"/>
+      </p:ext>
+    </p:extLst>
+  </p:cSld>
+  <p:clrMapOvr>
+    <a:masterClrMapping/>
+  </p:clrMapOvr>
+</p:sld>
+</file>
+
+<file path=ppt/slides/slide7.xml><?xml version="1.0" encoding="utf-8"?>
+<p:sld xmlns:a="http://schemas.openxmlformats.org/drawingml/2006/main" xmlns:r="http://schemas.openxmlformats.org/officeDocument/2006/relationships" xmlns:p="http://schemas.openxmlformats.org/presentationml/2006/main">
+  <p:cSld>
+    <p:spTree>
+      <p:nvGrpSpPr>
+        <p:cNvPr id="1" name=""/>
+        <p:cNvGrpSpPr/>
+        <p:nvPr/>
+      </p:nvGrpSpPr>
+      <p:grpSpPr>
+        <a:xfrm>
+          <a:off x="0" y="0"/>
+          <a:ext cx="0" cy="0"/>
+          <a:chOff x="0" y="0"/>
+          <a:chExt cx="0" cy="0"/>
+        </a:xfrm>
+      </p:grpSpPr>
+      <p:sp>
+        <p:nvSpPr>
+          <p:cNvPr id="2" name="Título 1">
+            <a:extLst>
+              <a:ext uri="{FF2B5EF4-FFF2-40B4-BE49-F238E27FC236}">
+                <a16:creationId xmlns:a16="http://schemas.microsoft.com/office/drawing/2014/main" id="{DEA205FE-3801-415D-B3CF-AC68802183C2}"/>
+              </a:ext>
+            </a:extLst>
+          </p:cNvPr>
+          <p:cNvSpPr>
+            <a:spLocks noGrp="1"/>
+          </p:cNvSpPr>
+          <p:nvPr>
+            <p:ph type="title"/>
+          </p:nvPr>
+        </p:nvSpPr>
+        <p:spPr>
+          <a:xfrm>
+            <a:off x="2231135" y="65315"/>
+            <a:ext cx="7729728" cy="569168"/>
+          </a:xfrm>
+        </p:spPr>
+        <p:txBody>
+          <a:bodyPr>
+            <a:normAutofit fontScale="90000"/>
+          </a:bodyPr>
+          <a:lstStyle/>
+          <a:p>
+            <a:r>
+              <a:rPr lang="pt-BR" dirty="0"/>
+              <a:t>MODELO lógico</a:t>
+            </a:r>
+          </a:p>
+        </p:txBody>
+      </p:sp>
+      <p:pic>
+        <p:nvPicPr>
+          <p:cNvPr id="5" name="Imagem 4" descr="Diagrama&#10;&#10;Descrição gerada automaticamente">
+            <a:extLst>
+              <a:ext uri="{FF2B5EF4-FFF2-40B4-BE49-F238E27FC236}">
+                <a16:creationId xmlns:a16="http://schemas.microsoft.com/office/drawing/2014/main" id="{762F17E1-BEE4-4F33-BE89-A17CD547582A}"/>
+              </a:ext>
+            </a:extLst>
+          </p:cNvPr>
+          <p:cNvPicPr>
+            <a:picLocks noChangeAspect="1"/>
+          </p:cNvPicPr>
+          <p:nvPr/>
+        </p:nvPicPr>
+        <p:blipFill>
+          <a:blip r:embed="rId3">
+            <a:extLst>
+              <a:ext uri="{28A0092B-C50C-407E-A947-70E740481C1C}">
+                <a14:useLocalDpi xmlns:a14="http://schemas.microsoft.com/office/drawing/2010/main" val="0"/>
+              </a:ext>
+            </a:extLst>
+          </a:blip>
+          <a:stretch>
+            <a:fillRect/>
+          </a:stretch>
+        </p:blipFill>
+        <p:spPr>
+          <a:xfrm>
+            <a:off x="1" y="718457"/>
+            <a:ext cx="12192000" cy="6074229"/>
+          </a:xfrm>
+          <a:prstGeom prst="rect">
+            <a:avLst/>
+          </a:prstGeom>
+        </p:spPr>
+      </p:pic>
+    </p:spTree>
+    <p:extLst>
+      <p:ext uri="{BB962C8B-B14F-4D97-AF65-F5344CB8AC3E}">
+        <p14:creationId xmlns:p14="http://schemas.microsoft.com/office/powerpoint/2010/main" val="2348554424"/>
+      </p:ext>
+    </p:extLst>
+  </p:cSld>
+  <p:clrMapOvr>
+    <a:masterClrMapping/>
+  </p:clrMapOvr>
+</p:sld>
+</file>
+
+<file path=ppt/slides/slide8.xml><?xml version="1.0" encoding="utf-8"?>
+<p:sld xmlns:a="http://schemas.openxmlformats.org/drawingml/2006/main" xmlns:r="http://schemas.openxmlformats.org/officeDocument/2006/relationships" xmlns:p="http://schemas.openxmlformats.org/presentationml/2006/main">
+  <p:cSld>
+    <p:spTree>
+      <p:nvGrpSpPr>
+        <p:cNvPr id="1" name=""/>
+        <p:cNvGrpSpPr/>
+        <p:nvPr/>
+      </p:nvGrpSpPr>
+      <p:grpSpPr>
+        <a:xfrm>
+          <a:off x="0" y="0"/>
+          <a:ext cx="0" cy="0"/>
+          <a:chOff x="0" y="0"/>
+          <a:chExt cx="0" cy="0"/>
+        </a:xfrm>
+      </p:grpSpPr>
+      <p:sp>
+        <p:nvSpPr>
+          <p:cNvPr id="2" name="Título 1">
+            <a:extLst>
+              <a:ext uri="{FF2B5EF4-FFF2-40B4-BE49-F238E27FC236}">
+                <a16:creationId xmlns:a16="http://schemas.microsoft.com/office/drawing/2014/main" id="{F4CB12D3-4265-43E4-87F2-7433FCCB1AAB}"/>
+              </a:ext>
+            </a:extLst>
+          </p:cNvPr>
+          <p:cNvSpPr>
+            <a:spLocks noGrp="1"/>
+          </p:cNvSpPr>
+          <p:nvPr>
+            <p:ph type="title"/>
+          </p:nvPr>
+        </p:nvSpPr>
+        <p:spPr>
+          <a:xfrm>
+            <a:off x="1024128" y="713231"/>
+            <a:ext cx="9784080" cy="1072253"/>
+          </a:xfrm>
+        </p:spPr>
+        <p:txBody>
+          <a:bodyPr/>
+          <a:lstStyle/>
+          <a:p>
+            <a:r>
+              <a:rPr lang="pt-BR" dirty="0"/>
+              <a:t>ETL DOS DADOS FONTES PARA O TRANSACIONAL</a:t>
+            </a:r>
+          </a:p>
+        </p:txBody>
+      </p:sp>
+      <p:sp>
+        <p:nvSpPr>
+          <p:cNvPr id="3" name="Espaço Reservado para Conteúdo 2">
+            <a:extLst>
+              <a:ext uri="{FF2B5EF4-FFF2-40B4-BE49-F238E27FC236}">
+                <a16:creationId xmlns:a16="http://schemas.microsoft.com/office/drawing/2014/main" id="{DF23D007-5DCE-40EE-BFB6-38330CB2CAB0}"/>
+              </a:ext>
+            </a:extLst>
+          </p:cNvPr>
+          <p:cNvSpPr>
+            <a:spLocks noGrp="1"/>
+          </p:cNvSpPr>
+          <p:nvPr>
+            <p:ph idx="1"/>
+          </p:nvPr>
+        </p:nvSpPr>
+        <p:spPr>
+          <a:xfrm>
+            <a:off x="1874520" y="2052828"/>
+            <a:ext cx="8247888" cy="3101983"/>
+          </a:xfrm>
+        </p:spPr>
+        <p:txBody>
+          <a:bodyPr/>
+          <a:lstStyle/>
+          <a:p>
+            <a:pPr lvl="0" algn="just"/>
+            <a:r>
+              <a:rPr lang="pt-BR" dirty="0"/>
+              <a:t>Acessar o site do governo para realizar o download referente ao ano que será trabalhado.</a:t>
+            </a:r>
+          </a:p>
+          <a:p>
+            <a:pPr lvl="0" algn="just"/>
+            <a:r>
+              <a:rPr lang="pt-BR" dirty="0"/>
+              <a:t>Realizar o </a:t>
+            </a:r>
+            <a:r>
+              <a:rPr lang="pt-BR" dirty="0" err="1"/>
+              <a:t>load</a:t>
+            </a:r>
+            <a:r>
+              <a:rPr lang="pt-BR" dirty="0"/>
+              <a:t> do arquivo ou realizar o download no servidor.</a:t>
+            </a:r>
+          </a:p>
+          <a:p>
+            <a:pPr lvl="0" algn="just"/>
+            <a:r>
+              <a:rPr lang="pt-BR" dirty="0"/>
+              <a:t>Descompactar o arquivo dos dados brutos.</a:t>
+            </a:r>
+          </a:p>
+          <a:p>
+            <a:pPr lvl="0" algn="just"/>
+            <a:r>
+              <a:rPr lang="pt-BR" dirty="0"/>
+              <a:t>Executar os scripts Shell e Python que tem por objetivo extrair os dados, transformá-los e, por fim, realizar o Load para a tabela destino.</a:t>
+            </a:r>
+          </a:p>
+          <a:p>
+            <a:endParaRPr lang="pt-BR" dirty="0"/>
+          </a:p>
+        </p:txBody>
+      </p:sp>
+    </p:spTree>
+    <p:extLst>
+      <p:ext uri="{BB962C8B-B14F-4D97-AF65-F5344CB8AC3E}">
+        <p14:creationId xmlns:p14="http://schemas.microsoft.com/office/powerpoint/2010/main" val="1170380226"/>
+      </p:ext>
+    </p:extLst>
+  </p:cSld>
+  <p:clrMapOvr>
+    <a:masterClrMapping/>
+  </p:clrMapOvr>
+</p:sld>
+</file>
+
 <file path=ppt/slides/slide9.xml><?xml version="1.0" encoding="utf-8"?>
 <p:sld xmlns:a="http://schemas.openxmlformats.org/drawingml/2006/main" xmlns:r="http://schemas.openxmlformats.org/officeDocument/2006/relationships" xmlns:p="http://schemas.openxmlformats.org/presentationml/2006/main">
   <p:cSld>
@@ -5375,7 +5929,7 @@
           <p:cNvPr id="2" name="Título 1">
             <a:extLst>
               <a:ext uri="{FF2B5EF4-FFF2-40B4-BE49-F238E27FC236}">
-                <a16:creationId xmlns:a16="http://schemas.microsoft.com/office/drawing/2014/main" id="{46A95C4D-FEDB-4D6F-9A85-8D656F0138B4}"/>
+                <a16:creationId xmlns:a16="http://schemas.microsoft.com/office/drawing/2014/main" id="{F4CB12D3-4265-43E4-87F2-7433FCCB1AAB}"/>
               </a:ext>
             </a:extLst>
           </p:cNvPr>
@@ -5386,68 +5940,91 @@
             <p:ph type="title"/>
           </p:nvPr>
         </p:nvSpPr>
-        <p:spPr/>
+        <p:spPr>
+          <a:xfrm>
+            <a:off x="2389757" y="302956"/>
+            <a:ext cx="7729728" cy="1188720"/>
+          </a:xfrm>
+        </p:spPr>
         <p:txBody>
           <a:bodyPr/>
           <a:lstStyle/>
           <a:p>
             <a:r>
               <a:rPr lang="pt-BR" dirty="0"/>
-              <a:t>Limitações</a:t>
-            </a:r>
-          </a:p>
-        </p:txBody>
-      </p:sp>
-      <p:sp>
-        <p:nvSpPr>
-          <p:cNvPr id="3" name="Espaço Reservado para Conteúdo 2">
+              <a:t>ETL DOS DADOS FONTES PARA O TRANSACIONAL</a:t>
+            </a:r>
+          </a:p>
+        </p:txBody>
+      </p:sp>
+      <p:pic>
+        <p:nvPicPr>
+          <p:cNvPr id="6" name="Espaço Reservado para Conteúdo 5" descr="Texto&#10;&#10;Descrição gerada automaticamente">
             <a:extLst>
               <a:ext uri="{FF2B5EF4-FFF2-40B4-BE49-F238E27FC236}">
-                <a16:creationId xmlns:a16="http://schemas.microsoft.com/office/drawing/2014/main" id="{73190E5A-FB2B-41E3-8959-40D8E8B89DC5}"/>
+                <a16:creationId xmlns:a16="http://schemas.microsoft.com/office/drawing/2014/main" id="{1AA75A75-0FF5-4498-BF2F-745372B0C79E}"/>
               </a:ext>
             </a:extLst>
           </p:cNvPr>
-          <p:cNvSpPr>
-            <a:spLocks noGrp="1"/>
-          </p:cNvSpPr>
-          <p:nvPr>
-            <p:ph idx="1"/>
-          </p:nvPr>
-        </p:nvSpPr>
-        <p:spPr/>
-        <p:txBody>
-          <a:bodyPr/>
-          <a:lstStyle/>
-          <a:p>
-            <a:r>
-              <a:rPr lang="pt-BR" dirty="0"/>
-              <a:t>Padronização dos dados.</a:t>
-            </a:r>
-          </a:p>
-          <a:p>
-            <a:r>
-              <a:rPr lang="pt-BR" dirty="0"/>
-              <a:t>Criação da infraestrutura.</a:t>
-            </a:r>
-          </a:p>
-          <a:p>
-            <a:r>
-              <a:rPr lang="pt-BR" dirty="0"/>
-              <a:t>Armazenamento dos dados.</a:t>
-            </a:r>
-          </a:p>
-          <a:p>
-            <a:r>
-              <a:rPr lang="pt-BR" dirty="0"/>
-              <a:t>Capacidade de processamento dos dados.</a:t>
-            </a:r>
-          </a:p>
-        </p:txBody>
-      </p:sp>
+          <p:cNvPicPr>
+            <a:picLocks noGrp="1" noChangeAspect="1"/>
+          </p:cNvPicPr>
+          <p:nvPr>
+            <p:ph sz="half" idx="2"/>
+          </p:nvPr>
+        </p:nvPicPr>
+        <p:blipFill>
+          <a:blip r:embed="rId2"/>
+          <a:stretch>
+            <a:fillRect/>
+          </a:stretch>
+        </p:blipFill>
+        <p:spPr>
+          <a:xfrm>
+            <a:off x="6438122" y="1782148"/>
+            <a:ext cx="5501949" cy="4814530"/>
+          </a:xfrm>
+          <a:prstGeom prst="rect">
+            <a:avLst/>
+          </a:prstGeom>
+        </p:spPr>
+      </p:pic>
+      <p:pic>
+        <p:nvPicPr>
+          <p:cNvPr id="7" name="Espaço Reservado para Conteúdo 6" descr="Interface gráfica do usuário, Texto, Aplicativo, Email&#10;&#10;Descrição gerada automaticamente">
+            <a:extLst>
+              <a:ext uri="{FF2B5EF4-FFF2-40B4-BE49-F238E27FC236}">
+                <a16:creationId xmlns:a16="http://schemas.microsoft.com/office/drawing/2014/main" id="{0274520D-DD3E-4FC3-9567-10418379D8CA}"/>
+              </a:ext>
+            </a:extLst>
+          </p:cNvPr>
+          <p:cNvPicPr>
+            <a:picLocks noGrp="1" noChangeAspect="1"/>
+          </p:cNvPicPr>
+          <p:nvPr>
+            <p:ph sz="half" idx="1"/>
+          </p:nvPr>
+        </p:nvPicPr>
+        <p:blipFill>
+          <a:blip r:embed="rId3"/>
+          <a:stretch>
+            <a:fillRect/>
+          </a:stretch>
+        </p:blipFill>
+        <p:spPr>
+          <a:xfrm>
+            <a:off x="251928" y="1782148"/>
+            <a:ext cx="6008913" cy="4814530"/>
+          </a:xfrm>
+          <a:prstGeom prst="rect">
+            <a:avLst/>
+          </a:prstGeom>
+        </p:spPr>
+      </p:pic>
     </p:spTree>
     <p:extLst>
       <p:ext uri="{BB962C8B-B14F-4D97-AF65-F5344CB8AC3E}">
-        <p14:creationId xmlns:p14="http://schemas.microsoft.com/office/powerpoint/2010/main" val="493301709"/>
+        <p14:creationId xmlns:p14="http://schemas.microsoft.com/office/powerpoint/2010/main" val="788224151"/>
       </p:ext>
     </p:extLst>
   </p:cSld>
@@ -6010,4 +6587,47 @@
     </a:ext>
   </a:extLst>
 </a:theme>
+</file>
+
+<file path=ppt/theme/themeOverride1.xml><?xml version="1.0" encoding="utf-8"?>
+<a:themeOverride xmlns:a="http://schemas.openxmlformats.org/drawingml/2006/main">
+  <a:clrScheme name="Pacote">
+    <a:dk1>
+      <a:srgbClr val="000000"/>
+    </a:dk1>
+    <a:lt1>
+      <a:srgbClr val="FFFFFF"/>
+    </a:lt1>
+    <a:dk2>
+      <a:srgbClr val="4A5356"/>
+    </a:dk2>
+    <a:lt2>
+      <a:srgbClr val="E8E3CE"/>
+    </a:lt2>
+    <a:accent1>
+      <a:srgbClr val="F6A21D"/>
+    </a:accent1>
+    <a:accent2>
+      <a:srgbClr val="9BAFB5"/>
+    </a:accent2>
+    <a:accent3>
+      <a:srgbClr val="C96731"/>
+    </a:accent3>
+    <a:accent4>
+      <a:srgbClr val="9CA383"/>
+    </a:accent4>
+    <a:accent5>
+      <a:srgbClr val="87795D"/>
+    </a:accent5>
+    <a:accent6>
+      <a:srgbClr val="A0988C"/>
+    </a:accent6>
+    <a:hlink>
+      <a:srgbClr val="00B0F0"/>
+    </a:hlink>
+    <a:folHlink>
+      <a:srgbClr val="738F97"/>
+    </a:folHlink>
+  </a:clrScheme>
+</a:themeOverride>
 </file>
--- a/Apresentação_Monografia.pptx
+++ b/Apresentação_Monografia.pptx
@@ -5,7 +5,7 @@
     <p:sldMasterId id="2147483660" r:id="rId1"/>
   </p:sldMasterIdLst>
   <p:notesMasterIdLst>
-    <p:notesMasterId r:id="rId18"/>
+    <p:notesMasterId r:id="rId21"/>
   </p:notesMasterIdLst>
   <p:sldIdLst>
     <p:sldId id="256" r:id="rId2"/>
@@ -13,17 +13,20 @@
     <p:sldId id="258" r:id="rId4"/>
     <p:sldId id="259" r:id="rId5"/>
     <p:sldId id="260" r:id="rId6"/>
-    <p:sldId id="266" r:id="rId7"/>
-    <p:sldId id="265" r:id="rId8"/>
-    <p:sldId id="268" r:id="rId9"/>
-    <p:sldId id="269" r:id="rId10"/>
-    <p:sldId id="267" r:id="rId11"/>
-    <p:sldId id="270" r:id="rId12"/>
-    <p:sldId id="271" r:id="rId13"/>
-    <p:sldId id="264" r:id="rId14"/>
-    <p:sldId id="262" r:id="rId15"/>
-    <p:sldId id="261" r:id="rId16"/>
-    <p:sldId id="263" r:id="rId17"/>
+    <p:sldId id="272" r:id="rId7"/>
+    <p:sldId id="273" r:id="rId8"/>
+    <p:sldId id="274" r:id="rId9"/>
+    <p:sldId id="266" r:id="rId10"/>
+    <p:sldId id="265" r:id="rId11"/>
+    <p:sldId id="268" r:id="rId12"/>
+    <p:sldId id="269" r:id="rId13"/>
+    <p:sldId id="267" r:id="rId14"/>
+    <p:sldId id="270" r:id="rId15"/>
+    <p:sldId id="271" r:id="rId16"/>
+    <p:sldId id="264" r:id="rId17"/>
+    <p:sldId id="262" r:id="rId18"/>
+    <p:sldId id="261" r:id="rId19"/>
+    <p:sldId id="263" r:id="rId20"/>
   </p:sldIdLst>
   <p:sldSz cx="12192000" cy="6858000"/>
   <p:notesSz cx="6858000" cy="9144000"/>
@@ -212,7 +215,7 @@
           <a:p>
             <a:fld id="{B249BB1A-A7AB-4605-BA31-E8B7C8754CB0}" type="datetimeFigureOut">
               <a:rPr lang="pt-BR" smtClean="0"/>
-              <a:t>21/03/2022</a:t>
+              <a:t>23/03/2022</a:t>
             </a:fld>
             <a:endParaRPr lang="pt-BR"/>
           </a:p>
@@ -544,7 +547,7 @@
           <a:p>
             <a:fld id="{5E52DD54-238D-4887-8CA4-0F17E0B9CCB6}" type="slidenum">
               <a:rPr lang="pt-BR" smtClean="0"/>
-              <a:t>7</a:t>
+              <a:t>10</a:t>
             </a:fld>
             <a:endParaRPr lang="pt-BR"/>
           </a:p>
@@ -726,7 +729,7 @@
           <a:p>
             <a:fld id="{60BA69AB-7D77-4AD1-B9DF-F84D0C411437}" type="datetimeFigureOut">
               <a:rPr lang="pt-BR" smtClean="0"/>
-              <a:t>21/03/2022</a:t>
+              <a:t>23/03/2022</a:t>
             </a:fld>
             <a:endParaRPr lang="pt-BR"/>
           </a:p>
@@ -896,7 +899,7 @@
           <a:p>
             <a:fld id="{60BA69AB-7D77-4AD1-B9DF-F84D0C411437}" type="datetimeFigureOut">
               <a:rPr lang="pt-BR" smtClean="0"/>
-              <a:t>21/03/2022</a:t>
+              <a:t>23/03/2022</a:t>
             </a:fld>
             <a:endParaRPr lang="pt-BR"/>
           </a:p>
@@ -1076,7 +1079,7 @@
           <a:p>
             <a:fld id="{60BA69AB-7D77-4AD1-B9DF-F84D0C411437}" type="datetimeFigureOut">
               <a:rPr lang="pt-BR" smtClean="0"/>
-              <a:t>21/03/2022</a:t>
+              <a:t>23/03/2022</a:t>
             </a:fld>
             <a:endParaRPr lang="pt-BR"/>
           </a:p>
@@ -1246,7 +1249,7 @@
           <a:p>
             <a:fld id="{60BA69AB-7D77-4AD1-B9DF-F84D0C411437}" type="datetimeFigureOut">
               <a:rPr lang="pt-BR" smtClean="0"/>
-              <a:t>21/03/2022</a:t>
+              <a:t>23/03/2022</a:t>
             </a:fld>
             <a:endParaRPr lang="pt-BR"/>
           </a:p>
@@ -1514,7 +1517,7 @@
           <a:p>
             <a:fld id="{60BA69AB-7D77-4AD1-B9DF-F84D0C411437}" type="datetimeFigureOut">
               <a:rPr lang="pt-BR" smtClean="0"/>
-              <a:t>21/03/2022</a:t>
+              <a:t>23/03/2022</a:t>
             </a:fld>
             <a:endParaRPr lang="pt-BR"/>
           </a:p>
@@ -1746,7 +1749,7 @@
           <a:p>
             <a:fld id="{60BA69AB-7D77-4AD1-B9DF-F84D0C411437}" type="datetimeFigureOut">
               <a:rPr lang="pt-BR" smtClean="0"/>
-              <a:t>21/03/2022</a:t>
+              <a:t>23/03/2022</a:t>
             </a:fld>
             <a:endParaRPr lang="pt-BR"/>
           </a:p>
@@ -2105,7 +2108,7 @@
           <a:p>
             <a:fld id="{60BA69AB-7D77-4AD1-B9DF-F84D0C411437}" type="datetimeFigureOut">
               <a:rPr lang="pt-BR" smtClean="0"/>
-              <a:t>21/03/2022</a:t>
+              <a:t>23/03/2022</a:t>
             </a:fld>
             <a:endParaRPr lang="pt-BR"/>
           </a:p>
@@ -2246,7 +2249,7 @@
           <a:p>
             <a:fld id="{60BA69AB-7D77-4AD1-B9DF-F84D0C411437}" type="datetimeFigureOut">
               <a:rPr lang="pt-BR" smtClean="0"/>
-              <a:t>21/03/2022</a:t>
+              <a:t>23/03/2022</a:t>
             </a:fld>
             <a:endParaRPr lang="pt-BR"/>
           </a:p>
@@ -2341,7 +2344,7 @@
           <a:p>
             <a:fld id="{60BA69AB-7D77-4AD1-B9DF-F84D0C411437}" type="datetimeFigureOut">
               <a:rPr lang="pt-BR" smtClean="0"/>
-              <a:t>21/03/2022</a:t>
+              <a:t>23/03/2022</a:t>
             </a:fld>
             <a:endParaRPr lang="pt-BR"/>
           </a:p>
@@ -2698,7 +2701,7 @@
           <a:p>
             <a:fld id="{60BA69AB-7D77-4AD1-B9DF-F84D0C411437}" type="datetimeFigureOut">
               <a:rPr lang="pt-BR" smtClean="0"/>
-              <a:t>21/03/2022</a:t>
+              <a:t>23/03/2022</a:t>
             </a:fld>
             <a:endParaRPr lang="pt-BR"/>
           </a:p>
@@ -3055,7 +3058,7 @@
           <a:p>
             <a:fld id="{60BA69AB-7D77-4AD1-B9DF-F84D0C411437}" type="datetimeFigureOut">
               <a:rPr lang="pt-BR" smtClean="0"/>
-              <a:t>21/03/2022</a:t>
+              <a:t>23/03/2022</a:t>
             </a:fld>
             <a:endParaRPr lang="pt-BR"/>
           </a:p>
@@ -3297,7 +3300,7 @@
           <a:p>
             <a:fld id="{60BA69AB-7D77-4AD1-B9DF-F84D0C411437}" type="datetimeFigureOut">
               <a:rPr lang="pt-BR" smtClean="0"/>
-              <a:t>21/03/2022</a:t>
+              <a:t>23/03/2022</a:t>
             </a:fld>
             <a:endParaRPr lang="pt-BR"/>
           </a:p>
@@ -4131,6 +4134,355 @@
           <p:cNvPr id="2" name="Título 1">
             <a:extLst>
               <a:ext uri="{FF2B5EF4-FFF2-40B4-BE49-F238E27FC236}">
+                <a16:creationId xmlns:a16="http://schemas.microsoft.com/office/drawing/2014/main" id="{DEA205FE-3801-415D-B3CF-AC68802183C2}"/>
+              </a:ext>
+            </a:extLst>
+          </p:cNvPr>
+          <p:cNvSpPr>
+            <a:spLocks noGrp="1"/>
+          </p:cNvSpPr>
+          <p:nvPr>
+            <p:ph type="title"/>
+          </p:nvPr>
+        </p:nvSpPr>
+        <p:spPr>
+          <a:xfrm>
+            <a:off x="2231135" y="65315"/>
+            <a:ext cx="7729728" cy="569168"/>
+          </a:xfrm>
+        </p:spPr>
+        <p:txBody>
+          <a:bodyPr>
+            <a:normAutofit fontScale="90000"/>
+          </a:bodyPr>
+          <a:lstStyle/>
+          <a:p>
+            <a:r>
+              <a:rPr lang="pt-BR" dirty="0"/>
+              <a:t>MODELO lógico</a:t>
+            </a:r>
+          </a:p>
+        </p:txBody>
+      </p:sp>
+      <p:pic>
+        <p:nvPicPr>
+          <p:cNvPr id="5" name="Imagem 4" descr="Diagrama&#10;&#10;Descrição gerada automaticamente">
+            <a:extLst>
+              <a:ext uri="{FF2B5EF4-FFF2-40B4-BE49-F238E27FC236}">
+                <a16:creationId xmlns:a16="http://schemas.microsoft.com/office/drawing/2014/main" id="{762F17E1-BEE4-4F33-BE89-A17CD547582A}"/>
+              </a:ext>
+            </a:extLst>
+          </p:cNvPr>
+          <p:cNvPicPr>
+            <a:picLocks noChangeAspect="1"/>
+          </p:cNvPicPr>
+          <p:nvPr/>
+        </p:nvPicPr>
+        <p:blipFill>
+          <a:blip r:embed="rId3">
+            <a:extLst>
+              <a:ext uri="{28A0092B-C50C-407E-A947-70E740481C1C}">
+                <a14:useLocalDpi xmlns:a14="http://schemas.microsoft.com/office/drawing/2010/main" val="0"/>
+              </a:ext>
+            </a:extLst>
+          </a:blip>
+          <a:stretch>
+            <a:fillRect/>
+          </a:stretch>
+        </p:blipFill>
+        <p:spPr>
+          <a:xfrm>
+            <a:off x="1" y="718457"/>
+            <a:ext cx="12192000" cy="6074229"/>
+          </a:xfrm>
+          <a:prstGeom prst="rect">
+            <a:avLst/>
+          </a:prstGeom>
+        </p:spPr>
+      </p:pic>
+    </p:spTree>
+    <p:extLst>
+      <p:ext uri="{BB962C8B-B14F-4D97-AF65-F5344CB8AC3E}">
+        <p14:creationId xmlns:p14="http://schemas.microsoft.com/office/powerpoint/2010/main" val="2348554424"/>
+      </p:ext>
+    </p:extLst>
+  </p:cSld>
+  <p:clrMapOvr>
+    <a:masterClrMapping/>
+  </p:clrMapOvr>
+</p:sld>
+</file>
+
+<file path=ppt/slides/slide11.xml><?xml version="1.0" encoding="utf-8"?>
+<p:sld xmlns:a="http://schemas.openxmlformats.org/drawingml/2006/main" xmlns:r="http://schemas.openxmlformats.org/officeDocument/2006/relationships" xmlns:p="http://schemas.openxmlformats.org/presentationml/2006/main">
+  <p:cSld>
+    <p:spTree>
+      <p:nvGrpSpPr>
+        <p:cNvPr id="1" name=""/>
+        <p:cNvGrpSpPr/>
+        <p:nvPr/>
+      </p:nvGrpSpPr>
+      <p:grpSpPr>
+        <a:xfrm>
+          <a:off x="0" y="0"/>
+          <a:ext cx="0" cy="0"/>
+          <a:chOff x="0" y="0"/>
+          <a:chExt cx="0" cy="0"/>
+        </a:xfrm>
+      </p:grpSpPr>
+      <p:sp>
+        <p:nvSpPr>
+          <p:cNvPr id="2" name="Título 1">
+            <a:extLst>
+              <a:ext uri="{FF2B5EF4-FFF2-40B4-BE49-F238E27FC236}">
+                <a16:creationId xmlns:a16="http://schemas.microsoft.com/office/drawing/2014/main" id="{F4CB12D3-4265-43E4-87F2-7433FCCB1AAB}"/>
+              </a:ext>
+            </a:extLst>
+          </p:cNvPr>
+          <p:cNvSpPr>
+            <a:spLocks noGrp="1"/>
+          </p:cNvSpPr>
+          <p:nvPr>
+            <p:ph type="title"/>
+          </p:nvPr>
+        </p:nvSpPr>
+        <p:spPr>
+          <a:xfrm>
+            <a:off x="1024128" y="713231"/>
+            <a:ext cx="9784080" cy="1072253"/>
+          </a:xfrm>
+        </p:spPr>
+        <p:txBody>
+          <a:bodyPr/>
+          <a:lstStyle/>
+          <a:p>
+            <a:r>
+              <a:rPr lang="pt-BR" dirty="0"/>
+              <a:t>ETL DOS DADOS FONTES PARA O TRANSACIONAL</a:t>
+            </a:r>
+          </a:p>
+        </p:txBody>
+      </p:sp>
+      <p:sp>
+        <p:nvSpPr>
+          <p:cNvPr id="3" name="Espaço Reservado para Conteúdo 2">
+            <a:extLst>
+              <a:ext uri="{FF2B5EF4-FFF2-40B4-BE49-F238E27FC236}">
+                <a16:creationId xmlns:a16="http://schemas.microsoft.com/office/drawing/2014/main" id="{DF23D007-5DCE-40EE-BFB6-38330CB2CAB0}"/>
+              </a:ext>
+            </a:extLst>
+          </p:cNvPr>
+          <p:cNvSpPr>
+            <a:spLocks noGrp="1"/>
+          </p:cNvSpPr>
+          <p:nvPr>
+            <p:ph idx="1"/>
+          </p:nvPr>
+        </p:nvSpPr>
+        <p:spPr>
+          <a:xfrm>
+            <a:off x="1874520" y="2052828"/>
+            <a:ext cx="8247888" cy="3101983"/>
+          </a:xfrm>
+        </p:spPr>
+        <p:txBody>
+          <a:bodyPr/>
+          <a:lstStyle/>
+          <a:p>
+            <a:pPr lvl="0" algn="just"/>
+            <a:r>
+              <a:rPr lang="pt-BR" dirty="0"/>
+              <a:t>Acessar o site do governo para realizar o download referente ao ano que será trabalhado.</a:t>
+            </a:r>
+          </a:p>
+          <a:p>
+            <a:pPr lvl="0" algn="just"/>
+            <a:r>
+              <a:rPr lang="pt-BR" dirty="0"/>
+              <a:t>Realizar o download no servidor.</a:t>
+            </a:r>
+          </a:p>
+          <a:p>
+            <a:pPr lvl="0" algn="just"/>
+            <a:r>
+              <a:rPr lang="pt-BR" dirty="0"/>
+              <a:t>Descompactar o arquivo dos dados brutos.</a:t>
+            </a:r>
+          </a:p>
+          <a:p>
+            <a:pPr lvl="0" algn="just"/>
+            <a:r>
+              <a:rPr lang="pt-BR" dirty="0"/>
+              <a:t>Executar os scripts Shell e Python que tem por objetivo extrair os dados, transformá-los e, por fim, realizar o Load para a tabela destino.</a:t>
+            </a:r>
+          </a:p>
+          <a:p>
+            <a:endParaRPr lang="pt-BR" dirty="0"/>
+          </a:p>
+        </p:txBody>
+      </p:sp>
+    </p:spTree>
+    <p:extLst>
+      <p:ext uri="{BB962C8B-B14F-4D97-AF65-F5344CB8AC3E}">
+        <p14:creationId xmlns:p14="http://schemas.microsoft.com/office/powerpoint/2010/main" val="1170380226"/>
+      </p:ext>
+    </p:extLst>
+  </p:cSld>
+  <p:clrMapOvr>
+    <a:masterClrMapping/>
+  </p:clrMapOvr>
+</p:sld>
+</file>
+
+<file path=ppt/slides/slide12.xml><?xml version="1.0" encoding="utf-8"?>
+<p:sld xmlns:a="http://schemas.openxmlformats.org/drawingml/2006/main" xmlns:r="http://schemas.openxmlformats.org/officeDocument/2006/relationships" xmlns:p="http://schemas.openxmlformats.org/presentationml/2006/main">
+  <p:cSld>
+    <p:spTree>
+      <p:nvGrpSpPr>
+        <p:cNvPr id="1" name=""/>
+        <p:cNvGrpSpPr/>
+        <p:nvPr/>
+      </p:nvGrpSpPr>
+      <p:grpSpPr>
+        <a:xfrm>
+          <a:off x="0" y="0"/>
+          <a:ext cx="0" cy="0"/>
+          <a:chOff x="0" y="0"/>
+          <a:chExt cx="0" cy="0"/>
+        </a:xfrm>
+      </p:grpSpPr>
+      <p:sp>
+        <p:nvSpPr>
+          <p:cNvPr id="2" name="Título 1">
+            <a:extLst>
+              <a:ext uri="{FF2B5EF4-FFF2-40B4-BE49-F238E27FC236}">
+                <a16:creationId xmlns:a16="http://schemas.microsoft.com/office/drawing/2014/main" id="{F4CB12D3-4265-43E4-87F2-7433FCCB1AAB}"/>
+              </a:ext>
+            </a:extLst>
+          </p:cNvPr>
+          <p:cNvSpPr>
+            <a:spLocks noGrp="1"/>
+          </p:cNvSpPr>
+          <p:nvPr>
+            <p:ph type="title"/>
+          </p:nvPr>
+        </p:nvSpPr>
+        <p:spPr>
+          <a:xfrm>
+            <a:off x="2389757" y="302956"/>
+            <a:ext cx="7729728" cy="1188720"/>
+          </a:xfrm>
+        </p:spPr>
+        <p:txBody>
+          <a:bodyPr/>
+          <a:lstStyle/>
+          <a:p>
+            <a:r>
+              <a:rPr lang="pt-BR" dirty="0"/>
+              <a:t>ETL DOS DADOS FONTES PARA O TRANSACIONAL</a:t>
+            </a:r>
+          </a:p>
+        </p:txBody>
+      </p:sp>
+      <p:pic>
+        <p:nvPicPr>
+          <p:cNvPr id="6" name="Espaço Reservado para Conteúdo 5" descr="Texto&#10;&#10;Descrição gerada automaticamente">
+            <a:extLst>
+              <a:ext uri="{FF2B5EF4-FFF2-40B4-BE49-F238E27FC236}">
+                <a16:creationId xmlns:a16="http://schemas.microsoft.com/office/drawing/2014/main" id="{1AA75A75-0FF5-4498-BF2F-745372B0C79E}"/>
+              </a:ext>
+            </a:extLst>
+          </p:cNvPr>
+          <p:cNvPicPr>
+            <a:picLocks noGrp="1" noChangeAspect="1"/>
+          </p:cNvPicPr>
+          <p:nvPr>
+            <p:ph sz="half" idx="2"/>
+          </p:nvPr>
+        </p:nvPicPr>
+        <p:blipFill>
+          <a:blip r:embed="rId2"/>
+          <a:stretch>
+            <a:fillRect/>
+          </a:stretch>
+        </p:blipFill>
+        <p:spPr>
+          <a:xfrm>
+            <a:off x="6438122" y="1782148"/>
+            <a:ext cx="5501949" cy="4814530"/>
+          </a:xfrm>
+          <a:prstGeom prst="rect">
+            <a:avLst/>
+          </a:prstGeom>
+        </p:spPr>
+      </p:pic>
+      <p:pic>
+        <p:nvPicPr>
+          <p:cNvPr id="7" name="Espaço Reservado para Conteúdo 6" descr="Interface gráfica do usuário, Texto, Aplicativo, Email&#10;&#10;Descrição gerada automaticamente">
+            <a:extLst>
+              <a:ext uri="{FF2B5EF4-FFF2-40B4-BE49-F238E27FC236}">
+                <a16:creationId xmlns:a16="http://schemas.microsoft.com/office/drawing/2014/main" id="{0274520D-DD3E-4FC3-9567-10418379D8CA}"/>
+              </a:ext>
+            </a:extLst>
+          </p:cNvPr>
+          <p:cNvPicPr>
+            <a:picLocks noGrp="1" noChangeAspect="1"/>
+          </p:cNvPicPr>
+          <p:nvPr>
+            <p:ph sz="half" idx="1"/>
+          </p:nvPr>
+        </p:nvPicPr>
+        <p:blipFill>
+          <a:blip r:embed="rId3"/>
+          <a:stretch>
+            <a:fillRect/>
+          </a:stretch>
+        </p:blipFill>
+        <p:spPr>
+          <a:xfrm>
+            <a:off x="251928" y="1782148"/>
+            <a:ext cx="6008913" cy="4814530"/>
+          </a:xfrm>
+          <a:prstGeom prst="rect">
+            <a:avLst/>
+          </a:prstGeom>
+        </p:spPr>
+      </p:pic>
+    </p:spTree>
+    <p:extLst>
+      <p:ext uri="{BB962C8B-B14F-4D97-AF65-F5344CB8AC3E}">
+        <p14:creationId xmlns:p14="http://schemas.microsoft.com/office/powerpoint/2010/main" val="788224151"/>
+      </p:ext>
+    </p:extLst>
+  </p:cSld>
+  <p:clrMapOvr>
+    <a:masterClrMapping/>
+  </p:clrMapOvr>
+</p:sld>
+</file>
+
+<file path=ppt/slides/slide13.xml><?xml version="1.0" encoding="utf-8"?>
+<p:sld xmlns:a="http://schemas.openxmlformats.org/drawingml/2006/main" xmlns:r="http://schemas.openxmlformats.org/officeDocument/2006/relationships" xmlns:p="http://schemas.openxmlformats.org/presentationml/2006/main">
+  <p:cSld>
+    <p:spTree>
+      <p:nvGrpSpPr>
+        <p:cNvPr id="1" name=""/>
+        <p:cNvGrpSpPr/>
+        <p:nvPr/>
+      </p:nvGrpSpPr>
+      <p:grpSpPr>
+        <a:xfrm>
+          <a:off x="0" y="0"/>
+          <a:ext cx="0" cy="0"/>
+          <a:chOff x="0" y="0"/>
+          <a:chExt cx="0" cy="0"/>
+        </a:xfrm>
+      </p:grpSpPr>
+      <p:sp>
+        <p:nvSpPr>
+          <p:cNvPr id="2" name="Título 1">
+            <a:extLst>
+              <a:ext uri="{FF2B5EF4-FFF2-40B4-BE49-F238E27FC236}">
                 <a16:creationId xmlns:a16="http://schemas.microsoft.com/office/drawing/2014/main" id="{00254AF3-D498-404C-B6FD-BEF2A1C729C7}"/>
               </a:ext>
             </a:extLst>
@@ -4209,7 +4561,7 @@
 </p:sld>
 </file>
 
-<file path=ppt/slides/slide11.xml><?xml version="1.0" encoding="utf-8"?>
+<file path=ppt/slides/slide14.xml><?xml version="1.0" encoding="utf-8"?>
 <p:sld xmlns:a="http://schemas.openxmlformats.org/drawingml/2006/main" xmlns:r="http://schemas.openxmlformats.org/officeDocument/2006/relationships" xmlns:p="http://schemas.openxmlformats.org/presentationml/2006/main">
   <p:cSld>
     <p:spTree>
@@ -4318,7 +4670,7 @@
 </p:sld>
 </file>
 
-<file path=ppt/slides/slide12.xml><?xml version="1.0" encoding="utf-8"?>
+<file path=ppt/slides/slide15.xml><?xml version="1.0" encoding="utf-8"?>
 <p:sld xmlns:a="http://schemas.openxmlformats.org/drawingml/2006/main" xmlns:r="http://schemas.openxmlformats.org/officeDocument/2006/relationships" xmlns:p="http://schemas.openxmlformats.org/presentationml/2006/main">
   <p:cSld>
     <p:spTree>
@@ -4415,7 +4767,7 @@
 </p:sld>
 </file>
 
-<file path=ppt/slides/slide13.xml><?xml version="1.0" encoding="utf-8"?>
+<file path=ppt/slides/slide16.xml><?xml version="1.0" encoding="utf-8"?>
 <p:sld xmlns:a="http://schemas.openxmlformats.org/drawingml/2006/main" xmlns:r="http://schemas.openxmlformats.org/officeDocument/2006/relationships" xmlns:p="http://schemas.openxmlformats.org/presentationml/2006/main">
   <p:cSld>
     <p:spTree>
@@ -4695,7 +5047,7 @@
 </p:sld>
 </file>
 
-<file path=ppt/slides/slide14.xml><?xml version="1.0" encoding="utf-8"?>
+<file path=ppt/slides/slide17.xml><?xml version="1.0" encoding="utf-8"?>
 <p:sld xmlns:a="http://schemas.openxmlformats.org/drawingml/2006/main" xmlns:r="http://schemas.openxmlformats.org/officeDocument/2006/relationships" xmlns:p="http://schemas.openxmlformats.org/presentationml/2006/main">
   <p:cSld>
     <p:spTree>
@@ -4799,7 +5151,7 @@
 </p:sld>
 </file>
 
-<file path=ppt/slides/slide15.xml><?xml version="1.0" encoding="utf-8"?>
+<file path=ppt/slides/slide18.xml><?xml version="1.0" encoding="utf-8"?>
 <p:sld xmlns:a="http://schemas.openxmlformats.org/drawingml/2006/main" xmlns:r="http://schemas.openxmlformats.org/officeDocument/2006/relationships" xmlns:p="http://schemas.openxmlformats.org/presentationml/2006/main">
   <p:cSld>
     <p:spTree>
@@ -4966,7 +5318,7 @@
 </p:sld>
 </file>
 
-<file path=ppt/slides/slide16.xml><?xml version="1.0" encoding="utf-8"?>
+<file path=ppt/slides/slide19.xml><?xml version="1.0" encoding="utf-8"?>
 <p:sld xmlns:a="http://schemas.openxmlformats.org/drawingml/2006/main" xmlns:r="http://schemas.openxmlformats.org/officeDocument/2006/relationships" xmlns:p="http://schemas.openxmlformats.org/presentationml/2006/main">
   <p:cSld>
     <p:spTree>
@@ -5101,7 +5453,7 @@
         </p:spPr>
         <p:txBody>
           <a:bodyPr>
-            <a:normAutofit fontScale="92500" lnSpcReduction="10000"/>
+            <a:normAutofit lnSpcReduction="10000"/>
           </a:bodyPr>
           <a:lstStyle/>
           <a:p>
@@ -5113,19 +5465,19 @@
           <a:p>
             <a:r>
               <a:rPr lang="pt-BR" dirty="0"/>
+              <a:t>Objetivo</a:t>
+            </a:r>
+          </a:p>
+          <a:p>
+            <a:r>
+              <a:rPr lang="pt-BR" dirty="0"/>
               <a:t>O que é o Enem?</a:t>
             </a:r>
           </a:p>
           <a:p>
             <a:r>
               <a:rPr lang="pt-BR" dirty="0"/>
-              <a:t>Estrutura do Enem</a:t>
-            </a:r>
-          </a:p>
-          <a:p>
-            <a:r>
-              <a:rPr lang="pt-BR" dirty="0"/>
-              <a:t>Disponibilização dos dados</a:t>
+              <a:t>Disponibilização dos dados.</a:t>
             </a:r>
           </a:p>
           <a:p>
@@ -5187,7 +5539,7 @@
         </p:spPr>
         <p:txBody>
           <a:bodyPr>
-            <a:normAutofit fontScale="92500" lnSpcReduction="10000"/>
+            <a:normAutofit lnSpcReduction="10000"/>
           </a:bodyPr>
           <a:lstStyle/>
           <a:p>
@@ -5263,7 +5615,7 @@
           <a:p>
             <a:r>
               <a:rPr lang="pt-BR" dirty="0"/>
-              <a:t>Motivação </a:t>
+              <a:t>Motivação do trabalho </a:t>
             </a:r>
           </a:p>
         </p:txBody>
@@ -5306,7 +5658,7 @@
             <a:pPr algn="just"/>
             <a:r>
               <a:rPr lang="pt-BR" dirty="0"/>
-              <a:t>A principal motivação deste trabalho é ampliar o conhecimento sobre o Enem utilizando esses dados que são disponibilizados.</a:t>
+              <a:t>A principal motivação deste trabalho é ampliar o conhecimento sobre o Enem utilizando as tecnologias disponíveis na área de dados para realizar tal feito.</a:t>
             </a:r>
           </a:p>
         </p:txBody>
@@ -5393,25 +5745,25 @@
             <a:pPr algn="just"/>
             <a:r>
               <a:rPr lang="pt-BR" dirty="0"/>
-              <a:t>Disponibilizar os dados em banco de dados a ser estudado. </a:t>
-            </a:r>
-          </a:p>
-          <a:p>
-            <a:pPr algn="just"/>
-            <a:r>
-              <a:rPr lang="pt-BR" dirty="0"/>
-              <a:t>Criar banco de dados transacional contém os dados normalizados a cada ano. </a:t>
-            </a:r>
-          </a:p>
-          <a:p>
-            <a:pPr algn="just"/>
-            <a:r>
-              <a:rPr lang="pt-BR" dirty="0"/>
-              <a:t>Criar um DW contém os dados históricos.</a:t>
-            </a:r>
-          </a:p>
-          <a:p>
-            <a:pPr algn="just"/>
+              <a:t>Disponibilizar uma infraestrutura e os dados do ENEM para que possa tanto a infraestrutura quanto os dados serem estudados. </a:t>
+            </a:r>
+          </a:p>
+          <a:p>
+            <a:pPr lvl="1" algn="just"/>
+            <a:r>
+              <a:rPr lang="pt-BR" dirty="0"/>
+              <a:t>Criar banco de dados transacional normalizados para cada ano do Enem para este trabalho foram os anos de 2014 e 2015. </a:t>
+            </a:r>
+          </a:p>
+          <a:p>
+            <a:pPr lvl="1" algn="just"/>
+            <a:r>
+              <a:rPr lang="pt-BR" dirty="0"/>
+              <a:t>Criar um DW que uma os dados históricos do ENEM, ou seja, a “união” dos dados de cada ano do Enem.</a:t>
+            </a:r>
+          </a:p>
+          <a:p>
+            <a:pPr lvl="1" algn="just"/>
             <a:r>
               <a:rPr lang="pt-BR" dirty="0"/>
               <a:t>Criar as </a:t>
@@ -5426,10 +5778,10 @@
             </a:r>
           </a:p>
           <a:p>
-            <a:pPr algn="just"/>
-            <a:r>
-              <a:rPr lang="pt-BR" dirty="0"/>
-              <a:t>Criar os gráficos no PowerBi para a visualização de dados.</a:t>
+            <a:pPr lvl="1" algn="just"/>
+            <a:r>
+              <a:rPr lang="pt-BR" dirty="0"/>
+              <a:t>Criar os gráficos no PowerBi para a visualização de dados, neste caso.</a:t>
             </a:r>
           </a:p>
         </p:txBody>
@@ -5546,7 +5898,15 @@
             <a:pPr algn="just"/>
             <a:r>
               <a:rPr lang="pt-BR" dirty="0"/>
-              <a:t>As provas são divididas em: Ciência da Natureza, Ciência Humanas, Linguagens e Códigos (com a Redação).</a:t>
+              <a:t>As provas são divididas em: Ciência da Natureza, Ciência Humanas</a:t>
+            </a:r>
+            <a:r>
+              <a:rPr lang="pt-BR"/>
+              <a:t>, Matemática, Linguagens </a:t>
+            </a:r>
+            <a:r>
+              <a:rPr lang="pt-BR" dirty="0"/>
+              <a:t>e Códigos (com a Redação).</a:t>
             </a:r>
           </a:p>
           <a:p>
@@ -5577,6 +5937,319 @@
 </file>
 
 <file path=ppt/slides/slide6.xml><?xml version="1.0" encoding="utf-8"?>
+<p:sld xmlns:a="http://schemas.openxmlformats.org/drawingml/2006/main" xmlns:r="http://schemas.openxmlformats.org/officeDocument/2006/relationships" xmlns:p="http://schemas.openxmlformats.org/presentationml/2006/main">
+  <p:cSld>
+    <p:spTree>
+      <p:nvGrpSpPr>
+        <p:cNvPr id="1" name=""/>
+        <p:cNvGrpSpPr/>
+        <p:nvPr/>
+      </p:nvGrpSpPr>
+      <p:grpSpPr>
+        <a:xfrm>
+          <a:off x="0" y="0"/>
+          <a:ext cx="0" cy="0"/>
+          <a:chOff x="0" y="0"/>
+          <a:chExt cx="0" cy="0"/>
+        </a:xfrm>
+      </p:grpSpPr>
+      <p:sp>
+        <p:nvSpPr>
+          <p:cNvPr id="2" name="Título 1">
+            <a:extLst>
+              <a:ext uri="{FF2B5EF4-FFF2-40B4-BE49-F238E27FC236}">
+                <a16:creationId xmlns:a16="http://schemas.microsoft.com/office/drawing/2014/main" id="{6D7A7DD0-A6D0-4738-AFCD-5FF79B205DD3}"/>
+              </a:ext>
+            </a:extLst>
+          </p:cNvPr>
+          <p:cNvSpPr>
+            <a:spLocks noGrp="1"/>
+          </p:cNvSpPr>
+          <p:nvPr>
+            <p:ph type="title"/>
+          </p:nvPr>
+        </p:nvSpPr>
+        <p:spPr/>
+        <p:txBody>
+          <a:bodyPr/>
+          <a:lstStyle/>
+          <a:p>
+            <a:r>
+              <a:rPr lang="pt-BR" dirty="0"/>
+              <a:t>Dados brutos do </a:t>
+            </a:r>
+            <a:r>
+              <a:rPr lang="pt-BR" dirty="0" err="1"/>
+              <a:t>enem</a:t>
+            </a:r>
+            <a:endParaRPr lang="pt-BR" dirty="0"/>
+          </a:p>
+        </p:txBody>
+      </p:sp>
+      <p:sp>
+        <p:nvSpPr>
+          <p:cNvPr id="3" name="Espaço Reservado para Conteúdo 2">
+            <a:extLst>
+              <a:ext uri="{FF2B5EF4-FFF2-40B4-BE49-F238E27FC236}">
+                <a16:creationId xmlns:a16="http://schemas.microsoft.com/office/drawing/2014/main" id="{8E9B7B52-94DB-4675-A4F8-72844E6AEC2D}"/>
+              </a:ext>
+            </a:extLst>
+          </p:cNvPr>
+          <p:cNvSpPr>
+            <a:spLocks noGrp="1"/>
+          </p:cNvSpPr>
+          <p:nvPr>
+            <p:ph sz="half" idx="1"/>
+          </p:nvPr>
+        </p:nvSpPr>
+        <p:spPr>
+          <a:xfrm>
+            <a:off x="1581912" y="2638044"/>
+            <a:ext cx="8467344" cy="3101982"/>
+          </a:xfrm>
+        </p:spPr>
+        <p:txBody>
+          <a:bodyPr/>
+          <a:lstStyle/>
+          <a:p>
+            <a:pPr algn="just"/>
+            <a:r>
+              <a:rPr lang="pt-BR" dirty="0"/>
+              <a:t>Os arquivos disponibilizados pelo governo federal e quando realizado o download vem em formato “.zip’.</a:t>
+            </a:r>
+          </a:p>
+          <a:p>
+            <a:pPr algn="just"/>
+            <a:r>
+              <a:rPr lang="pt-BR" dirty="0"/>
+              <a:t>Dentro do arquivo “.zip” contém vários segmentos de informações: dados brutos, provas, gabaritos entre outros. </a:t>
+            </a:r>
+          </a:p>
+          <a:p>
+            <a:pPr algn="just"/>
+            <a:r>
+              <a:rPr lang="pt-BR" dirty="0"/>
+              <a:t>O arquivo “microdados_enem_YYYY.csv” contém os dados compilados do Enem. </a:t>
+            </a:r>
+          </a:p>
+          <a:p>
+            <a:pPr algn="just"/>
+            <a:endParaRPr lang="pt-BR" dirty="0"/>
+          </a:p>
+        </p:txBody>
+      </p:sp>
+    </p:spTree>
+    <p:extLst>
+      <p:ext uri="{BB962C8B-B14F-4D97-AF65-F5344CB8AC3E}">
+        <p14:creationId xmlns:p14="http://schemas.microsoft.com/office/powerpoint/2010/main" val="4030952742"/>
+      </p:ext>
+    </p:extLst>
+  </p:cSld>
+  <p:clrMapOvr>
+    <a:masterClrMapping/>
+  </p:clrMapOvr>
+</p:sld>
+</file>
+
+<file path=ppt/slides/slide7.xml><?xml version="1.0" encoding="utf-8"?>
+<p:sld xmlns:a="http://schemas.openxmlformats.org/drawingml/2006/main" xmlns:r="http://schemas.openxmlformats.org/officeDocument/2006/relationships" xmlns:p="http://schemas.openxmlformats.org/presentationml/2006/main">
+  <p:cSld>
+    <p:spTree>
+      <p:nvGrpSpPr>
+        <p:cNvPr id="1" name=""/>
+        <p:cNvGrpSpPr/>
+        <p:nvPr/>
+      </p:nvGrpSpPr>
+      <p:grpSpPr>
+        <a:xfrm>
+          <a:off x="0" y="0"/>
+          <a:ext cx="0" cy="0"/>
+          <a:chOff x="0" y="0"/>
+          <a:chExt cx="0" cy="0"/>
+        </a:xfrm>
+      </p:grpSpPr>
+      <p:sp>
+        <p:nvSpPr>
+          <p:cNvPr id="2" name="Título 1">
+            <a:extLst>
+              <a:ext uri="{FF2B5EF4-FFF2-40B4-BE49-F238E27FC236}">
+                <a16:creationId xmlns:a16="http://schemas.microsoft.com/office/drawing/2014/main" id="{6D7A7DD0-A6D0-4738-AFCD-5FF79B205DD3}"/>
+              </a:ext>
+            </a:extLst>
+          </p:cNvPr>
+          <p:cNvSpPr>
+            <a:spLocks noGrp="1"/>
+          </p:cNvSpPr>
+          <p:nvPr>
+            <p:ph type="title"/>
+          </p:nvPr>
+        </p:nvSpPr>
+        <p:spPr>
+          <a:xfrm>
+            <a:off x="2231136" y="246235"/>
+            <a:ext cx="7729728" cy="490883"/>
+          </a:xfrm>
+        </p:spPr>
+        <p:txBody>
+          <a:bodyPr>
+            <a:normAutofit fontScale="90000"/>
+          </a:bodyPr>
+          <a:lstStyle/>
+          <a:p>
+            <a:r>
+              <a:rPr lang="pt-BR" dirty="0"/>
+              <a:t>Dados brutos do </a:t>
+            </a:r>
+            <a:r>
+              <a:rPr lang="pt-BR" dirty="0" err="1"/>
+              <a:t>enem</a:t>
+            </a:r>
+            <a:endParaRPr lang="pt-BR" dirty="0"/>
+          </a:p>
+        </p:txBody>
+      </p:sp>
+      <p:pic>
+        <p:nvPicPr>
+          <p:cNvPr id="5" name="Espaço Reservado para Conteúdo 4">
+            <a:extLst>
+              <a:ext uri="{FF2B5EF4-FFF2-40B4-BE49-F238E27FC236}">
+                <a16:creationId xmlns:a16="http://schemas.microsoft.com/office/drawing/2014/main" id="{6A68B2E2-0687-41E3-80B3-BA7DCAA630B9}"/>
+              </a:ext>
+            </a:extLst>
+          </p:cNvPr>
+          <p:cNvPicPr>
+            <a:picLocks noGrp="1" noChangeAspect="1"/>
+          </p:cNvPicPr>
+          <p:nvPr>
+            <p:ph sz="half" idx="1"/>
+          </p:nvPr>
+        </p:nvPicPr>
+        <p:blipFill>
+          <a:blip r:embed="rId2"/>
+          <a:stretch>
+            <a:fillRect/>
+          </a:stretch>
+        </p:blipFill>
+        <p:spPr>
+          <a:xfrm>
+            <a:off x="141401" y="848412"/>
+            <a:ext cx="11943761" cy="5901180"/>
+          </a:xfrm>
+        </p:spPr>
+      </p:pic>
+    </p:spTree>
+    <p:extLst>
+      <p:ext uri="{BB962C8B-B14F-4D97-AF65-F5344CB8AC3E}">
+        <p14:creationId xmlns:p14="http://schemas.microsoft.com/office/powerpoint/2010/main" val="3455794864"/>
+      </p:ext>
+    </p:extLst>
+  </p:cSld>
+  <p:clrMapOvr>
+    <a:masterClrMapping/>
+  </p:clrMapOvr>
+</p:sld>
+</file>
+
+<file path=ppt/slides/slide8.xml><?xml version="1.0" encoding="utf-8"?>
+<p:sld xmlns:a="http://schemas.openxmlformats.org/drawingml/2006/main" xmlns:r="http://schemas.openxmlformats.org/officeDocument/2006/relationships" xmlns:p="http://schemas.openxmlformats.org/presentationml/2006/main">
+  <p:cSld>
+    <p:spTree>
+      <p:nvGrpSpPr>
+        <p:cNvPr id="1" name=""/>
+        <p:cNvGrpSpPr/>
+        <p:nvPr/>
+      </p:nvGrpSpPr>
+      <p:grpSpPr>
+        <a:xfrm>
+          <a:off x="0" y="0"/>
+          <a:ext cx="0" cy="0"/>
+          <a:chOff x="0" y="0"/>
+          <a:chExt cx="0" cy="0"/>
+        </a:xfrm>
+      </p:grpSpPr>
+      <p:sp>
+        <p:nvSpPr>
+          <p:cNvPr id="2" name="Título 1">
+            <a:extLst>
+              <a:ext uri="{FF2B5EF4-FFF2-40B4-BE49-F238E27FC236}">
+                <a16:creationId xmlns:a16="http://schemas.microsoft.com/office/drawing/2014/main" id="{6D7A7DD0-A6D0-4738-AFCD-5FF79B205DD3}"/>
+              </a:ext>
+            </a:extLst>
+          </p:cNvPr>
+          <p:cNvSpPr>
+            <a:spLocks noGrp="1"/>
+          </p:cNvSpPr>
+          <p:nvPr>
+            <p:ph type="title"/>
+          </p:nvPr>
+        </p:nvSpPr>
+        <p:spPr>
+          <a:xfrm>
+            <a:off x="2296450" y="121300"/>
+            <a:ext cx="7729728" cy="490883"/>
+          </a:xfrm>
+        </p:spPr>
+        <p:txBody>
+          <a:bodyPr>
+            <a:normAutofit fontScale="90000"/>
+          </a:bodyPr>
+          <a:lstStyle/>
+          <a:p>
+            <a:r>
+              <a:rPr lang="pt-BR" dirty="0"/>
+              <a:t>Dados brutos do </a:t>
+            </a:r>
+            <a:r>
+              <a:rPr lang="pt-BR" dirty="0" err="1"/>
+              <a:t>enem</a:t>
+            </a:r>
+            <a:endParaRPr lang="pt-BR" dirty="0"/>
+          </a:p>
+        </p:txBody>
+      </p:sp>
+      <p:pic>
+        <p:nvPicPr>
+          <p:cNvPr id="9" name="Espaço Reservado para Conteúdo 8">
+            <a:extLst>
+              <a:ext uri="{FF2B5EF4-FFF2-40B4-BE49-F238E27FC236}">
+                <a16:creationId xmlns:a16="http://schemas.microsoft.com/office/drawing/2014/main" id="{A9F08B3F-6554-42B6-B534-90A6C4735475}"/>
+              </a:ext>
+            </a:extLst>
+          </p:cNvPr>
+          <p:cNvPicPr>
+            <a:picLocks noGrp="1" noChangeAspect="1"/>
+          </p:cNvPicPr>
+          <p:nvPr>
+            <p:ph sz="half" idx="1"/>
+          </p:nvPr>
+        </p:nvPicPr>
+        <p:blipFill>
+          <a:blip r:embed="rId2"/>
+          <a:stretch>
+            <a:fillRect/>
+          </a:stretch>
+        </p:blipFill>
+        <p:spPr>
+          <a:xfrm>
+            <a:off x="360783" y="727788"/>
+            <a:ext cx="11601062" cy="6008912"/>
+          </a:xfrm>
+        </p:spPr>
+      </p:pic>
+    </p:spTree>
+    <p:extLst>
+      <p:ext uri="{BB962C8B-B14F-4D97-AF65-F5344CB8AC3E}">
+        <p14:creationId xmlns:p14="http://schemas.microsoft.com/office/powerpoint/2010/main" val="3954455008"/>
+      </p:ext>
+    </p:extLst>
+  </p:cSld>
+  <p:clrMapOvr>
+    <a:masterClrMapping/>
+  </p:clrMapOvr>
+</p:sld>
+</file>
+
+<file path=ppt/slides/slide9.xml><?xml version="1.0" encoding="utf-8"?>
 <p:sld xmlns:a="http://schemas.openxmlformats.org/drawingml/2006/main" xmlns:r="http://schemas.openxmlformats.org/officeDocument/2006/relationships" xmlns:p="http://schemas.openxmlformats.org/presentationml/2006/main">
   <p:cSld>
     <p:spTree>
@@ -5668,363 +6341,6 @@
     <p:extLst>
       <p:ext uri="{BB962C8B-B14F-4D97-AF65-F5344CB8AC3E}">
         <p14:creationId xmlns:p14="http://schemas.microsoft.com/office/powerpoint/2010/main" val="2125985074"/>
-      </p:ext>
-    </p:extLst>
-  </p:cSld>
-  <p:clrMapOvr>
-    <a:masterClrMapping/>
-  </p:clrMapOvr>
-</p:sld>
-</file>
-
-<file path=ppt/slides/slide7.xml><?xml version="1.0" encoding="utf-8"?>
-<p:sld xmlns:a="http://schemas.openxmlformats.org/drawingml/2006/main" xmlns:r="http://schemas.openxmlformats.org/officeDocument/2006/relationships" xmlns:p="http://schemas.openxmlformats.org/presentationml/2006/main">
-  <p:cSld>
-    <p:spTree>
-      <p:nvGrpSpPr>
-        <p:cNvPr id="1" name=""/>
-        <p:cNvGrpSpPr/>
-        <p:nvPr/>
-      </p:nvGrpSpPr>
-      <p:grpSpPr>
-        <a:xfrm>
-          <a:off x="0" y="0"/>
-          <a:ext cx="0" cy="0"/>
-          <a:chOff x="0" y="0"/>
-          <a:chExt cx="0" cy="0"/>
-        </a:xfrm>
-      </p:grpSpPr>
-      <p:sp>
-        <p:nvSpPr>
-          <p:cNvPr id="2" name="Título 1">
-            <a:extLst>
-              <a:ext uri="{FF2B5EF4-FFF2-40B4-BE49-F238E27FC236}">
-                <a16:creationId xmlns:a16="http://schemas.microsoft.com/office/drawing/2014/main" id="{DEA205FE-3801-415D-B3CF-AC68802183C2}"/>
-              </a:ext>
-            </a:extLst>
-          </p:cNvPr>
-          <p:cNvSpPr>
-            <a:spLocks noGrp="1"/>
-          </p:cNvSpPr>
-          <p:nvPr>
-            <p:ph type="title"/>
-          </p:nvPr>
-        </p:nvSpPr>
-        <p:spPr>
-          <a:xfrm>
-            <a:off x="2231135" y="65315"/>
-            <a:ext cx="7729728" cy="569168"/>
-          </a:xfrm>
-        </p:spPr>
-        <p:txBody>
-          <a:bodyPr>
-            <a:normAutofit fontScale="90000"/>
-          </a:bodyPr>
-          <a:lstStyle/>
-          <a:p>
-            <a:r>
-              <a:rPr lang="pt-BR" dirty="0"/>
-              <a:t>MODELO lógico</a:t>
-            </a:r>
-          </a:p>
-        </p:txBody>
-      </p:sp>
-      <p:pic>
-        <p:nvPicPr>
-          <p:cNvPr id="5" name="Imagem 4" descr="Diagrama&#10;&#10;Descrição gerada automaticamente">
-            <a:extLst>
-              <a:ext uri="{FF2B5EF4-FFF2-40B4-BE49-F238E27FC236}">
-                <a16:creationId xmlns:a16="http://schemas.microsoft.com/office/drawing/2014/main" id="{762F17E1-BEE4-4F33-BE89-A17CD547582A}"/>
-              </a:ext>
-            </a:extLst>
-          </p:cNvPr>
-          <p:cNvPicPr>
-            <a:picLocks noChangeAspect="1"/>
-          </p:cNvPicPr>
-          <p:nvPr/>
-        </p:nvPicPr>
-        <p:blipFill>
-          <a:blip r:embed="rId3">
-            <a:extLst>
-              <a:ext uri="{28A0092B-C50C-407E-A947-70E740481C1C}">
-                <a14:useLocalDpi xmlns:a14="http://schemas.microsoft.com/office/drawing/2010/main" val="0"/>
-              </a:ext>
-            </a:extLst>
-          </a:blip>
-          <a:stretch>
-            <a:fillRect/>
-          </a:stretch>
-        </p:blipFill>
-        <p:spPr>
-          <a:xfrm>
-            <a:off x="1" y="718457"/>
-            <a:ext cx="12192000" cy="6074229"/>
-          </a:xfrm>
-          <a:prstGeom prst="rect">
-            <a:avLst/>
-          </a:prstGeom>
-        </p:spPr>
-      </p:pic>
-    </p:spTree>
-    <p:extLst>
-      <p:ext uri="{BB962C8B-B14F-4D97-AF65-F5344CB8AC3E}">
-        <p14:creationId xmlns:p14="http://schemas.microsoft.com/office/powerpoint/2010/main" val="2348554424"/>
-      </p:ext>
-    </p:extLst>
-  </p:cSld>
-  <p:clrMapOvr>
-    <a:masterClrMapping/>
-  </p:clrMapOvr>
-</p:sld>
-</file>
-
-<file path=ppt/slides/slide8.xml><?xml version="1.0" encoding="utf-8"?>
-<p:sld xmlns:a="http://schemas.openxmlformats.org/drawingml/2006/main" xmlns:r="http://schemas.openxmlformats.org/officeDocument/2006/relationships" xmlns:p="http://schemas.openxmlformats.org/presentationml/2006/main">
-  <p:cSld>
-    <p:spTree>
-      <p:nvGrpSpPr>
-        <p:cNvPr id="1" name=""/>
-        <p:cNvGrpSpPr/>
-        <p:nvPr/>
-      </p:nvGrpSpPr>
-      <p:grpSpPr>
-        <a:xfrm>
-          <a:off x="0" y="0"/>
-          <a:ext cx="0" cy="0"/>
-          <a:chOff x="0" y="0"/>
-          <a:chExt cx="0" cy="0"/>
-        </a:xfrm>
-      </p:grpSpPr>
-      <p:sp>
-        <p:nvSpPr>
-          <p:cNvPr id="2" name="Título 1">
-            <a:extLst>
-              <a:ext uri="{FF2B5EF4-FFF2-40B4-BE49-F238E27FC236}">
-                <a16:creationId xmlns:a16="http://schemas.microsoft.com/office/drawing/2014/main" id="{F4CB12D3-4265-43E4-87F2-7433FCCB1AAB}"/>
-              </a:ext>
-            </a:extLst>
-          </p:cNvPr>
-          <p:cNvSpPr>
-            <a:spLocks noGrp="1"/>
-          </p:cNvSpPr>
-          <p:nvPr>
-            <p:ph type="title"/>
-          </p:nvPr>
-        </p:nvSpPr>
-        <p:spPr>
-          <a:xfrm>
-            <a:off x="1024128" y="713231"/>
-            <a:ext cx="9784080" cy="1072253"/>
-          </a:xfrm>
-        </p:spPr>
-        <p:txBody>
-          <a:bodyPr/>
-          <a:lstStyle/>
-          <a:p>
-            <a:r>
-              <a:rPr lang="pt-BR" dirty="0"/>
-              <a:t>ETL DOS DADOS FONTES PARA O TRANSACIONAL</a:t>
-            </a:r>
-          </a:p>
-        </p:txBody>
-      </p:sp>
-      <p:sp>
-        <p:nvSpPr>
-          <p:cNvPr id="3" name="Espaço Reservado para Conteúdo 2">
-            <a:extLst>
-              <a:ext uri="{FF2B5EF4-FFF2-40B4-BE49-F238E27FC236}">
-                <a16:creationId xmlns:a16="http://schemas.microsoft.com/office/drawing/2014/main" id="{DF23D007-5DCE-40EE-BFB6-38330CB2CAB0}"/>
-              </a:ext>
-            </a:extLst>
-          </p:cNvPr>
-          <p:cNvSpPr>
-            <a:spLocks noGrp="1"/>
-          </p:cNvSpPr>
-          <p:nvPr>
-            <p:ph idx="1"/>
-          </p:nvPr>
-        </p:nvSpPr>
-        <p:spPr>
-          <a:xfrm>
-            <a:off x="1874520" y="2052828"/>
-            <a:ext cx="8247888" cy="3101983"/>
-          </a:xfrm>
-        </p:spPr>
-        <p:txBody>
-          <a:bodyPr/>
-          <a:lstStyle/>
-          <a:p>
-            <a:pPr lvl="0" algn="just"/>
-            <a:r>
-              <a:rPr lang="pt-BR" dirty="0"/>
-              <a:t>Acessar o site do governo para realizar o download referente ao ano que será trabalhado.</a:t>
-            </a:r>
-          </a:p>
-          <a:p>
-            <a:pPr lvl="0" algn="just"/>
-            <a:r>
-              <a:rPr lang="pt-BR" dirty="0"/>
-              <a:t>Realizar o </a:t>
-            </a:r>
-            <a:r>
-              <a:rPr lang="pt-BR" dirty="0" err="1"/>
-              <a:t>load</a:t>
-            </a:r>
-            <a:r>
-              <a:rPr lang="pt-BR" dirty="0"/>
-              <a:t> do arquivo ou realizar o download no servidor.</a:t>
-            </a:r>
-          </a:p>
-          <a:p>
-            <a:pPr lvl="0" algn="just"/>
-            <a:r>
-              <a:rPr lang="pt-BR" dirty="0"/>
-              <a:t>Descompactar o arquivo dos dados brutos.</a:t>
-            </a:r>
-          </a:p>
-          <a:p>
-            <a:pPr lvl="0" algn="just"/>
-            <a:r>
-              <a:rPr lang="pt-BR" dirty="0"/>
-              <a:t>Executar os scripts Shell e Python que tem por objetivo extrair os dados, transformá-los e, por fim, realizar o Load para a tabela destino.</a:t>
-            </a:r>
-          </a:p>
-          <a:p>
-            <a:endParaRPr lang="pt-BR" dirty="0"/>
-          </a:p>
-        </p:txBody>
-      </p:sp>
-    </p:spTree>
-    <p:extLst>
-      <p:ext uri="{BB962C8B-B14F-4D97-AF65-F5344CB8AC3E}">
-        <p14:creationId xmlns:p14="http://schemas.microsoft.com/office/powerpoint/2010/main" val="1170380226"/>
-      </p:ext>
-    </p:extLst>
-  </p:cSld>
-  <p:clrMapOvr>
-    <a:masterClrMapping/>
-  </p:clrMapOvr>
-</p:sld>
-</file>
-
-<file path=ppt/slides/slide9.xml><?xml version="1.0" encoding="utf-8"?>
-<p:sld xmlns:a="http://schemas.openxmlformats.org/drawingml/2006/main" xmlns:r="http://schemas.openxmlformats.org/officeDocument/2006/relationships" xmlns:p="http://schemas.openxmlformats.org/presentationml/2006/main">
-  <p:cSld>
-    <p:spTree>
-      <p:nvGrpSpPr>
-        <p:cNvPr id="1" name=""/>
-        <p:cNvGrpSpPr/>
-        <p:nvPr/>
-      </p:nvGrpSpPr>
-      <p:grpSpPr>
-        <a:xfrm>
-          <a:off x="0" y="0"/>
-          <a:ext cx="0" cy="0"/>
-          <a:chOff x="0" y="0"/>
-          <a:chExt cx="0" cy="0"/>
-        </a:xfrm>
-      </p:grpSpPr>
-      <p:sp>
-        <p:nvSpPr>
-          <p:cNvPr id="2" name="Título 1">
-            <a:extLst>
-              <a:ext uri="{FF2B5EF4-FFF2-40B4-BE49-F238E27FC236}">
-                <a16:creationId xmlns:a16="http://schemas.microsoft.com/office/drawing/2014/main" id="{F4CB12D3-4265-43E4-87F2-7433FCCB1AAB}"/>
-              </a:ext>
-            </a:extLst>
-          </p:cNvPr>
-          <p:cNvSpPr>
-            <a:spLocks noGrp="1"/>
-          </p:cNvSpPr>
-          <p:nvPr>
-            <p:ph type="title"/>
-          </p:nvPr>
-        </p:nvSpPr>
-        <p:spPr>
-          <a:xfrm>
-            <a:off x="2389757" y="302956"/>
-            <a:ext cx="7729728" cy="1188720"/>
-          </a:xfrm>
-        </p:spPr>
-        <p:txBody>
-          <a:bodyPr/>
-          <a:lstStyle/>
-          <a:p>
-            <a:r>
-              <a:rPr lang="pt-BR" dirty="0"/>
-              <a:t>ETL DOS DADOS FONTES PARA O TRANSACIONAL</a:t>
-            </a:r>
-          </a:p>
-        </p:txBody>
-      </p:sp>
-      <p:pic>
-        <p:nvPicPr>
-          <p:cNvPr id="6" name="Espaço Reservado para Conteúdo 5" descr="Texto&#10;&#10;Descrição gerada automaticamente">
-            <a:extLst>
-              <a:ext uri="{FF2B5EF4-FFF2-40B4-BE49-F238E27FC236}">
-                <a16:creationId xmlns:a16="http://schemas.microsoft.com/office/drawing/2014/main" id="{1AA75A75-0FF5-4498-BF2F-745372B0C79E}"/>
-              </a:ext>
-            </a:extLst>
-          </p:cNvPr>
-          <p:cNvPicPr>
-            <a:picLocks noGrp="1" noChangeAspect="1"/>
-          </p:cNvPicPr>
-          <p:nvPr>
-            <p:ph sz="half" idx="2"/>
-          </p:nvPr>
-        </p:nvPicPr>
-        <p:blipFill>
-          <a:blip r:embed="rId2"/>
-          <a:stretch>
-            <a:fillRect/>
-          </a:stretch>
-        </p:blipFill>
-        <p:spPr>
-          <a:xfrm>
-            <a:off x="6438122" y="1782148"/>
-            <a:ext cx="5501949" cy="4814530"/>
-          </a:xfrm>
-          <a:prstGeom prst="rect">
-            <a:avLst/>
-          </a:prstGeom>
-        </p:spPr>
-      </p:pic>
-      <p:pic>
-        <p:nvPicPr>
-          <p:cNvPr id="7" name="Espaço Reservado para Conteúdo 6" descr="Interface gráfica do usuário, Texto, Aplicativo, Email&#10;&#10;Descrição gerada automaticamente">
-            <a:extLst>
-              <a:ext uri="{FF2B5EF4-FFF2-40B4-BE49-F238E27FC236}">
-                <a16:creationId xmlns:a16="http://schemas.microsoft.com/office/drawing/2014/main" id="{0274520D-DD3E-4FC3-9567-10418379D8CA}"/>
-              </a:ext>
-            </a:extLst>
-          </p:cNvPr>
-          <p:cNvPicPr>
-            <a:picLocks noGrp="1" noChangeAspect="1"/>
-          </p:cNvPicPr>
-          <p:nvPr>
-            <p:ph sz="half" idx="1"/>
-          </p:nvPr>
-        </p:nvPicPr>
-        <p:blipFill>
-          <a:blip r:embed="rId3"/>
-          <a:stretch>
-            <a:fillRect/>
-          </a:stretch>
-        </p:blipFill>
-        <p:spPr>
-          <a:xfrm>
-            <a:off x="251928" y="1782148"/>
-            <a:ext cx="6008913" cy="4814530"/>
-          </a:xfrm>
-          <a:prstGeom prst="rect">
-            <a:avLst/>
-          </a:prstGeom>
-        </p:spPr>
-      </p:pic>
-    </p:spTree>
-    <p:extLst>
-      <p:ext uri="{BB962C8B-B14F-4D97-AF65-F5344CB8AC3E}">
-        <p14:creationId xmlns:p14="http://schemas.microsoft.com/office/powerpoint/2010/main" val="788224151"/>
       </p:ext>
     </p:extLst>
   </p:cSld>

--- a/Apresentação_Monografia.pptx
+++ b/Apresentação_Monografia.pptx
@@ -5,7 +5,7 @@
     <p:sldMasterId id="2147483660" r:id="rId1"/>
   </p:sldMasterIdLst>
   <p:notesMasterIdLst>
-    <p:notesMasterId r:id="rId21"/>
+    <p:notesMasterId r:id="rId33"/>
   </p:notesMasterIdLst>
   <p:sldIdLst>
     <p:sldId id="256" r:id="rId2"/>
@@ -20,13 +20,25 @@
     <p:sldId id="265" r:id="rId11"/>
     <p:sldId id="268" r:id="rId12"/>
     <p:sldId id="269" r:id="rId13"/>
-    <p:sldId id="267" r:id="rId14"/>
-    <p:sldId id="270" r:id="rId15"/>
-    <p:sldId id="271" r:id="rId16"/>
-    <p:sldId id="264" r:id="rId17"/>
-    <p:sldId id="262" r:id="rId18"/>
-    <p:sldId id="261" r:id="rId19"/>
-    <p:sldId id="263" r:id="rId20"/>
+    <p:sldId id="286" r:id="rId14"/>
+    <p:sldId id="285" r:id="rId15"/>
+    <p:sldId id="267" r:id="rId16"/>
+    <p:sldId id="270" r:id="rId17"/>
+    <p:sldId id="271" r:id="rId18"/>
+    <p:sldId id="264" r:id="rId19"/>
+    <p:sldId id="275" r:id="rId20"/>
+    <p:sldId id="276" r:id="rId21"/>
+    <p:sldId id="277" r:id="rId22"/>
+    <p:sldId id="278" r:id="rId23"/>
+    <p:sldId id="279" r:id="rId24"/>
+    <p:sldId id="280" r:id="rId25"/>
+    <p:sldId id="281" r:id="rId26"/>
+    <p:sldId id="282" r:id="rId27"/>
+    <p:sldId id="283" r:id="rId28"/>
+    <p:sldId id="284" r:id="rId29"/>
+    <p:sldId id="262" r:id="rId30"/>
+    <p:sldId id="261" r:id="rId31"/>
+    <p:sldId id="263" r:id="rId32"/>
   </p:sldIdLst>
   <p:sldSz cx="12192000" cy="6858000"/>
   <p:notesSz cx="6858000" cy="9144000"/>
@@ -215,7 +227,7 @@
           <a:p>
             <a:fld id="{B249BB1A-A7AB-4605-BA31-E8B7C8754CB0}" type="datetimeFigureOut">
               <a:rPr lang="pt-BR" smtClean="0"/>
-              <a:t>23/03/2022</a:t>
+              <a:t>24/03/2022</a:t>
             </a:fld>
             <a:endParaRPr lang="pt-BR"/>
           </a:p>
@@ -729,7 +741,7 @@
           <a:p>
             <a:fld id="{60BA69AB-7D77-4AD1-B9DF-F84D0C411437}" type="datetimeFigureOut">
               <a:rPr lang="pt-BR" smtClean="0"/>
-              <a:t>23/03/2022</a:t>
+              <a:t>24/03/2022</a:t>
             </a:fld>
             <a:endParaRPr lang="pt-BR"/>
           </a:p>
@@ -899,7 +911,7 @@
           <a:p>
             <a:fld id="{60BA69AB-7D77-4AD1-B9DF-F84D0C411437}" type="datetimeFigureOut">
               <a:rPr lang="pt-BR" smtClean="0"/>
-              <a:t>23/03/2022</a:t>
+              <a:t>24/03/2022</a:t>
             </a:fld>
             <a:endParaRPr lang="pt-BR"/>
           </a:p>
@@ -1079,7 +1091,7 @@
           <a:p>
             <a:fld id="{60BA69AB-7D77-4AD1-B9DF-F84D0C411437}" type="datetimeFigureOut">
               <a:rPr lang="pt-BR" smtClean="0"/>
-              <a:t>23/03/2022</a:t>
+              <a:t>24/03/2022</a:t>
             </a:fld>
             <a:endParaRPr lang="pt-BR"/>
           </a:p>
@@ -1249,7 +1261,7 @@
           <a:p>
             <a:fld id="{60BA69AB-7D77-4AD1-B9DF-F84D0C411437}" type="datetimeFigureOut">
               <a:rPr lang="pt-BR" smtClean="0"/>
-              <a:t>23/03/2022</a:t>
+              <a:t>24/03/2022</a:t>
             </a:fld>
             <a:endParaRPr lang="pt-BR"/>
           </a:p>
@@ -1517,7 +1529,7 @@
           <a:p>
             <a:fld id="{60BA69AB-7D77-4AD1-B9DF-F84D0C411437}" type="datetimeFigureOut">
               <a:rPr lang="pt-BR" smtClean="0"/>
-              <a:t>23/03/2022</a:t>
+              <a:t>24/03/2022</a:t>
             </a:fld>
             <a:endParaRPr lang="pt-BR"/>
           </a:p>
@@ -1749,7 +1761,7 @@
           <a:p>
             <a:fld id="{60BA69AB-7D77-4AD1-B9DF-F84D0C411437}" type="datetimeFigureOut">
               <a:rPr lang="pt-BR" smtClean="0"/>
-              <a:t>23/03/2022</a:t>
+              <a:t>24/03/2022</a:t>
             </a:fld>
             <a:endParaRPr lang="pt-BR"/>
           </a:p>
@@ -2108,7 +2120,7 @@
           <a:p>
             <a:fld id="{60BA69AB-7D77-4AD1-B9DF-F84D0C411437}" type="datetimeFigureOut">
               <a:rPr lang="pt-BR" smtClean="0"/>
-              <a:t>23/03/2022</a:t>
+              <a:t>24/03/2022</a:t>
             </a:fld>
             <a:endParaRPr lang="pt-BR"/>
           </a:p>
@@ -2249,7 +2261,7 @@
           <a:p>
             <a:fld id="{60BA69AB-7D77-4AD1-B9DF-F84D0C411437}" type="datetimeFigureOut">
               <a:rPr lang="pt-BR" smtClean="0"/>
-              <a:t>23/03/2022</a:t>
+              <a:t>24/03/2022</a:t>
             </a:fld>
             <a:endParaRPr lang="pt-BR"/>
           </a:p>
@@ -2344,7 +2356,7 @@
           <a:p>
             <a:fld id="{60BA69AB-7D77-4AD1-B9DF-F84D0C411437}" type="datetimeFigureOut">
               <a:rPr lang="pt-BR" smtClean="0"/>
-              <a:t>23/03/2022</a:t>
+              <a:t>24/03/2022</a:t>
             </a:fld>
             <a:endParaRPr lang="pt-BR"/>
           </a:p>
@@ -2701,7 +2713,7 @@
           <a:p>
             <a:fld id="{60BA69AB-7D77-4AD1-B9DF-F84D0C411437}" type="datetimeFigureOut">
               <a:rPr lang="pt-BR" smtClean="0"/>
-              <a:t>23/03/2022</a:t>
+              <a:t>24/03/2022</a:t>
             </a:fld>
             <a:endParaRPr lang="pt-BR"/>
           </a:p>
@@ -3058,7 +3070,7 @@
           <a:p>
             <a:fld id="{60BA69AB-7D77-4AD1-B9DF-F84D0C411437}" type="datetimeFigureOut">
               <a:rPr lang="pt-BR" smtClean="0"/>
-              <a:t>23/03/2022</a:t>
+              <a:t>24/03/2022</a:t>
             </a:fld>
             <a:endParaRPr lang="pt-BR"/>
           </a:p>
@@ -3300,7 +3312,7 @@
           <a:p>
             <a:fld id="{60BA69AB-7D77-4AD1-B9DF-F84D0C411437}" type="datetimeFigureOut">
               <a:rPr lang="pt-BR" smtClean="0"/>
-              <a:t>23/03/2022</a:t>
+              <a:t>24/03/2022</a:t>
             </a:fld>
             <a:endParaRPr lang="pt-BR"/>
           </a:p>
@@ -4483,6 +4495,813 @@
           <p:cNvPr id="2" name="Título 1">
             <a:extLst>
               <a:ext uri="{FF2B5EF4-FFF2-40B4-BE49-F238E27FC236}">
+                <a16:creationId xmlns:a16="http://schemas.microsoft.com/office/drawing/2014/main" id="{F4CB12D3-4265-43E4-87F2-7433FCCB1AAB}"/>
+              </a:ext>
+            </a:extLst>
+          </p:cNvPr>
+          <p:cNvSpPr>
+            <a:spLocks noGrp="1"/>
+          </p:cNvSpPr>
+          <p:nvPr>
+            <p:ph type="title"/>
+          </p:nvPr>
+        </p:nvSpPr>
+        <p:spPr>
+          <a:xfrm>
+            <a:off x="2389757" y="302956"/>
+            <a:ext cx="7729728" cy="1188720"/>
+          </a:xfrm>
+        </p:spPr>
+        <p:txBody>
+          <a:bodyPr/>
+          <a:lstStyle/>
+          <a:p>
+            <a:r>
+              <a:rPr lang="pt-BR" dirty="0"/>
+              <a:t>ETL DOS DADOS FONTES PARA O TRANSACIONAL</a:t>
+            </a:r>
+          </a:p>
+        </p:txBody>
+      </p:sp>
+      <p:pic>
+        <p:nvPicPr>
+          <p:cNvPr id="10" name="Espaço Reservado para Conteúdo 9">
+            <a:extLst>
+              <a:ext uri="{FF2B5EF4-FFF2-40B4-BE49-F238E27FC236}">
+                <a16:creationId xmlns:a16="http://schemas.microsoft.com/office/drawing/2014/main" id="{4D4FA987-C26E-49FB-A132-908E65AA6FDE}"/>
+              </a:ext>
+            </a:extLst>
+          </p:cNvPr>
+          <p:cNvPicPr>
+            <a:picLocks noGrp="1" noChangeAspect="1"/>
+          </p:cNvPicPr>
+          <p:nvPr>
+            <p:ph sz="half" idx="1"/>
+          </p:nvPr>
+        </p:nvPicPr>
+        <p:blipFill>
+          <a:blip r:embed="rId2"/>
+          <a:stretch>
+            <a:fillRect/>
+          </a:stretch>
+        </p:blipFill>
+        <p:spPr>
+          <a:xfrm>
+            <a:off x="1633915" y="1660849"/>
+            <a:ext cx="9674786" cy="4699132"/>
+          </a:xfrm>
+        </p:spPr>
+      </p:pic>
+    </p:spTree>
+    <p:extLst>
+      <p:ext uri="{BB962C8B-B14F-4D97-AF65-F5344CB8AC3E}">
+        <p14:creationId xmlns:p14="http://schemas.microsoft.com/office/powerpoint/2010/main" val="253134658"/>
+      </p:ext>
+    </p:extLst>
+  </p:cSld>
+  <p:clrMapOvr>
+    <a:masterClrMapping/>
+  </p:clrMapOvr>
+</p:sld>
+</file>
+
+<file path=ppt/slides/slide14.xml><?xml version="1.0" encoding="utf-8"?>
+<p:sld xmlns:a="http://schemas.openxmlformats.org/drawingml/2006/main" xmlns:r="http://schemas.openxmlformats.org/officeDocument/2006/relationships" xmlns:p="http://schemas.openxmlformats.org/presentationml/2006/main">
+  <p:cSld>
+    <p:spTree>
+      <p:nvGrpSpPr>
+        <p:cNvPr id="1" name=""/>
+        <p:cNvGrpSpPr/>
+        <p:nvPr/>
+      </p:nvGrpSpPr>
+      <p:grpSpPr>
+        <a:xfrm>
+          <a:off x="0" y="0"/>
+          <a:ext cx="0" cy="0"/>
+          <a:chOff x="0" y="0"/>
+          <a:chExt cx="0" cy="0"/>
+        </a:xfrm>
+      </p:grpSpPr>
+      <p:sp>
+        <p:nvSpPr>
+          <p:cNvPr id="2" name="Título 1">
+            <a:extLst>
+              <a:ext uri="{FF2B5EF4-FFF2-40B4-BE49-F238E27FC236}">
+                <a16:creationId xmlns:a16="http://schemas.microsoft.com/office/drawing/2014/main" id="{00254AF3-D498-404C-B6FD-BEF2A1C729C7}"/>
+              </a:ext>
+            </a:extLst>
+          </p:cNvPr>
+          <p:cNvSpPr>
+            <a:spLocks noGrp="1"/>
+          </p:cNvSpPr>
+          <p:nvPr>
+            <p:ph type="title"/>
+          </p:nvPr>
+        </p:nvSpPr>
+        <p:spPr>
+          <a:xfrm>
+            <a:off x="2231834" y="169164"/>
+            <a:ext cx="7729728" cy="1188720"/>
+          </a:xfrm>
+        </p:spPr>
+        <p:txBody>
+          <a:bodyPr>
+            <a:normAutofit/>
+          </a:bodyPr>
+          <a:lstStyle/>
+          <a:p>
+            <a:r>
+              <a:rPr lang="pt-BR" dirty="0"/>
+              <a:t>Requisitos do </a:t>
+            </a:r>
+            <a:r>
+              <a:rPr lang="pt-BR" dirty="0" err="1"/>
+              <a:t>dw</a:t>
+            </a:r>
+            <a:endParaRPr lang="pt-BR" dirty="0"/>
+          </a:p>
+        </p:txBody>
+      </p:sp>
+      <p:graphicFrame>
+        <p:nvGraphicFramePr>
+          <p:cNvPr id="9" name="Tabela 9">
+            <a:extLst>
+              <a:ext uri="{FF2B5EF4-FFF2-40B4-BE49-F238E27FC236}">
+                <a16:creationId xmlns:a16="http://schemas.microsoft.com/office/drawing/2014/main" id="{C65FF479-5A22-4A74-B588-9FB7F31277F0}"/>
+              </a:ext>
+            </a:extLst>
+          </p:cNvPr>
+          <p:cNvGraphicFramePr>
+            <a:graphicFrameLocks noGrp="1"/>
+          </p:cNvGraphicFramePr>
+          <p:nvPr>
+            <p:ph idx="1"/>
+            <p:extLst>
+              <p:ext uri="{D42A27DB-BD31-4B8C-83A1-F6EECF244321}">
+                <p14:modId xmlns:p14="http://schemas.microsoft.com/office/powerpoint/2010/main" val="2321436954"/>
+              </p:ext>
+            </p:extLst>
+          </p:nvPr>
+        </p:nvGraphicFramePr>
+        <p:xfrm>
+          <a:off x="1409700" y="1629664"/>
+          <a:ext cx="9372600" cy="4165600"/>
+        </p:xfrm>
+        <a:graphic>
+          <a:graphicData uri="http://schemas.openxmlformats.org/drawingml/2006/table">
+            <a:tbl>
+              <a:tblPr firstRow="1" bandRow="1">
+                <a:tableStyleId>{21E4AEA4-8DFA-4A89-87EB-49C32662AFE0}</a:tableStyleId>
+              </a:tblPr>
+              <a:tblGrid>
+                <a:gridCol w="3328416">
+                  <a:extLst>
+                    <a:ext uri="{9D8B030D-6E8A-4147-A177-3AD203B41FA5}">
+                      <a16:colId xmlns:a16="http://schemas.microsoft.com/office/drawing/2014/main" val="1234360870"/>
+                    </a:ext>
+                  </a:extLst>
+                </a:gridCol>
+                <a:gridCol w="6044184">
+                  <a:extLst>
+                    <a:ext uri="{9D8B030D-6E8A-4147-A177-3AD203B41FA5}">
+                      <a16:colId xmlns:a16="http://schemas.microsoft.com/office/drawing/2014/main" val="2311399663"/>
+                    </a:ext>
+                  </a:extLst>
+                </a:gridCol>
+              </a:tblGrid>
+              <a:tr h="370840">
+                <a:tc>
+                  <a:txBody>
+                    <a:bodyPr/>
+                    <a:lstStyle/>
+                    <a:p>
+                      <a:pPr algn="ctr"/>
+                      <a:r>
+                        <a:rPr lang="pt-BR" sz="1600" b="1" kern="1200" dirty="0">
+                          <a:solidFill>
+                            <a:schemeClr val="lt1"/>
+                          </a:solidFill>
+                          <a:effectLst/>
+                          <a:latin typeface="+mn-lt"/>
+                          <a:ea typeface="+mn-ea"/>
+                          <a:cs typeface="+mn-cs"/>
+                        </a:rPr>
+                        <a:t>ID do Requisito para o DW</a:t>
+                      </a:r>
+                      <a:endParaRPr lang="pt-BR" sz="1600" dirty="0"/>
+                    </a:p>
+                  </a:txBody>
+                  <a:tcPr/>
+                </a:tc>
+                <a:tc>
+                  <a:txBody>
+                    <a:bodyPr/>
+                    <a:lstStyle/>
+                    <a:p>
+                      <a:pPr algn="ctr"/>
+                      <a:r>
+                        <a:rPr lang="pt-BR" sz="1600" b="1" kern="1200" dirty="0">
+                          <a:solidFill>
+                            <a:schemeClr val="lt1"/>
+                          </a:solidFill>
+                          <a:effectLst/>
+                          <a:latin typeface="+mn-lt"/>
+                          <a:ea typeface="+mn-ea"/>
+                          <a:cs typeface="+mn-cs"/>
+                        </a:rPr>
+                        <a:t>Descritivo do Requisito</a:t>
+                      </a:r>
+                      <a:endParaRPr lang="pt-BR" sz="1600" dirty="0"/>
+                    </a:p>
+                  </a:txBody>
+                  <a:tcPr/>
+                </a:tc>
+                <a:extLst>
+                  <a:ext uri="{0D108BD9-81ED-4DB2-BD59-A6C34878D82A}">
+                    <a16:rowId xmlns:a16="http://schemas.microsoft.com/office/drawing/2014/main" val="752024429"/>
+                  </a:ext>
+                </a:extLst>
+              </a:tr>
+              <a:tr h="370840">
+                <a:tc>
+                  <a:txBody>
+                    <a:bodyPr/>
+                    <a:lstStyle/>
+                    <a:p>
+                      <a:pPr algn="ctr"/>
+                      <a:r>
+                        <a:rPr lang="pt-BR" sz="1200" kern="1200" dirty="0">
+                          <a:solidFill>
+                            <a:schemeClr val="dk1"/>
+                          </a:solidFill>
+                          <a:effectLst/>
+                          <a:latin typeface="Calibri" panose="020F0502020204030204" pitchFamily="34" charset="0"/>
+                          <a:ea typeface="+mn-ea"/>
+                          <a:cs typeface="Calibri" panose="020F0502020204030204" pitchFamily="34" charset="0"/>
+                        </a:rPr>
+                        <a:t>RQD1</a:t>
+                      </a:r>
+                      <a:endParaRPr lang="pt-BR" sz="1200" dirty="0">
+                        <a:latin typeface="Calibri" panose="020F0502020204030204" pitchFamily="34" charset="0"/>
+                        <a:cs typeface="Calibri" panose="020F0502020204030204" pitchFamily="34" charset="0"/>
+                      </a:endParaRPr>
+                    </a:p>
+                  </a:txBody>
+                  <a:tcPr/>
+                </a:tc>
+                <a:tc>
+                  <a:txBody>
+                    <a:bodyPr/>
+                    <a:lstStyle/>
+                    <a:p>
+                      <a:r>
+                        <a:rPr lang="pt-BR" sz="1200" b="0" kern="1200" dirty="0">
+                          <a:solidFill>
+                            <a:schemeClr val="dk1"/>
+                          </a:solidFill>
+                          <a:effectLst/>
+                          <a:latin typeface="+mn-lt"/>
+                          <a:ea typeface="+mn-ea"/>
+                          <a:cs typeface="+mn-cs"/>
+                        </a:rPr>
+                        <a:t>Qual a média das notas dos alunos por estado, por tipo de prova e por ano?</a:t>
+                      </a:r>
+                      <a:endParaRPr lang="pt-BR" sz="1200" b="0" dirty="0"/>
+                    </a:p>
+                  </a:txBody>
+                  <a:tcPr/>
+                </a:tc>
+                <a:extLst>
+                  <a:ext uri="{0D108BD9-81ED-4DB2-BD59-A6C34878D82A}">
+                    <a16:rowId xmlns:a16="http://schemas.microsoft.com/office/drawing/2014/main" val="2503304766"/>
+                  </a:ext>
+                </a:extLst>
+              </a:tr>
+              <a:tr h="370840">
+                <a:tc>
+                  <a:txBody>
+                    <a:bodyPr/>
+                    <a:lstStyle/>
+                    <a:p>
+                      <a:pPr algn="ctr"/>
+                      <a:r>
+                        <a:rPr lang="pt-BR" sz="1200" kern="1200" dirty="0">
+                          <a:solidFill>
+                            <a:schemeClr val="dk1"/>
+                          </a:solidFill>
+                          <a:effectLst/>
+                          <a:latin typeface="Calibri" panose="020F0502020204030204" pitchFamily="34" charset="0"/>
+                          <a:ea typeface="+mn-ea"/>
+                          <a:cs typeface="Calibri" panose="020F0502020204030204" pitchFamily="34" charset="0"/>
+                        </a:rPr>
+                        <a:t>RQD2</a:t>
+                      </a:r>
+                      <a:endParaRPr lang="pt-BR" sz="1200" dirty="0">
+                        <a:latin typeface="Calibri" panose="020F0502020204030204" pitchFamily="34" charset="0"/>
+                        <a:cs typeface="Calibri" panose="020F0502020204030204" pitchFamily="34" charset="0"/>
+                      </a:endParaRPr>
+                    </a:p>
+                  </a:txBody>
+                  <a:tcPr/>
+                </a:tc>
+                <a:tc>
+                  <a:txBody>
+                    <a:bodyPr/>
+                    <a:lstStyle/>
+                    <a:p>
+                      <a:pPr marL="0" algn="l" defTabSz="914400" rtl="0" eaLnBrk="1" latinLnBrk="0" hangingPunct="1"/>
+                      <a:r>
+                        <a:rPr lang="pt-BR" sz="1200" b="0" kern="1200" dirty="0">
+                          <a:solidFill>
+                            <a:schemeClr val="dk1"/>
+                          </a:solidFill>
+                          <a:effectLst/>
+                          <a:latin typeface="+mn-lt"/>
+                          <a:ea typeface="+mn-ea"/>
+                          <a:cs typeface="+mn-cs"/>
+                        </a:rPr>
+                        <a:t>Qual perfil financeiro dos alunos agrupado por estado e por ano?</a:t>
+                      </a:r>
+                    </a:p>
+                  </a:txBody>
+                  <a:tcPr/>
+                </a:tc>
+                <a:extLst>
+                  <a:ext uri="{0D108BD9-81ED-4DB2-BD59-A6C34878D82A}">
+                    <a16:rowId xmlns:a16="http://schemas.microsoft.com/office/drawing/2014/main" val="1620481247"/>
+                  </a:ext>
+                </a:extLst>
+              </a:tr>
+              <a:tr h="370840">
+                <a:tc>
+                  <a:txBody>
+                    <a:bodyPr/>
+                    <a:lstStyle/>
+                    <a:p>
+                      <a:pPr algn="ctr"/>
+                      <a:r>
+                        <a:rPr lang="pt-BR" sz="1200" kern="1200" dirty="0">
+                          <a:solidFill>
+                            <a:schemeClr val="dk1"/>
+                          </a:solidFill>
+                          <a:effectLst/>
+                          <a:latin typeface="Calibri" panose="020F0502020204030204" pitchFamily="34" charset="0"/>
+                          <a:ea typeface="+mn-ea"/>
+                          <a:cs typeface="Calibri" panose="020F0502020204030204" pitchFamily="34" charset="0"/>
+                        </a:rPr>
+                        <a:t>RQD3</a:t>
+                      </a:r>
+                      <a:endParaRPr lang="pt-BR" sz="1200" dirty="0">
+                        <a:latin typeface="Calibri" panose="020F0502020204030204" pitchFamily="34" charset="0"/>
+                        <a:cs typeface="Calibri" panose="020F0502020204030204" pitchFamily="34" charset="0"/>
+                      </a:endParaRPr>
+                    </a:p>
+                  </a:txBody>
+                  <a:tcPr/>
+                </a:tc>
+                <a:tc>
+                  <a:txBody>
+                    <a:bodyPr/>
+                    <a:lstStyle/>
+                    <a:p>
+                      <a:pPr marL="0" algn="l" defTabSz="914400" rtl="0" eaLnBrk="1" latinLnBrk="0" hangingPunct="1"/>
+                      <a:r>
+                        <a:rPr lang="pt-BR" sz="1200" b="0" kern="1200" dirty="0">
+                          <a:solidFill>
+                            <a:schemeClr val="dk1"/>
+                          </a:solidFill>
+                          <a:effectLst/>
+                          <a:latin typeface="+mn-lt"/>
+                          <a:ea typeface="+mn-ea"/>
+                          <a:cs typeface="+mn-cs"/>
+                        </a:rPr>
+                        <a:t>Qual a média das notas dos alunos com necessidade especiais por estado e por ano?</a:t>
+                      </a:r>
+                    </a:p>
+                  </a:txBody>
+                  <a:tcPr/>
+                </a:tc>
+                <a:extLst>
+                  <a:ext uri="{0D108BD9-81ED-4DB2-BD59-A6C34878D82A}">
+                    <a16:rowId xmlns:a16="http://schemas.microsoft.com/office/drawing/2014/main" val="1291230759"/>
+                  </a:ext>
+                </a:extLst>
+              </a:tr>
+              <a:tr h="370840">
+                <a:tc>
+                  <a:txBody>
+                    <a:bodyPr/>
+                    <a:lstStyle/>
+                    <a:p>
+                      <a:pPr algn="ctr"/>
+                      <a:r>
+                        <a:rPr lang="pt-BR" sz="1200" kern="1200" dirty="0">
+                          <a:solidFill>
+                            <a:schemeClr val="dk1"/>
+                          </a:solidFill>
+                          <a:effectLst/>
+                          <a:latin typeface="Calibri" panose="020F0502020204030204" pitchFamily="34" charset="0"/>
+                          <a:ea typeface="+mn-ea"/>
+                          <a:cs typeface="Calibri" panose="020F0502020204030204" pitchFamily="34" charset="0"/>
+                        </a:rPr>
+                        <a:t>RQD4</a:t>
+                      </a:r>
+                      <a:endParaRPr lang="pt-BR" sz="1200" dirty="0">
+                        <a:latin typeface="Calibri" panose="020F0502020204030204" pitchFamily="34" charset="0"/>
+                        <a:cs typeface="Calibri" panose="020F0502020204030204" pitchFamily="34" charset="0"/>
+                      </a:endParaRPr>
+                    </a:p>
+                  </a:txBody>
+                  <a:tcPr/>
+                </a:tc>
+                <a:tc>
+                  <a:txBody>
+                    <a:bodyPr/>
+                    <a:lstStyle/>
+                    <a:p>
+                      <a:pPr marL="0" algn="l" defTabSz="914400" rtl="0" eaLnBrk="1" latinLnBrk="0" hangingPunct="1"/>
+                      <a:r>
+                        <a:rPr lang="pt-BR" sz="1200" b="0" kern="1200" dirty="0">
+                          <a:solidFill>
+                            <a:schemeClr val="dk1"/>
+                          </a:solidFill>
+                          <a:effectLst/>
+                          <a:latin typeface="+mn-lt"/>
+                          <a:ea typeface="+mn-ea"/>
+                          <a:cs typeface="+mn-cs"/>
+                        </a:rPr>
+                        <a:t>Qual o total de inscritos no Enem por ano, sexo e estado?</a:t>
+                      </a:r>
+                    </a:p>
+                  </a:txBody>
+                  <a:tcPr/>
+                </a:tc>
+                <a:extLst>
+                  <a:ext uri="{0D108BD9-81ED-4DB2-BD59-A6C34878D82A}">
+                    <a16:rowId xmlns:a16="http://schemas.microsoft.com/office/drawing/2014/main" val="905436032"/>
+                  </a:ext>
+                </a:extLst>
+              </a:tr>
+              <a:tr h="370840">
+                <a:tc>
+                  <a:txBody>
+                    <a:bodyPr/>
+                    <a:lstStyle/>
+                    <a:p>
+                      <a:pPr algn="ctr"/>
+                      <a:r>
+                        <a:rPr lang="pt-BR" sz="1200" kern="1200" dirty="0">
+                          <a:solidFill>
+                            <a:schemeClr val="dk1"/>
+                          </a:solidFill>
+                          <a:effectLst/>
+                          <a:latin typeface="Calibri" panose="020F0502020204030204" pitchFamily="34" charset="0"/>
+                          <a:ea typeface="+mn-ea"/>
+                          <a:cs typeface="Calibri" panose="020F0502020204030204" pitchFamily="34" charset="0"/>
+                        </a:rPr>
+                        <a:t>RQD5</a:t>
+                      </a:r>
+                      <a:endParaRPr lang="pt-BR" sz="1200" dirty="0">
+                        <a:latin typeface="Calibri" panose="020F0502020204030204" pitchFamily="34" charset="0"/>
+                        <a:cs typeface="Calibri" panose="020F0502020204030204" pitchFamily="34" charset="0"/>
+                      </a:endParaRPr>
+                    </a:p>
+                  </a:txBody>
+                  <a:tcPr/>
+                </a:tc>
+                <a:tc>
+                  <a:txBody>
+                    <a:bodyPr/>
+                    <a:lstStyle/>
+                    <a:p>
+                      <a:pPr marL="0" algn="l" defTabSz="914400" rtl="0" eaLnBrk="1" latinLnBrk="0" hangingPunct="1"/>
+                      <a:r>
+                        <a:rPr lang="pt-BR" sz="1200" b="0" kern="1200" dirty="0">
+                          <a:solidFill>
+                            <a:schemeClr val="dk1"/>
+                          </a:solidFill>
+                          <a:effectLst/>
+                          <a:latin typeface="+mn-lt"/>
+                          <a:ea typeface="+mn-ea"/>
+                          <a:cs typeface="+mn-cs"/>
+                        </a:rPr>
+                        <a:t>Qual a porcentagem de acertos e erros por prova, estado e escola?</a:t>
+                      </a:r>
+                    </a:p>
+                  </a:txBody>
+                  <a:tcPr/>
+                </a:tc>
+                <a:extLst>
+                  <a:ext uri="{0D108BD9-81ED-4DB2-BD59-A6C34878D82A}">
+                    <a16:rowId xmlns:a16="http://schemas.microsoft.com/office/drawing/2014/main" val="3580344526"/>
+                  </a:ext>
+                </a:extLst>
+              </a:tr>
+              <a:tr h="370840">
+                <a:tc>
+                  <a:txBody>
+                    <a:bodyPr/>
+                    <a:lstStyle/>
+                    <a:p>
+                      <a:pPr algn="ctr"/>
+                      <a:r>
+                        <a:rPr lang="pt-BR" sz="1200" kern="1200" dirty="0">
+                          <a:solidFill>
+                            <a:schemeClr val="dk1"/>
+                          </a:solidFill>
+                          <a:effectLst/>
+                          <a:latin typeface="Calibri" panose="020F0502020204030204" pitchFamily="34" charset="0"/>
+                          <a:ea typeface="+mn-ea"/>
+                          <a:cs typeface="Calibri" panose="020F0502020204030204" pitchFamily="34" charset="0"/>
+                        </a:rPr>
+                        <a:t>RQD6</a:t>
+                      </a:r>
+                      <a:endParaRPr lang="pt-BR" sz="1200" dirty="0">
+                        <a:latin typeface="Calibri" panose="020F0502020204030204" pitchFamily="34" charset="0"/>
+                        <a:cs typeface="Calibri" panose="020F0502020204030204" pitchFamily="34" charset="0"/>
+                      </a:endParaRPr>
+                    </a:p>
+                  </a:txBody>
+                  <a:tcPr/>
+                </a:tc>
+                <a:tc>
+                  <a:txBody>
+                    <a:bodyPr/>
+                    <a:lstStyle/>
+                    <a:p>
+                      <a:pPr marL="0" algn="l" defTabSz="914400" rtl="0" eaLnBrk="1" latinLnBrk="0" hangingPunct="1"/>
+                      <a:r>
+                        <a:rPr lang="pt-BR" sz="1200" b="0" kern="1200" dirty="0">
+                          <a:solidFill>
+                            <a:schemeClr val="dk1"/>
+                          </a:solidFill>
+                          <a:effectLst/>
+                          <a:latin typeface="+mn-lt"/>
+                          <a:ea typeface="+mn-ea"/>
+                          <a:cs typeface="+mn-cs"/>
+                        </a:rPr>
+                        <a:t>Qual a média das notas das provas referente as escolas comparando com as médias nacionais?</a:t>
+                      </a:r>
+                    </a:p>
+                  </a:txBody>
+                  <a:tcPr/>
+                </a:tc>
+                <a:extLst>
+                  <a:ext uri="{0D108BD9-81ED-4DB2-BD59-A6C34878D82A}">
+                    <a16:rowId xmlns:a16="http://schemas.microsoft.com/office/drawing/2014/main" val="3912922707"/>
+                  </a:ext>
+                </a:extLst>
+              </a:tr>
+              <a:tr h="370840">
+                <a:tc>
+                  <a:txBody>
+                    <a:bodyPr/>
+                    <a:lstStyle/>
+                    <a:p>
+                      <a:pPr algn="ctr"/>
+                      <a:r>
+                        <a:rPr lang="pt-BR" sz="1200" kern="1200" dirty="0">
+                          <a:solidFill>
+                            <a:schemeClr val="dk1"/>
+                          </a:solidFill>
+                          <a:effectLst/>
+                          <a:latin typeface="Calibri" panose="020F0502020204030204" pitchFamily="34" charset="0"/>
+                          <a:ea typeface="+mn-ea"/>
+                          <a:cs typeface="Calibri" panose="020F0502020204030204" pitchFamily="34" charset="0"/>
+                        </a:rPr>
+                        <a:t>RQD7</a:t>
+                      </a:r>
+                      <a:endParaRPr lang="pt-BR" sz="1200" dirty="0">
+                        <a:latin typeface="Calibri" panose="020F0502020204030204" pitchFamily="34" charset="0"/>
+                        <a:cs typeface="Calibri" panose="020F0502020204030204" pitchFamily="34" charset="0"/>
+                      </a:endParaRPr>
+                    </a:p>
+                  </a:txBody>
+                  <a:tcPr/>
+                </a:tc>
+                <a:tc>
+                  <a:txBody>
+                    <a:bodyPr/>
+                    <a:lstStyle/>
+                    <a:p>
+                      <a:pPr marL="0" algn="l" defTabSz="914400" rtl="0" eaLnBrk="1" latinLnBrk="0" hangingPunct="1"/>
+                      <a:r>
+                        <a:rPr lang="pt-BR" sz="1200" b="0" kern="1200" dirty="0">
+                          <a:solidFill>
+                            <a:schemeClr val="dk1"/>
+                          </a:solidFill>
+                          <a:effectLst/>
+                          <a:latin typeface="+mn-lt"/>
+                          <a:ea typeface="+mn-ea"/>
+                          <a:cs typeface="+mn-cs"/>
+                        </a:rPr>
+                        <a:t>Qual a média da escola referente a média das notas nas provas referente ao nível estadual?</a:t>
+                      </a:r>
+                    </a:p>
+                  </a:txBody>
+                  <a:tcPr/>
+                </a:tc>
+                <a:extLst>
+                  <a:ext uri="{0D108BD9-81ED-4DB2-BD59-A6C34878D82A}">
+                    <a16:rowId xmlns:a16="http://schemas.microsoft.com/office/drawing/2014/main" val="1701776651"/>
+                  </a:ext>
+                </a:extLst>
+              </a:tr>
+              <a:tr h="370840">
+                <a:tc>
+                  <a:txBody>
+                    <a:bodyPr/>
+                    <a:lstStyle/>
+                    <a:p>
+                      <a:pPr algn="ctr"/>
+                      <a:r>
+                        <a:rPr lang="pt-BR" sz="1200" kern="1200" dirty="0">
+                          <a:solidFill>
+                            <a:schemeClr val="dk1"/>
+                          </a:solidFill>
+                          <a:effectLst/>
+                          <a:latin typeface="Calibri" panose="020F0502020204030204" pitchFamily="34" charset="0"/>
+                          <a:ea typeface="+mn-ea"/>
+                          <a:cs typeface="Calibri" panose="020F0502020204030204" pitchFamily="34" charset="0"/>
+                        </a:rPr>
+                        <a:t>RQD8</a:t>
+                      </a:r>
+                      <a:endParaRPr lang="pt-BR" sz="1200" dirty="0">
+                        <a:latin typeface="Calibri" panose="020F0502020204030204" pitchFamily="34" charset="0"/>
+                        <a:cs typeface="Calibri" panose="020F0502020204030204" pitchFamily="34" charset="0"/>
+                      </a:endParaRPr>
+                    </a:p>
+                  </a:txBody>
+                  <a:tcPr/>
+                </a:tc>
+                <a:tc>
+                  <a:txBody>
+                    <a:bodyPr/>
+                    <a:lstStyle/>
+                    <a:p>
+                      <a:pPr marL="0" algn="l" defTabSz="914400" rtl="0" eaLnBrk="1" latinLnBrk="0" hangingPunct="1"/>
+                      <a:r>
+                        <a:rPr lang="pt-BR" sz="1200" b="0" kern="1200" dirty="0">
+                          <a:solidFill>
+                            <a:schemeClr val="dk1"/>
+                          </a:solidFill>
+                          <a:effectLst/>
+                          <a:latin typeface="+mn-lt"/>
+                          <a:ea typeface="+mn-ea"/>
+                          <a:cs typeface="+mn-cs"/>
+                        </a:rPr>
+                        <a:t>Quantas pessoas com necessidades especiais se inscreveram no ENEM por estado e por ano?</a:t>
+                      </a:r>
+                    </a:p>
+                  </a:txBody>
+                  <a:tcPr/>
+                </a:tc>
+                <a:extLst>
+                  <a:ext uri="{0D108BD9-81ED-4DB2-BD59-A6C34878D82A}">
+                    <a16:rowId xmlns:a16="http://schemas.microsoft.com/office/drawing/2014/main" val="3388275394"/>
+                  </a:ext>
+                </a:extLst>
+              </a:tr>
+              <a:tr h="370840">
+                <a:tc>
+                  <a:txBody>
+                    <a:bodyPr/>
+                    <a:lstStyle/>
+                    <a:p>
+                      <a:pPr algn="ctr"/>
+                      <a:r>
+                        <a:rPr lang="pt-BR" sz="1200" kern="1200" dirty="0">
+                          <a:solidFill>
+                            <a:schemeClr val="dk1"/>
+                          </a:solidFill>
+                          <a:effectLst/>
+                          <a:latin typeface="Calibri" panose="020F0502020204030204" pitchFamily="34" charset="0"/>
+                          <a:ea typeface="+mn-ea"/>
+                          <a:cs typeface="Calibri" panose="020F0502020204030204" pitchFamily="34" charset="0"/>
+                        </a:rPr>
+                        <a:t>RQD9</a:t>
+                      </a:r>
+                      <a:endParaRPr lang="pt-BR" sz="1200" dirty="0">
+                        <a:latin typeface="Calibri" panose="020F0502020204030204" pitchFamily="34" charset="0"/>
+                        <a:cs typeface="Calibri" panose="020F0502020204030204" pitchFamily="34" charset="0"/>
+                      </a:endParaRPr>
+                    </a:p>
+                  </a:txBody>
+                  <a:tcPr/>
+                </a:tc>
+                <a:tc>
+                  <a:txBody>
+                    <a:bodyPr/>
+                    <a:lstStyle/>
+                    <a:p>
+                      <a:pPr marL="0" algn="l" defTabSz="914400" rtl="0" eaLnBrk="1" latinLnBrk="0" hangingPunct="1"/>
+                      <a:r>
+                        <a:rPr lang="pt-BR" sz="1200" b="0" kern="1200" dirty="0">
+                          <a:solidFill>
+                            <a:schemeClr val="dk1"/>
+                          </a:solidFill>
+                          <a:effectLst/>
+                          <a:latin typeface="+mn-lt"/>
+                          <a:ea typeface="+mn-ea"/>
+                          <a:cs typeface="+mn-cs"/>
+                        </a:rPr>
+                        <a:t>Qual a quantidade de pessoas com necessidades especiais que se inscreveram agrupados por tipo de necessidade, estado e ano?</a:t>
+                      </a:r>
+                    </a:p>
+                  </a:txBody>
+                  <a:tcPr/>
+                </a:tc>
+                <a:extLst>
+                  <a:ext uri="{0D108BD9-81ED-4DB2-BD59-A6C34878D82A}">
+                    <a16:rowId xmlns:a16="http://schemas.microsoft.com/office/drawing/2014/main" val="771706884"/>
+                  </a:ext>
+                </a:extLst>
+              </a:tr>
+              <a:tr h="370840">
+                <a:tc>
+                  <a:txBody>
+                    <a:bodyPr/>
+                    <a:lstStyle/>
+                    <a:p>
+                      <a:pPr algn="ctr"/>
+                      <a:r>
+                        <a:rPr lang="pt-BR" sz="1200" dirty="0">
+                          <a:latin typeface="Calibri" panose="020F0502020204030204" pitchFamily="34" charset="0"/>
+                          <a:cs typeface="Calibri" panose="020F0502020204030204" pitchFamily="34" charset="0"/>
+                        </a:rPr>
+                        <a:t>RQD10</a:t>
+                      </a:r>
+                    </a:p>
+                  </a:txBody>
+                  <a:tcPr/>
+                </a:tc>
+                <a:tc>
+                  <a:txBody>
+                    <a:bodyPr/>
+                    <a:lstStyle/>
+                    <a:p>
+                      <a:pPr marL="0" algn="l" defTabSz="914400" rtl="0" eaLnBrk="1" latinLnBrk="0" hangingPunct="1"/>
+                      <a:r>
+                        <a:rPr lang="pt-BR" sz="1200" b="0" kern="1200" dirty="0">
+                          <a:solidFill>
+                            <a:schemeClr val="dk1"/>
+                          </a:solidFill>
+                          <a:effectLst/>
+                          <a:latin typeface="+mn-lt"/>
+                          <a:ea typeface="+mn-ea"/>
+                          <a:cs typeface="+mn-cs"/>
+                        </a:rPr>
+                        <a:t>Para cada tipo de deficiência qual auxílio foi solucionado agrupado por ano?</a:t>
+                      </a:r>
+                    </a:p>
+                  </a:txBody>
+                  <a:tcPr/>
+                </a:tc>
+                <a:extLst>
+                  <a:ext uri="{0D108BD9-81ED-4DB2-BD59-A6C34878D82A}">
+                    <a16:rowId xmlns:a16="http://schemas.microsoft.com/office/drawing/2014/main" val="1536806294"/>
+                  </a:ext>
+                </a:extLst>
+              </a:tr>
+            </a:tbl>
+          </a:graphicData>
+        </a:graphic>
+      </p:graphicFrame>
+    </p:spTree>
+    <p:extLst>
+      <p:ext uri="{BB962C8B-B14F-4D97-AF65-F5344CB8AC3E}">
+        <p14:creationId xmlns:p14="http://schemas.microsoft.com/office/powerpoint/2010/main" val="2972477633"/>
+      </p:ext>
+    </p:extLst>
+  </p:cSld>
+  <p:clrMapOvr>
+    <a:masterClrMapping/>
+  </p:clrMapOvr>
+</p:sld>
+</file>
+
+<file path=ppt/slides/slide15.xml><?xml version="1.0" encoding="utf-8"?>
+<p:sld xmlns:a="http://schemas.openxmlformats.org/drawingml/2006/main" xmlns:r="http://schemas.openxmlformats.org/officeDocument/2006/relationships" xmlns:p="http://schemas.openxmlformats.org/presentationml/2006/main">
+  <p:cSld>
+    <p:spTree>
+      <p:nvGrpSpPr>
+        <p:cNvPr id="1" name=""/>
+        <p:cNvGrpSpPr/>
+        <p:nvPr/>
+      </p:nvGrpSpPr>
+      <p:grpSpPr>
+        <a:xfrm>
+          <a:off x="0" y="0"/>
+          <a:ext cx="0" cy="0"/>
+          <a:chOff x="0" y="0"/>
+          <a:chExt cx="0" cy="0"/>
+        </a:xfrm>
+      </p:grpSpPr>
+      <p:sp>
+        <p:nvSpPr>
+          <p:cNvPr id="2" name="Título 1">
+            <a:extLst>
+              <a:ext uri="{FF2B5EF4-FFF2-40B4-BE49-F238E27FC236}">
                 <a16:creationId xmlns:a16="http://schemas.microsoft.com/office/drawing/2014/main" id="{00254AF3-D498-404C-B6FD-BEF2A1C729C7}"/>
               </a:ext>
             </a:extLst>
@@ -4561,7 +5380,7 @@
 </p:sld>
 </file>
 
-<file path=ppt/slides/slide14.xml><?xml version="1.0" encoding="utf-8"?>
+<file path=ppt/slides/slide16.xml><?xml version="1.0" encoding="utf-8"?>
 <p:sld xmlns:a="http://schemas.openxmlformats.org/drawingml/2006/main" xmlns:r="http://schemas.openxmlformats.org/officeDocument/2006/relationships" xmlns:p="http://schemas.openxmlformats.org/presentationml/2006/main">
   <p:cSld>
     <p:spTree>
@@ -4670,7 +5489,7 @@
 </p:sld>
 </file>
 
-<file path=ppt/slides/slide15.xml><?xml version="1.0" encoding="utf-8"?>
+<file path=ppt/slides/slide17.xml><?xml version="1.0" encoding="utf-8"?>
 <p:sld xmlns:a="http://schemas.openxmlformats.org/drawingml/2006/main" xmlns:r="http://schemas.openxmlformats.org/officeDocument/2006/relationships" xmlns:p="http://schemas.openxmlformats.org/presentationml/2006/main">
   <p:cSld>
     <p:spTree>
@@ -4767,7 +5586,7 @@
 </p:sld>
 </file>
 
-<file path=ppt/slides/slide16.xml><?xml version="1.0" encoding="utf-8"?>
+<file path=ppt/slides/slide18.xml><?xml version="1.0" encoding="utf-8"?>
 <p:sld xmlns:a="http://schemas.openxmlformats.org/drawingml/2006/main" xmlns:r="http://schemas.openxmlformats.org/officeDocument/2006/relationships" xmlns:p="http://schemas.openxmlformats.org/presentationml/2006/main">
   <p:cSld>
     <p:spTree>
@@ -4835,7 +5654,7 @@
           <a:p>
             <a:r>
               <a:rPr lang="pt-BR" dirty="0"/>
-              <a:t>Respostas das perguntas que foram base do DW.</a:t>
+              <a:t>Disponibilização de infraestrutura fim-a-fim para os dados transacionais de cada ano.</a:t>
             </a:r>
           </a:p>
           <a:p>
@@ -4892,13 +5711,13 @@
           <p:nvPr>
             <p:extLst>
               <p:ext uri="{D42A27DB-BD31-4B8C-83A1-F6EECF244321}">
-                <p14:modId xmlns:p14="http://schemas.microsoft.com/office/powerpoint/2010/main" val="1045072540"/>
+                <p14:modId xmlns:p14="http://schemas.microsoft.com/office/powerpoint/2010/main" val="1569109209"/>
               </p:ext>
             </p:extLst>
           </p:nvPr>
         </p:nvGraphicFramePr>
         <p:xfrm>
-          <a:off x="2497328" y="4442290"/>
+          <a:off x="2469896" y="4835482"/>
           <a:ext cx="6975856" cy="731520"/>
         </p:xfrm>
         <a:graphic>
@@ -5047,277 +5866,6 @@
 </p:sld>
 </file>
 
-<file path=ppt/slides/slide17.xml><?xml version="1.0" encoding="utf-8"?>
-<p:sld xmlns:a="http://schemas.openxmlformats.org/drawingml/2006/main" xmlns:r="http://schemas.openxmlformats.org/officeDocument/2006/relationships" xmlns:p="http://schemas.openxmlformats.org/presentationml/2006/main">
-  <p:cSld>
-    <p:spTree>
-      <p:nvGrpSpPr>
-        <p:cNvPr id="1" name=""/>
-        <p:cNvGrpSpPr/>
-        <p:nvPr/>
-      </p:nvGrpSpPr>
-      <p:grpSpPr>
-        <a:xfrm>
-          <a:off x="0" y="0"/>
-          <a:ext cx="0" cy="0"/>
-          <a:chOff x="0" y="0"/>
-          <a:chExt cx="0" cy="0"/>
-        </a:xfrm>
-      </p:grpSpPr>
-      <p:sp>
-        <p:nvSpPr>
-          <p:cNvPr id="2" name="Título 1">
-            <a:extLst>
-              <a:ext uri="{FF2B5EF4-FFF2-40B4-BE49-F238E27FC236}">
-                <a16:creationId xmlns:a16="http://schemas.microsoft.com/office/drawing/2014/main" id="{46A95C4D-FEDB-4D6F-9A85-8D656F0138B4}"/>
-              </a:ext>
-            </a:extLst>
-          </p:cNvPr>
-          <p:cNvSpPr>
-            <a:spLocks noGrp="1"/>
-          </p:cNvSpPr>
-          <p:nvPr>
-            <p:ph type="title"/>
-          </p:nvPr>
-        </p:nvSpPr>
-        <p:spPr/>
-        <p:txBody>
-          <a:bodyPr/>
-          <a:lstStyle/>
-          <a:p>
-            <a:r>
-              <a:rPr lang="pt-BR" dirty="0"/>
-              <a:t>Limitações</a:t>
-            </a:r>
-          </a:p>
-        </p:txBody>
-      </p:sp>
-      <p:sp>
-        <p:nvSpPr>
-          <p:cNvPr id="3" name="Espaço Reservado para Conteúdo 2">
-            <a:extLst>
-              <a:ext uri="{FF2B5EF4-FFF2-40B4-BE49-F238E27FC236}">
-                <a16:creationId xmlns:a16="http://schemas.microsoft.com/office/drawing/2014/main" id="{73190E5A-FB2B-41E3-8959-40D8E8B89DC5}"/>
-              </a:ext>
-            </a:extLst>
-          </p:cNvPr>
-          <p:cNvSpPr>
-            <a:spLocks noGrp="1"/>
-          </p:cNvSpPr>
-          <p:nvPr>
-            <p:ph idx="1"/>
-          </p:nvPr>
-        </p:nvSpPr>
-        <p:spPr/>
-        <p:txBody>
-          <a:bodyPr/>
-          <a:lstStyle/>
-          <a:p>
-            <a:r>
-              <a:rPr lang="pt-BR" dirty="0"/>
-              <a:t>Padronização dos dados.</a:t>
-            </a:r>
-          </a:p>
-          <a:p>
-            <a:r>
-              <a:rPr lang="pt-BR" dirty="0"/>
-              <a:t>Criação da infraestrutura.</a:t>
-            </a:r>
-          </a:p>
-          <a:p>
-            <a:r>
-              <a:rPr lang="pt-BR" dirty="0"/>
-              <a:t>Armazenamento dos dados.</a:t>
-            </a:r>
-          </a:p>
-          <a:p>
-            <a:r>
-              <a:rPr lang="pt-BR" dirty="0"/>
-              <a:t>Capacidade de processamento dos dados.</a:t>
-            </a:r>
-          </a:p>
-        </p:txBody>
-      </p:sp>
-    </p:spTree>
-    <p:extLst>
-      <p:ext uri="{BB962C8B-B14F-4D97-AF65-F5344CB8AC3E}">
-        <p14:creationId xmlns:p14="http://schemas.microsoft.com/office/powerpoint/2010/main" val="493301709"/>
-      </p:ext>
-    </p:extLst>
-  </p:cSld>
-  <p:clrMapOvr>
-    <a:masterClrMapping/>
-  </p:clrMapOvr>
-</p:sld>
-</file>
-
-<file path=ppt/slides/slide18.xml><?xml version="1.0" encoding="utf-8"?>
-<p:sld xmlns:a="http://schemas.openxmlformats.org/drawingml/2006/main" xmlns:r="http://schemas.openxmlformats.org/officeDocument/2006/relationships" xmlns:p="http://schemas.openxmlformats.org/presentationml/2006/main">
-  <p:cSld>
-    <p:spTree>
-      <p:nvGrpSpPr>
-        <p:cNvPr id="1" name=""/>
-        <p:cNvGrpSpPr/>
-        <p:nvPr/>
-      </p:nvGrpSpPr>
-      <p:grpSpPr>
-        <a:xfrm>
-          <a:off x="0" y="0"/>
-          <a:ext cx="0" cy="0"/>
-          <a:chOff x="0" y="0"/>
-          <a:chExt cx="0" cy="0"/>
-        </a:xfrm>
-      </p:grpSpPr>
-      <p:sp>
-        <p:nvSpPr>
-          <p:cNvPr id="2" name="Título 1">
-            <a:extLst>
-              <a:ext uri="{FF2B5EF4-FFF2-40B4-BE49-F238E27FC236}">
-                <a16:creationId xmlns:a16="http://schemas.microsoft.com/office/drawing/2014/main" id="{EE723563-498C-41C1-B3F0-3151A8E3C0D1}"/>
-              </a:ext>
-            </a:extLst>
-          </p:cNvPr>
-          <p:cNvSpPr>
-            <a:spLocks noGrp="1"/>
-          </p:cNvSpPr>
-          <p:nvPr>
-            <p:ph type="title"/>
-          </p:nvPr>
-        </p:nvSpPr>
-        <p:spPr/>
-        <p:txBody>
-          <a:bodyPr/>
-          <a:lstStyle/>
-          <a:p>
-            <a:r>
-              <a:rPr lang="pt-BR" dirty="0"/>
-              <a:t>Trabalhos futuros</a:t>
-            </a:r>
-          </a:p>
-        </p:txBody>
-      </p:sp>
-      <p:sp>
-        <p:nvSpPr>
-          <p:cNvPr id="3" name="Espaço Reservado para Conteúdo 2">
-            <a:extLst>
-              <a:ext uri="{FF2B5EF4-FFF2-40B4-BE49-F238E27FC236}">
-                <a16:creationId xmlns:a16="http://schemas.microsoft.com/office/drawing/2014/main" id="{8660081E-8ACB-4B7E-BA17-832681C4C0C9}"/>
-              </a:ext>
-            </a:extLst>
-          </p:cNvPr>
-          <p:cNvSpPr>
-            <a:spLocks noGrp="1"/>
-          </p:cNvSpPr>
-          <p:nvPr>
-            <p:ph idx="1"/>
-          </p:nvPr>
-        </p:nvSpPr>
-        <p:spPr/>
-        <p:txBody>
-          <a:bodyPr>
-            <a:normAutofit fontScale="85000" lnSpcReduction="20000"/>
-          </a:bodyPr>
-          <a:lstStyle/>
-          <a:p>
-            <a:pPr lvl="0">
-              <a:lnSpc>
-                <a:spcPct val="110000"/>
-              </a:lnSpc>
-            </a:pPr>
-            <a:r>
-              <a:rPr lang="pt-BR" dirty="0"/>
-              <a:t>Criar bancos de dados transacional para os anos após 2015 do ENEM e a população desses dados no banco de dados do DW.</a:t>
-            </a:r>
-          </a:p>
-          <a:p>
-            <a:pPr lvl="0">
-              <a:lnSpc>
-                <a:spcPct val="110000"/>
-              </a:lnSpc>
-            </a:pPr>
-            <a:r>
-              <a:rPr lang="pt-BR" dirty="0"/>
-              <a:t>Ampliar a visualização de dados e ampliar os relatórios baseados em novas perguntas que o DW responda.</a:t>
-            </a:r>
-          </a:p>
-          <a:p>
-            <a:pPr lvl="0">
-              <a:lnSpc>
-                <a:spcPct val="110000"/>
-              </a:lnSpc>
-            </a:pPr>
-            <a:r>
-              <a:rPr lang="pt-BR" dirty="0"/>
-              <a:t> Melhorar a capacidade da infraestrutura, principalmente, no armazenamento de dados. </a:t>
-            </a:r>
-          </a:p>
-          <a:p>
-            <a:pPr lvl="0">
-              <a:lnSpc>
-                <a:spcPct val="110000"/>
-              </a:lnSpc>
-            </a:pPr>
-            <a:r>
-              <a:rPr lang="pt-BR" dirty="0"/>
-              <a:t>Refatorar os códigos do ETL tanto do transacional quanto do DW. </a:t>
-            </a:r>
-          </a:p>
-          <a:p>
-            <a:pPr lvl="0">
-              <a:lnSpc>
-                <a:spcPct val="110000"/>
-              </a:lnSpc>
-            </a:pPr>
-            <a:r>
-              <a:rPr lang="pt-BR" dirty="0"/>
-              <a:t>Realizar estudo de heurísticas para melhorar o desempenho das consultas que já existem e geram os relatórios. </a:t>
-            </a:r>
-          </a:p>
-          <a:p>
-            <a:pPr lvl="0">
-              <a:lnSpc>
-                <a:spcPct val="110000"/>
-              </a:lnSpc>
-            </a:pPr>
-            <a:r>
-              <a:rPr lang="pt-BR" dirty="0"/>
-              <a:t>Usar a capacidade dos dados para realizar um estudo com foco em </a:t>
-            </a:r>
-            <a:r>
-              <a:rPr lang="pt-BR" dirty="0" err="1"/>
-              <a:t>Tuning</a:t>
-            </a:r>
-            <a:r>
-              <a:rPr lang="pt-BR" dirty="0"/>
-              <a:t> de banco de dados.</a:t>
-            </a:r>
-          </a:p>
-          <a:p>
-            <a:pPr lvl="0">
-              <a:lnSpc>
-                <a:spcPct val="110000"/>
-              </a:lnSpc>
-            </a:pPr>
-            <a:r>
-              <a:rPr lang="pt-BR" dirty="0"/>
-              <a:t>Adaptar o banco de dados atual de acordo com o LGPD.</a:t>
-            </a:r>
-          </a:p>
-        </p:txBody>
-      </p:sp>
-    </p:spTree>
-    <p:extLst>
-      <p:ext uri="{BB962C8B-B14F-4D97-AF65-F5344CB8AC3E}">
-        <p14:creationId xmlns:p14="http://schemas.microsoft.com/office/powerpoint/2010/main" val="580782446"/>
-      </p:ext>
-    </p:extLst>
-  </p:cSld>
-  <p:clrMapOvr>
-    <a:masterClrMapping/>
-  </p:clrMapOvr>
-</p:sld>
-</file>
-
 <file path=ppt/slides/slide19.xml><?xml version="1.0" encoding="utf-8"?>
 <p:sld xmlns:a="http://schemas.openxmlformats.org/drawingml/2006/main" xmlns:r="http://schemas.openxmlformats.org/officeDocument/2006/relationships" xmlns:p="http://schemas.openxmlformats.org/presentationml/2006/main">
   <p:cSld>
@@ -5337,10 +5885,10 @@
       </p:grpSpPr>
       <p:sp>
         <p:nvSpPr>
-          <p:cNvPr id="4" name="Título 3">
+          <p:cNvPr id="2" name="Título 1">
             <a:extLst>
               <a:ext uri="{FF2B5EF4-FFF2-40B4-BE49-F238E27FC236}">
-                <a16:creationId xmlns:a16="http://schemas.microsoft.com/office/drawing/2014/main" id="{6E1BA72A-980A-4BB4-8D44-217C7B3A4431}"/>
+                <a16:creationId xmlns:a16="http://schemas.microsoft.com/office/drawing/2014/main" id="{2045F919-FC56-499A-A924-E42BBB1DE487}"/>
               </a:ext>
             </a:extLst>
           </p:cNvPr>
@@ -5348,25 +5896,62 @@
             <a:spLocks noGrp="1"/>
           </p:cNvSpPr>
           <p:nvPr>
-            <p:ph type="ctrTitle"/>
-          </p:nvPr>
-        </p:nvSpPr>
-        <p:spPr/>
+            <p:ph type="title"/>
+          </p:nvPr>
+        </p:nvSpPr>
+        <p:spPr>
+          <a:xfrm>
+            <a:off x="2231136" y="167951"/>
+            <a:ext cx="7729728" cy="854778"/>
+          </a:xfrm>
+        </p:spPr>
         <p:txBody>
           <a:bodyPr/>
           <a:lstStyle/>
           <a:p>
             <a:r>
               <a:rPr lang="pt-BR" dirty="0"/>
-              <a:t>OBRIgado!!</a:t>
-            </a:r>
-          </a:p>
-        </p:txBody>
-      </p:sp>
+              <a:t>Resultados – gráfico1</a:t>
+            </a:r>
+          </a:p>
+        </p:txBody>
+      </p:sp>
+      <p:pic>
+        <p:nvPicPr>
+          <p:cNvPr id="4" name="Espaço Reservado para Conteúdo 3" descr="Gráfico, Histograma&#10;&#10;Descrição gerada automaticamente">
+            <a:extLst>
+              <a:ext uri="{FF2B5EF4-FFF2-40B4-BE49-F238E27FC236}">
+                <a16:creationId xmlns:a16="http://schemas.microsoft.com/office/drawing/2014/main" id="{CB88CD2E-560D-4B15-80D8-7E621FC46567}"/>
+              </a:ext>
+            </a:extLst>
+          </p:cNvPr>
+          <p:cNvPicPr>
+            <a:picLocks noGrp="1" noChangeAspect="1"/>
+          </p:cNvPicPr>
+          <p:nvPr>
+            <p:ph idx="1"/>
+          </p:nvPr>
+        </p:nvPicPr>
+        <p:blipFill>
+          <a:blip r:embed="rId2"/>
+          <a:stretch>
+            <a:fillRect/>
+          </a:stretch>
+        </p:blipFill>
+        <p:spPr>
+          <a:xfrm>
+            <a:off x="276808" y="1212980"/>
+            <a:ext cx="11638384" cy="5477069"/>
+          </a:xfrm>
+          <a:prstGeom prst="rect">
+            <a:avLst/>
+          </a:prstGeom>
+        </p:spPr>
+      </p:pic>
     </p:spTree>
     <p:extLst>
       <p:ext uri="{BB962C8B-B14F-4D97-AF65-F5344CB8AC3E}">
-        <p14:creationId xmlns:p14="http://schemas.microsoft.com/office/powerpoint/2010/main" val="2185586797"/>
+        <p14:creationId xmlns:p14="http://schemas.microsoft.com/office/powerpoint/2010/main" val="1374608948"/>
       </p:ext>
     </p:extLst>
   </p:cSld>
@@ -5447,13 +6032,13 @@
         </p:nvSpPr>
         <p:spPr>
           <a:xfrm>
-            <a:off x="1581912" y="2332653"/>
+            <a:off x="2231136" y="2344592"/>
             <a:ext cx="4271771" cy="3407373"/>
           </a:xfrm>
         </p:spPr>
         <p:txBody>
           <a:bodyPr>
-            <a:normAutofit lnSpcReduction="10000"/>
+            <a:normAutofit/>
           </a:bodyPr>
           <a:lstStyle/>
           <a:p>
@@ -5477,7 +6062,7 @@
           <a:p>
             <a:r>
               <a:rPr lang="pt-BR" dirty="0"/>
-              <a:t>Disponibilização dos dados.</a:t>
+              <a:t>Disponibilização dos dados</a:t>
             </a:r>
           </a:p>
           <a:p>
@@ -5495,19 +6080,7 @@
           <a:p>
             <a:r>
               <a:rPr lang="pt-BR" dirty="0"/>
-              <a:t>ETL do fonte para o transacional</a:t>
-            </a:r>
-          </a:p>
-          <a:p>
-            <a:r>
-              <a:rPr lang="pt-BR" dirty="0"/>
-              <a:t>Modelo do DW</a:t>
-            </a:r>
-          </a:p>
-          <a:p>
-            <a:r>
-              <a:rPr lang="pt-BR" dirty="0"/>
-              <a:t>ETL do transacional para o DW</a:t>
+              <a:t>ETL dos dados fonte para o transacional</a:t>
             </a:r>
           </a:p>
           <a:p>
@@ -5533,15 +6106,33 @@
         </p:nvSpPr>
         <p:spPr>
           <a:xfrm>
-            <a:off x="6338315" y="2332653"/>
-            <a:ext cx="4270247" cy="3407373"/>
+            <a:off x="6594347" y="2333584"/>
+            <a:ext cx="3366517" cy="3407373"/>
           </a:xfrm>
         </p:spPr>
         <p:txBody>
           <a:bodyPr>
-            <a:normAutofit lnSpcReduction="10000"/>
+            <a:normAutofit/>
           </a:bodyPr>
           <a:lstStyle/>
+          <a:p>
+            <a:r>
+              <a:rPr lang="pt-BR" dirty="0"/>
+              <a:t>Requisitos do DW</a:t>
+            </a:r>
+          </a:p>
+          <a:p>
+            <a:r>
+              <a:rPr lang="pt-BR" dirty="0"/>
+              <a:t>Modelo do DW</a:t>
+            </a:r>
+          </a:p>
+          <a:p>
+            <a:r>
+              <a:rPr lang="pt-BR" dirty="0"/>
+              <a:t>ETL do transacional para o DW</a:t>
+            </a:r>
+          </a:p>
           <a:p>
             <a:r>
               <a:rPr lang="pt-BR" dirty="0"/>
@@ -5566,6 +6157,975 @@
     <p:extLst>
       <p:ext uri="{BB962C8B-B14F-4D97-AF65-F5344CB8AC3E}">
         <p14:creationId xmlns:p14="http://schemas.microsoft.com/office/powerpoint/2010/main" val="4088120445"/>
+      </p:ext>
+    </p:extLst>
+  </p:cSld>
+  <p:clrMapOvr>
+    <a:masterClrMapping/>
+  </p:clrMapOvr>
+</p:sld>
+</file>
+
+<file path=ppt/slides/slide20.xml><?xml version="1.0" encoding="utf-8"?>
+<p:sld xmlns:a="http://schemas.openxmlformats.org/drawingml/2006/main" xmlns:r="http://schemas.openxmlformats.org/officeDocument/2006/relationships" xmlns:p="http://schemas.openxmlformats.org/presentationml/2006/main">
+  <p:cSld>
+    <p:spTree>
+      <p:nvGrpSpPr>
+        <p:cNvPr id="1" name=""/>
+        <p:cNvGrpSpPr/>
+        <p:nvPr/>
+      </p:nvGrpSpPr>
+      <p:grpSpPr>
+        <a:xfrm>
+          <a:off x="0" y="0"/>
+          <a:ext cx="0" cy="0"/>
+          <a:chOff x="0" y="0"/>
+          <a:chExt cx="0" cy="0"/>
+        </a:xfrm>
+      </p:grpSpPr>
+      <p:sp>
+        <p:nvSpPr>
+          <p:cNvPr id="2" name="Título 1">
+            <a:extLst>
+              <a:ext uri="{FF2B5EF4-FFF2-40B4-BE49-F238E27FC236}">
+                <a16:creationId xmlns:a16="http://schemas.microsoft.com/office/drawing/2014/main" id="{2045F919-FC56-499A-A924-E42BBB1DE487}"/>
+              </a:ext>
+            </a:extLst>
+          </p:cNvPr>
+          <p:cNvSpPr>
+            <a:spLocks noGrp="1"/>
+          </p:cNvSpPr>
+          <p:nvPr>
+            <p:ph type="title"/>
+          </p:nvPr>
+        </p:nvSpPr>
+        <p:spPr>
+          <a:xfrm>
+            <a:off x="2231136" y="167951"/>
+            <a:ext cx="7729728" cy="854778"/>
+          </a:xfrm>
+        </p:spPr>
+        <p:txBody>
+          <a:bodyPr/>
+          <a:lstStyle/>
+          <a:p>
+            <a:r>
+              <a:rPr lang="pt-BR" dirty="0"/>
+              <a:t>Resultados – gráfico2</a:t>
+            </a:r>
+          </a:p>
+        </p:txBody>
+      </p:sp>
+      <p:pic>
+        <p:nvPicPr>
+          <p:cNvPr id="6" name="Espaço Reservado para Conteúdo 5" descr="Gráfico, Gráfico de barras&#10;&#10;Descrição gerada automaticamente">
+            <a:extLst>
+              <a:ext uri="{FF2B5EF4-FFF2-40B4-BE49-F238E27FC236}">
+                <a16:creationId xmlns:a16="http://schemas.microsoft.com/office/drawing/2014/main" id="{7CB09530-870D-42AC-A4C6-1BC84C5D07D1}"/>
+              </a:ext>
+            </a:extLst>
+          </p:cNvPr>
+          <p:cNvPicPr>
+            <a:picLocks noGrp="1" noChangeAspect="1"/>
+          </p:cNvPicPr>
+          <p:nvPr>
+            <p:ph idx="1"/>
+          </p:nvPr>
+        </p:nvPicPr>
+        <p:blipFill>
+          <a:blip r:embed="rId2"/>
+          <a:stretch>
+            <a:fillRect/>
+          </a:stretch>
+        </p:blipFill>
+        <p:spPr>
+          <a:xfrm>
+            <a:off x="304800" y="1156996"/>
+            <a:ext cx="11582400" cy="5533053"/>
+          </a:xfrm>
+          <a:prstGeom prst="rect">
+            <a:avLst/>
+          </a:prstGeom>
+        </p:spPr>
+      </p:pic>
+    </p:spTree>
+    <p:extLst>
+      <p:ext uri="{BB962C8B-B14F-4D97-AF65-F5344CB8AC3E}">
+        <p14:creationId xmlns:p14="http://schemas.microsoft.com/office/powerpoint/2010/main" val="1467961567"/>
+      </p:ext>
+    </p:extLst>
+  </p:cSld>
+  <p:clrMapOvr>
+    <a:masterClrMapping/>
+  </p:clrMapOvr>
+</p:sld>
+</file>
+
+<file path=ppt/slides/slide21.xml><?xml version="1.0" encoding="utf-8"?>
+<p:sld xmlns:a="http://schemas.openxmlformats.org/drawingml/2006/main" xmlns:r="http://schemas.openxmlformats.org/officeDocument/2006/relationships" xmlns:p="http://schemas.openxmlformats.org/presentationml/2006/main">
+  <p:cSld>
+    <p:spTree>
+      <p:nvGrpSpPr>
+        <p:cNvPr id="1" name=""/>
+        <p:cNvGrpSpPr/>
+        <p:nvPr/>
+      </p:nvGrpSpPr>
+      <p:grpSpPr>
+        <a:xfrm>
+          <a:off x="0" y="0"/>
+          <a:ext cx="0" cy="0"/>
+          <a:chOff x="0" y="0"/>
+          <a:chExt cx="0" cy="0"/>
+        </a:xfrm>
+      </p:grpSpPr>
+      <p:sp>
+        <p:nvSpPr>
+          <p:cNvPr id="2" name="Título 1">
+            <a:extLst>
+              <a:ext uri="{FF2B5EF4-FFF2-40B4-BE49-F238E27FC236}">
+                <a16:creationId xmlns:a16="http://schemas.microsoft.com/office/drawing/2014/main" id="{2045F919-FC56-499A-A924-E42BBB1DE487}"/>
+              </a:ext>
+            </a:extLst>
+          </p:cNvPr>
+          <p:cNvSpPr>
+            <a:spLocks noGrp="1"/>
+          </p:cNvSpPr>
+          <p:nvPr>
+            <p:ph type="title"/>
+          </p:nvPr>
+        </p:nvSpPr>
+        <p:spPr>
+          <a:xfrm>
+            <a:off x="2231136" y="167951"/>
+            <a:ext cx="7729728" cy="854778"/>
+          </a:xfrm>
+        </p:spPr>
+        <p:txBody>
+          <a:bodyPr/>
+          <a:lstStyle/>
+          <a:p>
+            <a:r>
+              <a:rPr lang="pt-BR" dirty="0"/>
+              <a:t>Resultados – gráfico3</a:t>
+            </a:r>
+          </a:p>
+        </p:txBody>
+      </p:sp>
+      <p:pic>
+        <p:nvPicPr>
+          <p:cNvPr id="8" name="Espaço Reservado para Conteúdo 7" descr="Gráfico, Gráfico de linhas&#10;&#10;Descrição gerada automaticamente">
+            <a:extLst>
+              <a:ext uri="{FF2B5EF4-FFF2-40B4-BE49-F238E27FC236}">
+                <a16:creationId xmlns:a16="http://schemas.microsoft.com/office/drawing/2014/main" id="{0CC923A4-C2BB-4BF2-B40C-779AE7F8F47E}"/>
+              </a:ext>
+            </a:extLst>
+          </p:cNvPr>
+          <p:cNvPicPr>
+            <a:picLocks noGrp="1" noChangeAspect="1"/>
+          </p:cNvPicPr>
+          <p:nvPr>
+            <p:ph idx="1"/>
+          </p:nvPr>
+        </p:nvPicPr>
+        <p:blipFill>
+          <a:blip r:embed="rId2"/>
+          <a:stretch>
+            <a:fillRect/>
+          </a:stretch>
+        </p:blipFill>
+        <p:spPr>
+          <a:xfrm>
+            <a:off x="351453" y="1184920"/>
+            <a:ext cx="11489094" cy="5505129"/>
+          </a:xfrm>
+          <a:prstGeom prst="rect">
+            <a:avLst/>
+          </a:prstGeom>
+        </p:spPr>
+      </p:pic>
+    </p:spTree>
+    <p:extLst>
+      <p:ext uri="{BB962C8B-B14F-4D97-AF65-F5344CB8AC3E}">
+        <p14:creationId xmlns:p14="http://schemas.microsoft.com/office/powerpoint/2010/main" val="3814573970"/>
+      </p:ext>
+    </p:extLst>
+  </p:cSld>
+  <p:clrMapOvr>
+    <a:masterClrMapping/>
+  </p:clrMapOvr>
+</p:sld>
+</file>
+
+<file path=ppt/slides/slide22.xml><?xml version="1.0" encoding="utf-8"?>
+<p:sld xmlns:a="http://schemas.openxmlformats.org/drawingml/2006/main" xmlns:r="http://schemas.openxmlformats.org/officeDocument/2006/relationships" xmlns:p="http://schemas.openxmlformats.org/presentationml/2006/main">
+  <p:cSld>
+    <p:spTree>
+      <p:nvGrpSpPr>
+        <p:cNvPr id="1" name=""/>
+        <p:cNvGrpSpPr/>
+        <p:nvPr/>
+      </p:nvGrpSpPr>
+      <p:grpSpPr>
+        <a:xfrm>
+          <a:off x="0" y="0"/>
+          <a:ext cx="0" cy="0"/>
+          <a:chOff x="0" y="0"/>
+          <a:chExt cx="0" cy="0"/>
+        </a:xfrm>
+      </p:grpSpPr>
+      <p:sp>
+        <p:nvSpPr>
+          <p:cNvPr id="2" name="Título 1">
+            <a:extLst>
+              <a:ext uri="{FF2B5EF4-FFF2-40B4-BE49-F238E27FC236}">
+                <a16:creationId xmlns:a16="http://schemas.microsoft.com/office/drawing/2014/main" id="{2045F919-FC56-499A-A924-E42BBB1DE487}"/>
+              </a:ext>
+            </a:extLst>
+          </p:cNvPr>
+          <p:cNvSpPr>
+            <a:spLocks noGrp="1"/>
+          </p:cNvSpPr>
+          <p:nvPr>
+            <p:ph type="title"/>
+          </p:nvPr>
+        </p:nvSpPr>
+        <p:spPr>
+          <a:xfrm>
+            <a:off x="2231136" y="167951"/>
+            <a:ext cx="7729728" cy="854778"/>
+          </a:xfrm>
+        </p:spPr>
+        <p:txBody>
+          <a:bodyPr/>
+          <a:lstStyle/>
+          <a:p>
+            <a:r>
+              <a:rPr lang="pt-BR" dirty="0"/>
+              <a:t>Resultados – gráfico4</a:t>
+            </a:r>
+          </a:p>
+        </p:txBody>
+      </p:sp>
+      <p:pic>
+        <p:nvPicPr>
+          <p:cNvPr id="6" name="Espaço Reservado para Conteúdo 5" descr="Tela de celular com publicação numa rede social&#10;&#10;Descrição gerada automaticamente com confiança baixa">
+            <a:extLst>
+              <a:ext uri="{FF2B5EF4-FFF2-40B4-BE49-F238E27FC236}">
+                <a16:creationId xmlns:a16="http://schemas.microsoft.com/office/drawing/2014/main" id="{A7425074-5A8B-49CC-944A-439D3ADAE5DC}"/>
+              </a:ext>
+            </a:extLst>
+          </p:cNvPr>
+          <p:cNvPicPr>
+            <a:picLocks noGrp="1" noChangeAspect="1"/>
+          </p:cNvPicPr>
+          <p:nvPr>
+            <p:ph idx="1"/>
+          </p:nvPr>
+        </p:nvPicPr>
+        <p:blipFill>
+          <a:blip r:embed="rId2"/>
+          <a:stretch>
+            <a:fillRect/>
+          </a:stretch>
+        </p:blipFill>
+        <p:spPr>
+          <a:xfrm>
+            <a:off x="192832" y="1194319"/>
+            <a:ext cx="11806336" cy="5495730"/>
+          </a:xfrm>
+          <a:prstGeom prst="rect">
+            <a:avLst/>
+          </a:prstGeom>
+        </p:spPr>
+      </p:pic>
+    </p:spTree>
+    <p:extLst>
+      <p:ext uri="{BB962C8B-B14F-4D97-AF65-F5344CB8AC3E}">
+        <p14:creationId xmlns:p14="http://schemas.microsoft.com/office/powerpoint/2010/main" val="72538576"/>
+      </p:ext>
+    </p:extLst>
+  </p:cSld>
+  <p:clrMapOvr>
+    <a:masterClrMapping/>
+  </p:clrMapOvr>
+</p:sld>
+</file>
+
+<file path=ppt/slides/slide23.xml><?xml version="1.0" encoding="utf-8"?>
+<p:sld xmlns:a="http://schemas.openxmlformats.org/drawingml/2006/main" xmlns:r="http://schemas.openxmlformats.org/officeDocument/2006/relationships" xmlns:p="http://schemas.openxmlformats.org/presentationml/2006/main">
+  <p:cSld>
+    <p:spTree>
+      <p:nvGrpSpPr>
+        <p:cNvPr id="1" name=""/>
+        <p:cNvGrpSpPr/>
+        <p:nvPr/>
+      </p:nvGrpSpPr>
+      <p:grpSpPr>
+        <a:xfrm>
+          <a:off x="0" y="0"/>
+          <a:ext cx="0" cy="0"/>
+          <a:chOff x="0" y="0"/>
+          <a:chExt cx="0" cy="0"/>
+        </a:xfrm>
+      </p:grpSpPr>
+      <p:sp>
+        <p:nvSpPr>
+          <p:cNvPr id="2" name="Título 1">
+            <a:extLst>
+              <a:ext uri="{FF2B5EF4-FFF2-40B4-BE49-F238E27FC236}">
+                <a16:creationId xmlns:a16="http://schemas.microsoft.com/office/drawing/2014/main" id="{2045F919-FC56-499A-A924-E42BBB1DE487}"/>
+              </a:ext>
+            </a:extLst>
+          </p:cNvPr>
+          <p:cNvSpPr>
+            <a:spLocks noGrp="1"/>
+          </p:cNvSpPr>
+          <p:nvPr>
+            <p:ph type="title"/>
+          </p:nvPr>
+        </p:nvSpPr>
+        <p:spPr>
+          <a:xfrm>
+            <a:off x="2231136" y="167951"/>
+            <a:ext cx="7729728" cy="854778"/>
+          </a:xfrm>
+        </p:spPr>
+        <p:txBody>
+          <a:bodyPr/>
+          <a:lstStyle/>
+          <a:p>
+            <a:r>
+              <a:rPr lang="pt-BR" dirty="0"/>
+              <a:t>Resultados – gráfico5</a:t>
+            </a:r>
+          </a:p>
+        </p:txBody>
+      </p:sp>
+      <p:pic>
+        <p:nvPicPr>
+          <p:cNvPr id="7" name="Espaço Reservado para Conteúdo 6" descr="Gráfico, Gráfico de barras&#10;&#10;Descrição gerada automaticamente">
+            <a:extLst>
+              <a:ext uri="{FF2B5EF4-FFF2-40B4-BE49-F238E27FC236}">
+                <a16:creationId xmlns:a16="http://schemas.microsoft.com/office/drawing/2014/main" id="{CB882406-B77D-4392-A5A9-64E9D65D71E6}"/>
+              </a:ext>
+            </a:extLst>
+          </p:cNvPr>
+          <p:cNvPicPr>
+            <a:picLocks noGrp="1" noChangeAspect="1"/>
+          </p:cNvPicPr>
+          <p:nvPr>
+            <p:ph idx="1"/>
+          </p:nvPr>
+        </p:nvPicPr>
+        <p:blipFill>
+          <a:blip r:embed="rId2"/>
+          <a:stretch>
+            <a:fillRect/>
+          </a:stretch>
+        </p:blipFill>
+        <p:spPr>
+          <a:xfrm>
+            <a:off x="231710" y="1184988"/>
+            <a:ext cx="11728579" cy="5505061"/>
+          </a:xfrm>
+          <a:prstGeom prst="rect">
+            <a:avLst/>
+          </a:prstGeom>
+        </p:spPr>
+      </p:pic>
+    </p:spTree>
+    <p:extLst>
+      <p:ext uri="{BB962C8B-B14F-4D97-AF65-F5344CB8AC3E}">
+        <p14:creationId xmlns:p14="http://schemas.microsoft.com/office/powerpoint/2010/main" val="2302076548"/>
+      </p:ext>
+    </p:extLst>
+  </p:cSld>
+  <p:clrMapOvr>
+    <a:masterClrMapping/>
+  </p:clrMapOvr>
+</p:sld>
+</file>
+
+<file path=ppt/slides/slide24.xml><?xml version="1.0" encoding="utf-8"?>
+<p:sld xmlns:a="http://schemas.openxmlformats.org/drawingml/2006/main" xmlns:r="http://schemas.openxmlformats.org/officeDocument/2006/relationships" xmlns:p="http://schemas.openxmlformats.org/presentationml/2006/main">
+  <p:cSld>
+    <p:bg>
+      <p:bgPr>
+        <a:solidFill>
+          <a:schemeClr val="bg1">
+            <a:lumMod val="95000"/>
+          </a:schemeClr>
+        </a:solidFill>
+        <a:effectLst/>
+      </p:bgPr>
+    </p:bg>
+    <p:spTree>
+      <p:nvGrpSpPr>
+        <p:cNvPr id="1" name=""/>
+        <p:cNvGrpSpPr/>
+        <p:nvPr/>
+      </p:nvGrpSpPr>
+      <p:grpSpPr>
+        <a:xfrm>
+          <a:off x="0" y="0"/>
+          <a:ext cx="0" cy="0"/>
+          <a:chOff x="0" y="0"/>
+          <a:chExt cx="0" cy="0"/>
+        </a:xfrm>
+      </p:grpSpPr>
+      <p:sp>
+        <p:nvSpPr>
+          <p:cNvPr id="2" name="Título 1">
+            <a:extLst>
+              <a:ext uri="{FF2B5EF4-FFF2-40B4-BE49-F238E27FC236}">
+                <a16:creationId xmlns:a16="http://schemas.microsoft.com/office/drawing/2014/main" id="{2045F919-FC56-499A-A924-E42BBB1DE487}"/>
+              </a:ext>
+            </a:extLst>
+          </p:cNvPr>
+          <p:cNvSpPr>
+            <a:spLocks noGrp="1"/>
+          </p:cNvSpPr>
+          <p:nvPr>
+            <p:ph type="title"/>
+          </p:nvPr>
+        </p:nvSpPr>
+        <p:spPr>
+          <a:xfrm>
+            <a:off x="2231136" y="167951"/>
+            <a:ext cx="7729728" cy="854778"/>
+          </a:xfrm>
+        </p:spPr>
+        <p:txBody>
+          <a:bodyPr/>
+          <a:lstStyle/>
+          <a:p>
+            <a:r>
+              <a:rPr lang="pt-BR" dirty="0"/>
+              <a:t>Resultados – gráfico6</a:t>
+            </a:r>
+          </a:p>
+        </p:txBody>
+      </p:sp>
+      <p:pic>
+        <p:nvPicPr>
+          <p:cNvPr id="6" name="Espaço Reservado para Conteúdo 5" descr="Gráfico, Gráfico de barras&#10;&#10;Descrição gerada automaticamente">
+            <a:extLst>
+              <a:ext uri="{FF2B5EF4-FFF2-40B4-BE49-F238E27FC236}">
+                <a16:creationId xmlns:a16="http://schemas.microsoft.com/office/drawing/2014/main" id="{E1E036F3-F6DF-4DA7-9E49-93F4AFD8D6F5}"/>
+              </a:ext>
+            </a:extLst>
+          </p:cNvPr>
+          <p:cNvPicPr>
+            <a:picLocks noGrp="1" noChangeAspect="1"/>
+          </p:cNvPicPr>
+          <p:nvPr>
+            <p:ph idx="1"/>
+          </p:nvPr>
+        </p:nvPicPr>
+        <p:blipFill>
+          <a:blip r:embed="rId3"/>
+          <a:stretch>
+            <a:fillRect/>
+          </a:stretch>
+        </p:blipFill>
+        <p:spPr>
+          <a:xfrm>
+            <a:off x="185057" y="1147665"/>
+            <a:ext cx="11811871" cy="5542384"/>
+          </a:xfrm>
+          <a:prstGeom prst="rect">
+            <a:avLst/>
+          </a:prstGeom>
+        </p:spPr>
+      </p:pic>
+    </p:spTree>
+    <p:extLst>
+      <p:ext uri="{BB962C8B-B14F-4D97-AF65-F5344CB8AC3E}">
+        <p14:creationId xmlns:p14="http://schemas.microsoft.com/office/powerpoint/2010/main" val="4255646543"/>
+      </p:ext>
+    </p:extLst>
+  </p:cSld>
+  <p:clrMapOvr>
+    <a:overrideClrMapping bg1="lt1" tx1="dk1" bg2="lt2" tx2="dk2" accent1="accent1" accent2="accent2" accent3="accent3" accent4="accent4" accent5="accent5" accent6="accent6" hlink="hlink" folHlink="folHlink"/>
+  </p:clrMapOvr>
+</p:sld>
+</file>
+
+<file path=ppt/slides/slide25.xml><?xml version="1.0" encoding="utf-8"?>
+<p:sld xmlns:a="http://schemas.openxmlformats.org/drawingml/2006/main" xmlns:r="http://schemas.openxmlformats.org/officeDocument/2006/relationships" xmlns:p="http://schemas.openxmlformats.org/presentationml/2006/main">
+  <p:cSld>
+    <p:spTree>
+      <p:nvGrpSpPr>
+        <p:cNvPr id="1" name=""/>
+        <p:cNvGrpSpPr/>
+        <p:nvPr/>
+      </p:nvGrpSpPr>
+      <p:grpSpPr>
+        <a:xfrm>
+          <a:off x="0" y="0"/>
+          <a:ext cx="0" cy="0"/>
+          <a:chOff x="0" y="0"/>
+          <a:chExt cx="0" cy="0"/>
+        </a:xfrm>
+      </p:grpSpPr>
+      <p:sp>
+        <p:nvSpPr>
+          <p:cNvPr id="2" name="Título 1">
+            <a:extLst>
+              <a:ext uri="{FF2B5EF4-FFF2-40B4-BE49-F238E27FC236}">
+                <a16:creationId xmlns:a16="http://schemas.microsoft.com/office/drawing/2014/main" id="{2045F919-FC56-499A-A924-E42BBB1DE487}"/>
+              </a:ext>
+            </a:extLst>
+          </p:cNvPr>
+          <p:cNvSpPr>
+            <a:spLocks noGrp="1"/>
+          </p:cNvSpPr>
+          <p:nvPr>
+            <p:ph type="title"/>
+          </p:nvPr>
+        </p:nvSpPr>
+        <p:spPr>
+          <a:xfrm>
+            <a:off x="2231136" y="167951"/>
+            <a:ext cx="7729728" cy="854778"/>
+          </a:xfrm>
+        </p:spPr>
+        <p:txBody>
+          <a:bodyPr/>
+          <a:lstStyle/>
+          <a:p>
+            <a:r>
+              <a:rPr lang="pt-BR" dirty="0"/>
+              <a:t>Resultados – gráfico7</a:t>
+            </a:r>
+          </a:p>
+        </p:txBody>
+      </p:sp>
+      <p:pic>
+        <p:nvPicPr>
+          <p:cNvPr id="7" name="Espaço Reservado para Conteúdo 6" descr="Gráfico, Gráfico de barras&#10;&#10;Descrição gerada automaticamente">
+            <a:extLst>
+              <a:ext uri="{FF2B5EF4-FFF2-40B4-BE49-F238E27FC236}">
+                <a16:creationId xmlns:a16="http://schemas.microsoft.com/office/drawing/2014/main" id="{391AACB2-54FF-458A-8277-765B06090254}"/>
+              </a:ext>
+            </a:extLst>
+          </p:cNvPr>
+          <p:cNvPicPr>
+            <a:picLocks noGrp="1" noChangeAspect="1"/>
+          </p:cNvPicPr>
+          <p:nvPr>
+            <p:ph idx="1"/>
+          </p:nvPr>
+        </p:nvPicPr>
+        <p:blipFill>
+          <a:blip r:embed="rId2"/>
+          <a:stretch>
+            <a:fillRect/>
+          </a:stretch>
+        </p:blipFill>
+        <p:spPr>
+          <a:xfrm>
+            <a:off x="225491" y="1166327"/>
+            <a:ext cx="11698286" cy="5523722"/>
+          </a:xfrm>
+          <a:prstGeom prst="rect">
+            <a:avLst/>
+          </a:prstGeom>
+        </p:spPr>
+      </p:pic>
+    </p:spTree>
+    <p:extLst>
+      <p:ext uri="{BB962C8B-B14F-4D97-AF65-F5344CB8AC3E}">
+        <p14:creationId xmlns:p14="http://schemas.microsoft.com/office/powerpoint/2010/main" val="446641982"/>
+      </p:ext>
+    </p:extLst>
+  </p:cSld>
+  <p:clrMapOvr>
+    <a:masterClrMapping/>
+  </p:clrMapOvr>
+</p:sld>
+</file>
+
+<file path=ppt/slides/slide26.xml><?xml version="1.0" encoding="utf-8"?>
+<p:sld xmlns:a="http://schemas.openxmlformats.org/drawingml/2006/main" xmlns:r="http://schemas.openxmlformats.org/officeDocument/2006/relationships" xmlns:p="http://schemas.openxmlformats.org/presentationml/2006/main">
+  <p:cSld>
+    <p:spTree>
+      <p:nvGrpSpPr>
+        <p:cNvPr id="1" name=""/>
+        <p:cNvGrpSpPr/>
+        <p:nvPr/>
+      </p:nvGrpSpPr>
+      <p:grpSpPr>
+        <a:xfrm>
+          <a:off x="0" y="0"/>
+          <a:ext cx="0" cy="0"/>
+          <a:chOff x="0" y="0"/>
+          <a:chExt cx="0" cy="0"/>
+        </a:xfrm>
+      </p:grpSpPr>
+      <p:sp>
+        <p:nvSpPr>
+          <p:cNvPr id="2" name="Título 1">
+            <a:extLst>
+              <a:ext uri="{FF2B5EF4-FFF2-40B4-BE49-F238E27FC236}">
+                <a16:creationId xmlns:a16="http://schemas.microsoft.com/office/drawing/2014/main" id="{2045F919-FC56-499A-A924-E42BBB1DE487}"/>
+              </a:ext>
+            </a:extLst>
+          </p:cNvPr>
+          <p:cNvSpPr>
+            <a:spLocks noGrp="1"/>
+          </p:cNvSpPr>
+          <p:nvPr>
+            <p:ph type="title"/>
+          </p:nvPr>
+        </p:nvSpPr>
+        <p:spPr>
+          <a:xfrm>
+            <a:off x="2231136" y="167951"/>
+            <a:ext cx="7729728" cy="854778"/>
+          </a:xfrm>
+        </p:spPr>
+        <p:txBody>
+          <a:bodyPr/>
+          <a:lstStyle/>
+          <a:p>
+            <a:r>
+              <a:rPr lang="pt-BR" dirty="0"/>
+              <a:t>Resultados – gráfico8</a:t>
+            </a:r>
+          </a:p>
+        </p:txBody>
+      </p:sp>
+      <p:pic>
+        <p:nvPicPr>
+          <p:cNvPr id="6" name="Espaço Reservado para Conteúdo 5" descr="Gráfico, Gráfico de barras&#10;&#10;Descrição gerada automaticamente">
+            <a:extLst>
+              <a:ext uri="{FF2B5EF4-FFF2-40B4-BE49-F238E27FC236}">
+                <a16:creationId xmlns:a16="http://schemas.microsoft.com/office/drawing/2014/main" id="{9E4361F0-638C-4589-A706-FC1E5D42328A}"/>
+              </a:ext>
+            </a:extLst>
+          </p:cNvPr>
+          <p:cNvPicPr>
+            <a:picLocks noGrp="1" noChangeAspect="1"/>
+          </p:cNvPicPr>
+          <p:nvPr>
+            <p:ph idx="1"/>
+          </p:nvPr>
+        </p:nvPicPr>
+        <p:blipFill>
+          <a:blip r:embed="rId2"/>
+          <a:stretch>
+            <a:fillRect/>
+          </a:stretch>
+        </p:blipFill>
+        <p:spPr>
+          <a:xfrm>
+            <a:off x="220823" y="1194318"/>
+            <a:ext cx="11750354" cy="5495731"/>
+          </a:xfrm>
+          <a:prstGeom prst="rect">
+            <a:avLst/>
+          </a:prstGeom>
+        </p:spPr>
+      </p:pic>
+    </p:spTree>
+    <p:extLst>
+      <p:ext uri="{BB962C8B-B14F-4D97-AF65-F5344CB8AC3E}">
+        <p14:creationId xmlns:p14="http://schemas.microsoft.com/office/powerpoint/2010/main" val="2809829007"/>
+      </p:ext>
+    </p:extLst>
+  </p:cSld>
+  <p:clrMapOvr>
+    <a:masterClrMapping/>
+  </p:clrMapOvr>
+</p:sld>
+</file>
+
+<file path=ppt/slides/slide27.xml><?xml version="1.0" encoding="utf-8"?>
+<p:sld xmlns:a="http://schemas.openxmlformats.org/drawingml/2006/main" xmlns:r="http://schemas.openxmlformats.org/officeDocument/2006/relationships" xmlns:p="http://schemas.openxmlformats.org/presentationml/2006/main">
+  <p:cSld>
+    <p:spTree>
+      <p:nvGrpSpPr>
+        <p:cNvPr id="1" name=""/>
+        <p:cNvGrpSpPr/>
+        <p:nvPr/>
+      </p:nvGrpSpPr>
+      <p:grpSpPr>
+        <a:xfrm>
+          <a:off x="0" y="0"/>
+          <a:ext cx="0" cy="0"/>
+          <a:chOff x="0" y="0"/>
+          <a:chExt cx="0" cy="0"/>
+        </a:xfrm>
+      </p:grpSpPr>
+      <p:sp>
+        <p:nvSpPr>
+          <p:cNvPr id="2" name="Título 1">
+            <a:extLst>
+              <a:ext uri="{FF2B5EF4-FFF2-40B4-BE49-F238E27FC236}">
+                <a16:creationId xmlns:a16="http://schemas.microsoft.com/office/drawing/2014/main" id="{2045F919-FC56-499A-A924-E42BBB1DE487}"/>
+              </a:ext>
+            </a:extLst>
+          </p:cNvPr>
+          <p:cNvSpPr>
+            <a:spLocks noGrp="1"/>
+          </p:cNvSpPr>
+          <p:nvPr>
+            <p:ph type="title"/>
+          </p:nvPr>
+        </p:nvSpPr>
+        <p:spPr>
+          <a:xfrm>
+            <a:off x="2231136" y="167951"/>
+            <a:ext cx="7729728" cy="854778"/>
+          </a:xfrm>
+        </p:spPr>
+        <p:txBody>
+          <a:bodyPr/>
+          <a:lstStyle/>
+          <a:p>
+            <a:r>
+              <a:rPr lang="pt-BR" dirty="0"/>
+              <a:t>Resultados – gráfico9</a:t>
+            </a:r>
+          </a:p>
+        </p:txBody>
+      </p:sp>
+      <p:pic>
+        <p:nvPicPr>
+          <p:cNvPr id="7" name="Espaço Reservado para Conteúdo 6" descr="Gráfico, Gráfico de barras&#10;&#10;Descrição gerada automaticamente">
+            <a:extLst>
+              <a:ext uri="{FF2B5EF4-FFF2-40B4-BE49-F238E27FC236}">
+                <a16:creationId xmlns:a16="http://schemas.microsoft.com/office/drawing/2014/main" id="{F339B860-B688-4A18-BFFE-C19D01ACEB3D}"/>
+              </a:ext>
+            </a:extLst>
+          </p:cNvPr>
+          <p:cNvPicPr>
+            <a:picLocks noGrp="1" noChangeAspect="1"/>
+          </p:cNvPicPr>
+          <p:nvPr>
+            <p:ph idx="1"/>
+          </p:nvPr>
+        </p:nvPicPr>
+        <p:blipFill>
+          <a:blip r:embed="rId2"/>
+          <a:stretch>
+            <a:fillRect/>
+          </a:stretch>
+        </p:blipFill>
+        <p:spPr>
+          <a:xfrm>
+            <a:off x="227044" y="1231639"/>
+            <a:ext cx="11772123" cy="5458410"/>
+          </a:xfrm>
+          <a:prstGeom prst="rect">
+            <a:avLst/>
+          </a:prstGeom>
+        </p:spPr>
+      </p:pic>
+    </p:spTree>
+    <p:extLst>
+      <p:ext uri="{BB962C8B-B14F-4D97-AF65-F5344CB8AC3E}">
+        <p14:creationId xmlns:p14="http://schemas.microsoft.com/office/powerpoint/2010/main" val="3253452085"/>
+      </p:ext>
+    </p:extLst>
+  </p:cSld>
+  <p:clrMapOvr>
+    <a:masterClrMapping/>
+  </p:clrMapOvr>
+</p:sld>
+</file>
+
+<file path=ppt/slides/slide28.xml><?xml version="1.0" encoding="utf-8"?>
+<p:sld xmlns:a="http://schemas.openxmlformats.org/drawingml/2006/main" xmlns:r="http://schemas.openxmlformats.org/officeDocument/2006/relationships" xmlns:p="http://schemas.openxmlformats.org/presentationml/2006/main">
+  <p:cSld>
+    <p:spTree>
+      <p:nvGrpSpPr>
+        <p:cNvPr id="1" name=""/>
+        <p:cNvGrpSpPr/>
+        <p:nvPr/>
+      </p:nvGrpSpPr>
+      <p:grpSpPr>
+        <a:xfrm>
+          <a:off x="0" y="0"/>
+          <a:ext cx="0" cy="0"/>
+          <a:chOff x="0" y="0"/>
+          <a:chExt cx="0" cy="0"/>
+        </a:xfrm>
+      </p:grpSpPr>
+      <p:sp>
+        <p:nvSpPr>
+          <p:cNvPr id="2" name="Título 1">
+            <a:extLst>
+              <a:ext uri="{FF2B5EF4-FFF2-40B4-BE49-F238E27FC236}">
+                <a16:creationId xmlns:a16="http://schemas.microsoft.com/office/drawing/2014/main" id="{2045F919-FC56-499A-A924-E42BBB1DE487}"/>
+              </a:ext>
+            </a:extLst>
+          </p:cNvPr>
+          <p:cNvSpPr>
+            <a:spLocks noGrp="1"/>
+          </p:cNvSpPr>
+          <p:nvPr>
+            <p:ph type="title"/>
+          </p:nvPr>
+        </p:nvSpPr>
+        <p:spPr>
+          <a:xfrm>
+            <a:off x="2231136" y="167951"/>
+            <a:ext cx="7729728" cy="854778"/>
+          </a:xfrm>
+        </p:spPr>
+        <p:txBody>
+          <a:bodyPr/>
+          <a:lstStyle/>
+          <a:p>
+            <a:r>
+              <a:rPr lang="pt-BR" dirty="0"/>
+              <a:t>Resultados – gráfico10</a:t>
+            </a:r>
+          </a:p>
+        </p:txBody>
+      </p:sp>
+      <p:pic>
+        <p:nvPicPr>
+          <p:cNvPr id="6" name="Espaço Reservado para Conteúdo 5" descr="Gráfico, Gráfico de barras&#10;&#10;Descrição gerada automaticamente">
+            <a:extLst>
+              <a:ext uri="{FF2B5EF4-FFF2-40B4-BE49-F238E27FC236}">
+                <a16:creationId xmlns:a16="http://schemas.microsoft.com/office/drawing/2014/main" id="{4AA64CBF-B9F1-4BF6-AEFC-37EE6A9C9D98}"/>
+              </a:ext>
+            </a:extLst>
+          </p:cNvPr>
+          <p:cNvPicPr>
+            <a:picLocks noGrp="1" noChangeAspect="1"/>
+          </p:cNvPicPr>
+          <p:nvPr>
+            <p:ph idx="1"/>
+          </p:nvPr>
+        </p:nvPicPr>
+        <p:blipFill>
+          <a:blip r:embed="rId2"/>
+          <a:stretch>
+            <a:fillRect/>
+          </a:stretch>
+        </p:blipFill>
+        <p:spPr>
+          <a:xfrm>
+            <a:off x="164840" y="1203585"/>
+            <a:ext cx="11862320" cy="5486464"/>
+          </a:xfrm>
+          <a:prstGeom prst="rect">
+            <a:avLst/>
+          </a:prstGeom>
+        </p:spPr>
+      </p:pic>
+    </p:spTree>
+    <p:extLst>
+      <p:ext uri="{BB962C8B-B14F-4D97-AF65-F5344CB8AC3E}">
+        <p14:creationId xmlns:p14="http://schemas.microsoft.com/office/powerpoint/2010/main" val="2534982981"/>
+      </p:ext>
+    </p:extLst>
+  </p:cSld>
+  <p:clrMapOvr>
+    <a:masterClrMapping/>
+  </p:clrMapOvr>
+</p:sld>
+</file>
+
+<file path=ppt/slides/slide29.xml><?xml version="1.0" encoding="utf-8"?>
+<p:sld xmlns:a="http://schemas.openxmlformats.org/drawingml/2006/main" xmlns:r="http://schemas.openxmlformats.org/officeDocument/2006/relationships" xmlns:p="http://schemas.openxmlformats.org/presentationml/2006/main">
+  <p:cSld>
+    <p:spTree>
+      <p:nvGrpSpPr>
+        <p:cNvPr id="1" name=""/>
+        <p:cNvGrpSpPr/>
+        <p:nvPr/>
+      </p:nvGrpSpPr>
+      <p:grpSpPr>
+        <a:xfrm>
+          <a:off x="0" y="0"/>
+          <a:ext cx="0" cy="0"/>
+          <a:chOff x="0" y="0"/>
+          <a:chExt cx="0" cy="0"/>
+        </a:xfrm>
+      </p:grpSpPr>
+      <p:sp>
+        <p:nvSpPr>
+          <p:cNvPr id="2" name="Título 1">
+            <a:extLst>
+              <a:ext uri="{FF2B5EF4-FFF2-40B4-BE49-F238E27FC236}">
+                <a16:creationId xmlns:a16="http://schemas.microsoft.com/office/drawing/2014/main" id="{46A95C4D-FEDB-4D6F-9A85-8D656F0138B4}"/>
+              </a:ext>
+            </a:extLst>
+          </p:cNvPr>
+          <p:cNvSpPr>
+            <a:spLocks noGrp="1"/>
+          </p:cNvSpPr>
+          <p:nvPr>
+            <p:ph type="title"/>
+          </p:nvPr>
+        </p:nvSpPr>
+        <p:spPr/>
+        <p:txBody>
+          <a:bodyPr/>
+          <a:lstStyle/>
+          <a:p>
+            <a:r>
+              <a:rPr lang="pt-BR" dirty="0"/>
+              <a:t>Limitações</a:t>
+            </a:r>
+          </a:p>
+        </p:txBody>
+      </p:sp>
+      <p:sp>
+        <p:nvSpPr>
+          <p:cNvPr id="3" name="Espaço Reservado para Conteúdo 2">
+            <a:extLst>
+              <a:ext uri="{FF2B5EF4-FFF2-40B4-BE49-F238E27FC236}">
+                <a16:creationId xmlns:a16="http://schemas.microsoft.com/office/drawing/2014/main" id="{73190E5A-FB2B-41E3-8959-40D8E8B89DC5}"/>
+              </a:ext>
+            </a:extLst>
+          </p:cNvPr>
+          <p:cNvSpPr>
+            <a:spLocks noGrp="1"/>
+          </p:cNvSpPr>
+          <p:nvPr>
+            <p:ph idx="1"/>
+          </p:nvPr>
+        </p:nvSpPr>
+        <p:spPr/>
+        <p:txBody>
+          <a:bodyPr/>
+          <a:lstStyle/>
+          <a:p>
+            <a:r>
+              <a:rPr lang="pt-BR" dirty="0"/>
+              <a:t>Padronização dos dados.</a:t>
+            </a:r>
+          </a:p>
+          <a:p>
+            <a:r>
+              <a:rPr lang="pt-BR" dirty="0"/>
+              <a:t>Criação da infraestrutura.</a:t>
+            </a:r>
+          </a:p>
+          <a:p>
+            <a:r>
+              <a:rPr lang="pt-BR" dirty="0"/>
+              <a:t>Armazenamento dos dados.</a:t>
+            </a:r>
+          </a:p>
+          <a:p>
+            <a:r>
+              <a:rPr lang="pt-BR" dirty="0"/>
+              <a:t>Capacidade de processamento dos dados.</a:t>
+            </a:r>
+          </a:p>
+        </p:txBody>
+      </p:sp>
+    </p:spTree>
+    <p:extLst>
+      <p:ext uri="{BB962C8B-B14F-4D97-AF65-F5344CB8AC3E}">
+        <p14:creationId xmlns:p14="http://schemas.microsoft.com/office/powerpoint/2010/main" val="493301709"/>
       </p:ext>
     </p:extLst>
   </p:cSld>
@@ -5676,6 +7236,231 @@
 </p:sld>
 </file>
 
+<file path=ppt/slides/slide30.xml><?xml version="1.0" encoding="utf-8"?>
+<p:sld xmlns:a="http://schemas.openxmlformats.org/drawingml/2006/main" xmlns:r="http://schemas.openxmlformats.org/officeDocument/2006/relationships" xmlns:p="http://schemas.openxmlformats.org/presentationml/2006/main">
+  <p:cSld>
+    <p:spTree>
+      <p:nvGrpSpPr>
+        <p:cNvPr id="1" name=""/>
+        <p:cNvGrpSpPr/>
+        <p:nvPr/>
+      </p:nvGrpSpPr>
+      <p:grpSpPr>
+        <a:xfrm>
+          <a:off x="0" y="0"/>
+          <a:ext cx="0" cy="0"/>
+          <a:chOff x="0" y="0"/>
+          <a:chExt cx="0" cy="0"/>
+        </a:xfrm>
+      </p:grpSpPr>
+      <p:sp>
+        <p:nvSpPr>
+          <p:cNvPr id="2" name="Título 1">
+            <a:extLst>
+              <a:ext uri="{FF2B5EF4-FFF2-40B4-BE49-F238E27FC236}">
+                <a16:creationId xmlns:a16="http://schemas.microsoft.com/office/drawing/2014/main" id="{EE723563-498C-41C1-B3F0-3151A8E3C0D1}"/>
+              </a:ext>
+            </a:extLst>
+          </p:cNvPr>
+          <p:cNvSpPr>
+            <a:spLocks noGrp="1"/>
+          </p:cNvSpPr>
+          <p:nvPr>
+            <p:ph type="title"/>
+          </p:nvPr>
+        </p:nvSpPr>
+        <p:spPr/>
+        <p:txBody>
+          <a:bodyPr/>
+          <a:lstStyle/>
+          <a:p>
+            <a:r>
+              <a:rPr lang="pt-BR" dirty="0"/>
+              <a:t>Trabalhos futuros</a:t>
+            </a:r>
+          </a:p>
+        </p:txBody>
+      </p:sp>
+      <p:sp>
+        <p:nvSpPr>
+          <p:cNvPr id="3" name="Espaço Reservado para Conteúdo 2">
+            <a:extLst>
+              <a:ext uri="{FF2B5EF4-FFF2-40B4-BE49-F238E27FC236}">
+                <a16:creationId xmlns:a16="http://schemas.microsoft.com/office/drawing/2014/main" id="{8660081E-8ACB-4B7E-BA17-832681C4C0C9}"/>
+              </a:ext>
+            </a:extLst>
+          </p:cNvPr>
+          <p:cNvSpPr>
+            <a:spLocks noGrp="1"/>
+          </p:cNvSpPr>
+          <p:nvPr>
+            <p:ph idx="1"/>
+          </p:nvPr>
+        </p:nvSpPr>
+        <p:spPr/>
+        <p:txBody>
+          <a:bodyPr>
+            <a:normAutofit fontScale="85000" lnSpcReduction="20000"/>
+          </a:bodyPr>
+          <a:lstStyle/>
+          <a:p>
+            <a:pPr lvl="0">
+              <a:lnSpc>
+                <a:spcPct val="110000"/>
+              </a:lnSpc>
+            </a:pPr>
+            <a:r>
+              <a:rPr lang="pt-BR" dirty="0"/>
+              <a:t>Criar bancos de dados transacional para os anos após 2015 do ENEM e a população desses dados no banco de dados do DW.</a:t>
+            </a:r>
+          </a:p>
+          <a:p>
+            <a:pPr lvl="0">
+              <a:lnSpc>
+                <a:spcPct val="110000"/>
+              </a:lnSpc>
+            </a:pPr>
+            <a:r>
+              <a:rPr lang="pt-BR" dirty="0"/>
+              <a:t>Ampliar a visualização de dados e ampliar os relatórios baseados em novas perguntas que o DW responda.</a:t>
+            </a:r>
+          </a:p>
+          <a:p>
+            <a:pPr lvl="0">
+              <a:lnSpc>
+                <a:spcPct val="110000"/>
+              </a:lnSpc>
+            </a:pPr>
+            <a:r>
+              <a:rPr lang="pt-BR" dirty="0"/>
+              <a:t> Melhorar a capacidade da infraestrutura, principalmente, no armazenamento de dados. </a:t>
+            </a:r>
+          </a:p>
+          <a:p>
+            <a:pPr lvl="0">
+              <a:lnSpc>
+                <a:spcPct val="110000"/>
+              </a:lnSpc>
+            </a:pPr>
+            <a:r>
+              <a:rPr lang="pt-BR" dirty="0"/>
+              <a:t>Refatorar os códigos do ETL tanto do transacional quanto do DW. </a:t>
+            </a:r>
+          </a:p>
+          <a:p>
+            <a:pPr lvl="0">
+              <a:lnSpc>
+                <a:spcPct val="110000"/>
+              </a:lnSpc>
+            </a:pPr>
+            <a:r>
+              <a:rPr lang="pt-BR" dirty="0"/>
+              <a:t>Realizar estudo de heurísticas para melhorar o desempenho das consultas que já existem e geram os relatórios. </a:t>
+            </a:r>
+          </a:p>
+          <a:p>
+            <a:pPr lvl="0">
+              <a:lnSpc>
+                <a:spcPct val="110000"/>
+              </a:lnSpc>
+            </a:pPr>
+            <a:r>
+              <a:rPr lang="pt-BR" dirty="0"/>
+              <a:t>Usar a capacidade dos dados para realizar um estudo com foco em </a:t>
+            </a:r>
+            <a:r>
+              <a:rPr lang="pt-BR" dirty="0" err="1"/>
+              <a:t>Tuning</a:t>
+            </a:r>
+            <a:r>
+              <a:rPr lang="pt-BR" dirty="0"/>
+              <a:t> de banco de dados.</a:t>
+            </a:r>
+          </a:p>
+          <a:p>
+            <a:pPr lvl="0">
+              <a:lnSpc>
+                <a:spcPct val="110000"/>
+              </a:lnSpc>
+            </a:pPr>
+            <a:r>
+              <a:rPr lang="pt-BR" dirty="0"/>
+              <a:t>Adaptar o banco de dados atual de acordo com o LGPD.</a:t>
+            </a:r>
+          </a:p>
+        </p:txBody>
+      </p:sp>
+    </p:spTree>
+    <p:extLst>
+      <p:ext uri="{BB962C8B-B14F-4D97-AF65-F5344CB8AC3E}">
+        <p14:creationId xmlns:p14="http://schemas.microsoft.com/office/powerpoint/2010/main" val="580782446"/>
+      </p:ext>
+    </p:extLst>
+  </p:cSld>
+  <p:clrMapOvr>
+    <a:masterClrMapping/>
+  </p:clrMapOvr>
+</p:sld>
+</file>
+
+<file path=ppt/slides/slide31.xml><?xml version="1.0" encoding="utf-8"?>
+<p:sld xmlns:a="http://schemas.openxmlformats.org/drawingml/2006/main" xmlns:r="http://schemas.openxmlformats.org/officeDocument/2006/relationships" xmlns:p="http://schemas.openxmlformats.org/presentationml/2006/main">
+  <p:cSld>
+    <p:spTree>
+      <p:nvGrpSpPr>
+        <p:cNvPr id="1" name=""/>
+        <p:cNvGrpSpPr/>
+        <p:nvPr/>
+      </p:nvGrpSpPr>
+      <p:grpSpPr>
+        <a:xfrm>
+          <a:off x="0" y="0"/>
+          <a:ext cx="0" cy="0"/>
+          <a:chOff x="0" y="0"/>
+          <a:chExt cx="0" cy="0"/>
+        </a:xfrm>
+      </p:grpSpPr>
+      <p:sp>
+        <p:nvSpPr>
+          <p:cNvPr id="4" name="Título 3">
+            <a:extLst>
+              <a:ext uri="{FF2B5EF4-FFF2-40B4-BE49-F238E27FC236}">
+                <a16:creationId xmlns:a16="http://schemas.microsoft.com/office/drawing/2014/main" id="{6E1BA72A-980A-4BB4-8D44-217C7B3A4431}"/>
+              </a:ext>
+            </a:extLst>
+          </p:cNvPr>
+          <p:cNvSpPr>
+            <a:spLocks noGrp="1"/>
+          </p:cNvSpPr>
+          <p:nvPr>
+            <p:ph type="ctrTitle"/>
+          </p:nvPr>
+        </p:nvSpPr>
+        <p:spPr/>
+        <p:txBody>
+          <a:bodyPr/>
+          <a:lstStyle/>
+          <a:p>
+            <a:r>
+              <a:rPr lang="pt-BR" dirty="0"/>
+              <a:t>OBRIgado!!</a:t>
+            </a:r>
+          </a:p>
+        </p:txBody>
+      </p:sp>
+    </p:spTree>
+    <p:extLst>
+      <p:ext uri="{BB962C8B-B14F-4D97-AF65-F5344CB8AC3E}">
+        <p14:creationId xmlns:p14="http://schemas.microsoft.com/office/powerpoint/2010/main" val="2185586797"/>
+      </p:ext>
+    </p:extLst>
+  </p:cSld>
+  <p:clrMapOvr>
+    <a:masterClrMapping/>
+  </p:clrMapOvr>
+</p:sld>
+</file>
+
 <file path=ppt/slides/slide4.xml><?xml version="1.0" encoding="utf-8"?>
 <p:sld xmlns:a="http://schemas.openxmlformats.org/drawingml/2006/main" xmlns:r="http://schemas.openxmlformats.org/officeDocument/2006/relationships" xmlns:p="http://schemas.openxmlformats.org/presentationml/2006/main">
   <p:cSld>
@@ -5745,7 +7530,7 @@
             <a:pPr algn="just"/>
             <a:r>
               <a:rPr lang="pt-BR" dirty="0"/>
-              <a:t>Disponibilizar uma infraestrutura e os dados do ENEM para que possa tanto a infraestrutura quanto os dados serem estudados. </a:t>
+              <a:t>Disponibilizar tanto uma a infraestrutura quanto os dados para serem estudados. </a:t>
             </a:r>
           </a:p>
           <a:p>
@@ -5898,15 +7683,7 @@
             <a:pPr algn="just"/>
             <a:r>
               <a:rPr lang="pt-BR" dirty="0"/>
-              <a:t>As provas são divididas em: Ciência da Natureza, Ciência Humanas</a:t>
-            </a:r>
-            <a:r>
-              <a:rPr lang="pt-BR"/>
-              <a:t>, Matemática, Linguagens </a:t>
-            </a:r>
-            <a:r>
-              <a:rPr lang="pt-BR" dirty="0"/>
-              <a:t>e Códigos (com a Redação).</a:t>
+              <a:t>As provas são divididas em: Ciência da Natureza, Ciência Humanas, Matemática, Linguagens e Códigos (com a Redação).</a:t>
             </a:r>
           </a:p>
           <a:p>
@@ -5919,6 +7696,12 @@
             <a:r>
               <a:rPr lang="pt-BR" dirty="0"/>
               <a:t>As provas são dividas em cores como: amarela, azul, branca e rosa, porém as cores podem mudar de acordo com o ano.</a:t>
+            </a:r>
+          </a:p>
+          <a:p>
+            <a:r>
+              <a:rPr lang="pt-BR" dirty="0"/>
+              <a:t>Os inscritos preenchem um formulário sobre dados pessoais e socioeconômicos.</a:t>
             </a:r>
           </a:p>
         </p:txBody>
@@ -6946,4 +8729,47 @@
     </a:folHlink>
   </a:clrScheme>
 </a:themeOverride>
+</file>
+
+<file path=ppt/theme/themeOverride2.xml><?xml version="1.0" encoding="utf-8"?>
+<a:themeOverride xmlns:a="http://schemas.openxmlformats.org/drawingml/2006/main">
+  <a:clrScheme name="Pacote">
+    <a:dk1>
+      <a:srgbClr val="000000"/>
+    </a:dk1>
+    <a:lt1>
+      <a:srgbClr val="FFFFFF"/>
+    </a:lt1>
+    <a:dk2>
+      <a:srgbClr val="4A5356"/>
+    </a:dk2>
+    <a:lt2>
+      <a:srgbClr val="E8E3CE"/>
+    </a:lt2>
+    <a:accent1>
+      <a:srgbClr val="F6A21D"/>
+    </a:accent1>
+    <a:accent2>
+      <a:srgbClr val="9BAFB5"/>
+    </a:accent2>
+    <a:accent3>
+      <a:srgbClr val="C96731"/>
+    </a:accent3>
+    <a:accent4>
+      <a:srgbClr val="9CA383"/>
+    </a:accent4>
+    <a:accent5>
+      <a:srgbClr val="87795D"/>
+    </a:accent5>
+    <a:accent6>
+      <a:srgbClr val="A0988C"/>
+    </a:accent6>
+    <a:hlink>
+      <a:srgbClr val="00B0F0"/>
+    </a:hlink>
+    <a:folHlink>
+      <a:srgbClr val="738F97"/>
+    </a:folHlink>
+  </a:clrScheme>
+</a:themeOverride>
 </file>
--- a/Apresentação_Monografia.pptx
+++ b/Apresentação_Monografia.pptx
@@ -5,7 +5,7 @@
     <p:sldMasterId id="2147483660" r:id="rId1"/>
   </p:sldMasterIdLst>
   <p:notesMasterIdLst>
-    <p:notesMasterId r:id="rId33"/>
+    <p:notesMasterId r:id="rId29"/>
   </p:notesMasterIdLst>
   <p:sldIdLst>
     <p:sldId id="256" r:id="rId2"/>
@@ -13,32 +13,28 @@
     <p:sldId id="258" r:id="rId4"/>
     <p:sldId id="259" r:id="rId5"/>
     <p:sldId id="260" r:id="rId6"/>
-    <p:sldId id="272" r:id="rId7"/>
-    <p:sldId id="273" r:id="rId8"/>
-    <p:sldId id="274" r:id="rId9"/>
-    <p:sldId id="266" r:id="rId10"/>
-    <p:sldId id="265" r:id="rId11"/>
-    <p:sldId id="268" r:id="rId12"/>
-    <p:sldId id="269" r:id="rId13"/>
-    <p:sldId id="286" r:id="rId14"/>
-    <p:sldId id="285" r:id="rId15"/>
-    <p:sldId id="267" r:id="rId16"/>
-    <p:sldId id="270" r:id="rId17"/>
-    <p:sldId id="271" r:id="rId18"/>
-    <p:sldId id="264" r:id="rId19"/>
-    <p:sldId id="275" r:id="rId20"/>
-    <p:sldId id="276" r:id="rId21"/>
-    <p:sldId id="277" r:id="rId22"/>
-    <p:sldId id="278" r:id="rId23"/>
-    <p:sldId id="279" r:id="rId24"/>
-    <p:sldId id="280" r:id="rId25"/>
-    <p:sldId id="281" r:id="rId26"/>
-    <p:sldId id="282" r:id="rId27"/>
-    <p:sldId id="283" r:id="rId28"/>
-    <p:sldId id="284" r:id="rId29"/>
-    <p:sldId id="262" r:id="rId30"/>
-    <p:sldId id="261" r:id="rId31"/>
-    <p:sldId id="263" r:id="rId32"/>
+    <p:sldId id="273" r:id="rId7"/>
+    <p:sldId id="274" r:id="rId8"/>
+    <p:sldId id="265" r:id="rId9"/>
+    <p:sldId id="268" r:id="rId10"/>
+    <p:sldId id="285" r:id="rId11"/>
+    <p:sldId id="267" r:id="rId12"/>
+    <p:sldId id="270" r:id="rId13"/>
+    <p:sldId id="271" r:id="rId14"/>
+    <p:sldId id="264" r:id="rId15"/>
+    <p:sldId id="275" r:id="rId16"/>
+    <p:sldId id="276" r:id="rId17"/>
+    <p:sldId id="277" r:id="rId18"/>
+    <p:sldId id="278" r:id="rId19"/>
+    <p:sldId id="279" r:id="rId20"/>
+    <p:sldId id="280" r:id="rId21"/>
+    <p:sldId id="281" r:id="rId22"/>
+    <p:sldId id="282" r:id="rId23"/>
+    <p:sldId id="283" r:id="rId24"/>
+    <p:sldId id="284" r:id="rId25"/>
+    <p:sldId id="287" r:id="rId26"/>
+    <p:sldId id="261" r:id="rId27"/>
+    <p:sldId id="263" r:id="rId28"/>
   </p:sldIdLst>
   <p:sldSz cx="12192000" cy="6858000"/>
   <p:notesSz cx="6858000" cy="9144000"/>
@@ -227,7 +223,7 @@
           <a:p>
             <a:fld id="{B249BB1A-A7AB-4605-BA31-E8B7C8754CB0}" type="datetimeFigureOut">
               <a:rPr lang="pt-BR" smtClean="0"/>
-              <a:t>24/03/2022</a:t>
+              <a:t>04/04/2022</a:t>
             </a:fld>
             <a:endParaRPr lang="pt-BR"/>
           </a:p>
@@ -559,7 +555,770 @@
           <a:p>
             <a:fld id="{5E52DD54-238D-4887-8CA4-0F17E0B9CCB6}" type="slidenum">
               <a:rPr lang="pt-BR" smtClean="0"/>
-              <a:t>10</a:t>
+              <a:t>1</a:t>
+            </a:fld>
+            <a:endParaRPr lang="pt-BR"/>
+          </a:p>
+        </p:txBody>
+      </p:sp>
+    </p:spTree>
+    <p:extLst>
+      <p:ext uri="{BB962C8B-B14F-4D97-AF65-F5344CB8AC3E}">
+        <p14:creationId xmlns:p14="http://schemas.microsoft.com/office/powerpoint/2010/main" val="2113641367"/>
+      </p:ext>
+    </p:extLst>
+  </p:cSld>
+  <p:clrMapOvr>
+    <a:masterClrMapping/>
+  </p:clrMapOvr>
+</p:notes>
+</file>
+
+<file path=ppt/notesSlides/notesSlide10.xml><?xml version="1.0" encoding="utf-8"?>
+<p:notes xmlns:a="http://schemas.openxmlformats.org/drawingml/2006/main" xmlns:r="http://schemas.openxmlformats.org/officeDocument/2006/relationships" xmlns:p="http://schemas.openxmlformats.org/presentationml/2006/main">
+  <p:cSld>
+    <p:spTree>
+      <p:nvGrpSpPr>
+        <p:cNvPr id="1" name=""/>
+        <p:cNvGrpSpPr/>
+        <p:nvPr/>
+      </p:nvGrpSpPr>
+      <p:grpSpPr>
+        <a:xfrm>
+          <a:off x="0" y="0"/>
+          <a:ext cx="0" cy="0"/>
+          <a:chOff x="0" y="0"/>
+          <a:chExt cx="0" cy="0"/>
+        </a:xfrm>
+      </p:grpSpPr>
+      <p:sp>
+        <p:nvSpPr>
+          <p:cNvPr id="2" name="Espaço Reservado para Imagem de Slide 1"/>
+          <p:cNvSpPr>
+            <a:spLocks noGrp="1" noRot="1" noChangeAspect="1"/>
+          </p:cNvSpPr>
+          <p:nvPr>
+            <p:ph type="sldImg"/>
+          </p:nvPr>
+        </p:nvSpPr>
+        <p:spPr/>
+      </p:sp>
+      <p:sp>
+        <p:nvSpPr>
+          <p:cNvPr id="3" name="Espaço Reservado para Anotações 2"/>
+          <p:cNvSpPr>
+            <a:spLocks noGrp="1"/>
+          </p:cNvSpPr>
+          <p:nvPr>
+            <p:ph type="body" idx="1"/>
+          </p:nvPr>
+        </p:nvSpPr>
+        <p:spPr/>
+        <p:txBody>
+          <a:bodyPr/>
+          <a:lstStyle/>
+          <a:p>
+            <a:endParaRPr lang="pt-BR" dirty="0"/>
+          </a:p>
+        </p:txBody>
+      </p:sp>
+      <p:sp>
+        <p:nvSpPr>
+          <p:cNvPr id="4" name="Espaço Reservado para Número de Slide 3"/>
+          <p:cNvSpPr>
+            <a:spLocks noGrp="1"/>
+          </p:cNvSpPr>
+          <p:nvPr>
+            <p:ph type="sldNum" sz="quarter" idx="5"/>
+          </p:nvPr>
+        </p:nvSpPr>
+        <p:spPr/>
+        <p:txBody>
+          <a:bodyPr/>
+          <a:lstStyle/>
+          <a:p>
+            <a:fld id="{5E52DD54-238D-4887-8CA4-0F17E0B9CCB6}" type="slidenum">
+              <a:rPr lang="pt-BR" smtClean="0"/>
+              <a:t>14</a:t>
+            </a:fld>
+            <a:endParaRPr lang="pt-BR"/>
+          </a:p>
+        </p:txBody>
+      </p:sp>
+    </p:spTree>
+    <p:extLst>
+      <p:ext uri="{BB962C8B-B14F-4D97-AF65-F5344CB8AC3E}">
+        <p14:creationId xmlns:p14="http://schemas.microsoft.com/office/powerpoint/2010/main" val="3913051479"/>
+      </p:ext>
+    </p:extLst>
+  </p:cSld>
+  <p:clrMapOvr>
+    <a:masterClrMapping/>
+  </p:clrMapOvr>
+</p:notes>
+</file>
+
+<file path=ppt/notesSlides/notesSlide11.xml><?xml version="1.0" encoding="utf-8"?>
+<p:notes xmlns:a="http://schemas.openxmlformats.org/drawingml/2006/main" xmlns:r="http://schemas.openxmlformats.org/officeDocument/2006/relationships" xmlns:p="http://schemas.openxmlformats.org/presentationml/2006/main">
+  <p:cSld>
+    <p:spTree>
+      <p:nvGrpSpPr>
+        <p:cNvPr id="1" name=""/>
+        <p:cNvGrpSpPr/>
+        <p:nvPr/>
+      </p:nvGrpSpPr>
+      <p:grpSpPr>
+        <a:xfrm>
+          <a:off x="0" y="0"/>
+          <a:ext cx="0" cy="0"/>
+          <a:chOff x="0" y="0"/>
+          <a:chExt cx="0" cy="0"/>
+        </a:xfrm>
+      </p:grpSpPr>
+      <p:sp>
+        <p:nvSpPr>
+          <p:cNvPr id="2" name="Espaço Reservado para Imagem de Slide 1"/>
+          <p:cNvSpPr>
+            <a:spLocks noGrp="1" noRot="1" noChangeAspect="1"/>
+          </p:cNvSpPr>
+          <p:nvPr>
+            <p:ph type="sldImg"/>
+          </p:nvPr>
+        </p:nvSpPr>
+        <p:spPr/>
+      </p:sp>
+      <p:sp>
+        <p:nvSpPr>
+          <p:cNvPr id="3" name="Espaço Reservado para Anotações 2"/>
+          <p:cNvSpPr>
+            <a:spLocks noGrp="1"/>
+          </p:cNvSpPr>
+          <p:nvPr>
+            <p:ph type="body" idx="1"/>
+          </p:nvPr>
+        </p:nvSpPr>
+        <p:spPr/>
+        <p:txBody>
+          <a:bodyPr/>
+          <a:lstStyle/>
+          <a:p>
+            <a:endParaRPr lang="pt-BR" dirty="0"/>
+          </a:p>
+        </p:txBody>
+      </p:sp>
+      <p:sp>
+        <p:nvSpPr>
+          <p:cNvPr id="4" name="Espaço Reservado para Número de Slide 3"/>
+          <p:cNvSpPr>
+            <a:spLocks noGrp="1"/>
+          </p:cNvSpPr>
+          <p:nvPr>
+            <p:ph type="sldNum" sz="quarter" idx="5"/>
+          </p:nvPr>
+        </p:nvSpPr>
+        <p:spPr/>
+        <p:txBody>
+          <a:bodyPr/>
+          <a:lstStyle/>
+          <a:p>
+            <a:fld id="{5E52DD54-238D-4887-8CA4-0F17E0B9CCB6}" type="slidenum">
+              <a:rPr lang="pt-BR" smtClean="0"/>
+              <a:t>25</a:t>
+            </a:fld>
+            <a:endParaRPr lang="pt-BR"/>
+          </a:p>
+        </p:txBody>
+      </p:sp>
+    </p:spTree>
+    <p:extLst>
+      <p:ext uri="{BB962C8B-B14F-4D97-AF65-F5344CB8AC3E}">
+        <p14:creationId xmlns:p14="http://schemas.microsoft.com/office/powerpoint/2010/main" val="270615953"/>
+      </p:ext>
+    </p:extLst>
+  </p:cSld>
+  <p:clrMapOvr>
+    <a:masterClrMapping/>
+  </p:clrMapOvr>
+</p:notes>
+</file>
+
+<file path=ppt/notesSlides/notesSlide12.xml><?xml version="1.0" encoding="utf-8"?>
+<p:notes xmlns:a="http://schemas.openxmlformats.org/drawingml/2006/main" xmlns:r="http://schemas.openxmlformats.org/officeDocument/2006/relationships" xmlns:p="http://schemas.openxmlformats.org/presentationml/2006/main">
+  <p:cSld>
+    <p:spTree>
+      <p:nvGrpSpPr>
+        <p:cNvPr id="1" name=""/>
+        <p:cNvGrpSpPr/>
+        <p:nvPr/>
+      </p:nvGrpSpPr>
+      <p:grpSpPr>
+        <a:xfrm>
+          <a:off x="0" y="0"/>
+          <a:ext cx="0" cy="0"/>
+          <a:chOff x="0" y="0"/>
+          <a:chExt cx="0" cy="0"/>
+        </a:xfrm>
+      </p:grpSpPr>
+      <p:sp>
+        <p:nvSpPr>
+          <p:cNvPr id="2" name="Espaço Reservado para Imagem de Slide 1"/>
+          <p:cNvSpPr>
+            <a:spLocks noGrp="1" noRot="1" noChangeAspect="1"/>
+          </p:cNvSpPr>
+          <p:nvPr>
+            <p:ph type="sldImg"/>
+          </p:nvPr>
+        </p:nvSpPr>
+        <p:spPr/>
+      </p:sp>
+      <p:sp>
+        <p:nvSpPr>
+          <p:cNvPr id="3" name="Espaço Reservado para Anotações 2"/>
+          <p:cNvSpPr>
+            <a:spLocks noGrp="1"/>
+          </p:cNvSpPr>
+          <p:nvPr>
+            <p:ph type="body" idx="1"/>
+          </p:nvPr>
+        </p:nvSpPr>
+        <p:spPr/>
+        <p:txBody>
+          <a:bodyPr/>
+          <a:lstStyle/>
+          <a:p>
+            <a:endParaRPr lang="pt-BR" dirty="0"/>
+          </a:p>
+        </p:txBody>
+      </p:sp>
+      <p:sp>
+        <p:nvSpPr>
+          <p:cNvPr id="4" name="Espaço Reservado para Número de Slide 3"/>
+          <p:cNvSpPr>
+            <a:spLocks noGrp="1"/>
+          </p:cNvSpPr>
+          <p:nvPr>
+            <p:ph type="sldNum" sz="quarter" idx="5"/>
+          </p:nvPr>
+        </p:nvSpPr>
+        <p:spPr/>
+        <p:txBody>
+          <a:bodyPr/>
+          <a:lstStyle/>
+          <a:p>
+            <a:fld id="{5E52DD54-238D-4887-8CA4-0F17E0B9CCB6}" type="slidenum">
+              <a:rPr lang="pt-BR" smtClean="0"/>
+              <a:t>26</a:t>
+            </a:fld>
+            <a:endParaRPr lang="pt-BR"/>
+          </a:p>
+        </p:txBody>
+      </p:sp>
+    </p:spTree>
+    <p:extLst>
+      <p:ext uri="{BB962C8B-B14F-4D97-AF65-F5344CB8AC3E}">
+        <p14:creationId xmlns:p14="http://schemas.microsoft.com/office/powerpoint/2010/main" val="4064715510"/>
+      </p:ext>
+    </p:extLst>
+  </p:cSld>
+  <p:clrMapOvr>
+    <a:masterClrMapping/>
+  </p:clrMapOvr>
+</p:notes>
+</file>
+
+<file path=ppt/notesSlides/notesSlide2.xml><?xml version="1.0" encoding="utf-8"?>
+<p:notes xmlns:a="http://schemas.openxmlformats.org/drawingml/2006/main" xmlns:r="http://schemas.openxmlformats.org/officeDocument/2006/relationships" xmlns:p="http://schemas.openxmlformats.org/presentationml/2006/main">
+  <p:cSld>
+    <p:spTree>
+      <p:nvGrpSpPr>
+        <p:cNvPr id="1" name=""/>
+        <p:cNvGrpSpPr/>
+        <p:nvPr/>
+      </p:nvGrpSpPr>
+      <p:grpSpPr>
+        <a:xfrm>
+          <a:off x="0" y="0"/>
+          <a:ext cx="0" cy="0"/>
+          <a:chOff x="0" y="0"/>
+          <a:chExt cx="0" cy="0"/>
+        </a:xfrm>
+      </p:grpSpPr>
+      <p:sp>
+        <p:nvSpPr>
+          <p:cNvPr id="2" name="Espaço Reservado para Imagem de Slide 1"/>
+          <p:cNvSpPr>
+            <a:spLocks noGrp="1" noRot="1" noChangeAspect="1"/>
+          </p:cNvSpPr>
+          <p:nvPr>
+            <p:ph type="sldImg"/>
+          </p:nvPr>
+        </p:nvSpPr>
+        <p:spPr/>
+      </p:sp>
+      <p:sp>
+        <p:nvSpPr>
+          <p:cNvPr id="3" name="Espaço Reservado para Anotações 2"/>
+          <p:cNvSpPr>
+            <a:spLocks noGrp="1"/>
+          </p:cNvSpPr>
+          <p:nvPr>
+            <p:ph type="body" idx="1"/>
+          </p:nvPr>
+        </p:nvSpPr>
+        <p:spPr/>
+        <p:txBody>
+          <a:bodyPr/>
+          <a:lstStyle/>
+          <a:p>
+            <a:endParaRPr lang="pt-BR" dirty="0"/>
+          </a:p>
+        </p:txBody>
+      </p:sp>
+      <p:sp>
+        <p:nvSpPr>
+          <p:cNvPr id="4" name="Espaço Reservado para Número de Slide 3"/>
+          <p:cNvSpPr>
+            <a:spLocks noGrp="1"/>
+          </p:cNvSpPr>
+          <p:nvPr>
+            <p:ph type="sldNum" sz="quarter" idx="5"/>
+          </p:nvPr>
+        </p:nvSpPr>
+        <p:spPr/>
+        <p:txBody>
+          <a:bodyPr/>
+          <a:lstStyle/>
+          <a:p>
+            <a:fld id="{5E52DD54-238D-4887-8CA4-0F17E0B9CCB6}" type="slidenum">
+              <a:rPr lang="pt-BR" smtClean="0"/>
+              <a:t>2</a:t>
+            </a:fld>
+            <a:endParaRPr lang="pt-BR"/>
+          </a:p>
+        </p:txBody>
+      </p:sp>
+    </p:spTree>
+    <p:extLst>
+      <p:ext uri="{BB962C8B-B14F-4D97-AF65-F5344CB8AC3E}">
+        <p14:creationId xmlns:p14="http://schemas.microsoft.com/office/powerpoint/2010/main" val="2136333387"/>
+      </p:ext>
+    </p:extLst>
+  </p:cSld>
+  <p:clrMapOvr>
+    <a:masterClrMapping/>
+  </p:clrMapOvr>
+</p:notes>
+</file>
+
+<file path=ppt/notesSlides/notesSlide3.xml><?xml version="1.0" encoding="utf-8"?>
+<p:notes xmlns:a="http://schemas.openxmlformats.org/drawingml/2006/main" xmlns:r="http://schemas.openxmlformats.org/officeDocument/2006/relationships" xmlns:p="http://schemas.openxmlformats.org/presentationml/2006/main">
+  <p:cSld>
+    <p:spTree>
+      <p:nvGrpSpPr>
+        <p:cNvPr id="1" name=""/>
+        <p:cNvGrpSpPr/>
+        <p:nvPr/>
+      </p:nvGrpSpPr>
+      <p:grpSpPr>
+        <a:xfrm>
+          <a:off x="0" y="0"/>
+          <a:ext cx="0" cy="0"/>
+          <a:chOff x="0" y="0"/>
+          <a:chExt cx="0" cy="0"/>
+        </a:xfrm>
+      </p:grpSpPr>
+      <p:sp>
+        <p:nvSpPr>
+          <p:cNvPr id="2" name="Espaço Reservado para Imagem de Slide 1"/>
+          <p:cNvSpPr>
+            <a:spLocks noGrp="1" noRot="1" noChangeAspect="1"/>
+          </p:cNvSpPr>
+          <p:nvPr>
+            <p:ph type="sldImg"/>
+          </p:nvPr>
+        </p:nvSpPr>
+        <p:spPr/>
+      </p:sp>
+      <p:sp>
+        <p:nvSpPr>
+          <p:cNvPr id="3" name="Espaço Reservado para Anotações 2"/>
+          <p:cNvSpPr>
+            <a:spLocks noGrp="1"/>
+          </p:cNvSpPr>
+          <p:nvPr>
+            <p:ph type="body" idx="1"/>
+          </p:nvPr>
+        </p:nvSpPr>
+        <p:spPr/>
+        <p:txBody>
+          <a:bodyPr/>
+          <a:lstStyle/>
+          <a:p>
+            <a:pPr marL="0" indent="0">
+              <a:buFont typeface="Arial" panose="020B0604020202020204" pitchFamily="34" charset="0"/>
+              <a:buNone/>
+            </a:pPr>
+            <a:endParaRPr lang="pt-BR" dirty="0"/>
+          </a:p>
+        </p:txBody>
+      </p:sp>
+      <p:sp>
+        <p:nvSpPr>
+          <p:cNvPr id="4" name="Espaço Reservado para Número de Slide 3"/>
+          <p:cNvSpPr>
+            <a:spLocks noGrp="1"/>
+          </p:cNvSpPr>
+          <p:nvPr>
+            <p:ph type="sldNum" sz="quarter" idx="5"/>
+          </p:nvPr>
+        </p:nvSpPr>
+        <p:spPr/>
+        <p:txBody>
+          <a:bodyPr/>
+          <a:lstStyle/>
+          <a:p>
+            <a:fld id="{5E52DD54-238D-4887-8CA4-0F17E0B9CCB6}" type="slidenum">
+              <a:rPr lang="pt-BR" smtClean="0"/>
+              <a:t>3</a:t>
+            </a:fld>
+            <a:endParaRPr lang="pt-BR"/>
+          </a:p>
+        </p:txBody>
+      </p:sp>
+    </p:spTree>
+    <p:extLst>
+      <p:ext uri="{BB962C8B-B14F-4D97-AF65-F5344CB8AC3E}">
+        <p14:creationId xmlns:p14="http://schemas.microsoft.com/office/powerpoint/2010/main" val="4026726093"/>
+      </p:ext>
+    </p:extLst>
+  </p:cSld>
+  <p:clrMapOvr>
+    <a:masterClrMapping/>
+  </p:clrMapOvr>
+</p:notes>
+</file>
+
+<file path=ppt/notesSlides/notesSlide4.xml><?xml version="1.0" encoding="utf-8"?>
+<p:notes xmlns:a="http://schemas.openxmlformats.org/drawingml/2006/main" xmlns:r="http://schemas.openxmlformats.org/officeDocument/2006/relationships" xmlns:p="http://schemas.openxmlformats.org/presentationml/2006/main">
+  <p:cSld>
+    <p:spTree>
+      <p:nvGrpSpPr>
+        <p:cNvPr id="1" name=""/>
+        <p:cNvGrpSpPr/>
+        <p:nvPr/>
+      </p:nvGrpSpPr>
+      <p:grpSpPr>
+        <a:xfrm>
+          <a:off x="0" y="0"/>
+          <a:ext cx="0" cy="0"/>
+          <a:chOff x="0" y="0"/>
+          <a:chExt cx="0" cy="0"/>
+        </a:xfrm>
+      </p:grpSpPr>
+      <p:sp>
+        <p:nvSpPr>
+          <p:cNvPr id="2" name="Espaço Reservado para Imagem de Slide 1"/>
+          <p:cNvSpPr>
+            <a:spLocks noGrp="1" noRot="1" noChangeAspect="1"/>
+          </p:cNvSpPr>
+          <p:nvPr>
+            <p:ph type="sldImg"/>
+          </p:nvPr>
+        </p:nvSpPr>
+        <p:spPr/>
+      </p:sp>
+      <p:sp>
+        <p:nvSpPr>
+          <p:cNvPr id="3" name="Espaço Reservado para Anotações 2"/>
+          <p:cNvSpPr>
+            <a:spLocks noGrp="1"/>
+          </p:cNvSpPr>
+          <p:nvPr>
+            <p:ph type="body" idx="1"/>
+          </p:nvPr>
+        </p:nvSpPr>
+        <p:spPr/>
+        <p:txBody>
+          <a:bodyPr/>
+          <a:lstStyle/>
+          <a:p>
+            <a:r>
+              <a:rPr lang="pt-BR" dirty="0"/>
+              <a:t>Diminuir as frases</a:t>
+            </a:r>
+          </a:p>
+        </p:txBody>
+      </p:sp>
+      <p:sp>
+        <p:nvSpPr>
+          <p:cNvPr id="4" name="Espaço Reservado para Número de Slide 3"/>
+          <p:cNvSpPr>
+            <a:spLocks noGrp="1"/>
+          </p:cNvSpPr>
+          <p:nvPr>
+            <p:ph type="sldNum" sz="quarter" idx="5"/>
+          </p:nvPr>
+        </p:nvSpPr>
+        <p:spPr/>
+        <p:txBody>
+          <a:bodyPr/>
+          <a:lstStyle/>
+          <a:p>
+            <a:fld id="{5E52DD54-238D-4887-8CA4-0F17E0B9CCB6}" type="slidenum">
+              <a:rPr lang="pt-BR" smtClean="0"/>
+              <a:t>4</a:t>
+            </a:fld>
+            <a:endParaRPr lang="pt-BR"/>
+          </a:p>
+        </p:txBody>
+      </p:sp>
+    </p:spTree>
+    <p:extLst>
+      <p:ext uri="{BB962C8B-B14F-4D97-AF65-F5344CB8AC3E}">
+        <p14:creationId xmlns:p14="http://schemas.microsoft.com/office/powerpoint/2010/main" val="503809691"/>
+      </p:ext>
+    </p:extLst>
+  </p:cSld>
+  <p:clrMapOvr>
+    <a:masterClrMapping/>
+  </p:clrMapOvr>
+</p:notes>
+</file>
+
+<file path=ppt/notesSlides/notesSlide5.xml><?xml version="1.0" encoding="utf-8"?>
+<p:notes xmlns:a="http://schemas.openxmlformats.org/drawingml/2006/main" xmlns:r="http://schemas.openxmlformats.org/officeDocument/2006/relationships" xmlns:p="http://schemas.openxmlformats.org/presentationml/2006/main">
+  <p:cSld>
+    <p:spTree>
+      <p:nvGrpSpPr>
+        <p:cNvPr id="1" name=""/>
+        <p:cNvGrpSpPr/>
+        <p:nvPr/>
+      </p:nvGrpSpPr>
+      <p:grpSpPr>
+        <a:xfrm>
+          <a:off x="0" y="0"/>
+          <a:ext cx="0" cy="0"/>
+          <a:chOff x="0" y="0"/>
+          <a:chExt cx="0" cy="0"/>
+        </a:xfrm>
+      </p:grpSpPr>
+      <p:sp>
+        <p:nvSpPr>
+          <p:cNvPr id="2" name="Espaço Reservado para Imagem de Slide 1"/>
+          <p:cNvSpPr>
+            <a:spLocks noGrp="1" noRot="1" noChangeAspect="1"/>
+          </p:cNvSpPr>
+          <p:nvPr>
+            <p:ph type="sldImg"/>
+          </p:nvPr>
+        </p:nvSpPr>
+        <p:spPr/>
+      </p:sp>
+      <p:sp>
+        <p:nvSpPr>
+          <p:cNvPr id="3" name="Espaço Reservado para Anotações 2"/>
+          <p:cNvSpPr>
+            <a:spLocks noGrp="1"/>
+          </p:cNvSpPr>
+          <p:nvPr>
+            <p:ph type="body" idx="1"/>
+          </p:nvPr>
+        </p:nvSpPr>
+        <p:spPr/>
+        <p:txBody>
+          <a:bodyPr/>
+          <a:lstStyle/>
+          <a:p>
+            <a:endParaRPr lang="pt-BR" dirty="0"/>
+          </a:p>
+        </p:txBody>
+      </p:sp>
+      <p:sp>
+        <p:nvSpPr>
+          <p:cNvPr id="4" name="Espaço Reservado para Número de Slide 3"/>
+          <p:cNvSpPr>
+            <a:spLocks noGrp="1"/>
+          </p:cNvSpPr>
+          <p:nvPr>
+            <p:ph type="sldNum" sz="quarter" idx="5"/>
+          </p:nvPr>
+        </p:nvSpPr>
+        <p:spPr/>
+        <p:txBody>
+          <a:bodyPr/>
+          <a:lstStyle/>
+          <a:p>
+            <a:fld id="{5E52DD54-238D-4887-8CA4-0F17E0B9CCB6}" type="slidenum">
+              <a:rPr lang="pt-BR" smtClean="0"/>
+              <a:t>5</a:t>
+            </a:fld>
+            <a:endParaRPr lang="pt-BR"/>
+          </a:p>
+        </p:txBody>
+      </p:sp>
+    </p:spTree>
+    <p:extLst>
+      <p:ext uri="{BB962C8B-B14F-4D97-AF65-F5344CB8AC3E}">
+        <p14:creationId xmlns:p14="http://schemas.microsoft.com/office/powerpoint/2010/main" val="2348784109"/>
+      </p:ext>
+    </p:extLst>
+  </p:cSld>
+  <p:clrMapOvr>
+    <a:masterClrMapping/>
+  </p:clrMapOvr>
+</p:notes>
+</file>
+
+<file path=ppt/notesSlides/notesSlide6.xml><?xml version="1.0" encoding="utf-8"?>
+<p:notes xmlns:a="http://schemas.openxmlformats.org/drawingml/2006/main" xmlns:r="http://schemas.openxmlformats.org/officeDocument/2006/relationships" xmlns:p="http://schemas.openxmlformats.org/presentationml/2006/main">
+  <p:cSld>
+    <p:spTree>
+      <p:nvGrpSpPr>
+        <p:cNvPr id="1" name=""/>
+        <p:cNvGrpSpPr/>
+        <p:nvPr/>
+      </p:nvGrpSpPr>
+      <p:grpSpPr>
+        <a:xfrm>
+          <a:off x="0" y="0"/>
+          <a:ext cx="0" cy="0"/>
+          <a:chOff x="0" y="0"/>
+          <a:chExt cx="0" cy="0"/>
+        </a:xfrm>
+      </p:grpSpPr>
+      <p:sp>
+        <p:nvSpPr>
+          <p:cNvPr id="2" name="Espaço Reservado para Imagem de Slide 1"/>
+          <p:cNvSpPr>
+            <a:spLocks noGrp="1" noRot="1" noChangeAspect="1"/>
+          </p:cNvSpPr>
+          <p:nvPr>
+            <p:ph type="sldImg"/>
+          </p:nvPr>
+        </p:nvSpPr>
+        <p:spPr/>
+      </p:sp>
+      <p:sp>
+        <p:nvSpPr>
+          <p:cNvPr id="3" name="Espaço Reservado para Anotações 2"/>
+          <p:cNvSpPr>
+            <a:spLocks noGrp="1"/>
+          </p:cNvSpPr>
+          <p:nvPr>
+            <p:ph type="body" idx="1"/>
+          </p:nvPr>
+        </p:nvSpPr>
+        <p:spPr/>
+        <p:txBody>
+          <a:bodyPr/>
+          <a:lstStyle/>
+          <a:p>
+            <a:endParaRPr lang="pt-BR" dirty="0"/>
+          </a:p>
+        </p:txBody>
+      </p:sp>
+      <p:sp>
+        <p:nvSpPr>
+          <p:cNvPr id="4" name="Espaço Reservado para Número de Slide 3"/>
+          <p:cNvSpPr>
+            <a:spLocks noGrp="1"/>
+          </p:cNvSpPr>
+          <p:nvPr>
+            <p:ph type="sldNum" sz="quarter" idx="5"/>
+          </p:nvPr>
+        </p:nvSpPr>
+        <p:spPr/>
+        <p:txBody>
+          <a:bodyPr/>
+          <a:lstStyle/>
+          <a:p>
+            <a:fld id="{5E52DD54-238D-4887-8CA4-0F17E0B9CCB6}" type="slidenum">
+              <a:rPr lang="pt-BR" smtClean="0"/>
+              <a:t>6</a:t>
+            </a:fld>
+            <a:endParaRPr lang="pt-BR"/>
+          </a:p>
+        </p:txBody>
+      </p:sp>
+    </p:spTree>
+    <p:extLst>
+      <p:ext uri="{BB962C8B-B14F-4D97-AF65-F5344CB8AC3E}">
+        <p14:creationId xmlns:p14="http://schemas.microsoft.com/office/powerpoint/2010/main" val="3417740568"/>
+      </p:ext>
+    </p:extLst>
+  </p:cSld>
+  <p:clrMapOvr>
+    <a:masterClrMapping/>
+  </p:clrMapOvr>
+</p:notes>
+</file>
+
+<file path=ppt/notesSlides/notesSlide7.xml><?xml version="1.0" encoding="utf-8"?>
+<p:notes xmlns:a="http://schemas.openxmlformats.org/drawingml/2006/main" xmlns:r="http://schemas.openxmlformats.org/officeDocument/2006/relationships" xmlns:p="http://schemas.openxmlformats.org/presentationml/2006/main">
+  <p:cSld>
+    <p:spTree>
+      <p:nvGrpSpPr>
+        <p:cNvPr id="1" name=""/>
+        <p:cNvGrpSpPr/>
+        <p:nvPr/>
+      </p:nvGrpSpPr>
+      <p:grpSpPr>
+        <a:xfrm>
+          <a:off x="0" y="0"/>
+          <a:ext cx="0" cy="0"/>
+          <a:chOff x="0" y="0"/>
+          <a:chExt cx="0" cy="0"/>
+        </a:xfrm>
+      </p:grpSpPr>
+      <p:sp>
+        <p:nvSpPr>
+          <p:cNvPr id="2" name="Espaço Reservado para Imagem de Slide 1"/>
+          <p:cNvSpPr>
+            <a:spLocks noGrp="1" noRot="1" noChangeAspect="1"/>
+          </p:cNvSpPr>
+          <p:nvPr>
+            <p:ph type="sldImg"/>
+          </p:nvPr>
+        </p:nvSpPr>
+        <p:spPr/>
+      </p:sp>
+      <p:sp>
+        <p:nvSpPr>
+          <p:cNvPr id="3" name="Espaço Reservado para Anotações 2"/>
+          <p:cNvSpPr>
+            <a:spLocks noGrp="1"/>
+          </p:cNvSpPr>
+          <p:nvPr>
+            <p:ph type="body" idx="1"/>
+          </p:nvPr>
+        </p:nvSpPr>
+        <p:spPr/>
+        <p:txBody>
+          <a:bodyPr/>
+          <a:lstStyle/>
+          <a:p>
+            <a:endParaRPr lang="pt-BR" dirty="0"/>
+          </a:p>
+        </p:txBody>
+      </p:sp>
+      <p:sp>
+        <p:nvSpPr>
+          <p:cNvPr id="4" name="Espaço Reservado para Número de Slide 3"/>
+          <p:cNvSpPr>
+            <a:spLocks noGrp="1"/>
+          </p:cNvSpPr>
+          <p:nvPr>
+            <p:ph type="sldNum" sz="quarter" idx="5"/>
+          </p:nvPr>
+        </p:nvSpPr>
+        <p:spPr/>
+        <p:txBody>
+          <a:bodyPr/>
+          <a:lstStyle/>
+          <a:p>
+            <a:fld id="{5E52DD54-238D-4887-8CA4-0F17E0B9CCB6}" type="slidenum">
+              <a:rPr lang="pt-BR" smtClean="0"/>
+              <a:t>8</a:t>
             </a:fld>
             <a:endParaRPr lang="pt-BR"/>
           </a:p>
@@ -569,6 +1328,174 @@
     <p:extLst>
       <p:ext uri="{BB962C8B-B14F-4D97-AF65-F5344CB8AC3E}">
         <p14:creationId xmlns:p14="http://schemas.microsoft.com/office/powerpoint/2010/main" val="4250786048"/>
+      </p:ext>
+    </p:extLst>
+  </p:cSld>
+  <p:clrMapOvr>
+    <a:masterClrMapping/>
+  </p:clrMapOvr>
+</p:notes>
+</file>
+
+<file path=ppt/notesSlides/notesSlide8.xml><?xml version="1.0" encoding="utf-8"?>
+<p:notes xmlns:a="http://schemas.openxmlformats.org/drawingml/2006/main" xmlns:r="http://schemas.openxmlformats.org/officeDocument/2006/relationships" xmlns:p="http://schemas.openxmlformats.org/presentationml/2006/main">
+  <p:cSld>
+    <p:spTree>
+      <p:nvGrpSpPr>
+        <p:cNvPr id="1" name=""/>
+        <p:cNvGrpSpPr/>
+        <p:nvPr/>
+      </p:nvGrpSpPr>
+      <p:grpSpPr>
+        <a:xfrm>
+          <a:off x="0" y="0"/>
+          <a:ext cx="0" cy="0"/>
+          <a:chOff x="0" y="0"/>
+          <a:chExt cx="0" cy="0"/>
+        </a:xfrm>
+      </p:grpSpPr>
+      <p:sp>
+        <p:nvSpPr>
+          <p:cNvPr id="2" name="Espaço Reservado para Imagem de Slide 1"/>
+          <p:cNvSpPr>
+            <a:spLocks noGrp="1" noRot="1" noChangeAspect="1"/>
+          </p:cNvSpPr>
+          <p:nvPr>
+            <p:ph type="sldImg"/>
+          </p:nvPr>
+        </p:nvSpPr>
+        <p:spPr/>
+      </p:sp>
+      <p:sp>
+        <p:nvSpPr>
+          <p:cNvPr id="3" name="Espaço Reservado para Anotações 2"/>
+          <p:cNvSpPr>
+            <a:spLocks noGrp="1"/>
+          </p:cNvSpPr>
+          <p:nvPr>
+            <p:ph type="body" idx="1"/>
+          </p:nvPr>
+        </p:nvSpPr>
+        <p:spPr/>
+        <p:txBody>
+          <a:bodyPr/>
+          <a:lstStyle/>
+          <a:p>
+            <a:endParaRPr lang="pt-BR" dirty="0"/>
+          </a:p>
+        </p:txBody>
+      </p:sp>
+      <p:sp>
+        <p:nvSpPr>
+          <p:cNvPr id="4" name="Espaço Reservado para Número de Slide 3"/>
+          <p:cNvSpPr>
+            <a:spLocks noGrp="1"/>
+          </p:cNvSpPr>
+          <p:nvPr>
+            <p:ph type="sldNum" sz="quarter" idx="5"/>
+          </p:nvPr>
+        </p:nvSpPr>
+        <p:spPr/>
+        <p:txBody>
+          <a:bodyPr/>
+          <a:lstStyle/>
+          <a:p>
+            <a:fld id="{5E52DD54-238D-4887-8CA4-0F17E0B9CCB6}" type="slidenum">
+              <a:rPr lang="pt-BR" smtClean="0"/>
+              <a:t>9</a:t>
+            </a:fld>
+            <a:endParaRPr lang="pt-BR"/>
+          </a:p>
+        </p:txBody>
+      </p:sp>
+    </p:spTree>
+    <p:extLst>
+      <p:ext uri="{BB962C8B-B14F-4D97-AF65-F5344CB8AC3E}">
+        <p14:creationId xmlns:p14="http://schemas.microsoft.com/office/powerpoint/2010/main" val="3069671722"/>
+      </p:ext>
+    </p:extLst>
+  </p:cSld>
+  <p:clrMapOvr>
+    <a:masterClrMapping/>
+  </p:clrMapOvr>
+</p:notes>
+</file>
+
+<file path=ppt/notesSlides/notesSlide9.xml><?xml version="1.0" encoding="utf-8"?>
+<p:notes xmlns:a="http://schemas.openxmlformats.org/drawingml/2006/main" xmlns:r="http://schemas.openxmlformats.org/officeDocument/2006/relationships" xmlns:p="http://schemas.openxmlformats.org/presentationml/2006/main">
+  <p:cSld>
+    <p:spTree>
+      <p:nvGrpSpPr>
+        <p:cNvPr id="1" name=""/>
+        <p:cNvGrpSpPr/>
+        <p:nvPr/>
+      </p:nvGrpSpPr>
+      <p:grpSpPr>
+        <a:xfrm>
+          <a:off x="0" y="0"/>
+          <a:ext cx="0" cy="0"/>
+          <a:chOff x="0" y="0"/>
+          <a:chExt cx="0" cy="0"/>
+        </a:xfrm>
+      </p:grpSpPr>
+      <p:sp>
+        <p:nvSpPr>
+          <p:cNvPr id="2" name="Espaço Reservado para Imagem de Slide 1"/>
+          <p:cNvSpPr>
+            <a:spLocks noGrp="1" noRot="1" noChangeAspect="1"/>
+          </p:cNvSpPr>
+          <p:nvPr>
+            <p:ph type="sldImg"/>
+          </p:nvPr>
+        </p:nvSpPr>
+        <p:spPr/>
+      </p:sp>
+      <p:sp>
+        <p:nvSpPr>
+          <p:cNvPr id="3" name="Espaço Reservado para Anotações 2"/>
+          <p:cNvSpPr>
+            <a:spLocks noGrp="1"/>
+          </p:cNvSpPr>
+          <p:nvPr>
+            <p:ph type="body" idx="1"/>
+          </p:nvPr>
+        </p:nvSpPr>
+        <p:spPr/>
+        <p:txBody>
+          <a:bodyPr/>
+          <a:lstStyle/>
+          <a:p>
+            <a:endParaRPr lang="pt-BR" dirty="0"/>
+          </a:p>
+        </p:txBody>
+      </p:sp>
+      <p:sp>
+        <p:nvSpPr>
+          <p:cNvPr id="4" name="Espaço Reservado para Número de Slide 3"/>
+          <p:cNvSpPr>
+            <a:spLocks noGrp="1"/>
+          </p:cNvSpPr>
+          <p:nvPr>
+            <p:ph type="sldNum" sz="quarter" idx="5"/>
+          </p:nvPr>
+        </p:nvSpPr>
+        <p:spPr/>
+        <p:txBody>
+          <a:bodyPr/>
+          <a:lstStyle/>
+          <a:p>
+            <a:fld id="{5E52DD54-238D-4887-8CA4-0F17E0B9CCB6}" type="slidenum">
+              <a:rPr lang="pt-BR" smtClean="0"/>
+              <a:t>12</a:t>
+            </a:fld>
+            <a:endParaRPr lang="pt-BR"/>
+          </a:p>
+        </p:txBody>
+      </p:sp>
+    </p:spTree>
+    <p:extLst>
+      <p:ext uri="{BB962C8B-B14F-4D97-AF65-F5344CB8AC3E}">
+        <p14:creationId xmlns:p14="http://schemas.microsoft.com/office/powerpoint/2010/main" val="4026817207"/>
       </p:ext>
     </p:extLst>
   </p:cSld>
@@ -741,7 +1668,7 @@
           <a:p>
             <a:fld id="{60BA69AB-7D77-4AD1-B9DF-F84D0C411437}" type="datetimeFigureOut">
               <a:rPr lang="pt-BR" smtClean="0"/>
-              <a:t>24/03/2022</a:t>
+              <a:t>04/04/2022</a:t>
             </a:fld>
             <a:endParaRPr lang="pt-BR"/>
           </a:p>
@@ -911,7 +1838,7 @@
           <a:p>
             <a:fld id="{60BA69AB-7D77-4AD1-B9DF-F84D0C411437}" type="datetimeFigureOut">
               <a:rPr lang="pt-BR" smtClean="0"/>
-              <a:t>24/03/2022</a:t>
+              <a:t>04/04/2022</a:t>
             </a:fld>
             <a:endParaRPr lang="pt-BR"/>
           </a:p>
@@ -1091,7 +2018,7 @@
           <a:p>
             <a:fld id="{60BA69AB-7D77-4AD1-B9DF-F84D0C411437}" type="datetimeFigureOut">
               <a:rPr lang="pt-BR" smtClean="0"/>
-              <a:t>24/03/2022</a:t>
+              <a:t>04/04/2022</a:t>
             </a:fld>
             <a:endParaRPr lang="pt-BR"/>
           </a:p>
@@ -1261,7 +2188,7 @@
           <a:p>
             <a:fld id="{60BA69AB-7D77-4AD1-B9DF-F84D0C411437}" type="datetimeFigureOut">
               <a:rPr lang="pt-BR" smtClean="0"/>
-              <a:t>24/03/2022</a:t>
+              <a:t>04/04/2022</a:t>
             </a:fld>
             <a:endParaRPr lang="pt-BR"/>
           </a:p>
@@ -1529,7 +2456,7 @@
           <a:p>
             <a:fld id="{60BA69AB-7D77-4AD1-B9DF-F84D0C411437}" type="datetimeFigureOut">
               <a:rPr lang="pt-BR" smtClean="0"/>
-              <a:t>24/03/2022</a:t>
+              <a:t>04/04/2022</a:t>
             </a:fld>
             <a:endParaRPr lang="pt-BR"/>
           </a:p>
@@ -1761,7 +2688,7 @@
           <a:p>
             <a:fld id="{60BA69AB-7D77-4AD1-B9DF-F84D0C411437}" type="datetimeFigureOut">
               <a:rPr lang="pt-BR" smtClean="0"/>
-              <a:t>24/03/2022</a:t>
+              <a:t>04/04/2022</a:t>
             </a:fld>
             <a:endParaRPr lang="pt-BR"/>
           </a:p>
@@ -2120,7 +3047,7 @@
           <a:p>
             <a:fld id="{60BA69AB-7D77-4AD1-B9DF-F84D0C411437}" type="datetimeFigureOut">
               <a:rPr lang="pt-BR" smtClean="0"/>
-              <a:t>24/03/2022</a:t>
+              <a:t>04/04/2022</a:t>
             </a:fld>
             <a:endParaRPr lang="pt-BR"/>
           </a:p>
@@ -2261,7 +3188,7 @@
           <a:p>
             <a:fld id="{60BA69AB-7D77-4AD1-B9DF-F84D0C411437}" type="datetimeFigureOut">
               <a:rPr lang="pt-BR" smtClean="0"/>
-              <a:t>24/03/2022</a:t>
+              <a:t>04/04/2022</a:t>
             </a:fld>
             <a:endParaRPr lang="pt-BR"/>
           </a:p>
@@ -2356,7 +3283,7 @@
           <a:p>
             <a:fld id="{60BA69AB-7D77-4AD1-B9DF-F84D0C411437}" type="datetimeFigureOut">
               <a:rPr lang="pt-BR" smtClean="0"/>
-              <a:t>24/03/2022</a:t>
+              <a:t>04/04/2022</a:t>
             </a:fld>
             <a:endParaRPr lang="pt-BR"/>
           </a:p>
@@ -2713,7 +3640,7 @@
           <a:p>
             <a:fld id="{60BA69AB-7D77-4AD1-B9DF-F84D0C411437}" type="datetimeFigureOut">
               <a:rPr lang="pt-BR" smtClean="0"/>
-              <a:t>24/03/2022</a:t>
+              <a:t>04/04/2022</a:t>
             </a:fld>
             <a:endParaRPr lang="pt-BR"/>
           </a:p>
@@ -3070,7 +3997,7 @@
           <a:p>
             <a:fld id="{60BA69AB-7D77-4AD1-B9DF-F84D0C411437}" type="datetimeFigureOut">
               <a:rPr lang="pt-BR" smtClean="0"/>
-              <a:t>24/03/2022</a:t>
+              <a:t>04/04/2022</a:t>
             </a:fld>
             <a:endParaRPr lang="pt-BR"/>
           </a:p>
@@ -3312,7 +4239,7 @@
           <a:p>
             <a:fld id="{60BA69AB-7D77-4AD1-B9DF-F84D0C411437}" type="datetimeFigureOut">
               <a:rPr lang="pt-BR" smtClean="0"/>
-              <a:t>24/03/2022</a:t>
+              <a:t>04/04/2022</a:t>
             </a:fld>
             <a:endParaRPr lang="pt-BR"/>
           </a:p>
@@ -4111,77 +5038,12 @@
           </a:p>
         </p:txBody>
       </p:sp>
-    </p:spTree>
-    <p:extLst>
-      <p:ext uri="{BB962C8B-B14F-4D97-AF65-F5344CB8AC3E}">
-        <p14:creationId xmlns:p14="http://schemas.microsoft.com/office/powerpoint/2010/main" val="889916932"/>
-      </p:ext>
-    </p:extLst>
-  </p:cSld>
-  <p:clrMapOvr>
-    <a:masterClrMapping/>
-  </p:clrMapOvr>
-</p:sld>
-</file>
-
-<file path=ppt/slides/slide10.xml><?xml version="1.0" encoding="utf-8"?>
-<p:sld xmlns:a="http://schemas.openxmlformats.org/drawingml/2006/main" xmlns:r="http://schemas.openxmlformats.org/officeDocument/2006/relationships" xmlns:p="http://schemas.openxmlformats.org/presentationml/2006/main">
-  <p:cSld>
-    <p:spTree>
-      <p:nvGrpSpPr>
-        <p:cNvPr id="1" name=""/>
-        <p:cNvGrpSpPr/>
-        <p:nvPr/>
-      </p:nvGrpSpPr>
-      <p:grpSpPr>
-        <a:xfrm>
-          <a:off x="0" y="0"/>
-          <a:ext cx="0" cy="0"/>
-          <a:chOff x="0" y="0"/>
-          <a:chExt cx="0" cy="0"/>
-        </a:xfrm>
-      </p:grpSpPr>
-      <p:sp>
-        <p:nvSpPr>
-          <p:cNvPr id="2" name="Título 1">
+      <p:pic>
+        <p:nvPicPr>
+          <p:cNvPr id="6" name="Imagem 5" descr="Logotipo&#10;&#10;Descrição gerada automaticamente">
             <a:extLst>
               <a:ext uri="{FF2B5EF4-FFF2-40B4-BE49-F238E27FC236}">
-                <a16:creationId xmlns:a16="http://schemas.microsoft.com/office/drawing/2014/main" id="{DEA205FE-3801-415D-B3CF-AC68802183C2}"/>
-              </a:ext>
-            </a:extLst>
-          </p:cNvPr>
-          <p:cNvSpPr>
-            <a:spLocks noGrp="1"/>
-          </p:cNvSpPr>
-          <p:nvPr>
-            <p:ph type="title"/>
-          </p:nvPr>
-        </p:nvSpPr>
-        <p:spPr>
-          <a:xfrm>
-            <a:off x="2231135" y="65315"/>
-            <a:ext cx="7729728" cy="569168"/>
-          </a:xfrm>
-        </p:spPr>
-        <p:txBody>
-          <a:bodyPr>
-            <a:normAutofit fontScale="90000"/>
-          </a:bodyPr>
-          <a:lstStyle/>
-          <a:p>
-            <a:r>
-              <a:rPr lang="pt-BR" dirty="0"/>
-              <a:t>MODELO lógico</a:t>
-            </a:r>
-          </a:p>
-        </p:txBody>
-      </p:sp>
-      <p:pic>
-        <p:nvPicPr>
-          <p:cNvPr id="5" name="Imagem 4" descr="Diagrama&#10;&#10;Descrição gerada automaticamente">
-            <a:extLst>
-              <a:ext uri="{FF2B5EF4-FFF2-40B4-BE49-F238E27FC236}">
-                <a16:creationId xmlns:a16="http://schemas.microsoft.com/office/drawing/2014/main" id="{762F17E1-BEE4-4F33-BE89-A17CD547582A}"/>
+                <a16:creationId xmlns:a16="http://schemas.microsoft.com/office/drawing/2014/main" id="{A97CD559-D39E-4C54-967E-8E4DD47B7256}"/>
               </a:ext>
             </a:extLst>
           </p:cNvPr>
@@ -4204,8 +5066,8 @@
         </p:blipFill>
         <p:spPr>
           <a:xfrm>
-            <a:off x="1" y="718457"/>
-            <a:ext cx="12192000" cy="6074229"/>
+            <a:off x="9396222" y="4352544"/>
+            <a:ext cx="2170403" cy="2170403"/>
           </a:xfrm>
           <a:prstGeom prst="rect">
             <a:avLst/>
@@ -4215,7 +5077,7 @@
     </p:spTree>
     <p:extLst>
       <p:ext uri="{BB962C8B-B14F-4D97-AF65-F5344CB8AC3E}">
-        <p14:creationId xmlns:p14="http://schemas.microsoft.com/office/powerpoint/2010/main" val="2348554424"/>
+        <p14:creationId xmlns:p14="http://schemas.microsoft.com/office/powerpoint/2010/main" val="889916932"/>
       </p:ext>
     </p:extLst>
   </p:cSld>
@@ -4225,347 +5087,7 @@
 </p:sld>
 </file>
 
-<file path=ppt/slides/slide11.xml><?xml version="1.0" encoding="utf-8"?>
-<p:sld xmlns:a="http://schemas.openxmlformats.org/drawingml/2006/main" xmlns:r="http://schemas.openxmlformats.org/officeDocument/2006/relationships" xmlns:p="http://schemas.openxmlformats.org/presentationml/2006/main">
-  <p:cSld>
-    <p:spTree>
-      <p:nvGrpSpPr>
-        <p:cNvPr id="1" name=""/>
-        <p:cNvGrpSpPr/>
-        <p:nvPr/>
-      </p:nvGrpSpPr>
-      <p:grpSpPr>
-        <a:xfrm>
-          <a:off x="0" y="0"/>
-          <a:ext cx="0" cy="0"/>
-          <a:chOff x="0" y="0"/>
-          <a:chExt cx="0" cy="0"/>
-        </a:xfrm>
-      </p:grpSpPr>
-      <p:sp>
-        <p:nvSpPr>
-          <p:cNvPr id="2" name="Título 1">
-            <a:extLst>
-              <a:ext uri="{FF2B5EF4-FFF2-40B4-BE49-F238E27FC236}">
-                <a16:creationId xmlns:a16="http://schemas.microsoft.com/office/drawing/2014/main" id="{F4CB12D3-4265-43E4-87F2-7433FCCB1AAB}"/>
-              </a:ext>
-            </a:extLst>
-          </p:cNvPr>
-          <p:cNvSpPr>
-            <a:spLocks noGrp="1"/>
-          </p:cNvSpPr>
-          <p:nvPr>
-            <p:ph type="title"/>
-          </p:nvPr>
-        </p:nvSpPr>
-        <p:spPr>
-          <a:xfrm>
-            <a:off x="1024128" y="713231"/>
-            <a:ext cx="9784080" cy="1072253"/>
-          </a:xfrm>
-        </p:spPr>
-        <p:txBody>
-          <a:bodyPr/>
-          <a:lstStyle/>
-          <a:p>
-            <a:r>
-              <a:rPr lang="pt-BR" dirty="0"/>
-              <a:t>ETL DOS DADOS FONTES PARA O TRANSACIONAL</a:t>
-            </a:r>
-          </a:p>
-        </p:txBody>
-      </p:sp>
-      <p:sp>
-        <p:nvSpPr>
-          <p:cNvPr id="3" name="Espaço Reservado para Conteúdo 2">
-            <a:extLst>
-              <a:ext uri="{FF2B5EF4-FFF2-40B4-BE49-F238E27FC236}">
-                <a16:creationId xmlns:a16="http://schemas.microsoft.com/office/drawing/2014/main" id="{DF23D007-5DCE-40EE-BFB6-38330CB2CAB0}"/>
-              </a:ext>
-            </a:extLst>
-          </p:cNvPr>
-          <p:cNvSpPr>
-            <a:spLocks noGrp="1"/>
-          </p:cNvSpPr>
-          <p:nvPr>
-            <p:ph idx="1"/>
-          </p:nvPr>
-        </p:nvSpPr>
-        <p:spPr>
-          <a:xfrm>
-            <a:off x="1874520" y="2052828"/>
-            <a:ext cx="8247888" cy="3101983"/>
-          </a:xfrm>
-        </p:spPr>
-        <p:txBody>
-          <a:bodyPr/>
-          <a:lstStyle/>
-          <a:p>
-            <a:pPr lvl="0" algn="just"/>
-            <a:r>
-              <a:rPr lang="pt-BR" dirty="0"/>
-              <a:t>Acessar o site do governo para realizar o download referente ao ano que será trabalhado.</a:t>
-            </a:r>
-          </a:p>
-          <a:p>
-            <a:pPr lvl="0" algn="just"/>
-            <a:r>
-              <a:rPr lang="pt-BR" dirty="0"/>
-              <a:t>Realizar o download no servidor.</a:t>
-            </a:r>
-          </a:p>
-          <a:p>
-            <a:pPr lvl="0" algn="just"/>
-            <a:r>
-              <a:rPr lang="pt-BR" dirty="0"/>
-              <a:t>Descompactar o arquivo dos dados brutos.</a:t>
-            </a:r>
-          </a:p>
-          <a:p>
-            <a:pPr lvl="0" algn="just"/>
-            <a:r>
-              <a:rPr lang="pt-BR" dirty="0"/>
-              <a:t>Executar os scripts Shell e Python que tem por objetivo extrair os dados, transformá-los e, por fim, realizar o Load para a tabela destino.</a:t>
-            </a:r>
-          </a:p>
-          <a:p>
-            <a:endParaRPr lang="pt-BR" dirty="0"/>
-          </a:p>
-        </p:txBody>
-      </p:sp>
-    </p:spTree>
-    <p:extLst>
-      <p:ext uri="{BB962C8B-B14F-4D97-AF65-F5344CB8AC3E}">
-        <p14:creationId xmlns:p14="http://schemas.microsoft.com/office/powerpoint/2010/main" val="1170380226"/>
-      </p:ext>
-    </p:extLst>
-  </p:cSld>
-  <p:clrMapOvr>
-    <a:masterClrMapping/>
-  </p:clrMapOvr>
-</p:sld>
-</file>
-
-<file path=ppt/slides/slide12.xml><?xml version="1.0" encoding="utf-8"?>
-<p:sld xmlns:a="http://schemas.openxmlformats.org/drawingml/2006/main" xmlns:r="http://schemas.openxmlformats.org/officeDocument/2006/relationships" xmlns:p="http://schemas.openxmlformats.org/presentationml/2006/main">
-  <p:cSld>
-    <p:spTree>
-      <p:nvGrpSpPr>
-        <p:cNvPr id="1" name=""/>
-        <p:cNvGrpSpPr/>
-        <p:nvPr/>
-      </p:nvGrpSpPr>
-      <p:grpSpPr>
-        <a:xfrm>
-          <a:off x="0" y="0"/>
-          <a:ext cx="0" cy="0"/>
-          <a:chOff x="0" y="0"/>
-          <a:chExt cx="0" cy="0"/>
-        </a:xfrm>
-      </p:grpSpPr>
-      <p:sp>
-        <p:nvSpPr>
-          <p:cNvPr id="2" name="Título 1">
-            <a:extLst>
-              <a:ext uri="{FF2B5EF4-FFF2-40B4-BE49-F238E27FC236}">
-                <a16:creationId xmlns:a16="http://schemas.microsoft.com/office/drawing/2014/main" id="{F4CB12D3-4265-43E4-87F2-7433FCCB1AAB}"/>
-              </a:ext>
-            </a:extLst>
-          </p:cNvPr>
-          <p:cNvSpPr>
-            <a:spLocks noGrp="1"/>
-          </p:cNvSpPr>
-          <p:nvPr>
-            <p:ph type="title"/>
-          </p:nvPr>
-        </p:nvSpPr>
-        <p:spPr>
-          <a:xfrm>
-            <a:off x="2389757" y="302956"/>
-            <a:ext cx="7729728" cy="1188720"/>
-          </a:xfrm>
-        </p:spPr>
-        <p:txBody>
-          <a:bodyPr/>
-          <a:lstStyle/>
-          <a:p>
-            <a:r>
-              <a:rPr lang="pt-BR" dirty="0"/>
-              <a:t>ETL DOS DADOS FONTES PARA O TRANSACIONAL</a:t>
-            </a:r>
-          </a:p>
-        </p:txBody>
-      </p:sp>
-      <p:pic>
-        <p:nvPicPr>
-          <p:cNvPr id="6" name="Espaço Reservado para Conteúdo 5" descr="Texto&#10;&#10;Descrição gerada automaticamente">
-            <a:extLst>
-              <a:ext uri="{FF2B5EF4-FFF2-40B4-BE49-F238E27FC236}">
-                <a16:creationId xmlns:a16="http://schemas.microsoft.com/office/drawing/2014/main" id="{1AA75A75-0FF5-4498-BF2F-745372B0C79E}"/>
-              </a:ext>
-            </a:extLst>
-          </p:cNvPr>
-          <p:cNvPicPr>
-            <a:picLocks noGrp="1" noChangeAspect="1"/>
-          </p:cNvPicPr>
-          <p:nvPr>
-            <p:ph sz="half" idx="2"/>
-          </p:nvPr>
-        </p:nvPicPr>
-        <p:blipFill>
-          <a:blip r:embed="rId2"/>
-          <a:stretch>
-            <a:fillRect/>
-          </a:stretch>
-        </p:blipFill>
-        <p:spPr>
-          <a:xfrm>
-            <a:off x="6438122" y="1782148"/>
-            <a:ext cx="5501949" cy="4814530"/>
-          </a:xfrm>
-          <a:prstGeom prst="rect">
-            <a:avLst/>
-          </a:prstGeom>
-        </p:spPr>
-      </p:pic>
-      <p:pic>
-        <p:nvPicPr>
-          <p:cNvPr id="7" name="Espaço Reservado para Conteúdo 6" descr="Interface gráfica do usuário, Texto, Aplicativo, Email&#10;&#10;Descrição gerada automaticamente">
-            <a:extLst>
-              <a:ext uri="{FF2B5EF4-FFF2-40B4-BE49-F238E27FC236}">
-                <a16:creationId xmlns:a16="http://schemas.microsoft.com/office/drawing/2014/main" id="{0274520D-DD3E-4FC3-9567-10418379D8CA}"/>
-              </a:ext>
-            </a:extLst>
-          </p:cNvPr>
-          <p:cNvPicPr>
-            <a:picLocks noGrp="1" noChangeAspect="1"/>
-          </p:cNvPicPr>
-          <p:nvPr>
-            <p:ph sz="half" idx="1"/>
-          </p:nvPr>
-        </p:nvPicPr>
-        <p:blipFill>
-          <a:blip r:embed="rId3"/>
-          <a:stretch>
-            <a:fillRect/>
-          </a:stretch>
-        </p:blipFill>
-        <p:spPr>
-          <a:xfrm>
-            <a:off x="251928" y="1782148"/>
-            <a:ext cx="6008913" cy="4814530"/>
-          </a:xfrm>
-          <a:prstGeom prst="rect">
-            <a:avLst/>
-          </a:prstGeom>
-        </p:spPr>
-      </p:pic>
-    </p:spTree>
-    <p:extLst>
-      <p:ext uri="{BB962C8B-B14F-4D97-AF65-F5344CB8AC3E}">
-        <p14:creationId xmlns:p14="http://schemas.microsoft.com/office/powerpoint/2010/main" val="788224151"/>
-      </p:ext>
-    </p:extLst>
-  </p:cSld>
-  <p:clrMapOvr>
-    <a:masterClrMapping/>
-  </p:clrMapOvr>
-</p:sld>
-</file>
-
-<file path=ppt/slides/slide13.xml><?xml version="1.0" encoding="utf-8"?>
-<p:sld xmlns:a="http://schemas.openxmlformats.org/drawingml/2006/main" xmlns:r="http://schemas.openxmlformats.org/officeDocument/2006/relationships" xmlns:p="http://schemas.openxmlformats.org/presentationml/2006/main">
-  <p:cSld>
-    <p:spTree>
-      <p:nvGrpSpPr>
-        <p:cNvPr id="1" name=""/>
-        <p:cNvGrpSpPr/>
-        <p:nvPr/>
-      </p:nvGrpSpPr>
-      <p:grpSpPr>
-        <a:xfrm>
-          <a:off x="0" y="0"/>
-          <a:ext cx="0" cy="0"/>
-          <a:chOff x="0" y="0"/>
-          <a:chExt cx="0" cy="0"/>
-        </a:xfrm>
-      </p:grpSpPr>
-      <p:sp>
-        <p:nvSpPr>
-          <p:cNvPr id="2" name="Título 1">
-            <a:extLst>
-              <a:ext uri="{FF2B5EF4-FFF2-40B4-BE49-F238E27FC236}">
-                <a16:creationId xmlns:a16="http://schemas.microsoft.com/office/drawing/2014/main" id="{F4CB12D3-4265-43E4-87F2-7433FCCB1AAB}"/>
-              </a:ext>
-            </a:extLst>
-          </p:cNvPr>
-          <p:cNvSpPr>
-            <a:spLocks noGrp="1"/>
-          </p:cNvSpPr>
-          <p:nvPr>
-            <p:ph type="title"/>
-          </p:nvPr>
-        </p:nvSpPr>
-        <p:spPr>
-          <a:xfrm>
-            <a:off x="2389757" y="302956"/>
-            <a:ext cx="7729728" cy="1188720"/>
-          </a:xfrm>
-        </p:spPr>
-        <p:txBody>
-          <a:bodyPr/>
-          <a:lstStyle/>
-          <a:p>
-            <a:r>
-              <a:rPr lang="pt-BR" dirty="0"/>
-              <a:t>ETL DOS DADOS FONTES PARA O TRANSACIONAL</a:t>
-            </a:r>
-          </a:p>
-        </p:txBody>
-      </p:sp>
-      <p:pic>
-        <p:nvPicPr>
-          <p:cNvPr id="10" name="Espaço Reservado para Conteúdo 9">
-            <a:extLst>
-              <a:ext uri="{FF2B5EF4-FFF2-40B4-BE49-F238E27FC236}">
-                <a16:creationId xmlns:a16="http://schemas.microsoft.com/office/drawing/2014/main" id="{4D4FA987-C26E-49FB-A132-908E65AA6FDE}"/>
-              </a:ext>
-            </a:extLst>
-          </p:cNvPr>
-          <p:cNvPicPr>
-            <a:picLocks noGrp="1" noChangeAspect="1"/>
-          </p:cNvPicPr>
-          <p:nvPr>
-            <p:ph sz="half" idx="1"/>
-          </p:nvPr>
-        </p:nvPicPr>
-        <p:blipFill>
-          <a:blip r:embed="rId2"/>
-          <a:stretch>
-            <a:fillRect/>
-          </a:stretch>
-        </p:blipFill>
-        <p:spPr>
-          <a:xfrm>
-            <a:off x="1633915" y="1660849"/>
-            <a:ext cx="9674786" cy="4699132"/>
-          </a:xfrm>
-        </p:spPr>
-      </p:pic>
-    </p:spTree>
-    <p:extLst>
-      <p:ext uri="{BB962C8B-B14F-4D97-AF65-F5344CB8AC3E}">
-        <p14:creationId xmlns:p14="http://schemas.microsoft.com/office/powerpoint/2010/main" val="253134658"/>
-      </p:ext>
-    </p:extLst>
-  </p:cSld>
-  <p:clrMapOvr>
-    <a:masterClrMapping/>
-  </p:clrMapOvr>
-</p:sld>
-</file>
-
-<file path=ppt/slides/slide14.xml><?xml version="1.0" encoding="utf-8"?>
+<file path=ppt/slides/slide10.xml><?xml version="1.0" encoding="utf-8"?>
 <p:sld xmlns:a="http://schemas.openxmlformats.org/drawingml/2006/main" xmlns:r="http://schemas.openxmlformats.org/officeDocument/2006/relationships" xmlns:p="http://schemas.openxmlformats.org/presentationml/2006/main">
   <p:cSld>
     <p:spTree>
@@ -5280,7 +5802,7 @@
 </p:sld>
 </file>
 
-<file path=ppt/slides/slide15.xml><?xml version="1.0" encoding="utf-8"?>
+<file path=ppt/slides/slide11.xml><?xml version="1.0" encoding="utf-8"?>
 <p:sld xmlns:a="http://schemas.openxmlformats.org/drawingml/2006/main" xmlns:r="http://schemas.openxmlformats.org/officeDocument/2006/relationships" xmlns:p="http://schemas.openxmlformats.org/presentationml/2006/main">
   <p:cSld>
     <p:spTree>
@@ -5380,7 +5902,7 @@
 </p:sld>
 </file>
 
-<file path=ppt/slides/slide16.xml><?xml version="1.0" encoding="utf-8"?>
+<file path=ppt/slides/slide12.xml><?xml version="1.0" encoding="utf-8"?>
 <p:sld xmlns:a="http://schemas.openxmlformats.org/drawingml/2006/main" xmlns:r="http://schemas.openxmlformats.org/officeDocument/2006/relationships" xmlns:p="http://schemas.openxmlformats.org/presentationml/2006/main">
   <p:cSld>
     <p:spTree>
@@ -5430,52 +5952,41 @@
           </a:p>
         </p:txBody>
       </p:sp>
-      <p:sp>
-        <p:nvSpPr>
-          <p:cNvPr id="4" name="Espaço Reservado para Conteúdo 3">
+      <p:pic>
+        <p:nvPicPr>
+          <p:cNvPr id="9" name="Espaço Reservado para Conteúdo 8">
             <a:extLst>
               <a:ext uri="{FF2B5EF4-FFF2-40B4-BE49-F238E27FC236}">
-                <a16:creationId xmlns:a16="http://schemas.microsoft.com/office/drawing/2014/main" id="{9086E008-917B-4C09-8876-71D158D3EB10}"/>
+                <a16:creationId xmlns:a16="http://schemas.microsoft.com/office/drawing/2014/main" id="{16545536-7D7E-41FB-8F28-869CCA4F8A2E}"/>
               </a:ext>
             </a:extLst>
           </p:cNvPr>
-          <p:cNvSpPr>
-            <a:spLocks noGrp="1"/>
-          </p:cNvSpPr>
+          <p:cNvPicPr>
+            <a:picLocks noGrp="1" noChangeAspect="1"/>
+          </p:cNvPicPr>
           <p:nvPr>
             <p:ph idx="1"/>
           </p:nvPr>
-        </p:nvSpPr>
-        <p:spPr/>
-        <p:txBody>
-          <a:bodyPr/>
-          <a:lstStyle/>
-          <a:p>
-            <a:r>
-              <a:rPr lang="pt-BR" dirty="0"/>
-              <a:t>Após os dados estarem disponíveis nos bancos de dados transacionais, então pode ser realizado o ETL do transacional para o DW. </a:t>
-            </a:r>
-          </a:p>
-          <a:p>
-            <a:r>
-              <a:rPr lang="pt-BR" dirty="0"/>
-              <a:t>O ETL extrai os dados do transacional, realiza as devidas transformações e faz o carregamento para o DW. </a:t>
-            </a:r>
-          </a:p>
-          <a:p>
-            <a:r>
-              <a:rPr lang="pt-BR" dirty="0"/>
-              <a:t>Os planos de carga em sua maioria são gerados e executados usando a ferramenta Pentaho Data Integration.</a:t>
-            </a:r>
-          </a:p>
-          <a:p>
-            <a:pPr marL="0" indent="0">
-              <a:buNone/>
-            </a:pPr>
-            <a:endParaRPr lang="pt-BR" dirty="0"/>
-          </a:p>
-        </p:txBody>
-      </p:sp>
+        </p:nvPicPr>
+        <p:blipFill>
+          <a:blip r:embed="rId3">
+            <a:extLst>
+              <a:ext uri="{28A0092B-C50C-407E-A947-70E740481C1C}">
+                <a14:useLocalDpi xmlns:a14="http://schemas.microsoft.com/office/drawing/2010/main" val="0"/>
+              </a:ext>
+            </a:extLst>
+          </a:blip>
+          <a:stretch>
+            <a:fillRect/>
+          </a:stretch>
+        </p:blipFill>
+        <p:spPr>
+          <a:xfrm>
+            <a:off x="1036320" y="3071331"/>
+            <a:ext cx="10385368" cy="1520824"/>
+          </a:xfrm>
+        </p:spPr>
+      </p:pic>
     </p:spTree>
     <p:extLst>
       <p:ext uri="{BB962C8B-B14F-4D97-AF65-F5344CB8AC3E}">
@@ -5489,7 +6000,7 @@
 </p:sld>
 </file>
 
-<file path=ppt/slides/slide17.xml><?xml version="1.0" encoding="utf-8"?>
+<file path=ppt/slides/slide13.xml><?xml version="1.0" encoding="utf-8"?>
 <p:sld xmlns:a="http://schemas.openxmlformats.org/drawingml/2006/main" xmlns:r="http://schemas.openxmlformats.org/officeDocument/2006/relationships" xmlns:p="http://schemas.openxmlformats.org/presentationml/2006/main">
   <p:cSld>
     <p:spTree>
@@ -5586,7 +6097,7 @@
 </p:sld>
 </file>
 
-<file path=ppt/slides/slide18.xml><?xml version="1.0" encoding="utf-8"?>
+<file path=ppt/slides/slide14.xml><?xml version="1.0" encoding="utf-8"?>
 <p:sld xmlns:a="http://schemas.openxmlformats.org/drawingml/2006/main" xmlns:r="http://schemas.openxmlformats.org/officeDocument/2006/relationships" xmlns:p="http://schemas.openxmlformats.org/presentationml/2006/main">
   <p:cSld>
     <p:spTree>
@@ -5654,13 +6165,13 @@
           <a:p>
             <a:r>
               <a:rPr lang="pt-BR" dirty="0"/>
-              <a:t>Disponibilização de infraestrutura fim-a-fim para os dados transacionais de cada ano.</a:t>
+              <a:t>Disponibilização dos dados transacionais para cada ano.</a:t>
             </a:r>
           </a:p>
           <a:p>
             <a:r>
               <a:rPr lang="pt-BR" dirty="0"/>
-              <a:t>Disponibilização de uma infraestrutura fim-a-fim para os dados DW.</a:t>
+              <a:t>Disponibilização do DW.</a:t>
             </a:r>
           </a:p>
           <a:p>
@@ -5866,7 +6377,7 @@
 </p:sld>
 </file>
 
-<file path=ppt/slides/slide19.xml><?xml version="1.0" encoding="utf-8"?>
+<file path=ppt/slides/slide15.xml><?xml version="1.0" encoding="utf-8"?>
 <p:sld xmlns:a="http://schemas.openxmlformats.org/drawingml/2006/main" xmlns:r="http://schemas.openxmlformats.org/officeDocument/2006/relationships" xmlns:p="http://schemas.openxmlformats.org/presentationml/2006/main">
   <p:cSld>
     <p:spTree>
@@ -5952,6 +6463,386 @@
     <p:extLst>
       <p:ext uri="{BB962C8B-B14F-4D97-AF65-F5344CB8AC3E}">
         <p14:creationId xmlns:p14="http://schemas.microsoft.com/office/powerpoint/2010/main" val="1374608948"/>
+      </p:ext>
+    </p:extLst>
+  </p:cSld>
+  <p:clrMapOvr>
+    <a:masterClrMapping/>
+  </p:clrMapOvr>
+</p:sld>
+</file>
+
+<file path=ppt/slides/slide16.xml><?xml version="1.0" encoding="utf-8"?>
+<p:sld xmlns:a="http://schemas.openxmlformats.org/drawingml/2006/main" xmlns:r="http://schemas.openxmlformats.org/officeDocument/2006/relationships" xmlns:p="http://schemas.openxmlformats.org/presentationml/2006/main">
+  <p:cSld>
+    <p:spTree>
+      <p:nvGrpSpPr>
+        <p:cNvPr id="1" name=""/>
+        <p:cNvGrpSpPr/>
+        <p:nvPr/>
+      </p:nvGrpSpPr>
+      <p:grpSpPr>
+        <a:xfrm>
+          <a:off x="0" y="0"/>
+          <a:ext cx="0" cy="0"/>
+          <a:chOff x="0" y="0"/>
+          <a:chExt cx="0" cy="0"/>
+        </a:xfrm>
+      </p:grpSpPr>
+      <p:sp>
+        <p:nvSpPr>
+          <p:cNvPr id="2" name="Título 1">
+            <a:extLst>
+              <a:ext uri="{FF2B5EF4-FFF2-40B4-BE49-F238E27FC236}">
+                <a16:creationId xmlns:a16="http://schemas.microsoft.com/office/drawing/2014/main" id="{2045F919-FC56-499A-A924-E42BBB1DE487}"/>
+              </a:ext>
+            </a:extLst>
+          </p:cNvPr>
+          <p:cNvSpPr>
+            <a:spLocks noGrp="1"/>
+          </p:cNvSpPr>
+          <p:nvPr>
+            <p:ph type="title"/>
+          </p:nvPr>
+        </p:nvSpPr>
+        <p:spPr>
+          <a:xfrm>
+            <a:off x="2231136" y="167951"/>
+            <a:ext cx="7729728" cy="854778"/>
+          </a:xfrm>
+        </p:spPr>
+        <p:txBody>
+          <a:bodyPr/>
+          <a:lstStyle/>
+          <a:p>
+            <a:r>
+              <a:rPr lang="pt-BR" dirty="0"/>
+              <a:t>Resultados – gráfico2</a:t>
+            </a:r>
+          </a:p>
+        </p:txBody>
+      </p:sp>
+      <p:pic>
+        <p:nvPicPr>
+          <p:cNvPr id="6" name="Espaço Reservado para Conteúdo 5" descr="Gráfico, Gráfico de barras&#10;&#10;Descrição gerada automaticamente">
+            <a:extLst>
+              <a:ext uri="{FF2B5EF4-FFF2-40B4-BE49-F238E27FC236}">
+                <a16:creationId xmlns:a16="http://schemas.microsoft.com/office/drawing/2014/main" id="{7CB09530-870D-42AC-A4C6-1BC84C5D07D1}"/>
+              </a:ext>
+            </a:extLst>
+          </p:cNvPr>
+          <p:cNvPicPr>
+            <a:picLocks noGrp="1" noChangeAspect="1"/>
+          </p:cNvPicPr>
+          <p:nvPr>
+            <p:ph idx="1"/>
+          </p:nvPr>
+        </p:nvPicPr>
+        <p:blipFill>
+          <a:blip r:embed="rId2"/>
+          <a:stretch>
+            <a:fillRect/>
+          </a:stretch>
+        </p:blipFill>
+        <p:spPr>
+          <a:xfrm>
+            <a:off x="304800" y="1156996"/>
+            <a:ext cx="11582400" cy="5533053"/>
+          </a:xfrm>
+          <a:prstGeom prst="rect">
+            <a:avLst/>
+          </a:prstGeom>
+        </p:spPr>
+      </p:pic>
+    </p:spTree>
+    <p:extLst>
+      <p:ext uri="{BB962C8B-B14F-4D97-AF65-F5344CB8AC3E}">
+        <p14:creationId xmlns:p14="http://schemas.microsoft.com/office/powerpoint/2010/main" val="1467961567"/>
+      </p:ext>
+    </p:extLst>
+  </p:cSld>
+  <p:clrMapOvr>
+    <a:masterClrMapping/>
+  </p:clrMapOvr>
+</p:sld>
+</file>
+
+<file path=ppt/slides/slide17.xml><?xml version="1.0" encoding="utf-8"?>
+<p:sld xmlns:a="http://schemas.openxmlformats.org/drawingml/2006/main" xmlns:r="http://schemas.openxmlformats.org/officeDocument/2006/relationships" xmlns:p="http://schemas.openxmlformats.org/presentationml/2006/main">
+  <p:cSld>
+    <p:spTree>
+      <p:nvGrpSpPr>
+        <p:cNvPr id="1" name=""/>
+        <p:cNvGrpSpPr/>
+        <p:nvPr/>
+      </p:nvGrpSpPr>
+      <p:grpSpPr>
+        <a:xfrm>
+          <a:off x="0" y="0"/>
+          <a:ext cx="0" cy="0"/>
+          <a:chOff x="0" y="0"/>
+          <a:chExt cx="0" cy="0"/>
+        </a:xfrm>
+      </p:grpSpPr>
+      <p:sp>
+        <p:nvSpPr>
+          <p:cNvPr id="2" name="Título 1">
+            <a:extLst>
+              <a:ext uri="{FF2B5EF4-FFF2-40B4-BE49-F238E27FC236}">
+                <a16:creationId xmlns:a16="http://schemas.microsoft.com/office/drawing/2014/main" id="{2045F919-FC56-499A-A924-E42BBB1DE487}"/>
+              </a:ext>
+            </a:extLst>
+          </p:cNvPr>
+          <p:cNvSpPr>
+            <a:spLocks noGrp="1"/>
+          </p:cNvSpPr>
+          <p:nvPr>
+            <p:ph type="title"/>
+          </p:nvPr>
+        </p:nvSpPr>
+        <p:spPr>
+          <a:xfrm>
+            <a:off x="2231136" y="167951"/>
+            <a:ext cx="7729728" cy="854778"/>
+          </a:xfrm>
+        </p:spPr>
+        <p:txBody>
+          <a:bodyPr/>
+          <a:lstStyle/>
+          <a:p>
+            <a:r>
+              <a:rPr lang="pt-BR" dirty="0"/>
+              <a:t>Resultados – gráfico3</a:t>
+            </a:r>
+          </a:p>
+        </p:txBody>
+      </p:sp>
+      <p:pic>
+        <p:nvPicPr>
+          <p:cNvPr id="8" name="Espaço Reservado para Conteúdo 7" descr="Gráfico, Gráfico de linhas&#10;&#10;Descrição gerada automaticamente">
+            <a:extLst>
+              <a:ext uri="{FF2B5EF4-FFF2-40B4-BE49-F238E27FC236}">
+                <a16:creationId xmlns:a16="http://schemas.microsoft.com/office/drawing/2014/main" id="{0CC923A4-C2BB-4BF2-B40C-779AE7F8F47E}"/>
+              </a:ext>
+            </a:extLst>
+          </p:cNvPr>
+          <p:cNvPicPr>
+            <a:picLocks noGrp="1" noChangeAspect="1"/>
+          </p:cNvPicPr>
+          <p:nvPr>
+            <p:ph idx="1"/>
+          </p:nvPr>
+        </p:nvPicPr>
+        <p:blipFill>
+          <a:blip r:embed="rId2"/>
+          <a:stretch>
+            <a:fillRect/>
+          </a:stretch>
+        </p:blipFill>
+        <p:spPr>
+          <a:xfrm>
+            <a:off x="351453" y="1184920"/>
+            <a:ext cx="11489094" cy="5505129"/>
+          </a:xfrm>
+          <a:prstGeom prst="rect">
+            <a:avLst/>
+          </a:prstGeom>
+        </p:spPr>
+      </p:pic>
+    </p:spTree>
+    <p:extLst>
+      <p:ext uri="{BB962C8B-B14F-4D97-AF65-F5344CB8AC3E}">
+        <p14:creationId xmlns:p14="http://schemas.microsoft.com/office/powerpoint/2010/main" val="3814573970"/>
+      </p:ext>
+    </p:extLst>
+  </p:cSld>
+  <p:clrMapOvr>
+    <a:masterClrMapping/>
+  </p:clrMapOvr>
+</p:sld>
+</file>
+
+<file path=ppt/slides/slide18.xml><?xml version="1.0" encoding="utf-8"?>
+<p:sld xmlns:a="http://schemas.openxmlformats.org/drawingml/2006/main" xmlns:r="http://schemas.openxmlformats.org/officeDocument/2006/relationships" xmlns:p="http://schemas.openxmlformats.org/presentationml/2006/main">
+  <p:cSld>
+    <p:spTree>
+      <p:nvGrpSpPr>
+        <p:cNvPr id="1" name=""/>
+        <p:cNvGrpSpPr/>
+        <p:nvPr/>
+      </p:nvGrpSpPr>
+      <p:grpSpPr>
+        <a:xfrm>
+          <a:off x="0" y="0"/>
+          <a:ext cx="0" cy="0"/>
+          <a:chOff x="0" y="0"/>
+          <a:chExt cx="0" cy="0"/>
+        </a:xfrm>
+      </p:grpSpPr>
+      <p:sp>
+        <p:nvSpPr>
+          <p:cNvPr id="2" name="Título 1">
+            <a:extLst>
+              <a:ext uri="{FF2B5EF4-FFF2-40B4-BE49-F238E27FC236}">
+                <a16:creationId xmlns:a16="http://schemas.microsoft.com/office/drawing/2014/main" id="{2045F919-FC56-499A-A924-E42BBB1DE487}"/>
+              </a:ext>
+            </a:extLst>
+          </p:cNvPr>
+          <p:cNvSpPr>
+            <a:spLocks noGrp="1"/>
+          </p:cNvSpPr>
+          <p:nvPr>
+            <p:ph type="title"/>
+          </p:nvPr>
+        </p:nvSpPr>
+        <p:spPr>
+          <a:xfrm>
+            <a:off x="2231136" y="167951"/>
+            <a:ext cx="7729728" cy="854778"/>
+          </a:xfrm>
+        </p:spPr>
+        <p:txBody>
+          <a:bodyPr/>
+          <a:lstStyle/>
+          <a:p>
+            <a:r>
+              <a:rPr lang="pt-BR" dirty="0"/>
+              <a:t>Resultados – gráfico4</a:t>
+            </a:r>
+          </a:p>
+        </p:txBody>
+      </p:sp>
+      <p:pic>
+        <p:nvPicPr>
+          <p:cNvPr id="6" name="Espaço Reservado para Conteúdo 5" descr="Tela de celular com publicação numa rede social&#10;&#10;Descrição gerada automaticamente com confiança baixa">
+            <a:extLst>
+              <a:ext uri="{FF2B5EF4-FFF2-40B4-BE49-F238E27FC236}">
+                <a16:creationId xmlns:a16="http://schemas.microsoft.com/office/drawing/2014/main" id="{A7425074-5A8B-49CC-944A-439D3ADAE5DC}"/>
+              </a:ext>
+            </a:extLst>
+          </p:cNvPr>
+          <p:cNvPicPr>
+            <a:picLocks noGrp="1" noChangeAspect="1"/>
+          </p:cNvPicPr>
+          <p:nvPr>
+            <p:ph idx="1"/>
+          </p:nvPr>
+        </p:nvPicPr>
+        <p:blipFill>
+          <a:blip r:embed="rId2"/>
+          <a:stretch>
+            <a:fillRect/>
+          </a:stretch>
+        </p:blipFill>
+        <p:spPr>
+          <a:xfrm>
+            <a:off x="192832" y="1194319"/>
+            <a:ext cx="11806336" cy="5495730"/>
+          </a:xfrm>
+          <a:prstGeom prst="rect">
+            <a:avLst/>
+          </a:prstGeom>
+        </p:spPr>
+      </p:pic>
+    </p:spTree>
+    <p:extLst>
+      <p:ext uri="{BB962C8B-B14F-4D97-AF65-F5344CB8AC3E}">
+        <p14:creationId xmlns:p14="http://schemas.microsoft.com/office/powerpoint/2010/main" val="72538576"/>
+      </p:ext>
+    </p:extLst>
+  </p:cSld>
+  <p:clrMapOvr>
+    <a:masterClrMapping/>
+  </p:clrMapOvr>
+</p:sld>
+</file>
+
+<file path=ppt/slides/slide19.xml><?xml version="1.0" encoding="utf-8"?>
+<p:sld xmlns:a="http://schemas.openxmlformats.org/drawingml/2006/main" xmlns:r="http://schemas.openxmlformats.org/officeDocument/2006/relationships" xmlns:p="http://schemas.openxmlformats.org/presentationml/2006/main">
+  <p:cSld>
+    <p:spTree>
+      <p:nvGrpSpPr>
+        <p:cNvPr id="1" name=""/>
+        <p:cNvGrpSpPr/>
+        <p:nvPr/>
+      </p:nvGrpSpPr>
+      <p:grpSpPr>
+        <a:xfrm>
+          <a:off x="0" y="0"/>
+          <a:ext cx="0" cy="0"/>
+          <a:chOff x="0" y="0"/>
+          <a:chExt cx="0" cy="0"/>
+        </a:xfrm>
+      </p:grpSpPr>
+      <p:sp>
+        <p:nvSpPr>
+          <p:cNvPr id="2" name="Título 1">
+            <a:extLst>
+              <a:ext uri="{FF2B5EF4-FFF2-40B4-BE49-F238E27FC236}">
+                <a16:creationId xmlns:a16="http://schemas.microsoft.com/office/drawing/2014/main" id="{2045F919-FC56-499A-A924-E42BBB1DE487}"/>
+              </a:ext>
+            </a:extLst>
+          </p:cNvPr>
+          <p:cNvSpPr>
+            <a:spLocks noGrp="1"/>
+          </p:cNvSpPr>
+          <p:nvPr>
+            <p:ph type="title"/>
+          </p:nvPr>
+        </p:nvSpPr>
+        <p:spPr>
+          <a:xfrm>
+            <a:off x="2231136" y="167951"/>
+            <a:ext cx="7729728" cy="854778"/>
+          </a:xfrm>
+        </p:spPr>
+        <p:txBody>
+          <a:bodyPr/>
+          <a:lstStyle/>
+          <a:p>
+            <a:r>
+              <a:rPr lang="pt-BR" dirty="0"/>
+              <a:t>Resultados – gráfico5</a:t>
+            </a:r>
+          </a:p>
+        </p:txBody>
+      </p:sp>
+      <p:pic>
+        <p:nvPicPr>
+          <p:cNvPr id="7" name="Espaço Reservado para Conteúdo 6" descr="Gráfico, Gráfico de barras&#10;&#10;Descrição gerada automaticamente">
+            <a:extLst>
+              <a:ext uri="{FF2B5EF4-FFF2-40B4-BE49-F238E27FC236}">
+                <a16:creationId xmlns:a16="http://schemas.microsoft.com/office/drawing/2014/main" id="{CB882406-B77D-4392-A5A9-64E9D65D71E6}"/>
+              </a:ext>
+            </a:extLst>
+          </p:cNvPr>
+          <p:cNvPicPr>
+            <a:picLocks noGrp="1" noChangeAspect="1"/>
+          </p:cNvPicPr>
+          <p:nvPr>
+            <p:ph idx="1"/>
+          </p:nvPr>
+        </p:nvPicPr>
+        <p:blipFill>
+          <a:blip r:embed="rId2"/>
+          <a:stretch>
+            <a:fillRect/>
+          </a:stretch>
+        </p:blipFill>
+        <p:spPr>
+          <a:xfrm>
+            <a:off x="231710" y="1184988"/>
+            <a:ext cx="11728579" cy="5505061"/>
+          </a:xfrm>
+          <a:prstGeom prst="rect">
+            <a:avLst/>
+          </a:prstGeom>
+        </p:spPr>
+      </p:pic>
+    </p:spTree>
+    <p:extLst>
+      <p:ext uri="{BB962C8B-B14F-4D97-AF65-F5344CB8AC3E}">
+        <p14:creationId xmlns:p14="http://schemas.microsoft.com/office/powerpoint/2010/main" val="2302076548"/>
       </p:ext>
     </p:extLst>
   </p:cSld>
@@ -6142,7 +7033,7 @@
           <a:p>
             <a:r>
               <a:rPr lang="pt-BR" dirty="0"/>
-              <a:t>Impedimentos</a:t>
+              <a:t>Limitações</a:t>
             </a:r>
           </a:p>
           <a:p>
@@ -6167,386 +7058,6 @@
 </file>
 
 <file path=ppt/slides/slide20.xml><?xml version="1.0" encoding="utf-8"?>
-<p:sld xmlns:a="http://schemas.openxmlformats.org/drawingml/2006/main" xmlns:r="http://schemas.openxmlformats.org/officeDocument/2006/relationships" xmlns:p="http://schemas.openxmlformats.org/presentationml/2006/main">
-  <p:cSld>
-    <p:spTree>
-      <p:nvGrpSpPr>
-        <p:cNvPr id="1" name=""/>
-        <p:cNvGrpSpPr/>
-        <p:nvPr/>
-      </p:nvGrpSpPr>
-      <p:grpSpPr>
-        <a:xfrm>
-          <a:off x="0" y="0"/>
-          <a:ext cx="0" cy="0"/>
-          <a:chOff x="0" y="0"/>
-          <a:chExt cx="0" cy="0"/>
-        </a:xfrm>
-      </p:grpSpPr>
-      <p:sp>
-        <p:nvSpPr>
-          <p:cNvPr id="2" name="Título 1">
-            <a:extLst>
-              <a:ext uri="{FF2B5EF4-FFF2-40B4-BE49-F238E27FC236}">
-                <a16:creationId xmlns:a16="http://schemas.microsoft.com/office/drawing/2014/main" id="{2045F919-FC56-499A-A924-E42BBB1DE487}"/>
-              </a:ext>
-            </a:extLst>
-          </p:cNvPr>
-          <p:cNvSpPr>
-            <a:spLocks noGrp="1"/>
-          </p:cNvSpPr>
-          <p:nvPr>
-            <p:ph type="title"/>
-          </p:nvPr>
-        </p:nvSpPr>
-        <p:spPr>
-          <a:xfrm>
-            <a:off x="2231136" y="167951"/>
-            <a:ext cx="7729728" cy="854778"/>
-          </a:xfrm>
-        </p:spPr>
-        <p:txBody>
-          <a:bodyPr/>
-          <a:lstStyle/>
-          <a:p>
-            <a:r>
-              <a:rPr lang="pt-BR" dirty="0"/>
-              <a:t>Resultados – gráfico2</a:t>
-            </a:r>
-          </a:p>
-        </p:txBody>
-      </p:sp>
-      <p:pic>
-        <p:nvPicPr>
-          <p:cNvPr id="6" name="Espaço Reservado para Conteúdo 5" descr="Gráfico, Gráfico de barras&#10;&#10;Descrição gerada automaticamente">
-            <a:extLst>
-              <a:ext uri="{FF2B5EF4-FFF2-40B4-BE49-F238E27FC236}">
-                <a16:creationId xmlns:a16="http://schemas.microsoft.com/office/drawing/2014/main" id="{7CB09530-870D-42AC-A4C6-1BC84C5D07D1}"/>
-              </a:ext>
-            </a:extLst>
-          </p:cNvPr>
-          <p:cNvPicPr>
-            <a:picLocks noGrp="1" noChangeAspect="1"/>
-          </p:cNvPicPr>
-          <p:nvPr>
-            <p:ph idx="1"/>
-          </p:nvPr>
-        </p:nvPicPr>
-        <p:blipFill>
-          <a:blip r:embed="rId2"/>
-          <a:stretch>
-            <a:fillRect/>
-          </a:stretch>
-        </p:blipFill>
-        <p:spPr>
-          <a:xfrm>
-            <a:off x="304800" y="1156996"/>
-            <a:ext cx="11582400" cy="5533053"/>
-          </a:xfrm>
-          <a:prstGeom prst="rect">
-            <a:avLst/>
-          </a:prstGeom>
-        </p:spPr>
-      </p:pic>
-    </p:spTree>
-    <p:extLst>
-      <p:ext uri="{BB962C8B-B14F-4D97-AF65-F5344CB8AC3E}">
-        <p14:creationId xmlns:p14="http://schemas.microsoft.com/office/powerpoint/2010/main" val="1467961567"/>
-      </p:ext>
-    </p:extLst>
-  </p:cSld>
-  <p:clrMapOvr>
-    <a:masterClrMapping/>
-  </p:clrMapOvr>
-</p:sld>
-</file>
-
-<file path=ppt/slides/slide21.xml><?xml version="1.0" encoding="utf-8"?>
-<p:sld xmlns:a="http://schemas.openxmlformats.org/drawingml/2006/main" xmlns:r="http://schemas.openxmlformats.org/officeDocument/2006/relationships" xmlns:p="http://schemas.openxmlformats.org/presentationml/2006/main">
-  <p:cSld>
-    <p:spTree>
-      <p:nvGrpSpPr>
-        <p:cNvPr id="1" name=""/>
-        <p:cNvGrpSpPr/>
-        <p:nvPr/>
-      </p:nvGrpSpPr>
-      <p:grpSpPr>
-        <a:xfrm>
-          <a:off x="0" y="0"/>
-          <a:ext cx="0" cy="0"/>
-          <a:chOff x="0" y="0"/>
-          <a:chExt cx="0" cy="0"/>
-        </a:xfrm>
-      </p:grpSpPr>
-      <p:sp>
-        <p:nvSpPr>
-          <p:cNvPr id="2" name="Título 1">
-            <a:extLst>
-              <a:ext uri="{FF2B5EF4-FFF2-40B4-BE49-F238E27FC236}">
-                <a16:creationId xmlns:a16="http://schemas.microsoft.com/office/drawing/2014/main" id="{2045F919-FC56-499A-A924-E42BBB1DE487}"/>
-              </a:ext>
-            </a:extLst>
-          </p:cNvPr>
-          <p:cNvSpPr>
-            <a:spLocks noGrp="1"/>
-          </p:cNvSpPr>
-          <p:nvPr>
-            <p:ph type="title"/>
-          </p:nvPr>
-        </p:nvSpPr>
-        <p:spPr>
-          <a:xfrm>
-            <a:off x="2231136" y="167951"/>
-            <a:ext cx="7729728" cy="854778"/>
-          </a:xfrm>
-        </p:spPr>
-        <p:txBody>
-          <a:bodyPr/>
-          <a:lstStyle/>
-          <a:p>
-            <a:r>
-              <a:rPr lang="pt-BR" dirty="0"/>
-              <a:t>Resultados – gráfico3</a:t>
-            </a:r>
-          </a:p>
-        </p:txBody>
-      </p:sp>
-      <p:pic>
-        <p:nvPicPr>
-          <p:cNvPr id="8" name="Espaço Reservado para Conteúdo 7" descr="Gráfico, Gráfico de linhas&#10;&#10;Descrição gerada automaticamente">
-            <a:extLst>
-              <a:ext uri="{FF2B5EF4-FFF2-40B4-BE49-F238E27FC236}">
-                <a16:creationId xmlns:a16="http://schemas.microsoft.com/office/drawing/2014/main" id="{0CC923A4-C2BB-4BF2-B40C-779AE7F8F47E}"/>
-              </a:ext>
-            </a:extLst>
-          </p:cNvPr>
-          <p:cNvPicPr>
-            <a:picLocks noGrp="1" noChangeAspect="1"/>
-          </p:cNvPicPr>
-          <p:nvPr>
-            <p:ph idx="1"/>
-          </p:nvPr>
-        </p:nvPicPr>
-        <p:blipFill>
-          <a:blip r:embed="rId2"/>
-          <a:stretch>
-            <a:fillRect/>
-          </a:stretch>
-        </p:blipFill>
-        <p:spPr>
-          <a:xfrm>
-            <a:off x="351453" y="1184920"/>
-            <a:ext cx="11489094" cy="5505129"/>
-          </a:xfrm>
-          <a:prstGeom prst="rect">
-            <a:avLst/>
-          </a:prstGeom>
-        </p:spPr>
-      </p:pic>
-    </p:spTree>
-    <p:extLst>
-      <p:ext uri="{BB962C8B-B14F-4D97-AF65-F5344CB8AC3E}">
-        <p14:creationId xmlns:p14="http://schemas.microsoft.com/office/powerpoint/2010/main" val="3814573970"/>
-      </p:ext>
-    </p:extLst>
-  </p:cSld>
-  <p:clrMapOvr>
-    <a:masterClrMapping/>
-  </p:clrMapOvr>
-</p:sld>
-</file>
-
-<file path=ppt/slides/slide22.xml><?xml version="1.0" encoding="utf-8"?>
-<p:sld xmlns:a="http://schemas.openxmlformats.org/drawingml/2006/main" xmlns:r="http://schemas.openxmlformats.org/officeDocument/2006/relationships" xmlns:p="http://schemas.openxmlformats.org/presentationml/2006/main">
-  <p:cSld>
-    <p:spTree>
-      <p:nvGrpSpPr>
-        <p:cNvPr id="1" name=""/>
-        <p:cNvGrpSpPr/>
-        <p:nvPr/>
-      </p:nvGrpSpPr>
-      <p:grpSpPr>
-        <a:xfrm>
-          <a:off x="0" y="0"/>
-          <a:ext cx="0" cy="0"/>
-          <a:chOff x="0" y="0"/>
-          <a:chExt cx="0" cy="0"/>
-        </a:xfrm>
-      </p:grpSpPr>
-      <p:sp>
-        <p:nvSpPr>
-          <p:cNvPr id="2" name="Título 1">
-            <a:extLst>
-              <a:ext uri="{FF2B5EF4-FFF2-40B4-BE49-F238E27FC236}">
-                <a16:creationId xmlns:a16="http://schemas.microsoft.com/office/drawing/2014/main" id="{2045F919-FC56-499A-A924-E42BBB1DE487}"/>
-              </a:ext>
-            </a:extLst>
-          </p:cNvPr>
-          <p:cNvSpPr>
-            <a:spLocks noGrp="1"/>
-          </p:cNvSpPr>
-          <p:nvPr>
-            <p:ph type="title"/>
-          </p:nvPr>
-        </p:nvSpPr>
-        <p:spPr>
-          <a:xfrm>
-            <a:off x="2231136" y="167951"/>
-            <a:ext cx="7729728" cy="854778"/>
-          </a:xfrm>
-        </p:spPr>
-        <p:txBody>
-          <a:bodyPr/>
-          <a:lstStyle/>
-          <a:p>
-            <a:r>
-              <a:rPr lang="pt-BR" dirty="0"/>
-              <a:t>Resultados – gráfico4</a:t>
-            </a:r>
-          </a:p>
-        </p:txBody>
-      </p:sp>
-      <p:pic>
-        <p:nvPicPr>
-          <p:cNvPr id="6" name="Espaço Reservado para Conteúdo 5" descr="Tela de celular com publicação numa rede social&#10;&#10;Descrição gerada automaticamente com confiança baixa">
-            <a:extLst>
-              <a:ext uri="{FF2B5EF4-FFF2-40B4-BE49-F238E27FC236}">
-                <a16:creationId xmlns:a16="http://schemas.microsoft.com/office/drawing/2014/main" id="{A7425074-5A8B-49CC-944A-439D3ADAE5DC}"/>
-              </a:ext>
-            </a:extLst>
-          </p:cNvPr>
-          <p:cNvPicPr>
-            <a:picLocks noGrp="1" noChangeAspect="1"/>
-          </p:cNvPicPr>
-          <p:nvPr>
-            <p:ph idx="1"/>
-          </p:nvPr>
-        </p:nvPicPr>
-        <p:blipFill>
-          <a:blip r:embed="rId2"/>
-          <a:stretch>
-            <a:fillRect/>
-          </a:stretch>
-        </p:blipFill>
-        <p:spPr>
-          <a:xfrm>
-            <a:off x="192832" y="1194319"/>
-            <a:ext cx="11806336" cy="5495730"/>
-          </a:xfrm>
-          <a:prstGeom prst="rect">
-            <a:avLst/>
-          </a:prstGeom>
-        </p:spPr>
-      </p:pic>
-    </p:spTree>
-    <p:extLst>
-      <p:ext uri="{BB962C8B-B14F-4D97-AF65-F5344CB8AC3E}">
-        <p14:creationId xmlns:p14="http://schemas.microsoft.com/office/powerpoint/2010/main" val="72538576"/>
-      </p:ext>
-    </p:extLst>
-  </p:cSld>
-  <p:clrMapOvr>
-    <a:masterClrMapping/>
-  </p:clrMapOvr>
-</p:sld>
-</file>
-
-<file path=ppt/slides/slide23.xml><?xml version="1.0" encoding="utf-8"?>
-<p:sld xmlns:a="http://schemas.openxmlformats.org/drawingml/2006/main" xmlns:r="http://schemas.openxmlformats.org/officeDocument/2006/relationships" xmlns:p="http://schemas.openxmlformats.org/presentationml/2006/main">
-  <p:cSld>
-    <p:spTree>
-      <p:nvGrpSpPr>
-        <p:cNvPr id="1" name=""/>
-        <p:cNvGrpSpPr/>
-        <p:nvPr/>
-      </p:nvGrpSpPr>
-      <p:grpSpPr>
-        <a:xfrm>
-          <a:off x="0" y="0"/>
-          <a:ext cx="0" cy="0"/>
-          <a:chOff x="0" y="0"/>
-          <a:chExt cx="0" cy="0"/>
-        </a:xfrm>
-      </p:grpSpPr>
-      <p:sp>
-        <p:nvSpPr>
-          <p:cNvPr id="2" name="Título 1">
-            <a:extLst>
-              <a:ext uri="{FF2B5EF4-FFF2-40B4-BE49-F238E27FC236}">
-                <a16:creationId xmlns:a16="http://schemas.microsoft.com/office/drawing/2014/main" id="{2045F919-FC56-499A-A924-E42BBB1DE487}"/>
-              </a:ext>
-            </a:extLst>
-          </p:cNvPr>
-          <p:cNvSpPr>
-            <a:spLocks noGrp="1"/>
-          </p:cNvSpPr>
-          <p:nvPr>
-            <p:ph type="title"/>
-          </p:nvPr>
-        </p:nvSpPr>
-        <p:spPr>
-          <a:xfrm>
-            <a:off x="2231136" y="167951"/>
-            <a:ext cx="7729728" cy="854778"/>
-          </a:xfrm>
-        </p:spPr>
-        <p:txBody>
-          <a:bodyPr/>
-          <a:lstStyle/>
-          <a:p>
-            <a:r>
-              <a:rPr lang="pt-BR" dirty="0"/>
-              <a:t>Resultados – gráfico5</a:t>
-            </a:r>
-          </a:p>
-        </p:txBody>
-      </p:sp>
-      <p:pic>
-        <p:nvPicPr>
-          <p:cNvPr id="7" name="Espaço Reservado para Conteúdo 6" descr="Gráfico, Gráfico de barras&#10;&#10;Descrição gerada automaticamente">
-            <a:extLst>
-              <a:ext uri="{FF2B5EF4-FFF2-40B4-BE49-F238E27FC236}">
-                <a16:creationId xmlns:a16="http://schemas.microsoft.com/office/drawing/2014/main" id="{CB882406-B77D-4392-A5A9-64E9D65D71E6}"/>
-              </a:ext>
-            </a:extLst>
-          </p:cNvPr>
-          <p:cNvPicPr>
-            <a:picLocks noGrp="1" noChangeAspect="1"/>
-          </p:cNvPicPr>
-          <p:nvPr>
-            <p:ph idx="1"/>
-          </p:nvPr>
-        </p:nvPicPr>
-        <p:blipFill>
-          <a:blip r:embed="rId2"/>
-          <a:stretch>
-            <a:fillRect/>
-          </a:stretch>
-        </p:blipFill>
-        <p:spPr>
-          <a:xfrm>
-            <a:off x="231710" y="1184988"/>
-            <a:ext cx="11728579" cy="5505061"/>
-          </a:xfrm>
-          <a:prstGeom prst="rect">
-            <a:avLst/>
-          </a:prstGeom>
-        </p:spPr>
-      </p:pic>
-    </p:spTree>
-    <p:extLst>
-      <p:ext uri="{BB962C8B-B14F-4D97-AF65-F5344CB8AC3E}">
-        <p14:creationId xmlns:p14="http://schemas.microsoft.com/office/powerpoint/2010/main" val="2302076548"/>
-      </p:ext>
-    </p:extLst>
-  </p:cSld>
-  <p:clrMapOvr>
-    <a:masterClrMapping/>
-  </p:clrMapOvr>
-</p:sld>
-</file>
-
-<file path=ppt/slides/slide24.xml><?xml version="1.0" encoding="utf-8"?>
 <p:sld xmlns:a="http://schemas.openxmlformats.org/drawingml/2006/main" xmlns:r="http://schemas.openxmlformats.org/officeDocument/2006/relationships" xmlns:p="http://schemas.openxmlformats.org/presentationml/2006/main">
   <p:cSld>
     <p:bg>
@@ -6651,7 +7162,7 @@
 </p:sld>
 </file>
 
-<file path=ppt/slides/slide25.xml><?xml version="1.0" encoding="utf-8"?>
+<file path=ppt/slides/slide21.xml><?xml version="1.0" encoding="utf-8"?>
 <p:sld xmlns:a="http://schemas.openxmlformats.org/drawingml/2006/main" xmlns:r="http://schemas.openxmlformats.org/officeDocument/2006/relationships" xmlns:p="http://schemas.openxmlformats.org/presentationml/2006/main">
   <p:cSld>
     <p:spTree>
@@ -6746,7 +7257,7 @@
 </p:sld>
 </file>
 
-<file path=ppt/slides/slide26.xml><?xml version="1.0" encoding="utf-8"?>
+<file path=ppt/slides/slide22.xml><?xml version="1.0" encoding="utf-8"?>
 <p:sld xmlns:a="http://schemas.openxmlformats.org/drawingml/2006/main" xmlns:r="http://schemas.openxmlformats.org/officeDocument/2006/relationships" xmlns:p="http://schemas.openxmlformats.org/presentationml/2006/main">
   <p:cSld>
     <p:spTree>
@@ -6841,7 +7352,7 @@
 </p:sld>
 </file>
 
-<file path=ppt/slides/slide27.xml><?xml version="1.0" encoding="utf-8"?>
+<file path=ppt/slides/slide23.xml><?xml version="1.0" encoding="utf-8"?>
 <p:sld xmlns:a="http://schemas.openxmlformats.org/drawingml/2006/main" xmlns:r="http://schemas.openxmlformats.org/officeDocument/2006/relationships" xmlns:p="http://schemas.openxmlformats.org/presentationml/2006/main">
   <p:cSld>
     <p:spTree>
@@ -6891,21 +7402,44 @@
           </a:p>
         </p:txBody>
       </p:sp>
+      <p:sp>
+        <p:nvSpPr>
+          <p:cNvPr id="8" name="Espaço Reservado para Conteúdo 7">
+            <a:extLst>
+              <a:ext uri="{FF2B5EF4-FFF2-40B4-BE49-F238E27FC236}">
+                <a16:creationId xmlns:a16="http://schemas.microsoft.com/office/drawing/2014/main" id="{541053D1-7A94-4607-AD29-7F04EC5DF609}"/>
+              </a:ext>
+            </a:extLst>
+          </p:cNvPr>
+          <p:cNvSpPr>
+            <a:spLocks noGrp="1"/>
+          </p:cNvSpPr>
+          <p:nvPr>
+            <p:ph idx="1"/>
+          </p:nvPr>
+        </p:nvSpPr>
+        <p:spPr/>
+        <p:txBody>
+          <a:bodyPr/>
+          <a:lstStyle/>
+          <a:p>
+            <a:endParaRPr lang="pt-BR"/>
+          </a:p>
+        </p:txBody>
+      </p:sp>
       <p:pic>
         <p:nvPicPr>
-          <p:cNvPr id="7" name="Espaço Reservado para Conteúdo 6" descr="Gráfico, Gráfico de barras&#10;&#10;Descrição gerada automaticamente">
+          <p:cNvPr id="10" name="Imagem 9">
             <a:extLst>
               <a:ext uri="{FF2B5EF4-FFF2-40B4-BE49-F238E27FC236}">
-                <a16:creationId xmlns:a16="http://schemas.microsoft.com/office/drawing/2014/main" id="{F339B860-B688-4A18-BFFE-C19D01ACEB3D}"/>
+                <a16:creationId xmlns:a16="http://schemas.microsoft.com/office/drawing/2014/main" id="{894506DC-975F-4AEA-9AF4-8FE6CEFDA3CA}"/>
               </a:ext>
             </a:extLst>
           </p:cNvPr>
           <p:cNvPicPr>
-            <a:picLocks noGrp="1" noChangeAspect="1"/>
+            <a:picLocks noChangeAspect="1"/>
           </p:cNvPicPr>
-          <p:nvPr>
-            <p:ph idx="1"/>
-          </p:nvPr>
+          <p:nvPr/>
         </p:nvPicPr>
         <p:blipFill>
           <a:blip r:embed="rId2"/>
@@ -6915,8 +7449,8 @@
         </p:blipFill>
         <p:spPr>
           <a:xfrm>
-            <a:off x="227044" y="1231639"/>
-            <a:ext cx="11772123" cy="5458410"/>
+            <a:off x="172811" y="1209040"/>
+            <a:ext cx="11846378" cy="5481009"/>
           </a:xfrm>
           <a:prstGeom prst="rect">
             <a:avLst/>
@@ -6936,7 +7470,7 @@
 </p:sld>
 </file>
 
-<file path=ppt/slides/slide28.xml><?xml version="1.0" encoding="utf-8"?>
+<file path=ppt/slides/slide24.xml><?xml version="1.0" encoding="utf-8"?>
 <p:sld xmlns:a="http://schemas.openxmlformats.org/drawingml/2006/main" xmlns:r="http://schemas.openxmlformats.org/officeDocument/2006/relationships" xmlns:p="http://schemas.openxmlformats.org/presentationml/2006/main">
   <p:cSld>
     <p:spTree>
@@ -7031,7 +7565,7 @@
 </p:sld>
 </file>
 
-<file path=ppt/slides/slide29.xml><?xml version="1.0" encoding="utf-8"?>
+<file path=ppt/slides/slide25.xml><?xml version="1.0" encoding="utf-8"?>
 <p:sld xmlns:a="http://schemas.openxmlformats.org/drawingml/2006/main" xmlns:r="http://schemas.openxmlformats.org/officeDocument/2006/relationships" xmlns:p="http://schemas.openxmlformats.org/presentationml/2006/main">
   <p:cSld>
     <p:spTree>
@@ -7071,7 +7605,7 @@
           <a:p>
             <a:r>
               <a:rPr lang="pt-BR" dirty="0"/>
-              <a:t>Limitações</a:t>
+              <a:t>Conclusão</a:t>
             </a:r>
           </a:p>
         </p:txBody>
@@ -7094,30 +7628,48 @@
         </p:nvSpPr>
         <p:spPr/>
         <p:txBody>
-          <a:bodyPr/>
+          <a:bodyPr>
+            <a:normAutofit/>
+          </a:bodyPr>
           <a:lstStyle/>
           <a:p>
             <a:r>
               <a:rPr lang="pt-BR" dirty="0"/>
-              <a:t>Padronização dos dados.</a:t>
+              <a:t>Contribuições</a:t>
+            </a:r>
+          </a:p>
+          <a:p>
+            <a:pPr lvl="1"/>
+            <a:r>
+              <a:rPr lang="pt-BR" sz="1800" dirty="0"/>
+              <a:t>Escrever as contribuições</a:t>
             </a:r>
           </a:p>
           <a:p>
             <a:r>
               <a:rPr lang="pt-BR" dirty="0"/>
-              <a:t>Criação da infraestrutura.</a:t>
-            </a:r>
-          </a:p>
-          <a:p>
-            <a:r>
-              <a:rPr lang="pt-BR" dirty="0"/>
-              <a:t>Armazenamento dos dados.</a:t>
-            </a:r>
-          </a:p>
-          <a:p>
-            <a:r>
-              <a:rPr lang="pt-BR" dirty="0"/>
-              <a:t>Capacidade de processamento dos dados.</a:t>
+              <a:t>Limitações</a:t>
+            </a:r>
+          </a:p>
+          <a:p>
+            <a:pPr lvl="1"/>
+            <a:r>
+              <a:rPr lang="pt-BR" sz="1800" dirty="0"/>
+              <a:t>Infraestrutura.</a:t>
+            </a:r>
+          </a:p>
+          <a:p>
+            <a:pPr lvl="1"/>
+            <a:r>
+              <a:rPr lang="pt-BR" sz="1800" dirty="0"/>
+              <a:t>Analisados anos 2014 e 2015.</a:t>
+            </a:r>
+          </a:p>
+          <a:p>
+            <a:pPr lvl="1"/>
+            <a:r>
+              <a:rPr lang="pt-BR" sz="1800" dirty="0"/>
+              <a:t>Utilização do Pentaho</a:t>
             </a:r>
           </a:p>
         </p:txBody>
@@ -7125,7 +7677,240 @@
     </p:spTree>
     <p:extLst>
       <p:ext uri="{BB962C8B-B14F-4D97-AF65-F5344CB8AC3E}">
-        <p14:creationId xmlns:p14="http://schemas.microsoft.com/office/powerpoint/2010/main" val="493301709"/>
+        <p14:creationId xmlns:p14="http://schemas.microsoft.com/office/powerpoint/2010/main" val="3082055265"/>
+      </p:ext>
+    </p:extLst>
+  </p:cSld>
+  <p:clrMapOvr>
+    <a:masterClrMapping/>
+  </p:clrMapOvr>
+</p:sld>
+</file>
+
+<file path=ppt/slides/slide26.xml><?xml version="1.0" encoding="utf-8"?>
+<p:sld xmlns:a="http://schemas.openxmlformats.org/drawingml/2006/main" xmlns:r="http://schemas.openxmlformats.org/officeDocument/2006/relationships" xmlns:p="http://schemas.openxmlformats.org/presentationml/2006/main">
+  <p:cSld>
+    <p:spTree>
+      <p:nvGrpSpPr>
+        <p:cNvPr id="1" name=""/>
+        <p:cNvGrpSpPr/>
+        <p:nvPr/>
+      </p:nvGrpSpPr>
+      <p:grpSpPr>
+        <a:xfrm>
+          <a:off x="0" y="0"/>
+          <a:ext cx="0" cy="0"/>
+          <a:chOff x="0" y="0"/>
+          <a:chExt cx="0" cy="0"/>
+        </a:xfrm>
+      </p:grpSpPr>
+      <p:sp>
+        <p:nvSpPr>
+          <p:cNvPr id="2" name="Título 1">
+            <a:extLst>
+              <a:ext uri="{FF2B5EF4-FFF2-40B4-BE49-F238E27FC236}">
+                <a16:creationId xmlns:a16="http://schemas.microsoft.com/office/drawing/2014/main" id="{EE723563-498C-41C1-B3F0-3151A8E3C0D1}"/>
+              </a:ext>
+            </a:extLst>
+          </p:cNvPr>
+          <p:cNvSpPr>
+            <a:spLocks noGrp="1"/>
+          </p:cNvSpPr>
+          <p:nvPr>
+            <p:ph type="title"/>
+          </p:nvPr>
+        </p:nvSpPr>
+        <p:spPr/>
+        <p:txBody>
+          <a:bodyPr/>
+          <a:lstStyle/>
+          <a:p>
+            <a:r>
+              <a:rPr lang="pt-BR" dirty="0"/>
+              <a:t>Trabalhos futuros</a:t>
+            </a:r>
+          </a:p>
+        </p:txBody>
+      </p:sp>
+      <p:sp>
+        <p:nvSpPr>
+          <p:cNvPr id="3" name="Espaço Reservado para Conteúdo 2">
+            <a:extLst>
+              <a:ext uri="{FF2B5EF4-FFF2-40B4-BE49-F238E27FC236}">
+                <a16:creationId xmlns:a16="http://schemas.microsoft.com/office/drawing/2014/main" id="{8660081E-8ACB-4B7E-BA17-832681C4C0C9}"/>
+              </a:ext>
+            </a:extLst>
+          </p:cNvPr>
+          <p:cNvSpPr>
+            <a:spLocks noGrp="1"/>
+          </p:cNvSpPr>
+          <p:nvPr>
+            <p:ph idx="1"/>
+          </p:nvPr>
+        </p:nvSpPr>
+        <p:spPr/>
+        <p:txBody>
+          <a:bodyPr>
+            <a:normAutofit fontScale="92500" lnSpcReduction="10000"/>
+          </a:bodyPr>
+          <a:lstStyle/>
+          <a:p>
+            <a:pPr lvl="0">
+              <a:lnSpc>
+                <a:spcPct val="110000"/>
+              </a:lnSpc>
+            </a:pPr>
+            <a:r>
+              <a:rPr lang="pt-BR" dirty="0"/>
+              <a:t>Realizar o carregamento dos dados do ano de 2015.</a:t>
+            </a:r>
+          </a:p>
+          <a:p>
+            <a:pPr lvl="0">
+              <a:lnSpc>
+                <a:spcPct val="110000"/>
+              </a:lnSpc>
+            </a:pPr>
+            <a:r>
+              <a:rPr lang="pt-BR" dirty="0"/>
+              <a:t>Criar novos relatórios utilizando o DW.</a:t>
+            </a:r>
+          </a:p>
+          <a:p>
+            <a:pPr lvl="0">
+              <a:lnSpc>
+                <a:spcPct val="110000"/>
+              </a:lnSpc>
+            </a:pPr>
+            <a:r>
+              <a:rPr lang="pt-BR" dirty="0"/>
+              <a:t> Melhorar o armazenamento de dados. </a:t>
+            </a:r>
+          </a:p>
+          <a:p>
+            <a:pPr lvl="0">
+              <a:lnSpc>
+                <a:spcPct val="110000"/>
+              </a:lnSpc>
+            </a:pPr>
+            <a:r>
+              <a:rPr lang="pt-BR" dirty="0"/>
+              <a:t>Refatorar os </a:t>
+            </a:r>
+            <a:r>
+              <a:rPr lang="pt-BR" dirty="0" err="1"/>
+              <a:t>ETL’s</a:t>
+            </a:r>
+            <a:r>
+              <a:rPr lang="pt-BR" dirty="0"/>
+              <a:t>. </a:t>
+            </a:r>
+          </a:p>
+          <a:p>
+            <a:pPr lvl="0">
+              <a:lnSpc>
+                <a:spcPct val="110000"/>
+              </a:lnSpc>
+            </a:pPr>
+            <a:r>
+              <a:rPr lang="pt-BR" dirty="0"/>
+              <a:t>Melhorar o desempenho das consultas que já existem e geram os relatórios. </a:t>
+            </a:r>
+          </a:p>
+          <a:p>
+            <a:pPr lvl="0">
+              <a:lnSpc>
+                <a:spcPct val="110000"/>
+              </a:lnSpc>
+            </a:pPr>
+            <a:r>
+              <a:rPr lang="pt-BR" dirty="0"/>
+              <a:t>Usar a capacidade dos dados para realizar um estudo com foco em </a:t>
+            </a:r>
+            <a:r>
+              <a:rPr lang="pt-BR" dirty="0" err="1"/>
+              <a:t>Tuning</a:t>
+            </a:r>
+            <a:r>
+              <a:rPr lang="pt-BR" dirty="0"/>
+              <a:t> de banco de dados.</a:t>
+            </a:r>
+          </a:p>
+          <a:p>
+            <a:pPr lvl="0">
+              <a:lnSpc>
+                <a:spcPct val="110000"/>
+              </a:lnSpc>
+            </a:pPr>
+            <a:r>
+              <a:rPr lang="pt-BR" dirty="0"/>
+              <a:t>Adaptar o banco de dados atual de acordo com o LGPD.</a:t>
+            </a:r>
+          </a:p>
+        </p:txBody>
+      </p:sp>
+    </p:spTree>
+    <p:extLst>
+      <p:ext uri="{BB962C8B-B14F-4D97-AF65-F5344CB8AC3E}">
+        <p14:creationId xmlns:p14="http://schemas.microsoft.com/office/powerpoint/2010/main" val="580782446"/>
+      </p:ext>
+    </p:extLst>
+  </p:cSld>
+  <p:clrMapOvr>
+    <a:masterClrMapping/>
+  </p:clrMapOvr>
+</p:sld>
+</file>
+
+<file path=ppt/slides/slide27.xml><?xml version="1.0" encoding="utf-8"?>
+<p:sld xmlns:a="http://schemas.openxmlformats.org/drawingml/2006/main" xmlns:r="http://schemas.openxmlformats.org/officeDocument/2006/relationships" xmlns:p="http://schemas.openxmlformats.org/presentationml/2006/main">
+  <p:cSld>
+    <p:spTree>
+      <p:nvGrpSpPr>
+        <p:cNvPr id="1" name=""/>
+        <p:cNvGrpSpPr/>
+        <p:nvPr/>
+      </p:nvGrpSpPr>
+      <p:grpSpPr>
+        <a:xfrm>
+          <a:off x="0" y="0"/>
+          <a:ext cx="0" cy="0"/>
+          <a:chOff x="0" y="0"/>
+          <a:chExt cx="0" cy="0"/>
+        </a:xfrm>
+      </p:grpSpPr>
+      <p:sp>
+        <p:nvSpPr>
+          <p:cNvPr id="4" name="Título 3">
+            <a:extLst>
+              <a:ext uri="{FF2B5EF4-FFF2-40B4-BE49-F238E27FC236}">
+                <a16:creationId xmlns:a16="http://schemas.microsoft.com/office/drawing/2014/main" id="{6E1BA72A-980A-4BB4-8D44-217C7B3A4431}"/>
+              </a:ext>
+            </a:extLst>
+          </p:cNvPr>
+          <p:cNvSpPr>
+            <a:spLocks noGrp="1"/>
+          </p:cNvSpPr>
+          <p:nvPr>
+            <p:ph type="ctrTitle"/>
+          </p:nvPr>
+        </p:nvSpPr>
+        <p:spPr/>
+        <p:txBody>
+          <a:bodyPr/>
+          <a:lstStyle/>
+          <a:p>
+            <a:r>
+              <a:rPr lang="pt-BR" dirty="0"/>
+              <a:t>OBRIgado!!</a:t>
+            </a:r>
+          </a:p>
+        </p:txBody>
+      </p:sp>
+    </p:spTree>
+    <p:extLst>
+      <p:ext uri="{BB962C8B-B14F-4D97-AF65-F5344CB8AC3E}">
+        <p14:creationId xmlns:p14="http://schemas.microsoft.com/office/powerpoint/2010/main" val="2185586797"/>
       </p:ext>
     </p:extLst>
   </p:cSld>
@@ -7204,14 +7989,28 @@
             <a:pPr algn="just"/>
             <a:r>
               <a:rPr lang="pt-BR" dirty="0"/>
-              <a:t>Através da Lei de Acesso à Informação (LAI) cujo a referência é: Lei nº 12.527/2011. Os dados são disponibilizados e podem ser acessar de forma gratuita.</a:t>
+              <a:t>Lei de Acesso à Informação (LAI) cujo a referência é: Lei nº 12.527/2011.</a:t>
             </a:r>
           </a:p>
           <a:p>
             <a:pPr algn="just"/>
             <a:r>
               <a:rPr lang="pt-BR" dirty="0"/>
-              <a:t>Um dos dados disponibilizados na área da educação são os dados do Enem.</a:t>
+              <a:t>Dados disponibilizados na área da educação são os dados do Enem.</a:t>
+            </a:r>
+          </a:p>
+          <a:p>
+            <a:pPr algn="just"/>
+            <a:r>
+              <a:rPr lang="pt-BR" dirty="0"/>
+              <a:t>Dificuldade em consultar informações do Enem.</a:t>
+            </a:r>
+          </a:p>
+          <a:p>
+            <a:pPr algn="just"/>
+            <a:r>
+              <a:rPr lang="pt-BR" dirty="0"/>
+              <a:t>Base do trabalho: Frias, Jorge Luiz Dias de. “Uma Ferramenta para a obtenção e análise de Dados do Enem. Tese (Mestrado em Matemática). Faculdade de Matemática. Pontifícia Universidade Católica. 2015 ”</a:t>
             </a:r>
           </a:p>
           <a:p>
@@ -7227,231 +8026,6 @@
     <p:extLst>
       <p:ext uri="{BB962C8B-B14F-4D97-AF65-F5344CB8AC3E}">
         <p14:creationId xmlns:p14="http://schemas.microsoft.com/office/powerpoint/2010/main" val="1652980792"/>
-      </p:ext>
-    </p:extLst>
-  </p:cSld>
-  <p:clrMapOvr>
-    <a:masterClrMapping/>
-  </p:clrMapOvr>
-</p:sld>
-</file>
-
-<file path=ppt/slides/slide30.xml><?xml version="1.0" encoding="utf-8"?>
-<p:sld xmlns:a="http://schemas.openxmlformats.org/drawingml/2006/main" xmlns:r="http://schemas.openxmlformats.org/officeDocument/2006/relationships" xmlns:p="http://schemas.openxmlformats.org/presentationml/2006/main">
-  <p:cSld>
-    <p:spTree>
-      <p:nvGrpSpPr>
-        <p:cNvPr id="1" name=""/>
-        <p:cNvGrpSpPr/>
-        <p:nvPr/>
-      </p:nvGrpSpPr>
-      <p:grpSpPr>
-        <a:xfrm>
-          <a:off x="0" y="0"/>
-          <a:ext cx="0" cy="0"/>
-          <a:chOff x="0" y="0"/>
-          <a:chExt cx="0" cy="0"/>
-        </a:xfrm>
-      </p:grpSpPr>
-      <p:sp>
-        <p:nvSpPr>
-          <p:cNvPr id="2" name="Título 1">
-            <a:extLst>
-              <a:ext uri="{FF2B5EF4-FFF2-40B4-BE49-F238E27FC236}">
-                <a16:creationId xmlns:a16="http://schemas.microsoft.com/office/drawing/2014/main" id="{EE723563-498C-41C1-B3F0-3151A8E3C0D1}"/>
-              </a:ext>
-            </a:extLst>
-          </p:cNvPr>
-          <p:cNvSpPr>
-            <a:spLocks noGrp="1"/>
-          </p:cNvSpPr>
-          <p:nvPr>
-            <p:ph type="title"/>
-          </p:nvPr>
-        </p:nvSpPr>
-        <p:spPr/>
-        <p:txBody>
-          <a:bodyPr/>
-          <a:lstStyle/>
-          <a:p>
-            <a:r>
-              <a:rPr lang="pt-BR" dirty="0"/>
-              <a:t>Trabalhos futuros</a:t>
-            </a:r>
-          </a:p>
-        </p:txBody>
-      </p:sp>
-      <p:sp>
-        <p:nvSpPr>
-          <p:cNvPr id="3" name="Espaço Reservado para Conteúdo 2">
-            <a:extLst>
-              <a:ext uri="{FF2B5EF4-FFF2-40B4-BE49-F238E27FC236}">
-                <a16:creationId xmlns:a16="http://schemas.microsoft.com/office/drawing/2014/main" id="{8660081E-8ACB-4B7E-BA17-832681C4C0C9}"/>
-              </a:ext>
-            </a:extLst>
-          </p:cNvPr>
-          <p:cNvSpPr>
-            <a:spLocks noGrp="1"/>
-          </p:cNvSpPr>
-          <p:nvPr>
-            <p:ph idx="1"/>
-          </p:nvPr>
-        </p:nvSpPr>
-        <p:spPr/>
-        <p:txBody>
-          <a:bodyPr>
-            <a:normAutofit fontScale="85000" lnSpcReduction="20000"/>
-          </a:bodyPr>
-          <a:lstStyle/>
-          <a:p>
-            <a:pPr lvl="0">
-              <a:lnSpc>
-                <a:spcPct val="110000"/>
-              </a:lnSpc>
-            </a:pPr>
-            <a:r>
-              <a:rPr lang="pt-BR" dirty="0"/>
-              <a:t>Criar bancos de dados transacional para os anos após 2015 do ENEM e a população desses dados no banco de dados do DW.</a:t>
-            </a:r>
-          </a:p>
-          <a:p>
-            <a:pPr lvl="0">
-              <a:lnSpc>
-                <a:spcPct val="110000"/>
-              </a:lnSpc>
-            </a:pPr>
-            <a:r>
-              <a:rPr lang="pt-BR" dirty="0"/>
-              <a:t>Ampliar a visualização de dados e ampliar os relatórios baseados em novas perguntas que o DW responda.</a:t>
-            </a:r>
-          </a:p>
-          <a:p>
-            <a:pPr lvl="0">
-              <a:lnSpc>
-                <a:spcPct val="110000"/>
-              </a:lnSpc>
-            </a:pPr>
-            <a:r>
-              <a:rPr lang="pt-BR" dirty="0"/>
-              <a:t> Melhorar a capacidade da infraestrutura, principalmente, no armazenamento de dados. </a:t>
-            </a:r>
-          </a:p>
-          <a:p>
-            <a:pPr lvl="0">
-              <a:lnSpc>
-                <a:spcPct val="110000"/>
-              </a:lnSpc>
-            </a:pPr>
-            <a:r>
-              <a:rPr lang="pt-BR" dirty="0"/>
-              <a:t>Refatorar os códigos do ETL tanto do transacional quanto do DW. </a:t>
-            </a:r>
-          </a:p>
-          <a:p>
-            <a:pPr lvl="0">
-              <a:lnSpc>
-                <a:spcPct val="110000"/>
-              </a:lnSpc>
-            </a:pPr>
-            <a:r>
-              <a:rPr lang="pt-BR" dirty="0"/>
-              <a:t>Realizar estudo de heurísticas para melhorar o desempenho das consultas que já existem e geram os relatórios. </a:t>
-            </a:r>
-          </a:p>
-          <a:p>
-            <a:pPr lvl="0">
-              <a:lnSpc>
-                <a:spcPct val="110000"/>
-              </a:lnSpc>
-            </a:pPr>
-            <a:r>
-              <a:rPr lang="pt-BR" dirty="0"/>
-              <a:t>Usar a capacidade dos dados para realizar um estudo com foco em </a:t>
-            </a:r>
-            <a:r>
-              <a:rPr lang="pt-BR" dirty="0" err="1"/>
-              <a:t>Tuning</a:t>
-            </a:r>
-            <a:r>
-              <a:rPr lang="pt-BR" dirty="0"/>
-              <a:t> de banco de dados.</a:t>
-            </a:r>
-          </a:p>
-          <a:p>
-            <a:pPr lvl="0">
-              <a:lnSpc>
-                <a:spcPct val="110000"/>
-              </a:lnSpc>
-            </a:pPr>
-            <a:r>
-              <a:rPr lang="pt-BR" dirty="0"/>
-              <a:t>Adaptar o banco de dados atual de acordo com o LGPD.</a:t>
-            </a:r>
-          </a:p>
-        </p:txBody>
-      </p:sp>
-    </p:spTree>
-    <p:extLst>
-      <p:ext uri="{BB962C8B-B14F-4D97-AF65-F5344CB8AC3E}">
-        <p14:creationId xmlns:p14="http://schemas.microsoft.com/office/powerpoint/2010/main" val="580782446"/>
-      </p:ext>
-    </p:extLst>
-  </p:cSld>
-  <p:clrMapOvr>
-    <a:masterClrMapping/>
-  </p:clrMapOvr>
-</p:sld>
-</file>
-
-<file path=ppt/slides/slide31.xml><?xml version="1.0" encoding="utf-8"?>
-<p:sld xmlns:a="http://schemas.openxmlformats.org/drawingml/2006/main" xmlns:r="http://schemas.openxmlformats.org/officeDocument/2006/relationships" xmlns:p="http://schemas.openxmlformats.org/presentationml/2006/main">
-  <p:cSld>
-    <p:spTree>
-      <p:nvGrpSpPr>
-        <p:cNvPr id="1" name=""/>
-        <p:cNvGrpSpPr/>
-        <p:nvPr/>
-      </p:nvGrpSpPr>
-      <p:grpSpPr>
-        <a:xfrm>
-          <a:off x="0" y="0"/>
-          <a:ext cx="0" cy="0"/>
-          <a:chOff x="0" y="0"/>
-          <a:chExt cx="0" cy="0"/>
-        </a:xfrm>
-      </p:grpSpPr>
-      <p:sp>
-        <p:nvSpPr>
-          <p:cNvPr id="4" name="Título 3">
-            <a:extLst>
-              <a:ext uri="{FF2B5EF4-FFF2-40B4-BE49-F238E27FC236}">
-                <a16:creationId xmlns:a16="http://schemas.microsoft.com/office/drawing/2014/main" id="{6E1BA72A-980A-4BB4-8D44-217C7B3A4431}"/>
-              </a:ext>
-            </a:extLst>
-          </p:cNvPr>
-          <p:cNvSpPr>
-            <a:spLocks noGrp="1"/>
-          </p:cNvSpPr>
-          <p:nvPr>
-            <p:ph type="ctrTitle"/>
-          </p:nvPr>
-        </p:nvSpPr>
-        <p:spPr/>
-        <p:txBody>
-          <a:bodyPr/>
-          <a:lstStyle/>
-          <a:p>
-            <a:r>
-              <a:rPr lang="pt-BR" dirty="0"/>
-              <a:t>OBRIgado!!</a:t>
-            </a:r>
-          </a:p>
-        </p:txBody>
-      </p:sp>
-    </p:spTree>
-    <p:extLst>
-      <p:ext uri="{BB962C8B-B14F-4D97-AF65-F5344CB8AC3E}">
-        <p14:creationId xmlns:p14="http://schemas.microsoft.com/office/powerpoint/2010/main" val="2185586797"/>
       </p:ext>
     </p:extLst>
   </p:cSld>
@@ -7522,51 +8096,51 @@
             <p:ph idx="1"/>
           </p:nvPr>
         </p:nvSpPr>
-        <p:spPr/>
-        <p:txBody>
-          <a:bodyPr/>
-          <a:lstStyle/>
-          <a:p>
-            <a:pPr algn="just"/>
-            <a:r>
-              <a:rPr lang="pt-BR" dirty="0"/>
-              <a:t>Disponibilizar tanto uma a infraestrutura quanto os dados para serem estudados. </a:t>
-            </a:r>
-          </a:p>
+        <p:spPr>
+          <a:xfrm>
+            <a:off x="2231136" y="2638045"/>
+            <a:ext cx="7729728" cy="2411475"/>
+          </a:xfrm>
+        </p:spPr>
+        <p:txBody>
+          <a:bodyPr>
+            <a:normAutofit/>
+          </a:bodyPr>
+          <a:lstStyle/>
           <a:p>
             <a:pPr lvl="1" algn="just"/>
             <a:r>
-              <a:rPr lang="pt-BR" dirty="0"/>
-              <a:t>Criar banco de dados transacional normalizados para cada ano do Enem para este trabalho foram os anos de 2014 e 2015. </a:t>
+              <a:rPr lang="pt-BR" sz="1800" dirty="0"/>
+              <a:t>Criar banco de dados transacional. </a:t>
             </a:r>
           </a:p>
           <a:p>
             <a:pPr lvl="1" algn="just"/>
             <a:r>
-              <a:rPr lang="pt-BR" dirty="0"/>
-              <a:t>Criar um DW que uma os dados históricos do ENEM, ou seja, a “união” dos dados de cada ano do Enem.</a:t>
+              <a:rPr lang="pt-BR" sz="1800" dirty="0"/>
+              <a:t>Criar um DW com os dados históricos do ENEM.</a:t>
             </a:r>
           </a:p>
           <a:p>
             <a:pPr lvl="1" algn="just"/>
             <a:r>
-              <a:rPr lang="pt-BR" dirty="0"/>
+              <a:rPr lang="pt-BR" sz="1800" dirty="0"/>
               <a:t>Criar as </a:t>
             </a:r>
             <a:r>
-              <a:rPr lang="pt-BR" dirty="0" err="1"/>
+              <a:rPr lang="pt-BR" sz="1800" dirty="0" err="1"/>
               <a:t>ETL’s</a:t>
             </a:r>
             <a:r>
-              <a:rPr lang="pt-BR" dirty="0"/>
+              <a:rPr lang="pt-BR" sz="1800" dirty="0"/>
               <a:t> tanto para o transacional quanto para o DW.</a:t>
             </a:r>
           </a:p>
           <a:p>
             <a:pPr lvl="1" algn="just"/>
             <a:r>
-              <a:rPr lang="pt-BR" dirty="0"/>
-              <a:t>Criar os gráficos no PowerBi para a visualização de dados, neste caso.</a:t>
+              <a:rPr lang="pt-BR" sz="1800" dirty="0"/>
+              <a:t>Criar os gráficos no PowerBi para a visualização de dados.</a:t>
             </a:r>
           </a:p>
         </p:txBody>
@@ -7666,24 +8240,54 @@
         <p:spPr>
           <a:xfrm>
             <a:off x="2231136" y="2359152"/>
-            <a:ext cx="7729728" cy="3380875"/>
+            <a:ext cx="7729728" cy="3696208"/>
           </a:xfrm>
         </p:spPr>
         <p:txBody>
-          <a:bodyPr/>
+          <a:bodyPr>
+            <a:noAutofit/>
+          </a:bodyPr>
           <a:lstStyle/>
           <a:p>
             <a:pPr algn="just"/>
             <a:r>
               <a:rPr lang="pt-BR" dirty="0"/>
-              <a:t>Exame Nacional de Ensino Médio que tem por objetivo avaliar a qualidade do Ensino Médio Brasileiro. </a:t>
+              <a:t>ENEM tem por objetivo avaliar a qualidade do Ensino Médio Brasileiro. </a:t>
             </a:r>
           </a:p>
           <a:p>
             <a:pPr algn="just"/>
             <a:r>
               <a:rPr lang="pt-BR" dirty="0"/>
-              <a:t>As provas são divididas em: Ciência da Natureza, Ciência Humanas, Matemática, Linguagens e Códigos (com a Redação).</a:t>
+              <a:t>As provas são divididas em: </a:t>
+            </a:r>
+          </a:p>
+          <a:p>
+            <a:pPr lvl="1" algn="just"/>
+            <a:r>
+              <a:rPr lang="pt-BR" sz="1800" dirty="0"/>
+              <a:t>Ciência da Natureza</a:t>
+            </a:r>
+          </a:p>
+          <a:p>
+            <a:pPr lvl="1" algn="just"/>
+            <a:r>
+              <a:rPr lang="pt-BR" sz="1800" dirty="0"/>
+              <a:t>Ciência Humanas</a:t>
+            </a:r>
+          </a:p>
+          <a:p>
+            <a:pPr lvl="1" algn="just"/>
+            <a:r>
+              <a:rPr lang="pt-BR" sz="1800" dirty="0"/>
+              <a:t>Matemática</a:t>
+            </a:r>
+          </a:p>
+          <a:p>
+            <a:pPr lvl="1" algn="just"/>
+            <a:r>
+              <a:rPr lang="pt-BR" sz="1800" dirty="0"/>
+              <a:t>Linguagens e Códigos (com a Redação)</a:t>
             </a:r>
           </a:p>
           <a:p>
@@ -7695,13 +8299,13 @@
           <a:p>
             <a:r>
               <a:rPr lang="pt-BR" dirty="0"/>
-              <a:t>As provas são dividas em cores como: amarela, azul, branca e rosa, porém as cores podem mudar de acordo com o ano.</a:t>
+              <a:t>As provas são dividas em cores.</a:t>
             </a:r>
           </a:p>
           <a:p>
             <a:r>
               <a:rPr lang="pt-BR" dirty="0"/>
-              <a:t>Os inscritos preenchem um formulário sobre dados pessoais e socioeconômicos.</a:t>
+              <a:t>Dados pessoais e socioeconômicos.</a:t>
             </a:r>
           </a:p>
         </p:txBody>
@@ -7752,130 +8356,15 @@
             <p:ph type="title"/>
           </p:nvPr>
         </p:nvSpPr>
-        <p:spPr/>
-        <p:txBody>
-          <a:bodyPr/>
-          <a:lstStyle/>
-          <a:p>
-            <a:r>
-              <a:rPr lang="pt-BR" dirty="0"/>
-              <a:t>Dados brutos do </a:t>
-            </a:r>
-            <a:r>
-              <a:rPr lang="pt-BR" dirty="0" err="1"/>
-              <a:t>enem</a:t>
-            </a:r>
-            <a:endParaRPr lang="pt-BR" dirty="0"/>
-          </a:p>
-        </p:txBody>
-      </p:sp>
-      <p:sp>
-        <p:nvSpPr>
-          <p:cNvPr id="3" name="Espaço Reservado para Conteúdo 2">
-            <a:extLst>
-              <a:ext uri="{FF2B5EF4-FFF2-40B4-BE49-F238E27FC236}">
-                <a16:creationId xmlns:a16="http://schemas.microsoft.com/office/drawing/2014/main" id="{8E9B7B52-94DB-4675-A4F8-72844E6AEC2D}"/>
-              </a:ext>
-            </a:extLst>
-          </p:cNvPr>
-          <p:cNvSpPr>
-            <a:spLocks noGrp="1"/>
-          </p:cNvSpPr>
-          <p:nvPr>
-            <p:ph sz="half" idx="1"/>
-          </p:nvPr>
-        </p:nvSpPr>
-        <p:spPr>
-          <a:xfrm>
-            <a:off x="1581912" y="2638044"/>
-            <a:ext cx="8467344" cy="3101982"/>
-          </a:xfrm>
-        </p:spPr>
-        <p:txBody>
-          <a:bodyPr/>
-          <a:lstStyle/>
-          <a:p>
-            <a:pPr algn="just"/>
-            <a:r>
-              <a:rPr lang="pt-BR" dirty="0"/>
-              <a:t>Os arquivos disponibilizados pelo governo federal e quando realizado o download vem em formato “.zip’.</a:t>
-            </a:r>
-          </a:p>
-          <a:p>
-            <a:pPr algn="just"/>
-            <a:r>
-              <a:rPr lang="pt-BR" dirty="0"/>
-              <a:t>Dentro do arquivo “.zip” contém vários segmentos de informações: dados brutos, provas, gabaritos entre outros. </a:t>
-            </a:r>
-          </a:p>
-          <a:p>
-            <a:pPr algn="just"/>
-            <a:r>
-              <a:rPr lang="pt-BR" dirty="0"/>
-              <a:t>O arquivo “microdados_enem_YYYY.csv” contém os dados compilados do Enem. </a:t>
-            </a:r>
-          </a:p>
-          <a:p>
-            <a:pPr algn="just"/>
-            <a:endParaRPr lang="pt-BR" dirty="0"/>
-          </a:p>
-        </p:txBody>
-      </p:sp>
-    </p:spTree>
-    <p:extLst>
-      <p:ext uri="{BB962C8B-B14F-4D97-AF65-F5344CB8AC3E}">
-        <p14:creationId xmlns:p14="http://schemas.microsoft.com/office/powerpoint/2010/main" val="4030952742"/>
-      </p:ext>
-    </p:extLst>
-  </p:cSld>
-  <p:clrMapOvr>
-    <a:masterClrMapping/>
-  </p:clrMapOvr>
-</p:sld>
-</file>
-
-<file path=ppt/slides/slide7.xml><?xml version="1.0" encoding="utf-8"?>
-<p:sld xmlns:a="http://schemas.openxmlformats.org/drawingml/2006/main" xmlns:r="http://schemas.openxmlformats.org/officeDocument/2006/relationships" xmlns:p="http://schemas.openxmlformats.org/presentationml/2006/main">
-  <p:cSld>
-    <p:spTree>
-      <p:nvGrpSpPr>
-        <p:cNvPr id="1" name=""/>
-        <p:cNvGrpSpPr/>
-        <p:nvPr/>
-      </p:nvGrpSpPr>
-      <p:grpSpPr>
-        <a:xfrm>
-          <a:off x="0" y="0"/>
-          <a:ext cx="0" cy="0"/>
-          <a:chOff x="0" y="0"/>
-          <a:chExt cx="0" cy="0"/>
-        </a:xfrm>
-      </p:grpSpPr>
-      <p:sp>
-        <p:nvSpPr>
-          <p:cNvPr id="2" name="Título 1">
-            <a:extLst>
-              <a:ext uri="{FF2B5EF4-FFF2-40B4-BE49-F238E27FC236}">
-                <a16:creationId xmlns:a16="http://schemas.microsoft.com/office/drawing/2014/main" id="{6D7A7DD0-A6D0-4738-AFCD-5FF79B205DD3}"/>
-              </a:ext>
-            </a:extLst>
-          </p:cNvPr>
-          <p:cNvSpPr>
-            <a:spLocks noGrp="1"/>
-          </p:cNvSpPr>
-          <p:nvPr>
-            <p:ph type="title"/>
-          </p:nvPr>
-        </p:nvSpPr>
         <p:spPr>
           <a:xfrm>
             <a:off x="2231136" y="246235"/>
-            <a:ext cx="7729728" cy="490883"/>
+            <a:ext cx="7729728" cy="1023765"/>
           </a:xfrm>
         </p:spPr>
         <p:txBody>
           <a:bodyPr>
-            <a:normAutofit fontScale="90000"/>
+            <a:normAutofit/>
           </a:bodyPr>
           <a:lstStyle/>
           <a:p>
@@ -7893,10 +8382,10 @@
       </p:sp>
       <p:pic>
         <p:nvPicPr>
-          <p:cNvPr id="5" name="Espaço Reservado para Conteúdo 4">
+          <p:cNvPr id="13" name="Espaço Reservado para Conteúdo 12">
             <a:extLst>
               <a:ext uri="{FF2B5EF4-FFF2-40B4-BE49-F238E27FC236}">
-                <a16:creationId xmlns:a16="http://schemas.microsoft.com/office/drawing/2014/main" id="{6A68B2E2-0687-41E3-80B3-BA7DCAA630B9}"/>
+                <a16:creationId xmlns:a16="http://schemas.microsoft.com/office/drawing/2014/main" id="{45609628-AE59-493D-B182-9D7B34017F05}"/>
               </a:ext>
             </a:extLst>
           </p:cNvPr>
@@ -7908,15 +8397,15 @@
           </p:nvPr>
         </p:nvPicPr>
         <p:blipFill>
-          <a:blip r:embed="rId2"/>
+          <a:blip r:embed="rId3"/>
           <a:stretch>
             <a:fillRect/>
           </a:stretch>
         </p:blipFill>
         <p:spPr>
           <a:xfrm>
-            <a:off x="141401" y="848412"/>
-            <a:ext cx="11943761" cy="5901180"/>
+            <a:off x="325582" y="2545773"/>
+            <a:ext cx="11540836" cy="1602798"/>
           </a:xfrm>
         </p:spPr>
       </p:pic>
@@ -7933,7 +8422,7 @@
 </p:sld>
 </file>
 
-<file path=ppt/slides/slide8.xml><?xml version="1.0" encoding="utf-8"?>
+<file path=ppt/slides/slide7.xml><?xml version="1.0" encoding="utf-8"?>
 <p:sld xmlns:a="http://schemas.openxmlformats.org/drawingml/2006/main" xmlns:r="http://schemas.openxmlformats.org/officeDocument/2006/relationships" xmlns:p="http://schemas.openxmlformats.org/presentationml/2006/main">
   <p:cSld>
     <p:spTree>
@@ -8032,6 +8521,107 @@
 </p:sld>
 </file>
 
+<file path=ppt/slides/slide8.xml><?xml version="1.0" encoding="utf-8"?>
+<p:sld xmlns:a="http://schemas.openxmlformats.org/drawingml/2006/main" xmlns:r="http://schemas.openxmlformats.org/officeDocument/2006/relationships" xmlns:p="http://schemas.openxmlformats.org/presentationml/2006/main">
+  <p:cSld>
+    <p:spTree>
+      <p:nvGrpSpPr>
+        <p:cNvPr id="1" name=""/>
+        <p:cNvGrpSpPr/>
+        <p:nvPr/>
+      </p:nvGrpSpPr>
+      <p:grpSpPr>
+        <a:xfrm>
+          <a:off x="0" y="0"/>
+          <a:ext cx="0" cy="0"/>
+          <a:chOff x="0" y="0"/>
+          <a:chExt cx="0" cy="0"/>
+        </a:xfrm>
+      </p:grpSpPr>
+      <p:sp>
+        <p:nvSpPr>
+          <p:cNvPr id="2" name="Título 1">
+            <a:extLst>
+              <a:ext uri="{FF2B5EF4-FFF2-40B4-BE49-F238E27FC236}">
+                <a16:creationId xmlns:a16="http://schemas.microsoft.com/office/drawing/2014/main" id="{DEA205FE-3801-415D-B3CF-AC68802183C2}"/>
+              </a:ext>
+            </a:extLst>
+          </p:cNvPr>
+          <p:cNvSpPr>
+            <a:spLocks noGrp="1"/>
+          </p:cNvSpPr>
+          <p:nvPr>
+            <p:ph type="title"/>
+          </p:nvPr>
+        </p:nvSpPr>
+        <p:spPr>
+          <a:xfrm>
+            <a:off x="2231135" y="65315"/>
+            <a:ext cx="7729728" cy="569168"/>
+          </a:xfrm>
+        </p:spPr>
+        <p:txBody>
+          <a:bodyPr>
+            <a:normAutofit fontScale="90000"/>
+          </a:bodyPr>
+          <a:lstStyle/>
+          <a:p>
+            <a:r>
+              <a:rPr lang="pt-BR" dirty="0"/>
+              <a:t>MODELO lógico</a:t>
+            </a:r>
+          </a:p>
+        </p:txBody>
+      </p:sp>
+      <p:pic>
+        <p:nvPicPr>
+          <p:cNvPr id="5" name="Imagem 4" descr="Diagrama&#10;&#10;Descrição gerada automaticamente">
+            <a:extLst>
+              <a:ext uri="{FF2B5EF4-FFF2-40B4-BE49-F238E27FC236}">
+                <a16:creationId xmlns:a16="http://schemas.microsoft.com/office/drawing/2014/main" id="{762F17E1-BEE4-4F33-BE89-A17CD547582A}"/>
+              </a:ext>
+            </a:extLst>
+          </p:cNvPr>
+          <p:cNvPicPr>
+            <a:picLocks noChangeAspect="1"/>
+          </p:cNvPicPr>
+          <p:nvPr/>
+        </p:nvPicPr>
+        <p:blipFill>
+          <a:blip r:embed="rId3">
+            <a:extLst>
+              <a:ext uri="{28A0092B-C50C-407E-A947-70E740481C1C}">
+                <a14:useLocalDpi xmlns:a14="http://schemas.microsoft.com/office/drawing/2010/main" val="0"/>
+              </a:ext>
+            </a:extLst>
+          </a:blip>
+          <a:stretch>
+            <a:fillRect/>
+          </a:stretch>
+        </p:blipFill>
+        <p:spPr>
+          <a:xfrm>
+            <a:off x="1" y="718457"/>
+            <a:ext cx="12192000" cy="6074229"/>
+          </a:xfrm>
+          <a:prstGeom prst="rect">
+            <a:avLst/>
+          </a:prstGeom>
+        </p:spPr>
+      </p:pic>
+    </p:spTree>
+    <p:extLst>
+      <p:ext uri="{BB962C8B-B14F-4D97-AF65-F5344CB8AC3E}">
+        <p14:creationId xmlns:p14="http://schemas.microsoft.com/office/powerpoint/2010/main" val="2348554424"/>
+      </p:ext>
+    </p:extLst>
+  </p:cSld>
+  <p:clrMapOvr>
+    <a:masterClrMapping/>
+  </p:clrMapOvr>
+</p:sld>
+</file>
+
 <file path=ppt/slides/slide9.xml><?xml version="1.0" encoding="utf-8"?>
 <p:sld xmlns:a="http://schemas.openxmlformats.org/drawingml/2006/main" xmlns:r="http://schemas.openxmlformats.org/officeDocument/2006/relationships" xmlns:p="http://schemas.openxmlformats.org/presentationml/2006/main">
   <p:cSld>
@@ -8054,7 +8644,7 @@
           <p:cNvPr id="2" name="Título 1">
             <a:extLst>
               <a:ext uri="{FF2B5EF4-FFF2-40B4-BE49-F238E27FC236}">
-                <a16:creationId xmlns:a16="http://schemas.microsoft.com/office/drawing/2014/main" id="{27A9E124-2A85-4DCA-B085-C790C652574B}"/>
+                <a16:creationId xmlns:a16="http://schemas.microsoft.com/office/drawing/2014/main" id="{F4CB12D3-4265-43E4-87F2-7433FCCB1AAB}"/>
               </a:ext>
             </a:extLst>
           </p:cNvPr>
@@ -8067,39 +8657,39 @@
         </p:nvSpPr>
         <p:spPr>
           <a:xfrm>
-            <a:off x="2417749" y="1"/>
-            <a:ext cx="7729728" cy="578498"/>
+            <a:off x="1024128" y="713231"/>
+            <a:ext cx="9784080" cy="1072253"/>
           </a:xfrm>
         </p:spPr>
         <p:txBody>
-          <a:bodyPr>
-            <a:normAutofit fontScale="90000"/>
-          </a:bodyPr>
+          <a:bodyPr/>
           <a:lstStyle/>
           <a:p>
             <a:r>
               <a:rPr lang="pt-BR" dirty="0"/>
-              <a:t>MODELO CONCEITUAL</a:t>
+              <a:t>ETL DOS DADOS FONTES PARA O TRANSACIONAL</a:t>
             </a:r>
           </a:p>
         </p:txBody>
       </p:sp>
       <p:pic>
         <p:nvPicPr>
-          <p:cNvPr id="4" name="Imagem 3" descr="Diagrama, Esquemático&#10;&#10;Descrição gerada automaticamente">
+          <p:cNvPr id="17" name="Espaço Reservado para Conteúdo 16" descr="Diagrama&#10;&#10;Descrição gerada automaticamente">
             <a:extLst>
               <a:ext uri="{FF2B5EF4-FFF2-40B4-BE49-F238E27FC236}">
-                <a16:creationId xmlns:a16="http://schemas.microsoft.com/office/drawing/2014/main" id="{0723FB66-1A7E-46FA-AE76-CB81EB8A287E}"/>
+                <a16:creationId xmlns:a16="http://schemas.microsoft.com/office/drawing/2014/main" id="{96798A78-6475-4741-AB50-6D95ED22889E}"/>
               </a:ext>
             </a:extLst>
           </p:cNvPr>
           <p:cNvPicPr>
-            <a:picLocks noChangeAspect="1"/>
+            <a:picLocks noGrp="1" noChangeAspect="1"/>
           </p:cNvPicPr>
-          <p:nvPr/>
+          <p:nvPr>
+            <p:ph idx="1"/>
+          </p:nvPr>
         </p:nvPicPr>
         <p:blipFill>
-          <a:blip r:embed="rId2">
+          <a:blip r:embed="rId3">
             <a:extLst>
               <a:ext uri="{28A0092B-C50C-407E-A947-70E740481C1C}">
                 <a14:useLocalDpi xmlns:a14="http://schemas.microsoft.com/office/drawing/2010/main" val="0"/>
@@ -8112,18 +8702,15 @@
         </p:blipFill>
         <p:spPr>
           <a:xfrm>
-            <a:off x="0" y="662474"/>
-            <a:ext cx="12192000" cy="6195526"/>
+            <a:off x="354679" y="2094404"/>
+            <a:ext cx="11482644" cy="4190018"/>
           </a:xfrm>
-          <a:prstGeom prst="rect">
-            <a:avLst/>
-          </a:prstGeom>
         </p:spPr>
       </p:pic>
     </p:spTree>
     <p:extLst>
       <p:ext uri="{BB962C8B-B14F-4D97-AF65-F5344CB8AC3E}">
-        <p14:creationId xmlns:p14="http://schemas.microsoft.com/office/powerpoint/2010/main" val="2125985074"/>
+        <p14:creationId xmlns:p14="http://schemas.microsoft.com/office/powerpoint/2010/main" val="1170380226"/>
       </p:ext>
     </p:extLst>
   </p:cSld>

--- a/Apresentação_Monografia.pptx
+++ b/Apresentação_Monografia.pptx
@@ -1,11 +1,11 @@
 
 <file path=ppt/presentation.xml><?xml version="1.0" encoding="utf-8"?>
-<p:presentation xmlns:a="http://schemas.openxmlformats.org/drawingml/2006/main" xmlns:r="http://schemas.openxmlformats.org/officeDocument/2006/relationships" xmlns:p="http://schemas.openxmlformats.org/presentationml/2006/main" saveSubsetFonts="1">
+<p:presentation xmlns:a="http://schemas.openxmlformats.org/drawingml/2006/main" xmlns:r="http://schemas.openxmlformats.org/officeDocument/2006/relationships" xmlns:p="http://schemas.openxmlformats.org/presentationml/2006/main" showSpecialPlsOnTitleSld="0" saveSubsetFonts="1">
   <p:sldMasterIdLst>
     <p:sldMasterId id="2147483660" r:id="rId1"/>
   </p:sldMasterIdLst>
   <p:notesMasterIdLst>
-    <p:notesMasterId r:id="rId29"/>
+    <p:notesMasterId r:id="rId22"/>
   </p:notesMasterIdLst>
   <p:sldIdLst>
     <p:sldId id="256" r:id="rId2"/>
@@ -22,19 +22,12 @@
     <p:sldId id="270" r:id="rId13"/>
     <p:sldId id="271" r:id="rId14"/>
     <p:sldId id="264" r:id="rId15"/>
-    <p:sldId id="275" r:id="rId16"/>
-    <p:sldId id="276" r:id="rId17"/>
-    <p:sldId id="277" r:id="rId18"/>
-    <p:sldId id="278" r:id="rId19"/>
-    <p:sldId id="279" r:id="rId20"/>
-    <p:sldId id="280" r:id="rId21"/>
-    <p:sldId id="281" r:id="rId22"/>
-    <p:sldId id="282" r:id="rId23"/>
-    <p:sldId id="283" r:id="rId24"/>
-    <p:sldId id="284" r:id="rId25"/>
-    <p:sldId id="287" r:id="rId26"/>
-    <p:sldId id="261" r:id="rId27"/>
-    <p:sldId id="263" r:id="rId28"/>
+    <p:sldId id="278" r:id="rId16"/>
+    <p:sldId id="280" r:id="rId17"/>
+    <p:sldId id="284" r:id="rId18"/>
+    <p:sldId id="287" r:id="rId19"/>
+    <p:sldId id="261" r:id="rId20"/>
+    <p:sldId id="263" r:id="rId21"/>
   </p:sldIdLst>
   <p:sldSz cx="12192000" cy="6858000"/>
   <p:notesSz cx="6858000" cy="9144000"/>
@@ -223,7 +216,7 @@
           <a:p>
             <a:fld id="{B249BB1A-A7AB-4605-BA31-E8B7C8754CB0}" type="datetimeFigureOut">
               <a:rPr lang="pt-BR" smtClean="0"/>
-              <a:t>04/04/2022</a:t>
+              <a:t>26/05/2022</a:t>
             </a:fld>
             <a:endParaRPr lang="pt-BR"/>
           </a:p>
@@ -723,7 +716,7 @@
           <a:p>
             <a:fld id="{5E52DD54-238D-4887-8CA4-0F17E0B9CCB6}" type="slidenum">
               <a:rPr lang="pt-BR" smtClean="0"/>
-              <a:t>25</a:t>
+              <a:t>15</a:t>
             </a:fld>
             <a:endParaRPr lang="pt-BR"/>
           </a:p>
@@ -732,7 +725,7 @@
     </p:spTree>
     <p:extLst>
       <p:ext uri="{BB962C8B-B14F-4D97-AF65-F5344CB8AC3E}">
-        <p14:creationId xmlns:p14="http://schemas.microsoft.com/office/powerpoint/2010/main" val="270615953"/>
+        <p14:creationId xmlns:p14="http://schemas.microsoft.com/office/powerpoint/2010/main" val="563372448"/>
       </p:ext>
     </p:extLst>
   </p:cSld>
@@ -807,7 +800,259 @@
           <a:p>
             <a:fld id="{5E52DD54-238D-4887-8CA4-0F17E0B9CCB6}" type="slidenum">
               <a:rPr lang="pt-BR" smtClean="0"/>
-              <a:t>26</a:t>
+              <a:t>16</a:t>
+            </a:fld>
+            <a:endParaRPr lang="pt-BR"/>
+          </a:p>
+        </p:txBody>
+      </p:sp>
+    </p:spTree>
+    <p:extLst>
+      <p:ext uri="{BB962C8B-B14F-4D97-AF65-F5344CB8AC3E}">
+        <p14:creationId xmlns:p14="http://schemas.microsoft.com/office/powerpoint/2010/main" val="2121963027"/>
+      </p:ext>
+    </p:extLst>
+  </p:cSld>
+  <p:clrMapOvr>
+    <a:masterClrMapping/>
+  </p:clrMapOvr>
+</p:notes>
+</file>
+
+<file path=ppt/notesSlides/notesSlide13.xml><?xml version="1.0" encoding="utf-8"?>
+<p:notes xmlns:a="http://schemas.openxmlformats.org/drawingml/2006/main" xmlns:r="http://schemas.openxmlformats.org/officeDocument/2006/relationships" xmlns:p="http://schemas.openxmlformats.org/presentationml/2006/main">
+  <p:cSld>
+    <p:spTree>
+      <p:nvGrpSpPr>
+        <p:cNvPr id="1" name=""/>
+        <p:cNvGrpSpPr/>
+        <p:nvPr/>
+      </p:nvGrpSpPr>
+      <p:grpSpPr>
+        <a:xfrm>
+          <a:off x="0" y="0"/>
+          <a:ext cx="0" cy="0"/>
+          <a:chOff x="0" y="0"/>
+          <a:chExt cx="0" cy="0"/>
+        </a:xfrm>
+      </p:grpSpPr>
+      <p:sp>
+        <p:nvSpPr>
+          <p:cNvPr id="2" name="Espaço Reservado para Imagem de Slide 1"/>
+          <p:cNvSpPr>
+            <a:spLocks noGrp="1" noRot="1" noChangeAspect="1"/>
+          </p:cNvSpPr>
+          <p:nvPr>
+            <p:ph type="sldImg"/>
+          </p:nvPr>
+        </p:nvSpPr>
+        <p:spPr/>
+      </p:sp>
+      <p:sp>
+        <p:nvSpPr>
+          <p:cNvPr id="3" name="Espaço Reservado para Anotações 2"/>
+          <p:cNvSpPr>
+            <a:spLocks noGrp="1"/>
+          </p:cNvSpPr>
+          <p:nvPr>
+            <p:ph type="body" idx="1"/>
+          </p:nvPr>
+        </p:nvSpPr>
+        <p:spPr/>
+        <p:txBody>
+          <a:bodyPr/>
+          <a:lstStyle/>
+          <a:p>
+            <a:endParaRPr lang="pt-BR" dirty="0"/>
+          </a:p>
+        </p:txBody>
+      </p:sp>
+      <p:sp>
+        <p:nvSpPr>
+          <p:cNvPr id="4" name="Espaço Reservado para Número de Slide 3"/>
+          <p:cNvSpPr>
+            <a:spLocks noGrp="1"/>
+          </p:cNvSpPr>
+          <p:nvPr>
+            <p:ph type="sldNum" sz="quarter" idx="5"/>
+          </p:nvPr>
+        </p:nvSpPr>
+        <p:spPr/>
+        <p:txBody>
+          <a:bodyPr/>
+          <a:lstStyle/>
+          <a:p>
+            <a:fld id="{5E52DD54-238D-4887-8CA4-0F17E0B9CCB6}" type="slidenum">
+              <a:rPr lang="pt-BR" smtClean="0"/>
+              <a:t>17</a:t>
+            </a:fld>
+            <a:endParaRPr lang="pt-BR"/>
+          </a:p>
+        </p:txBody>
+      </p:sp>
+    </p:spTree>
+    <p:extLst>
+      <p:ext uri="{BB962C8B-B14F-4D97-AF65-F5344CB8AC3E}">
+        <p14:creationId xmlns:p14="http://schemas.microsoft.com/office/powerpoint/2010/main" val="3506607462"/>
+      </p:ext>
+    </p:extLst>
+  </p:cSld>
+  <p:clrMapOvr>
+    <a:masterClrMapping/>
+  </p:clrMapOvr>
+</p:notes>
+</file>
+
+<file path=ppt/notesSlides/notesSlide14.xml><?xml version="1.0" encoding="utf-8"?>
+<p:notes xmlns:a="http://schemas.openxmlformats.org/drawingml/2006/main" xmlns:r="http://schemas.openxmlformats.org/officeDocument/2006/relationships" xmlns:p="http://schemas.openxmlformats.org/presentationml/2006/main">
+  <p:cSld>
+    <p:spTree>
+      <p:nvGrpSpPr>
+        <p:cNvPr id="1" name=""/>
+        <p:cNvGrpSpPr/>
+        <p:nvPr/>
+      </p:nvGrpSpPr>
+      <p:grpSpPr>
+        <a:xfrm>
+          <a:off x="0" y="0"/>
+          <a:ext cx="0" cy="0"/>
+          <a:chOff x="0" y="0"/>
+          <a:chExt cx="0" cy="0"/>
+        </a:xfrm>
+      </p:grpSpPr>
+      <p:sp>
+        <p:nvSpPr>
+          <p:cNvPr id="2" name="Espaço Reservado para Imagem de Slide 1"/>
+          <p:cNvSpPr>
+            <a:spLocks noGrp="1" noRot="1" noChangeAspect="1"/>
+          </p:cNvSpPr>
+          <p:nvPr>
+            <p:ph type="sldImg"/>
+          </p:nvPr>
+        </p:nvSpPr>
+        <p:spPr/>
+      </p:sp>
+      <p:sp>
+        <p:nvSpPr>
+          <p:cNvPr id="3" name="Espaço Reservado para Anotações 2"/>
+          <p:cNvSpPr>
+            <a:spLocks noGrp="1"/>
+          </p:cNvSpPr>
+          <p:nvPr>
+            <p:ph type="body" idx="1"/>
+          </p:nvPr>
+        </p:nvSpPr>
+        <p:spPr/>
+        <p:txBody>
+          <a:bodyPr/>
+          <a:lstStyle/>
+          <a:p>
+            <a:endParaRPr lang="pt-BR" dirty="0"/>
+          </a:p>
+        </p:txBody>
+      </p:sp>
+      <p:sp>
+        <p:nvSpPr>
+          <p:cNvPr id="4" name="Espaço Reservado para Número de Slide 3"/>
+          <p:cNvSpPr>
+            <a:spLocks noGrp="1"/>
+          </p:cNvSpPr>
+          <p:nvPr>
+            <p:ph type="sldNum" sz="quarter" idx="5"/>
+          </p:nvPr>
+        </p:nvSpPr>
+        <p:spPr/>
+        <p:txBody>
+          <a:bodyPr/>
+          <a:lstStyle/>
+          <a:p>
+            <a:fld id="{5E52DD54-238D-4887-8CA4-0F17E0B9CCB6}" type="slidenum">
+              <a:rPr lang="pt-BR" smtClean="0"/>
+              <a:t>18</a:t>
+            </a:fld>
+            <a:endParaRPr lang="pt-BR"/>
+          </a:p>
+        </p:txBody>
+      </p:sp>
+    </p:spTree>
+    <p:extLst>
+      <p:ext uri="{BB962C8B-B14F-4D97-AF65-F5344CB8AC3E}">
+        <p14:creationId xmlns:p14="http://schemas.microsoft.com/office/powerpoint/2010/main" val="270615953"/>
+      </p:ext>
+    </p:extLst>
+  </p:cSld>
+  <p:clrMapOvr>
+    <a:masterClrMapping/>
+  </p:clrMapOvr>
+</p:notes>
+</file>
+
+<file path=ppt/notesSlides/notesSlide15.xml><?xml version="1.0" encoding="utf-8"?>
+<p:notes xmlns:a="http://schemas.openxmlformats.org/drawingml/2006/main" xmlns:r="http://schemas.openxmlformats.org/officeDocument/2006/relationships" xmlns:p="http://schemas.openxmlformats.org/presentationml/2006/main">
+  <p:cSld>
+    <p:spTree>
+      <p:nvGrpSpPr>
+        <p:cNvPr id="1" name=""/>
+        <p:cNvGrpSpPr/>
+        <p:nvPr/>
+      </p:nvGrpSpPr>
+      <p:grpSpPr>
+        <a:xfrm>
+          <a:off x="0" y="0"/>
+          <a:ext cx="0" cy="0"/>
+          <a:chOff x="0" y="0"/>
+          <a:chExt cx="0" cy="0"/>
+        </a:xfrm>
+      </p:grpSpPr>
+      <p:sp>
+        <p:nvSpPr>
+          <p:cNvPr id="2" name="Espaço Reservado para Imagem de Slide 1"/>
+          <p:cNvSpPr>
+            <a:spLocks noGrp="1" noRot="1" noChangeAspect="1"/>
+          </p:cNvSpPr>
+          <p:nvPr>
+            <p:ph type="sldImg"/>
+          </p:nvPr>
+        </p:nvSpPr>
+        <p:spPr/>
+      </p:sp>
+      <p:sp>
+        <p:nvSpPr>
+          <p:cNvPr id="3" name="Espaço Reservado para Anotações 2"/>
+          <p:cNvSpPr>
+            <a:spLocks noGrp="1"/>
+          </p:cNvSpPr>
+          <p:nvPr>
+            <p:ph type="body" idx="1"/>
+          </p:nvPr>
+        </p:nvSpPr>
+        <p:spPr/>
+        <p:txBody>
+          <a:bodyPr/>
+          <a:lstStyle/>
+          <a:p>
+            <a:endParaRPr lang="pt-BR" dirty="0"/>
+          </a:p>
+        </p:txBody>
+      </p:sp>
+      <p:sp>
+        <p:nvSpPr>
+          <p:cNvPr id="4" name="Espaço Reservado para Número de Slide 3"/>
+          <p:cNvSpPr>
+            <a:spLocks noGrp="1"/>
+          </p:cNvSpPr>
+          <p:nvPr>
+            <p:ph type="sldNum" sz="quarter" idx="5"/>
+          </p:nvPr>
+        </p:nvSpPr>
+        <p:spPr/>
+        <p:txBody>
+          <a:bodyPr/>
+          <a:lstStyle/>
+          <a:p>
+            <a:fld id="{5E52DD54-238D-4887-8CA4-0F17E0B9CCB6}" type="slidenum">
+              <a:rPr lang="pt-BR" smtClean="0"/>
+              <a:t>19</a:t>
             </a:fld>
             <a:endParaRPr lang="pt-BR"/>
           </a:p>
@@ -1666,9 +1911,9 @@
           <a:bodyPr/>
           <a:lstStyle/>
           <a:p>
-            <a:fld id="{60BA69AB-7D77-4AD1-B9DF-F84D0C411437}" type="datetimeFigureOut">
+            <a:fld id="{EBE640B8-FBC2-4798-8435-C3D9CAA5E37F}" type="datetime1">
               <a:rPr lang="pt-BR" smtClean="0"/>
-              <a:t>04/04/2022</a:t>
+              <a:t>26/05/2022</a:t>
             </a:fld>
             <a:endParaRPr lang="pt-BR"/>
           </a:p>
@@ -1836,9 +2081,9 @@
           <a:bodyPr/>
           <a:lstStyle/>
           <a:p>
-            <a:fld id="{60BA69AB-7D77-4AD1-B9DF-F84D0C411437}" type="datetimeFigureOut">
+            <a:fld id="{CA8BB6D2-5499-4749-A3A0-98B23FD7C808}" type="datetime1">
               <a:rPr lang="pt-BR" smtClean="0"/>
-              <a:t>04/04/2022</a:t>
+              <a:t>26/05/2022</a:t>
             </a:fld>
             <a:endParaRPr lang="pt-BR"/>
           </a:p>
@@ -2016,9 +2261,9 @@
           <a:bodyPr/>
           <a:lstStyle/>
           <a:p>
-            <a:fld id="{60BA69AB-7D77-4AD1-B9DF-F84D0C411437}" type="datetimeFigureOut">
+            <a:fld id="{8E140FD5-4F89-43D5-AEDE-0E85CDE38390}" type="datetime1">
               <a:rPr lang="pt-BR" smtClean="0"/>
-              <a:t>04/04/2022</a:t>
+              <a:t>26/05/2022</a:t>
             </a:fld>
             <a:endParaRPr lang="pt-BR"/>
           </a:p>
@@ -2186,9 +2431,9 @@
           <a:bodyPr/>
           <a:lstStyle/>
           <a:p>
-            <a:fld id="{60BA69AB-7D77-4AD1-B9DF-F84D0C411437}" type="datetimeFigureOut">
+            <a:fld id="{E143F4A3-1362-460F-B7BE-50F4CE054DD2}" type="datetime1">
               <a:rPr lang="pt-BR" smtClean="0"/>
-              <a:t>04/04/2022</a:t>
+              <a:t>26/05/2022</a:t>
             </a:fld>
             <a:endParaRPr lang="pt-BR"/>
           </a:p>
@@ -2454,9 +2699,9 @@
           <a:bodyPr/>
           <a:lstStyle/>
           <a:p>
-            <a:fld id="{60BA69AB-7D77-4AD1-B9DF-F84D0C411437}" type="datetimeFigureOut">
+            <a:fld id="{8484A4CB-E9F4-4803-BE1C-28C6FF0CB67F}" type="datetime1">
               <a:rPr lang="pt-BR" smtClean="0"/>
-              <a:t>04/04/2022</a:t>
+              <a:t>26/05/2022</a:t>
             </a:fld>
             <a:endParaRPr lang="pt-BR"/>
           </a:p>
@@ -2686,9 +2931,9 @@
           <a:bodyPr/>
           <a:lstStyle/>
           <a:p>
-            <a:fld id="{60BA69AB-7D77-4AD1-B9DF-F84D0C411437}" type="datetimeFigureOut">
+            <a:fld id="{9E8FCA21-939D-49CC-BB99-775D4B08FE7F}" type="datetime1">
               <a:rPr lang="pt-BR" smtClean="0"/>
-              <a:t>04/04/2022</a:t>
+              <a:t>26/05/2022</a:t>
             </a:fld>
             <a:endParaRPr lang="pt-BR"/>
           </a:p>
@@ -3045,9 +3290,9 @@
           <a:bodyPr/>
           <a:lstStyle/>
           <a:p>
-            <a:fld id="{60BA69AB-7D77-4AD1-B9DF-F84D0C411437}" type="datetimeFigureOut">
+            <a:fld id="{F8D988C9-D76F-4FD4-A259-1F5782794EFC}" type="datetime1">
               <a:rPr lang="pt-BR" smtClean="0"/>
-              <a:t>04/04/2022</a:t>
+              <a:t>26/05/2022</a:t>
             </a:fld>
             <a:endParaRPr lang="pt-BR"/>
           </a:p>
@@ -3186,9 +3431,9 @@
           <a:bodyPr/>
           <a:lstStyle/>
           <a:p>
-            <a:fld id="{60BA69AB-7D77-4AD1-B9DF-F84D0C411437}" type="datetimeFigureOut">
+            <a:fld id="{1884DD00-E69D-460C-819D-F4EDEDE08F1A}" type="datetime1">
               <a:rPr lang="pt-BR" smtClean="0"/>
-              <a:t>04/04/2022</a:t>
+              <a:t>26/05/2022</a:t>
             </a:fld>
             <a:endParaRPr lang="pt-BR"/>
           </a:p>
@@ -3281,9 +3526,9 @@
           <a:bodyPr/>
           <a:lstStyle/>
           <a:p>
-            <a:fld id="{60BA69AB-7D77-4AD1-B9DF-F84D0C411437}" type="datetimeFigureOut">
+            <a:fld id="{B7055BC9-15F8-404A-9AA3-88F82D17E841}" type="datetime1">
               <a:rPr lang="pt-BR" smtClean="0"/>
-              <a:t>04/04/2022</a:t>
+              <a:t>26/05/2022</a:t>
             </a:fld>
             <a:endParaRPr lang="pt-BR"/>
           </a:p>
@@ -3638,9 +3883,9 @@
           <a:bodyPr/>
           <a:lstStyle/>
           <a:p>
-            <a:fld id="{60BA69AB-7D77-4AD1-B9DF-F84D0C411437}" type="datetimeFigureOut">
+            <a:fld id="{2AFB0DF8-CA0C-408A-918E-61B9E0205B6B}" type="datetime1">
               <a:rPr lang="pt-BR" smtClean="0"/>
-              <a:t>04/04/2022</a:t>
+              <a:t>26/05/2022</a:t>
             </a:fld>
             <a:endParaRPr lang="pt-BR"/>
           </a:p>
@@ -3995,9 +4240,9 @@
             </a:lvl1pPr>
           </a:lstStyle>
           <a:p>
-            <a:fld id="{60BA69AB-7D77-4AD1-B9DF-F84D0C411437}" type="datetimeFigureOut">
+            <a:fld id="{38DA7584-A39D-4608-A92D-C378E0654411}" type="datetime1">
               <a:rPr lang="pt-BR" smtClean="0"/>
-              <a:t>04/04/2022</a:t>
+              <a:t>26/05/2022</a:t>
             </a:fld>
             <a:endParaRPr lang="pt-BR"/>
           </a:p>
@@ -4237,9 +4482,9 @@
             </a:lvl1pPr>
           </a:lstStyle>
           <a:p>
-            <a:fld id="{60BA69AB-7D77-4AD1-B9DF-F84D0C411437}" type="datetimeFigureOut">
+            <a:fld id="{293DA35E-1F7A-4403-A7B3-42E00FDC9276}" type="datetime1">
               <a:rPr lang="pt-BR" smtClean="0"/>
-              <a:t>04/04/2022</a:t>
+              <a:t>26/05/2022</a:t>
             </a:fld>
             <a:endParaRPr lang="pt-BR"/>
           </a:p>
@@ -4349,6 +4594,7 @@
     <p:sldLayoutId id="2147483670" r:id="rId10"/>
     <p:sldLayoutId id="2147483671" r:id="rId11"/>
   </p:sldLayoutIdLst>
+  <p:hf hdr="0" ftr="0" dt="0"/>
   <p:txStyles>
     <p:titleStyle>
       <a:lvl1pPr algn="ctr" defTabSz="914400" rtl="0" eaLnBrk="1" latinLnBrk="0" hangingPunct="1">
@@ -5160,7 +5406,7 @@
             <p:ph idx="1"/>
             <p:extLst>
               <p:ext uri="{D42A27DB-BD31-4B8C-83A1-F6EECF244321}">
-                <p14:modId xmlns:p14="http://schemas.microsoft.com/office/powerpoint/2010/main" val="2321436954"/>
+                <p14:modId xmlns:p14="http://schemas.microsoft.com/office/powerpoint/2010/main" val="1003669989"/>
               </p:ext>
             </p:extLst>
           </p:nvPr>
@@ -5608,6 +5854,18 @@
                     <a:p>
                       <a:pPr marL="0" algn="l" defTabSz="914400" rtl="0" eaLnBrk="1" latinLnBrk="0" hangingPunct="1"/>
                       <a:r>
+                        <a:rPr lang="pt-BR" sz="1200" b="0" kern="1200">
+                          <a:solidFill>
+                            <a:schemeClr val="dk1"/>
+                          </a:solidFill>
+                          <a:effectLst/>
+                          <a:latin typeface="+mn-lt"/>
+                          <a:ea typeface="+mn-ea"/>
+                          <a:cs typeface="+mn-cs"/>
+                        </a:rPr>
+                        <a:t>Qual média </a:t>
+                      </a:r>
+                      <a:r>
                         <a:rPr lang="pt-BR" sz="1200" b="0" kern="1200" dirty="0">
                           <a:solidFill>
                             <a:schemeClr val="dk1"/>
@@ -5617,7 +5875,7 @@
                           <a:ea typeface="+mn-ea"/>
                           <a:cs typeface="+mn-cs"/>
                         </a:rPr>
-                        <a:t>Qual a média da escola referente a média das notas nas provas referente ao nível estadual?</a:t>
+                        <a:t>das notas das provas referente as escolas comparando com as médias estaduais?</a:t>
                       </a:r>
                     </a:p>
                   </a:txBody>
@@ -5773,7 +6031,7 @@
                           <a:ea typeface="+mn-ea"/>
                           <a:cs typeface="+mn-cs"/>
                         </a:rPr>
-                        <a:t>Para cada tipo de deficiência qual auxílio foi solucionado agrupado por ano?</a:t>
+                        <a:t>Para cada tipo de deficiência qual auxílio foi solicitado agrupado por ano?</a:t>
                       </a:r>
                     </a:p>
                   </a:txBody>
@@ -5789,6 +6047,39 @@
           </a:graphicData>
         </a:graphic>
       </p:graphicFrame>
+      <p:sp>
+        <p:nvSpPr>
+          <p:cNvPr id="5" name="Espaço Reservado para Número de Slide 2">
+            <a:extLst>
+              <a:ext uri="{FF2B5EF4-FFF2-40B4-BE49-F238E27FC236}">
+                <a16:creationId xmlns:a16="http://schemas.microsoft.com/office/drawing/2014/main" id="{93C3E4CA-9CED-3C48-E850-0A455793D09A}"/>
+              </a:ext>
+            </a:extLst>
+          </p:cNvPr>
+          <p:cNvSpPr>
+            <a:spLocks noGrp="1"/>
+          </p:cNvSpPr>
+          <p:nvPr>
+            <p:ph type="sldNum" sz="quarter" idx="12"/>
+          </p:nvPr>
+        </p:nvSpPr>
+        <p:spPr>
+          <a:xfrm>
+            <a:off x="10782300" y="6068292"/>
+            <a:ext cx="556260" cy="482138"/>
+          </a:xfrm>
+        </p:spPr>
+        <p:txBody>
+          <a:bodyPr/>
+          <a:lstStyle/>
+          <a:p>
+            <a:r>
+              <a:rPr lang="pt-BR" b="1" dirty="0"/>
+              <a:t>10/20</a:t>
+            </a:r>
+          </a:p>
+        </p:txBody>
+      </p:sp>
     </p:spTree>
     <p:extLst>
       <p:ext uri="{BB962C8B-B14F-4D97-AF65-F5344CB8AC3E}">
@@ -5889,6 +6180,39 @@
           </a:xfrm>
         </p:spPr>
       </p:pic>
+      <p:sp>
+        <p:nvSpPr>
+          <p:cNvPr id="5" name="Espaço Reservado para Número de Slide 2">
+            <a:extLst>
+              <a:ext uri="{FF2B5EF4-FFF2-40B4-BE49-F238E27FC236}">
+                <a16:creationId xmlns:a16="http://schemas.microsoft.com/office/drawing/2014/main" id="{89FAEE1A-5257-74B6-721E-66A8307816E5}"/>
+              </a:ext>
+            </a:extLst>
+          </p:cNvPr>
+          <p:cNvSpPr>
+            <a:spLocks noGrp="1"/>
+          </p:cNvSpPr>
+          <p:nvPr>
+            <p:ph type="sldNum" sz="quarter" idx="12"/>
+          </p:nvPr>
+        </p:nvSpPr>
+        <p:spPr>
+          <a:xfrm>
+            <a:off x="10782300" y="6068292"/>
+            <a:ext cx="556260" cy="482138"/>
+          </a:xfrm>
+        </p:spPr>
+        <p:txBody>
+          <a:bodyPr/>
+          <a:lstStyle/>
+          <a:p>
+            <a:r>
+              <a:rPr lang="pt-BR" b="1" dirty="0"/>
+              <a:t>11/20</a:t>
+            </a:r>
+          </a:p>
+        </p:txBody>
+      </p:sp>
     </p:spTree>
     <p:extLst>
       <p:ext uri="{BB962C8B-B14F-4D97-AF65-F5344CB8AC3E}">
@@ -5987,6 +6311,39 @@
           </a:xfrm>
         </p:spPr>
       </p:pic>
+      <p:sp>
+        <p:nvSpPr>
+          <p:cNvPr id="5" name="Espaço Reservado para Número de Slide 2">
+            <a:extLst>
+              <a:ext uri="{FF2B5EF4-FFF2-40B4-BE49-F238E27FC236}">
+                <a16:creationId xmlns:a16="http://schemas.microsoft.com/office/drawing/2014/main" id="{882E2AF8-A479-5AAE-6BE8-3C085AC455AB}"/>
+              </a:ext>
+            </a:extLst>
+          </p:cNvPr>
+          <p:cNvSpPr>
+            <a:spLocks noGrp="1"/>
+          </p:cNvSpPr>
+          <p:nvPr>
+            <p:ph type="sldNum" sz="quarter" idx="12"/>
+          </p:nvPr>
+        </p:nvSpPr>
+        <p:spPr>
+          <a:xfrm>
+            <a:off x="10782300" y="6068292"/>
+            <a:ext cx="556260" cy="482138"/>
+          </a:xfrm>
+        </p:spPr>
+        <p:txBody>
+          <a:bodyPr/>
+          <a:lstStyle/>
+          <a:p>
+            <a:r>
+              <a:rPr lang="pt-BR" b="1" dirty="0"/>
+              <a:t>12/20</a:t>
+            </a:r>
+          </a:p>
+        </p:txBody>
+      </p:sp>
     </p:spTree>
     <p:extLst>
       <p:ext uri="{BB962C8B-B14F-4D97-AF65-F5344CB8AC3E}">
@@ -6084,6 +6441,39 @@
           </a:xfrm>
         </p:spPr>
       </p:pic>
+      <p:sp>
+        <p:nvSpPr>
+          <p:cNvPr id="5" name="Espaço Reservado para Número de Slide 2">
+            <a:extLst>
+              <a:ext uri="{FF2B5EF4-FFF2-40B4-BE49-F238E27FC236}">
+                <a16:creationId xmlns:a16="http://schemas.microsoft.com/office/drawing/2014/main" id="{CEE2C4EF-FA17-A4B4-DD36-250AD0F1D801}"/>
+              </a:ext>
+            </a:extLst>
+          </p:cNvPr>
+          <p:cNvSpPr>
+            <a:spLocks noGrp="1"/>
+          </p:cNvSpPr>
+          <p:nvPr>
+            <p:ph type="sldNum" sz="quarter" idx="12"/>
+          </p:nvPr>
+        </p:nvSpPr>
+        <p:spPr>
+          <a:xfrm>
+            <a:off x="10782300" y="6068292"/>
+            <a:ext cx="556260" cy="482138"/>
+          </a:xfrm>
+        </p:spPr>
+        <p:txBody>
+          <a:bodyPr/>
+          <a:lstStyle/>
+          <a:p>
+            <a:r>
+              <a:rPr lang="pt-BR" b="1" dirty="0"/>
+              <a:t>13/20</a:t>
+            </a:r>
+          </a:p>
+        </p:txBody>
+      </p:sp>
     </p:spTree>
     <p:extLst>
       <p:ext uri="{BB962C8B-B14F-4D97-AF65-F5344CB8AC3E}">
@@ -6364,6 +6754,39 @@
           </a:graphicData>
         </a:graphic>
       </p:graphicFrame>
+      <p:sp>
+        <p:nvSpPr>
+          <p:cNvPr id="6" name="Espaço Reservado para Número de Slide 2">
+            <a:extLst>
+              <a:ext uri="{FF2B5EF4-FFF2-40B4-BE49-F238E27FC236}">
+                <a16:creationId xmlns:a16="http://schemas.microsoft.com/office/drawing/2014/main" id="{F1D09317-57BA-E39B-575E-3E69EFD22C51}"/>
+              </a:ext>
+            </a:extLst>
+          </p:cNvPr>
+          <p:cNvSpPr>
+            <a:spLocks noGrp="1"/>
+          </p:cNvSpPr>
+          <p:nvPr>
+            <p:ph type="sldNum" sz="quarter" idx="12"/>
+          </p:nvPr>
+        </p:nvSpPr>
+        <p:spPr>
+          <a:xfrm>
+            <a:off x="10782300" y="6068292"/>
+            <a:ext cx="556260" cy="482138"/>
+          </a:xfrm>
+        </p:spPr>
+        <p:txBody>
+          <a:bodyPr/>
+          <a:lstStyle/>
+          <a:p>
+            <a:r>
+              <a:rPr lang="pt-BR" b="1" dirty="0"/>
+              <a:t>14/20</a:t>
+            </a:r>
+          </a:p>
+        </p:txBody>
+      </p:sp>
     </p:spTree>
     <p:extLst>
       <p:ext uri="{BB962C8B-B14F-4D97-AF65-F5344CB8AC3E}">
@@ -6422,17 +6845,17 @@
           <a:p>
             <a:r>
               <a:rPr lang="pt-BR" dirty="0"/>
-              <a:t>Resultados – gráfico1</a:t>
+              <a:t>Resultados – gráfico4</a:t>
             </a:r>
           </a:p>
         </p:txBody>
       </p:sp>
       <p:pic>
         <p:nvPicPr>
-          <p:cNvPr id="4" name="Espaço Reservado para Conteúdo 3" descr="Gráfico, Histograma&#10;&#10;Descrição gerada automaticamente">
+          <p:cNvPr id="10" name="Espaço Reservado para Conteúdo 9">
             <a:extLst>
               <a:ext uri="{FF2B5EF4-FFF2-40B4-BE49-F238E27FC236}">
-                <a16:creationId xmlns:a16="http://schemas.microsoft.com/office/drawing/2014/main" id="{CB88CD2E-560D-4B15-80D8-7E621FC46567}"/>
+                <a16:creationId xmlns:a16="http://schemas.microsoft.com/office/drawing/2014/main" id="{EDA5EDC5-02FA-94DC-AA79-A7E3DF371242}"/>
               </a:ext>
             </a:extLst>
           </p:cNvPr>
@@ -6444,25 +6867,59 @@
           </p:nvPr>
         </p:nvPicPr>
         <p:blipFill>
-          <a:blip r:embed="rId2"/>
+          <a:blip r:embed="rId3"/>
           <a:stretch>
             <a:fillRect/>
           </a:stretch>
         </p:blipFill>
         <p:spPr>
           <a:xfrm>
-            <a:off x="276808" y="1212980"/>
-            <a:ext cx="11638384" cy="5477069"/>
+            <a:off x="497840" y="1092512"/>
+            <a:ext cx="11196320" cy="5318448"/>
           </a:xfrm>
-          <a:prstGeom prst="rect">
-            <a:avLst/>
-          </a:prstGeom>
         </p:spPr>
       </p:pic>
+      <p:sp>
+        <p:nvSpPr>
+          <p:cNvPr id="3" name="Espaço Reservado para Número de Slide 2">
+            <a:extLst>
+              <a:ext uri="{FF2B5EF4-FFF2-40B4-BE49-F238E27FC236}">
+                <a16:creationId xmlns:a16="http://schemas.microsoft.com/office/drawing/2014/main" id="{9C8BDD6E-E253-9DE6-7F08-35D186EE29AD}"/>
+              </a:ext>
+            </a:extLst>
+          </p:cNvPr>
+          <p:cNvSpPr>
+            <a:spLocks noGrp="1"/>
+          </p:cNvSpPr>
+          <p:nvPr>
+            <p:ph type="sldNum" sz="quarter" idx="12"/>
+          </p:nvPr>
+        </p:nvSpPr>
+        <p:spPr>
+          <a:xfrm>
+            <a:off x="10891520" y="6450263"/>
+            <a:ext cx="548640" cy="365760"/>
+          </a:xfrm>
+        </p:spPr>
+        <p:txBody>
+          <a:bodyPr/>
+          <a:lstStyle/>
+          <a:p>
+            <a:fld id="{5497BE2E-5451-4DD3-9FE5-30C594637B0F}" type="slidenum">
+              <a:rPr lang="pt-BR" b="1" smtClean="0"/>
+              <a:t>15</a:t>
+            </a:fld>
+            <a:r>
+              <a:rPr lang="pt-BR" b="1" dirty="0"/>
+              <a:t>/20</a:t>
+            </a:r>
+          </a:p>
+        </p:txBody>
+      </p:sp>
     </p:spTree>
     <p:extLst>
       <p:ext uri="{BB962C8B-B14F-4D97-AF65-F5344CB8AC3E}">
-        <p14:creationId xmlns:p14="http://schemas.microsoft.com/office/powerpoint/2010/main" val="1374608948"/>
+        <p14:creationId xmlns:p14="http://schemas.microsoft.com/office/powerpoint/2010/main" val="72538576"/>
       </p:ext>
     </p:extLst>
   </p:cSld>
@@ -6475,6 +6932,16 @@
 <file path=ppt/slides/slide16.xml><?xml version="1.0" encoding="utf-8"?>
 <p:sld xmlns:a="http://schemas.openxmlformats.org/drawingml/2006/main" xmlns:r="http://schemas.openxmlformats.org/officeDocument/2006/relationships" xmlns:p="http://schemas.openxmlformats.org/presentationml/2006/main">
   <p:cSld>
+    <p:bg>
+      <p:bgPr>
+        <a:solidFill>
+          <a:schemeClr val="bg1">
+            <a:lumMod val="95000"/>
+          </a:schemeClr>
+        </a:solidFill>
+        <a:effectLst/>
+      </p:bgPr>
+    </p:bg>
     <p:spTree>
       <p:nvGrpSpPr>
         <p:cNvPr id="1" name=""/>
@@ -6517,7 +6984,7 @@
           <a:p>
             <a:r>
               <a:rPr lang="pt-BR" dirty="0"/>
-              <a:t>Resultados – gráfico2</a:t>
+              <a:t>Resultados – gráfico6</a:t>
             </a:r>
           </a:p>
         </p:txBody>
@@ -6527,7 +6994,7 @@
           <p:cNvPr id="6" name="Espaço Reservado para Conteúdo 5" descr="Gráfico, Gráfico de barras&#10;&#10;Descrição gerada automaticamente">
             <a:extLst>
               <a:ext uri="{FF2B5EF4-FFF2-40B4-BE49-F238E27FC236}">
-                <a16:creationId xmlns:a16="http://schemas.microsoft.com/office/drawing/2014/main" id="{7CB09530-870D-42AC-A4C6-1BC84C5D07D1}"/>
+                <a16:creationId xmlns:a16="http://schemas.microsoft.com/office/drawing/2014/main" id="{E1E036F3-F6DF-4DA7-9E49-93F4AFD8D6F5}"/>
               </a:ext>
             </a:extLst>
           </p:cNvPr>
@@ -6539,30 +7006,67 @@
           </p:nvPr>
         </p:nvPicPr>
         <p:blipFill>
-          <a:blip r:embed="rId2"/>
+          <a:blip r:embed="rId4"/>
           <a:stretch>
             <a:fillRect/>
           </a:stretch>
         </p:blipFill>
         <p:spPr>
           <a:xfrm>
-            <a:off x="304800" y="1156996"/>
-            <a:ext cx="11582400" cy="5533053"/>
+            <a:off x="185057" y="1147665"/>
+            <a:ext cx="11811871" cy="5273455"/>
           </a:xfrm>
           <a:prstGeom prst="rect">
             <a:avLst/>
           </a:prstGeom>
         </p:spPr>
       </p:pic>
+      <p:sp>
+        <p:nvSpPr>
+          <p:cNvPr id="3" name="Espaço Reservado para Número de Slide 2">
+            <a:extLst>
+              <a:ext uri="{FF2B5EF4-FFF2-40B4-BE49-F238E27FC236}">
+                <a16:creationId xmlns:a16="http://schemas.microsoft.com/office/drawing/2014/main" id="{8ECB910F-0AF4-7DF6-B6C1-4BC42A04B804}"/>
+              </a:ext>
+            </a:extLst>
+          </p:cNvPr>
+          <p:cNvSpPr>
+            <a:spLocks noGrp="1"/>
+          </p:cNvSpPr>
+          <p:nvPr>
+            <p:ph type="sldNum" sz="quarter" idx="12"/>
+          </p:nvPr>
+        </p:nvSpPr>
+        <p:spPr>
+          <a:xfrm>
+            <a:off x="10992602" y="6421120"/>
+            <a:ext cx="559318" cy="365760"/>
+          </a:xfrm>
+        </p:spPr>
+        <p:txBody>
+          <a:bodyPr/>
+          <a:lstStyle/>
+          <a:p>
+            <a:fld id="{5497BE2E-5451-4DD3-9FE5-30C594637B0F}" type="slidenum">
+              <a:rPr lang="pt-BR" b="1" smtClean="0"/>
+              <a:t>16</a:t>
+            </a:fld>
+            <a:r>
+              <a:rPr lang="pt-BR" b="1" dirty="0"/>
+              <a:t>/20</a:t>
+            </a:r>
+          </a:p>
+        </p:txBody>
+      </p:sp>
     </p:spTree>
     <p:extLst>
       <p:ext uri="{BB962C8B-B14F-4D97-AF65-F5344CB8AC3E}">
-        <p14:creationId xmlns:p14="http://schemas.microsoft.com/office/powerpoint/2010/main" val="1467961567"/>
+        <p14:creationId xmlns:p14="http://schemas.microsoft.com/office/powerpoint/2010/main" val="4255646543"/>
       </p:ext>
     </p:extLst>
   </p:cSld>
   <p:clrMapOvr>
-    <a:masterClrMapping/>
+    <a:overrideClrMapping bg1="lt1" tx1="dk1" bg2="lt2" tx2="dk2" accent1="accent1" accent2="accent2" accent3="accent3" accent4="accent4" accent5="accent5" accent6="accent6" hlink="hlink" folHlink="folHlink"/>
   </p:clrMapOvr>
 </p:sld>
 </file>
@@ -6612,17 +7116,17 @@
           <a:p>
             <a:r>
               <a:rPr lang="pt-BR" dirty="0"/>
-              <a:t>Resultados – gráfico3</a:t>
+              <a:t>Resultados – gráfico10</a:t>
             </a:r>
           </a:p>
         </p:txBody>
       </p:sp>
       <p:pic>
         <p:nvPicPr>
-          <p:cNvPr id="8" name="Espaço Reservado para Conteúdo 7" descr="Gráfico, Gráfico de linhas&#10;&#10;Descrição gerada automaticamente">
+          <p:cNvPr id="9" name="Espaço Reservado para Conteúdo 8">
             <a:extLst>
               <a:ext uri="{FF2B5EF4-FFF2-40B4-BE49-F238E27FC236}">
-                <a16:creationId xmlns:a16="http://schemas.microsoft.com/office/drawing/2014/main" id="{0CC923A4-C2BB-4BF2-B40C-779AE7F8F47E}"/>
+                <a16:creationId xmlns:a16="http://schemas.microsoft.com/office/drawing/2014/main" id="{86D69E5B-98F1-80F9-DBCF-3A958E84EBC2}"/>
               </a:ext>
             </a:extLst>
           </p:cNvPr>
@@ -6634,25 +7138,59 @@
           </p:nvPr>
         </p:nvPicPr>
         <p:blipFill>
-          <a:blip r:embed="rId2"/>
+          <a:blip r:embed="rId3"/>
           <a:stretch>
             <a:fillRect/>
           </a:stretch>
         </p:blipFill>
         <p:spPr>
           <a:xfrm>
-            <a:off x="351453" y="1184920"/>
-            <a:ext cx="11489094" cy="5505129"/>
+            <a:off x="660400" y="1107440"/>
+            <a:ext cx="10596880" cy="5582609"/>
           </a:xfrm>
-          <a:prstGeom prst="rect">
-            <a:avLst/>
-          </a:prstGeom>
         </p:spPr>
       </p:pic>
+      <p:sp>
+        <p:nvSpPr>
+          <p:cNvPr id="3" name="Espaço Reservado para Número de Slide 2">
+            <a:extLst>
+              <a:ext uri="{FF2B5EF4-FFF2-40B4-BE49-F238E27FC236}">
+                <a16:creationId xmlns:a16="http://schemas.microsoft.com/office/drawing/2014/main" id="{15FCC1F7-7AD2-BFF8-CC78-A43FE9BA0F26}"/>
+              </a:ext>
+            </a:extLst>
+          </p:cNvPr>
+          <p:cNvSpPr>
+            <a:spLocks noGrp="1"/>
+          </p:cNvSpPr>
+          <p:nvPr>
+            <p:ph type="sldNum" sz="quarter" idx="12"/>
+          </p:nvPr>
+        </p:nvSpPr>
+        <p:spPr>
+          <a:xfrm>
+            <a:off x="11348720" y="6409000"/>
+            <a:ext cx="589280" cy="365760"/>
+          </a:xfrm>
+        </p:spPr>
+        <p:txBody>
+          <a:bodyPr/>
+          <a:lstStyle/>
+          <a:p>
+            <a:fld id="{5497BE2E-5451-4DD3-9FE5-30C594637B0F}" type="slidenum">
+              <a:rPr lang="pt-BR" b="1" smtClean="0"/>
+              <a:t>17</a:t>
+            </a:fld>
+            <a:r>
+              <a:rPr lang="pt-BR" b="1" dirty="0"/>
+              <a:t>/20</a:t>
+            </a:r>
+          </a:p>
+        </p:txBody>
+      </p:sp>
     </p:spTree>
     <p:extLst>
       <p:ext uri="{BB962C8B-B14F-4D97-AF65-F5344CB8AC3E}">
-        <p14:creationId xmlns:p14="http://schemas.microsoft.com/office/powerpoint/2010/main" val="3814573970"/>
+        <p14:creationId xmlns:p14="http://schemas.microsoft.com/office/powerpoint/2010/main" val="2534982981"/>
       </p:ext>
     </p:extLst>
   </p:cSld>
@@ -6684,7 +7222,7 @@
           <p:cNvPr id="2" name="Título 1">
             <a:extLst>
               <a:ext uri="{FF2B5EF4-FFF2-40B4-BE49-F238E27FC236}">
-                <a16:creationId xmlns:a16="http://schemas.microsoft.com/office/drawing/2014/main" id="{2045F919-FC56-499A-A924-E42BBB1DE487}"/>
+                <a16:creationId xmlns:a16="http://schemas.microsoft.com/office/drawing/2014/main" id="{46A95C4D-FEDB-4D6F-9A85-8D656F0138B4}"/>
               </a:ext>
             </a:extLst>
           </p:cNvPr>
@@ -6695,59 +7233,137 @@
             <p:ph type="title"/>
           </p:nvPr>
         </p:nvSpPr>
-        <p:spPr>
-          <a:xfrm>
-            <a:off x="2231136" y="167951"/>
-            <a:ext cx="7729728" cy="854778"/>
-          </a:xfrm>
-        </p:spPr>
+        <p:spPr/>
         <p:txBody>
           <a:bodyPr/>
           <a:lstStyle/>
           <a:p>
             <a:r>
               <a:rPr lang="pt-BR" dirty="0"/>
-              <a:t>Resultados – gráfico4</a:t>
-            </a:r>
-          </a:p>
-        </p:txBody>
-      </p:sp>
-      <p:pic>
-        <p:nvPicPr>
-          <p:cNvPr id="6" name="Espaço Reservado para Conteúdo 5" descr="Tela de celular com publicação numa rede social&#10;&#10;Descrição gerada automaticamente com confiança baixa">
+              <a:t>Conclusão</a:t>
+            </a:r>
+          </a:p>
+        </p:txBody>
+      </p:sp>
+      <p:sp>
+        <p:nvSpPr>
+          <p:cNvPr id="3" name="Espaço Reservado para Conteúdo 2">
             <a:extLst>
               <a:ext uri="{FF2B5EF4-FFF2-40B4-BE49-F238E27FC236}">
-                <a16:creationId xmlns:a16="http://schemas.microsoft.com/office/drawing/2014/main" id="{A7425074-5A8B-49CC-944A-439D3ADAE5DC}"/>
+                <a16:creationId xmlns:a16="http://schemas.microsoft.com/office/drawing/2014/main" id="{73190E5A-FB2B-41E3-8959-40D8E8B89DC5}"/>
               </a:ext>
             </a:extLst>
           </p:cNvPr>
-          <p:cNvPicPr>
-            <a:picLocks noGrp="1" noChangeAspect="1"/>
-          </p:cNvPicPr>
+          <p:cNvSpPr>
+            <a:spLocks noGrp="1"/>
+          </p:cNvSpPr>
           <p:nvPr>
             <p:ph idx="1"/>
           </p:nvPr>
-        </p:nvPicPr>
-        <p:blipFill>
-          <a:blip r:embed="rId2"/>
-          <a:stretch>
-            <a:fillRect/>
-          </a:stretch>
-        </p:blipFill>
+        </p:nvSpPr>
+        <p:spPr/>
+        <p:txBody>
+          <a:bodyPr>
+            <a:normAutofit lnSpcReduction="10000"/>
+          </a:bodyPr>
+          <a:lstStyle/>
+          <a:p>
+            <a:r>
+              <a:rPr lang="pt-BR" dirty="0"/>
+              <a:t>Contribuições</a:t>
+            </a:r>
+          </a:p>
+          <a:p>
+            <a:pPr lvl="1"/>
+            <a:r>
+              <a:rPr lang="pt-BR" sz="1800" dirty="0"/>
+              <a:t>Infraestrutura de fácil acesso.</a:t>
+            </a:r>
+          </a:p>
+          <a:p>
+            <a:pPr lvl="1"/>
+            <a:r>
+              <a:rPr lang="pt-BR" sz="1800" dirty="0"/>
+              <a:t>Forma mais simples e prática de acessar os dados.</a:t>
+            </a:r>
+          </a:p>
+          <a:p>
+            <a:pPr lvl="1"/>
+            <a:r>
+              <a:rPr lang="pt-BR" sz="1800" dirty="0"/>
+              <a:t>Mais conhecimento sobre o Enem.</a:t>
+            </a:r>
+          </a:p>
+          <a:p>
+            <a:r>
+              <a:rPr lang="pt-BR" dirty="0"/>
+              <a:t>Limitações</a:t>
+            </a:r>
+          </a:p>
+          <a:p>
+            <a:pPr lvl="1"/>
+            <a:r>
+              <a:rPr lang="pt-BR" sz="1800" dirty="0"/>
+              <a:t>Infraestrutura.</a:t>
+            </a:r>
+          </a:p>
+          <a:p>
+            <a:pPr lvl="1"/>
+            <a:r>
+              <a:rPr lang="pt-BR" sz="1800" dirty="0"/>
+              <a:t>Analisados anos 2014 e 2015.</a:t>
+            </a:r>
+          </a:p>
+          <a:p>
+            <a:pPr lvl="1"/>
+            <a:r>
+              <a:rPr lang="pt-BR" sz="1800" dirty="0"/>
+              <a:t>Utilização do Pentaho</a:t>
+            </a:r>
+          </a:p>
+        </p:txBody>
+      </p:sp>
+      <p:sp>
+        <p:nvSpPr>
+          <p:cNvPr id="4" name="Espaço Reservado para Número de Slide 3">
+            <a:extLst>
+              <a:ext uri="{FF2B5EF4-FFF2-40B4-BE49-F238E27FC236}">
+                <a16:creationId xmlns:a16="http://schemas.microsoft.com/office/drawing/2014/main" id="{9FE9B136-7496-7AD7-9DA2-9C63FB099C43}"/>
+              </a:ext>
+            </a:extLst>
+          </p:cNvPr>
+          <p:cNvSpPr>
+            <a:spLocks noGrp="1"/>
+          </p:cNvSpPr>
+          <p:nvPr>
+            <p:ph type="sldNum" sz="quarter" idx="12"/>
+          </p:nvPr>
+        </p:nvSpPr>
         <p:spPr>
           <a:xfrm>
-            <a:off x="192832" y="1194319"/>
-            <a:ext cx="11806336" cy="5495730"/>
+            <a:off x="10718282" y="6289040"/>
+            <a:ext cx="559318" cy="365760"/>
           </a:xfrm>
-          <a:prstGeom prst="rect">
-            <a:avLst/>
-          </a:prstGeom>
         </p:spPr>
-      </p:pic>
+        <p:txBody>
+          <a:bodyPr/>
+          <a:lstStyle/>
+          <a:p>
+            <a:fld id="{5497BE2E-5451-4DD3-9FE5-30C594637B0F}" type="slidenum">
+              <a:rPr lang="pt-BR" b="1" smtClean="0"/>
+              <a:t>18</a:t>
+            </a:fld>
+            <a:r>
+              <a:rPr lang="pt-BR" b="1" dirty="0"/>
+              <a:t>/20</a:t>
+            </a:r>
+          </a:p>
+        </p:txBody>
+      </p:sp>
     </p:spTree>
     <p:extLst>
       <p:ext uri="{BB962C8B-B14F-4D97-AF65-F5344CB8AC3E}">
-        <p14:creationId xmlns:p14="http://schemas.microsoft.com/office/powerpoint/2010/main" val="72538576"/>
+        <p14:creationId xmlns:p14="http://schemas.microsoft.com/office/powerpoint/2010/main" val="3082055265"/>
       </p:ext>
     </p:extLst>
   </p:cSld>
@@ -6779,7 +7395,7 @@
           <p:cNvPr id="2" name="Título 1">
             <a:extLst>
               <a:ext uri="{FF2B5EF4-FFF2-40B4-BE49-F238E27FC236}">
-                <a16:creationId xmlns:a16="http://schemas.microsoft.com/office/drawing/2014/main" id="{2045F919-FC56-499A-A924-E42BBB1DE487}"/>
+                <a16:creationId xmlns:a16="http://schemas.microsoft.com/office/drawing/2014/main" id="{EE723563-498C-41C1-B3F0-3151A8E3C0D1}"/>
               </a:ext>
             </a:extLst>
           </p:cNvPr>
@@ -6790,59 +7406,173 @@
             <p:ph type="title"/>
           </p:nvPr>
         </p:nvSpPr>
-        <p:spPr>
-          <a:xfrm>
-            <a:off x="2231136" y="167951"/>
-            <a:ext cx="7729728" cy="854778"/>
-          </a:xfrm>
-        </p:spPr>
+        <p:spPr/>
         <p:txBody>
           <a:bodyPr/>
           <a:lstStyle/>
           <a:p>
             <a:r>
               <a:rPr lang="pt-BR" dirty="0"/>
-              <a:t>Resultados – gráfico5</a:t>
-            </a:r>
-          </a:p>
-        </p:txBody>
-      </p:sp>
-      <p:pic>
-        <p:nvPicPr>
-          <p:cNvPr id="7" name="Espaço Reservado para Conteúdo 6" descr="Gráfico, Gráfico de barras&#10;&#10;Descrição gerada automaticamente">
+              <a:t>Trabalhos futuros</a:t>
+            </a:r>
+          </a:p>
+        </p:txBody>
+      </p:sp>
+      <p:sp>
+        <p:nvSpPr>
+          <p:cNvPr id="3" name="Espaço Reservado para Conteúdo 2">
             <a:extLst>
               <a:ext uri="{FF2B5EF4-FFF2-40B4-BE49-F238E27FC236}">
-                <a16:creationId xmlns:a16="http://schemas.microsoft.com/office/drawing/2014/main" id="{CB882406-B77D-4392-A5A9-64E9D65D71E6}"/>
+                <a16:creationId xmlns:a16="http://schemas.microsoft.com/office/drawing/2014/main" id="{8660081E-8ACB-4B7E-BA17-832681C4C0C9}"/>
               </a:ext>
             </a:extLst>
           </p:cNvPr>
-          <p:cNvPicPr>
-            <a:picLocks noGrp="1" noChangeAspect="1"/>
-          </p:cNvPicPr>
+          <p:cNvSpPr>
+            <a:spLocks noGrp="1"/>
+          </p:cNvSpPr>
           <p:nvPr>
             <p:ph idx="1"/>
           </p:nvPr>
-        </p:nvPicPr>
-        <p:blipFill>
-          <a:blip r:embed="rId2"/>
-          <a:stretch>
-            <a:fillRect/>
-          </a:stretch>
-        </p:blipFill>
+        </p:nvSpPr>
+        <p:spPr/>
+        <p:txBody>
+          <a:bodyPr>
+            <a:normAutofit/>
+          </a:bodyPr>
+          <a:lstStyle/>
+          <a:p>
+            <a:pPr lvl="0">
+              <a:lnSpc>
+                <a:spcPct val="110000"/>
+              </a:lnSpc>
+            </a:pPr>
+            <a:r>
+              <a:rPr lang="pt-BR" dirty="0"/>
+              <a:t>Realizar o carregamento dos dados dos demais anos.</a:t>
+            </a:r>
+          </a:p>
+          <a:p>
+            <a:pPr lvl="0">
+              <a:lnSpc>
+                <a:spcPct val="110000"/>
+              </a:lnSpc>
+            </a:pPr>
+            <a:r>
+              <a:rPr lang="pt-BR" dirty="0"/>
+              <a:t>Criar novos relatórios utilizando o DW.</a:t>
+            </a:r>
+          </a:p>
+          <a:p>
+            <a:pPr lvl="0">
+              <a:lnSpc>
+                <a:spcPct val="110000"/>
+              </a:lnSpc>
+            </a:pPr>
+            <a:r>
+              <a:rPr lang="pt-BR" dirty="0"/>
+              <a:t>Melhorar o armazenamento de dados. </a:t>
+            </a:r>
+          </a:p>
+          <a:p>
+            <a:pPr lvl="0">
+              <a:lnSpc>
+                <a:spcPct val="110000"/>
+              </a:lnSpc>
+            </a:pPr>
+            <a:r>
+              <a:rPr lang="pt-BR" dirty="0"/>
+              <a:t>Refatorar os </a:t>
+            </a:r>
+            <a:r>
+              <a:rPr lang="pt-BR" dirty="0" err="1"/>
+              <a:t>ETL’s</a:t>
+            </a:r>
+            <a:r>
+              <a:rPr lang="pt-BR" dirty="0"/>
+              <a:t>. </a:t>
+            </a:r>
+          </a:p>
+          <a:p>
+            <a:pPr lvl="0">
+              <a:lnSpc>
+                <a:spcPct val="110000"/>
+              </a:lnSpc>
+            </a:pPr>
+            <a:r>
+              <a:rPr lang="pt-BR" dirty="0"/>
+              <a:t>Realizar um estudo em </a:t>
+            </a:r>
+            <a:r>
+              <a:rPr lang="pt-BR" dirty="0" err="1"/>
+              <a:t>Tuning</a:t>
+            </a:r>
+            <a:r>
+              <a:rPr lang="pt-BR" dirty="0"/>
+              <a:t> de banco de dados.</a:t>
+            </a:r>
+          </a:p>
+          <a:p>
+            <a:pPr lvl="0">
+              <a:lnSpc>
+                <a:spcPct val="110000"/>
+              </a:lnSpc>
+            </a:pPr>
+            <a:r>
+              <a:rPr lang="pt-BR" dirty="0"/>
+              <a:t>Adaptar o banco de dados atual de acordo </a:t>
+            </a:r>
+            <a:r>
+              <a:rPr lang="pt-BR"/>
+              <a:t>com a </a:t>
+            </a:r>
+            <a:r>
+              <a:rPr lang="pt-BR" dirty="0"/>
+              <a:t>LGPD.</a:t>
+            </a:r>
+          </a:p>
+        </p:txBody>
+      </p:sp>
+      <p:sp>
+        <p:nvSpPr>
+          <p:cNvPr id="4" name="Espaço Reservado para Número de Slide 3">
+            <a:extLst>
+              <a:ext uri="{FF2B5EF4-FFF2-40B4-BE49-F238E27FC236}">
+                <a16:creationId xmlns:a16="http://schemas.microsoft.com/office/drawing/2014/main" id="{9494E7F7-95DF-AB5A-2031-CF3CD49933A7}"/>
+              </a:ext>
+            </a:extLst>
+          </p:cNvPr>
+          <p:cNvSpPr>
+            <a:spLocks noGrp="1"/>
+          </p:cNvSpPr>
+          <p:nvPr>
+            <p:ph type="sldNum" sz="quarter" idx="12"/>
+          </p:nvPr>
+        </p:nvSpPr>
         <p:spPr>
           <a:xfrm>
-            <a:off x="231710" y="1184988"/>
-            <a:ext cx="11728579" cy="5505061"/>
+            <a:off x="10758922" y="6217920"/>
+            <a:ext cx="569478" cy="365760"/>
           </a:xfrm>
-          <a:prstGeom prst="rect">
-            <a:avLst/>
-          </a:prstGeom>
         </p:spPr>
-      </p:pic>
+        <p:txBody>
+          <a:bodyPr/>
+          <a:lstStyle/>
+          <a:p>
+            <a:fld id="{5497BE2E-5451-4DD3-9FE5-30C594637B0F}" type="slidenum">
+              <a:rPr lang="pt-BR" b="1" smtClean="0"/>
+              <a:t>19</a:t>
+            </a:fld>
+            <a:r>
+              <a:rPr lang="pt-BR" b="1" dirty="0"/>
+              <a:t>/20</a:t>
+            </a:r>
+          </a:p>
+        </p:txBody>
+      </p:sp>
     </p:spTree>
     <p:extLst>
       <p:ext uri="{BB962C8B-B14F-4D97-AF65-F5344CB8AC3E}">
-        <p14:creationId xmlns:p14="http://schemas.microsoft.com/office/powerpoint/2010/main" val="2302076548"/>
+        <p14:creationId xmlns:p14="http://schemas.microsoft.com/office/powerpoint/2010/main" val="580782446"/>
       </p:ext>
     </p:extLst>
   </p:cSld>
@@ -6953,22 +7683,18 @@
           <a:p>
             <a:r>
               <a:rPr lang="pt-BR" dirty="0"/>
-              <a:t>Disponibilização dos dados</a:t>
-            </a:r>
-          </a:p>
-          <a:p>
-            <a:r>
-              <a:rPr lang="pt-BR" dirty="0"/>
-              <a:t>Modelo Conceitual</a:t>
-            </a:r>
-          </a:p>
-          <a:p>
+              <a:t>Transacional </a:t>
+            </a:r>
+          </a:p>
+          <a:p>
+            <a:pPr lvl="1"/>
             <a:r>
               <a:rPr lang="pt-BR" dirty="0"/>
               <a:t>Modelo Lógico</a:t>
             </a:r>
           </a:p>
           <a:p>
+            <a:pPr lvl="1"/>
             <a:r>
               <a:rPr lang="pt-BR" dirty="0"/>
               <a:t>ETL dos dados fonte para o transacional</a:t>
@@ -7009,16 +7735,25 @@
           <a:p>
             <a:r>
               <a:rPr lang="pt-BR" dirty="0"/>
+              <a:t>DW</a:t>
+            </a:r>
+          </a:p>
+          <a:p>
+            <a:pPr lvl="1"/>
+            <a:r>
+              <a:rPr lang="pt-BR" dirty="0"/>
               <a:t>Requisitos do DW</a:t>
             </a:r>
           </a:p>
           <a:p>
+            <a:pPr lvl="1"/>
             <a:r>
               <a:rPr lang="pt-BR" dirty="0"/>
               <a:t>Modelo do DW</a:t>
             </a:r>
           </a:p>
           <a:p>
+            <a:pPr lvl="1"/>
             <a:r>
               <a:rPr lang="pt-BR" dirty="0"/>
               <a:t>ETL do transacional para o DW</a:t>
@@ -7033,13 +7768,40 @@
           <a:p>
             <a:r>
               <a:rPr lang="pt-BR" dirty="0"/>
-              <a:t>Limitações</a:t>
-            </a:r>
-          </a:p>
-          <a:p>
-            <a:r>
-              <a:rPr lang="pt-BR" dirty="0"/>
-              <a:t>Trabalhos futuros</a:t>
+              <a:t>Conclusão</a:t>
+            </a:r>
+          </a:p>
+        </p:txBody>
+      </p:sp>
+      <p:sp>
+        <p:nvSpPr>
+          <p:cNvPr id="3" name="Espaço Reservado para Número de Slide 2">
+            <a:extLst>
+              <a:ext uri="{FF2B5EF4-FFF2-40B4-BE49-F238E27FC236}">
+                <a16:creationId xmlns:a16="http://schemas.microsoft.com/office/drawing/2014/main" id="{2E64FFEF-1ADD-71BB-4063-3028947134B6}"/>
+              </a:ext>
+            </a:extLst>
+          </p:cNvPr>
+          <p:cNvSpPr>
+            <a:spLocks noGrp="1"/>
+          </p:cNvSpPr>
+          <p:nvPr>
+            <p:ph type="sldNum" sz="quarter" idx="12"/>
+          </p:nvPr>
+        </p:nvSpPr>
+        <p:spPr>
+          <a:xfrm>
+            <a:off x="10758921" y="6068292"/>
+            <a:ext cx="479885" cy="482138"/>
+          </a:xfrm>
+        </p:spPr>
+        <p:txBody>
+          <a:bodyPr/>
+          <a:lstStyle/>
+          <a:p>
+            <a:r>
+              <a:rPr lang="pt-BR" b="1" dirty="0"/>
+              <a:t>2/20</a:t>
             </a:r>
           </a:p>
         </p:txBody>
@@ -7058,811 +7820,6 @@
 </file>
 
 <file path=ppt/slides/slide20.xml><?xml version="1.0" encoding="utf-8"?>
-<p:sld xmlns:a="http://schemas.openxmlformats.org/drawingml/2006/main" xmlns:r="http://schemas.openxmlformats.org/officeDocument/2006/relationships" xmlns:p="http://schemas.openxmlformats.org/presentationml/2006/main">
-  <p:cSld>
-    <p:bg>
-      <p:bgPr>
-        <a:solidFill>
-          <a:schemeClr val="bg1">
-            <a:lumMod val="95000"/>
-          </a:schemeClr>
-        </a:solidFill>
-        <a:effectLst/>
-      </p:bgPr>
-    </p:bg>
-    <p:spTree>
-      <p:nvGrpSpPr>
-        <p:cNvPr id="1" name=""/>
-        <p:cNvGrpSpPr/>
-        <p:nvPr/>
-      </p:nvGrpSpPr>
-      <p:grpSpPr>
-        <a:xfrm>
-          <a:off x="0" y="0"/>
-          <a:ext cx="0" cy="0"/>
-          <a:chOff x="0" y="0"/>
-          <a:chExt cx="0" cy="0"/>
-        </a:xfrm>
-      </p:grpSpPr>
-      <p:sp>
-        <p:nvSpPr>
-          <p:cNvPr id="2" name="Título 1">
-            <a:extLst>
-              <a:ext uri="{FF2B5EF4-FFF2-40B4-BE49-F238E27FC236}">
-                <a16:creationId xmlns:a16="http://schemas.microsoft.com/office/drawing/2014/main" id="{2045F919-FC56-499A-A924-E42BBB1DE487}"/>
-              </a:ext>
-            </a:extLst>
-          </p:cNvPr>
-          <p:cNvSpPr>
-            <a:spLocks noGrp="1"/>
-          </p:cNvSpPr>
-          <p:nvPr>
-            <p:ph type="title"/>
-          </p:nvPr>
-        </p:nvSpPr>
-        <p:spPr>
-          <a:xfrm>
-            <a:off x="2231136" y="167951"/>
-            <a:ext cx="7729728" cy="854778"/>
-          </a:xfrm>
-        </p:spPr>
-        <p:txBody>
-          <a:bodyPr/>
-          <a:lstStyle/>
-          <a:p>
-            <a:r>
-              <a:rPr lang="pt-BR" dirty="0"/>
-              <a:t>Resultados – gráfico6</a:t>
-            </a:r>
-          </a:p>
-        </p:txBody>
-      </p:sp>
-      <p:pic>
-        <p:nvPicPr>
-          <p:cNvPr id="6" name="Espaço Reservado para Conteúdo 5" descr="Gráfico, Gráfico de barras&#10;&#10;Descrição gerada automaticamente">
-            <a:extLst>
-              <a:ext uri="{FF2B5EF4-FFF2-40B4-BE49-F238E27FC236}">
-                <a16:creationId xmlns:a16="http://schemas.microsoft.com/office/drawing/2014/main" id="{E1E036F3-F6DF-4DA7-9E49-93F4AFD8D6F5}"/>
-              </a:ext>
-            </a:extLst>
-          </p:cNvPr>
-          <p:cNvPicPr>
-            <a:picLocks noGrp="1" noChangeAspect="1"/>
-          </p:cNvPicPr>
-          <p:nvPr>
-            <p:ph idx="1"/>
-          </p:nvPr>
-        </p:nvPicPr>
-        <p:blipFill>
-          <a:blip r:embed="rId3"/>
-          <a:stretch>
-            <a:fillRect/>
-          </a:stretch>
-        </p:blipFill>
-        <p:spPr>
-          <a:xfrm>
-            <a:off x="185057" y="1147665"/>
-            <a:ext cx="11811871" cy="5542384"/>
-          </a:xfrm>
-          <a:prstGeom prst="rect">
-            <a:avLst/>
-          </a:prstGeom>
-        </p:spPr>
-      </p:pic>
-    </p:spTree>
-    <p:extLst>
-      <p:ext uri="{BB962C8B-B14F-4D97-AF65-F5344CB8AC3E}">
-        <p14:creationId xmlns:p14="http://schemas.microsoft.com/office/powerpoint/2010/main" val="4255646543"/>
-      </p:ext>
-    </p:extLst>
-  </p:cSld>
-  <p:clrMapOvr>
-    <a:overrideClrMapping bg1="lt1" tx1="dk1" bg2="lt2" tx2="dk2" accent1="accent1" accent2="accent2" accent3="accent3" accent4="accent4" accent5="accent5" accent6="accent6" hlink="hlink" folHlink="folHlink"/>
-  </p:clrMapOvr>
-</p:sld>
-</file>
-
-<file path=ppt/slides/slide21.xml><?xml version="1.0" encoding="utf-8"?>
-<p:sld xmlns:a="http://schemas.openxmlformats.org/drawingml/2006/main" xmlns:r="http://schemas.openxmlformats.org/officeDocument/2006/relationships" xmlns:p="http://schemas.openxmlformats.org/presentationml/2006/main">
-  <p:cSld>
-    <p:spTree>
-      <p:nvGrpSpPr>
-        <p:cNvPr id="1" name=""/>
-        <p:cNvGrpSpPr/>
-        <p:nvPr/>
-      </p:nvGrpSpPr>
-      <p:grpSpPr>
-        <a:xfrm>
-          <a:off x="0" y="0"/>
-          <a:ext cx="0" cy="0"/>
-          <a:chOff x="0" y="0"/>
-          <a:chExt cx="0" cy="0"/>
-        </a:xfrm>
-      </p:grpSpPr>
-      <p:sp>
-        <p:nvSpPr>
-          <p:cNvPr id="2" name="Título 1">
-            <a:extLst>
-              <a:ext uri="{FF2B5EF4-FFF2-40B4-BE49-F238E27FC236}">
-                <a16:creationId xmlns:a16="http://schemas.microsoft.com/office/drawing/2014/main" id="{2045F919-FC56-499A-A924-E42BBB1DE487}"/>
-              </a:ext>
-            </a:extLst>
-          </p:cNvPr>
-          <p:cNvSpPr>
-            <a:spLocks noGrp="1"/>
-          </p:cNvSpPr>
-          <p:nvPr>
-            <p:ph type="title"/>
-          </p:nvPr>
-        </p:nvSpPr>
-        <p:spPr>
-          <a:xfrm>
-            <a:off x="2231136" y="167951"/>
-            <a:ext cx="7729728" cy="854778"/>
-          </a:xfrm>
-        </p:spPr>
-        <p:txBody>
-          <a:bodyPr/>
-          <a:lstStyle/>
-          <a:p>
-            <a:r>
-              <a:rPr lang="pt-BR" dirty="0"/>
-              <a:t>Resultados – gráfico7</a:t>
-            </a:r>
-          </a:p>
-        </p:txBody>
-      </p:sp>
-      <p:pic>
-        <p:nvPicPr>
-          <p:cNvPr id="7" name="Espaço Reservado para Conteúdo 6" descr="Gráfico, Gráfico de barras&#10;&#10;Descrição gerada automaticamente">
-            <a:extLst>
-              <a:ext uri="{FF2B5EF4-FFF2-40B4-BE49-F238E27FC236}">
-                <a16:creationId xmlns:a16="http://schemas.microsoft.com/office/drawing/2014/main" id="{391AACB2-54FF-458A-8277-765B06090254}"/>
-              </a:ext>
-            </a:extLst>
-          </p:cNvPr>
-          <p:cNvPicPr>
-            <a:picLocks noGrp="1" noChangeAspect="1"/>
-          </p:cNvPicPr>
-          <p:nvPr>
-            <p:ph idx="1"/>
-          </p:nvPr>
-        </p:nvPicPr>
-        <p:blipFill>
-          <a:blip r:embed="rId2"/>
-          <a:stretch>
-            <a:fillRect/>
-          </a:stretch>
-        </p:blipFill>
-        <p:spPr>
-          <a:xfrm>
-            <a:off x="225491" y="1166327"/>
-            <a:ext cx="11698286" cy="5523722"/>
-          </a:xfrm>
-          <a:prstGeom prst="rect">
-            <a:avLst/>
-          </a:prstGeom>
-        </p:spPr>
-      </p:pic>
-    </p:spTree>
-    <p:extLst>
-      <p:ext uri="{BB962C8B-B14F-4D97-AF65-F5344CB8AC3E}">
-        <p14:creationId xmlns:p14="http://schemas.microsoft.com/office/powerpoint/2010/main" val="446641982"/>
-      </p:ext>
-    </p:extLst>
-  </p:cSld>
-  <p:clrMapOvr>
-    <a:masterClrMapping/>
-  </p:clrMapOvr>
-</p:sld>
-</file>
-
-<file path=ppt/slides/slide22.xml><?xml version="1.0" encoding="utf-8"?>
-<p:sld xmlns:a="http://schemas.openxmlformats.org/drawingml/2006/main" xmlns:r="http://schemas.openxmlformats.org/officeDocument/2006/relationships" xmlns:p="http://schemas.openxmlformats.org/presentationml/2006/main">
-  <p:cSld>
-    <p:spTree>
-      <p:nvGrpSpPr>
-        <p:cNvPr id="1" name=""/>
-        <p:cNvGrpSpPr/>
-        <p:nvPr/>
-      </p:nvGrpSpPr>
-      <p:grpSpPr>
-        <a:xfrm>
-          <a:off x="0" y="0"/>
-          <a:ext cx="0" cy="0"/>
-          <a:chOff x="0" y="0"/>
-          <a:chExt cx="0" cy="0"/>
-        </a:xfrm>
-      </p:grpSpPr>
-      <p:sp>
-        <p:nvSpPr>
-          <p:cNvPr id="2" name="Título 1">
-            <a:extLst>
-              <a:ext uri="{FF2B5EF4-FFF2-40B4-BE49-F238E27FC236}">
-                <a16:creationId xmlns:a16="http://schemas.microsoft.com/office/drawing/2014/main" id="{2045F919-FC56-499A-A924-E42BBB1DE487}"/>
-              </a:ext>
-            </a:extLst>
-          </p:cNvPr>
-          <p:cNvSpPr>
-            <a:spLocks noGrp="1"/>
-          </p:cNvSpPr>
-          <p:nvPr>
-            <p:ph type="title"/>
-          </p:nvPr>
-        </p:nvSpPr>
-        <p:spPr>
-          <a:xfrm>
-            <a:off x="2231136" y="167951"/>
-            <a:ext cx="7729728" cy="854778"/>
-          </a:xfrm>
-        </p:spPr>
-        <p:txBody>
-          <a:bodyPr/>
-          <a:lstStyle/>
-          <a:p>
-            <a:r>
-              <a:rPr lang="pt-BR" dirty="0"/>
-              <a:t>Resultados – gráfico8</a:t>
-            </a:r>
-          </a:p>
-        </p:txBody>
-      </p:sp>
-      <p:pic>
-        <p:nvPicPr>
-          <p:cNvPr id="6" name="Espaço Reservado para Conteúdo 5" descr="Gráfico, Gráfico de barras&#10;&#10;Descrição gerada automaticamente">
-            <a:extLst>
-              <a:ext uri="{FF2B5EF4-FFF2-40B4-BE49-F238E27FC236}">
-                <a16:creationId xmlns:a16="http://schemas.microsoft.com/office/drawing/2014/main" id="{9E4361F0-638C-4589-A706-FC1E5D42328A}"/>
-              </a:ext>
-            </a:extLst>
-          </p:cNvPr>
-          <p:cNvPicPr>
-            <a:picLocks noGrp="1" noChangeAspect="1"/>
-          </p:cNvPicPr>
-          <p:nvPr>
-            <p:ph idx="1"/>
-          </p:nvPr>
-        </p:nvPicPr>
-        <p:blipFill>
-          <a:blip r:embed="rId2"/>
-          <a:stretch>
-            <a:fillRect/>
-          </a:stretch>
-        </p:blipFill>
-        <p:spPr>
-          <a:xfrm>
-            <a:off x="220823" y="1194318"/>
-            <a:ext cx="11750354" cy="5495731"/>
-          </a:xfrm>
-          <a:prstGeom prst="rect">
-            <a:avLst/>
-          </a:prstGeom>
-        </p:spPr>
-      </p:pic>
-    </p:spTree>
-    <p:extLst>
-      <p:ext uri="{BB962C8B-B14F-4D97-AF65-F5344CB8AC3E}">
-        <p14:creationId xmlns:p14="http://schemas.microsoft.com/office/powerpoint/2010/main" val="2809829007"/>
-      </p:ext>
-    </p:extLst>
-  </p:cSld>
-  <p:clrMapOvr>
-    <a:masterClrMapping/>
-  </p:clrMapOvr>
-</p:sld>
-</file>
-
-<file path=ppt/slides/slide23.xml><?xml version="1.0" encoding="utf-8"?>
-<p:sld xmlns:a="http://schemas.openxmlformats.org/drawingml/2006/main" xmlns:r="http://schemas.openxmlformats.org/officeDocument/2006/relationships" xmlns:p="http://schemas.openxmlformats.org/presentationml/2006/main">
-  <p:cSld>
-    <p:spTree>
-      <p:nvGrpSpPr>
-        <p:cNvPr id="1" name=""/>
-        <p:cNvGrpSpPr/>
-        <p:nvPr/>
-      </p:nvGrpSpPr>
-      <p:grpSpPr>
-        <a:xfrm>
-          <a:off x="0" y="0"/>
-          <a:ext cx="0" cy="0"/>
-          <a:chOff x="0" y="0"/>
-          <a:chExt cx="0" cy="0"/>
-        </a:xfrm>
-      </p:grpSpPr>
-      <p:sp>
-        <p:nvSpPr>
-          <p:cNvPr id="2" name="Título 1">
-            <a:extLst>
-              <a:ext uri="{FF2B5EF4-FFF2-40B4-BE49-F238E27FC236}">
-                <a16:creationId xmlns:a16="http://schemas.microsoft.com/office/drawing/2014/main" id="{2045F919-FC56-499A-A924-E42BBB1DE487}"/>
-              </a:ext>
-            </a:extLst>
-          </p:cNvPr>
-          <p:cNvSpPr>
-            <a:spLocks noGrp="1"/>
-          </p:cNvSpPr>
-          <p:nvPr>
-            <p:ph type="title"/>
-          </p:nvPr>
-        </p:nvSpPr>
-        <p:spPr>
-          <a:xfrm>
-            <a:off x="2231136" y="167951"/>
-            <a:ext cx="7729728" cy="854778"/>
-          </a:xfrm>
-        </p:spPr>
-        <p:txBody>
-          <a:bodyPr/>
-          <a:lstStyle/>
-          <a:p>
-            <a:r>
-              <a:rPr lang="pt-BR" dirty="0"/>
-              <a:t>Resultados – gráfico9</a:t>
-            </a:r>
-          </a:p>
-        </p:txBody>
-      </p:sp>
-      <p:sp>
-        <p:nvSpPr>
-          <p:cNvPr id="8" name="Espaço Reservado para Conteúdo 7">
-            <a:extLst>
-              <a:ext uri="{FF2B5EF4-FFF2-40B4-BE49-F238E27FC236}">
-                <a16:creationId xmlns:a16="http://schemas.microsoft.com/office/drawing/2014/main" id="{541053D1-7A94-4607-AD29-7F04EC5DF609}"/>
-              </a:ext>
-            </a:extLst>
-          </p:cNvPr>
-          <p:cNvSpPr>
-            <a:spLocks noGrp="1"/>
-          </p:cNvSpPr>
-          <p:nvPr>
-            <p:ph idx="1"/>
-          </p:nvPr>
-        </p:nvSpPr>
-        <p:spPr/>
-        <p:txBody>
-          <a:bodyPr/>
-          <a:lstStyle/>
-          <a:p>
-            <a:endParaRPr lang="pt-BR"/>
-          </a:p>
-        </p:txBody>
-      </p:sp>
-      <p:pic>
-        <p:nvPicPr>
-          <p:cNvPr id="10" name="Imagem 9">
-            <a:extLst>
-              <a:ext uri="{FF2B5EF4-FFF2-40B4-BE49-F238E27FC236}">
-                <a16:creationId xmlns:a16="http://schemas.microsoft.com/office/drawing/2014/main" id="{894506DC-975F-4AEA-9AF4-8FE6CEFDA3CA}"/>
-              </a:ext>
-            </a:extLst>
-          </p:cNvPr>
-          <p:cNvPicPr>
-            <a:picLocks noChangeAspect="1"/>
-          </p:cNvPicPr>
-          <p:nvPr/>
-        </p:nvPicPr>
-        <p:blipFill>
-          <a:blip r:embed="rId2"/>
-          <a:stretch>
-            <a:fillRect/>
-          </a:stretch>
-        </p:blipFill>
-        <p:spPr>
-          <a:xfrm>
-            <a:off x="172811" y="1209040"/>
-            <a:ext cx="11846378" cy="5481009"/>
-          </a:xfrm>
-          <a:prstGeom prst="rect">
-            <a:avLst/>
-          </a:prstGeom>
-        </p:spPr>
-      </p:pic>
-    </p:spTree>
-    <p:extLst>
-      <p:ext uri="{BB962C8B-B14F-4D97-AF65-F5344CB8AC3E}">
-        <p14:creationId xmlns:p14="http://schemas.microsoft.com/office/powerpoint/2010/main" val="3253452085"/>
-      </p:ext>
-    </p:extLst>
-  </p:cSld>
-  <p:clrMapOvr>
-    <a:masterClrMapping/>
-  </p:clrMapOvr>
-</p:sld>
-</file>
-
-<file path=ppt/slides/slide24.xml><?xml version="1.0" encoding="utf-8"?>
-<p:sld xmlns:a="http://schemas.openxmlformats.org/drawingml/2006/main" xmlns:r="http://schemas.openxmlformats.org/officeDocument/2006/relationships" xmlns:p="http://schemas.openxmlformats.org/presentationml/2006/main">
-  <p:cSld>
-    <p:spTree>
-      <p:nvGrpSpPr>
-        <p:cNvPr id="1" name=""/>
-        <p:cNvGrpSpPr/>
-        <p:nvPr/>
-      </p:nvGrpSpPr>
-      <p:grpSpPr>
-        <a:xfrm>
-          <a:off x="0" y="0"/>
-          <a:ext cx="0" cy="0"/>
-          <a:chOff x="0" y="0"/>
-          <a:chExt cx="0" cy="0"/>
-        </a:xfrm>
-      </p:grpSpPr>
-      <p:sp>
-        <p:nvSpPr>
-          <p:cNvPr id="2" name="Título 1">
-            <a:extLst>
-              <a:ext uri="{FF2B5EF4-FFF2-40B4-BE49-F238E27FC236}">
-                <a16:creationId xmlns:a16="http://schemas.microsoft.com/office/drawing/2014/main" id="{2045F919-FC56-499A-A924-E42BBB1DE487}"/>
-              </a:ext>
-            </a:extLst>
-          </p:cNvPr>
-          <p:cNvSpPr>
-            <a:spLocks noGrp="1"/>
-          </p:cNvSpPr>
-          <p:nvPr>
-            <p:ph type="title"/>
-          </p:nvPr>
-        </p:nvSpPr>
-        <p:spPr>
-          <a:xfrm>
-            <a:off x="2231136" y="167951"/>
-            <a:ext cx="7729728" cy="854778"/>
-          </a:xfrm>
-        </p:spPr>
-        <p:txBody>
-          <a:bodyPr/>
-          <a:lstStyle/>
-          <a:p>
-            <a:r>
-              <a:rPr lang="pt-BR" dirty="0"/>
-              <a:t>Resultados – gráfico10</a:t>
-            </a:r>
-          </a:p>
-        </p:txBody>
-      </p:sp>
-      <p:pic>
-        <p:nvPicPr>
-          <p:cNvPr id="6" name="Espaço Reservado para Conteúdo 5" descr="Gráfico, Gráfico de barras&#10;&#10;Descrição gerada automaticamente">
-            <a:extLst>
-              <a:ext uri="{FF2B5EF4-FFF2-40B4-BE49-F238E27FC236}">
-                <a16:creationId xmlns:a16="http://schemas.microsoft.com/office/drawing/2014/main" id="{4AA64CBF-B9F1-4BF6-AEFC-37EE6A9C9D98}"/>
-              </a:ext>
-            </a:extLst>
-          </p:cNvPr>
-          <p:cNvPicPr>
-            <a:picLocks noGrp="1" noChangeAspect="1"/>
-          </p:cNvPicPr>
-          <p:nvPr>
-            <p:ph idx="1"/>
-          </p:nvPr>
-        </p:nvPicPr>
-        <p:blipFill>
-          <a:blip r:embed="rId2"/>
-          <a:stretch>
-            <a:fillRect/>
-          </a:stretch>
-        </p:blipFill>
-        <p:spPr>
-          <a:xfrm>
-            <a:off x="164840" y="1203585"/>
-            <a:ext cx="11862320" cy="5486464"/>
-          </a:xfrm>
-          <a:prstGeom prst="rect">
-            <a:avLst/>
-          </a:prstGeom>
-        </p:spPr>
-      </p:pic>
-    </p:spTree>
-    <p:extLst>
-      <p:ext uri="{BB962C8B-B14F-4D97-AF65-F5344CB8AC3E}">
-        <p14:creationId xmlns:p14="http://schemas.microsoft.com/office/powerpoint/2010/main" val="2534982981"/>
-      </p:ext>
-    </p:extLst>
-  </p:cSld>
-  <p:clrMapOvr>
-    <a:masterClrMapping/>
-  </p:clrMapOvr>
-</p:sld>
-</file>
-
-<file path=ppt/slides/slide25.xml><?xml version="1.0" encoding="utf-8"?>
-<p:sld xmlns:a="http://schemas.openxmlformats.org/drawingml/2006/main" xmlns:r="http://schemas.openxmlformats.org/officeDocument/2006/relationships" xmlns:p="http://schemas.openxmlformats.org/presentationml/2006/main">
-  <p:cSld>
-    <p:spTree>
-      <p:nvGrpSpPr>
-        <p:cNvPr id="1" name=""/>
-        <p:cNvGrpSpPr/>
-        <p:nvPr/>
-      </p:nvGrpSpPr>
-      <p:grpSpPr>
-        <a:xfrm>
-          <a:off x="0" y="0"/>
-          <a:ext cx="0" cy="0"/>
-          <a:chOff x="0" y="0"/>
-          <a:chExt cx="0" cy="0"/>
-        </a:xfrm>
-      </p:grpSpPr>
-      <p:sp>
-        <p:nvSpPr>
-          <p:cNvPr id="2" name="Título 1">
-            <a:extLst>
-              <a:ext uri="{FF2B5EF4-FFF2-40B4-BE49-F238E27FC236}">
-                <a16:creationId xmlns:a16="http://schemas.microsoft.com/office/drawing/2014/main" id="{46A95C4D-FEDB-4D6F-9A85-8D656F0138B4}"/>
-              </a:ext>
-            </a:extLst>
-          </p:cNvPr>
-          <p:cNvSpPr>
-            <a:spLocks noGrp="1"/>
-          </p:cNvSpPr>
-          <p:nvPr>
-            <p:ph type="title"/>
-          </p:nvPr>
-        </p:nvSpPr>
-        <p:spPr/>
-        <p:txBody>
-          <a:bodyPr/>
-          <a:lstStyle/>
-          <a:p>
-            <a:r>
-              <a:rPr lang="pt-BR" dirty="0"/>
-              <a:t>Conclusão</a:t>
-            </a:r>
-          </a:p>
-        </p:txBody>
-      </p:sp>
-      <p:sp>
-        <p:nvSpPr>
-          <p:cNvPr id="3" name="Espaço Reservado para Conteúdo 2">
-            <a:extLst>
-              <a:ext uri="{FF2B5EF4-FFF2-40B4-BE49-F238E27FC236}">
-                <a16:creationId xmlns:a16="http://schemas.microsoft.com/office/drawing/2014/main" id="{73190E5A-FB2B-41E3-8959-40D8E8B89DC5}"/>
-              </a:ext>
-            </a:extLst>
-          </p:cNvPr>
-          <p:cNvSpPr>
-            <a:spLocks noGrp="1"/>
-          </p:cNvSpPr>
-          <p:nvPr>
-            <p:ph idx="1"/>
-          </p:nvPr>
-        </p:nvSpPr>
-        <p:spPr/>
-        <p:txBody>
-          <a:bodyPr>
-            <a:normAutofit/>
-          </a:bodyPr>
-          <a:lstStyle/>
-          <a:p>
-            <a:r>
-              <a:rPr lang="pt-BR" dirty="0"/>
-              <a:t>Contribuições</a:t>
-            </a:r>
-          </a:p>
-          <a:p>
-            <a:pPr lvl="1"/>
-            <a:r>
-              <a:rPr lang="pt-BR" sz="1800" dirty="0"/>
-              <a:t>Escrever as contribuições</a:t>
-            </a:r>
-          </a:p>
-          <a:p>
-            <a:r>
-              <a:rPr lang="pt-BR" dirty="0"/>
-              <a:t>Limitações</a:t>
-            </a:r>
-          </a:p>
-          <a:p>
-            <a:pPr lvl="1"/>
-            <a:r>
-              <a:rPr lang="pt-BR" sz="1800" dirty="0"/>
-              <a:t>Infraestrutura.</a:t>
-            </a:r>
-          </a:p>
-          <a:p>
-            <a:pPr lvl="1"/>
-            <a:r>
-              <a:rPr lang="pt-BR" sz="1800" dirty="0"/>
-              <a:t>Analisados anos 2014 e 2015.</a:t>
-            </a:r>
-          </a:p>
-          <a:p>
-            <a:pPr lvl="1"/>
-            <a:r>
-              <a:rPr lang="pt-BR" sz="1800" dirty="0"/>
-              <a:t>Utilização do Pentaho</a:t>
-            </a:r>
-          </a:p>
-        </p:txBody>
-      </p:sp>
-    </p:spTree>
-    <p:extLst>
-      <p:ext uri="{BB962C8B-B14F-4D97-AF65-F5344CB8AC3E}">
-        <p14:creationId xmlns:p14="http://schemas.microsoft.com/office/powerpoint/2010/main" val="3082055265"/>
-      </p:ext>
-    </p:extLst>
-  </p:cSld>
-  <p:clrMapOvr>
-    <a:masterClrMapping/>
-  </p:clrMapOvr>
-</p:sld>
-</file>
-
-<file path=ppt/slides/slide26.xml><?xml version="1.0" encoding="utf-8"?>
-<p:sld xmlns:a="http://schemas.openxmlformats.org/drawingml/2006/main" xmlns:r="http://schemas.openxmlformats.org/officeDocument/2006/relationships" xmlns:p="http://schemas.openxmlformats.org/presentationml/2006/main">
-  <p:cSld>
-    <p:spTree>
-      <p:nvGrpSpPr>
-        <p:cNvPr id="1" name=""/>
-        <p:cNvGrpSpPr/>
-        <p:nvPr/>
-      </p:nvGrpSpPr>
-      <p:grpSpPr>
-        <a:xfrm>
-          <a:off x="0" y="0"/>
-          <a:ext cx="0" cy="0"/>
-          <a:chOff x="0" y="0"/>
-          <a:chExt cx="0" cy="0"/>
-        </a:xfrm>
-      </p:grpSpPr>
-      <p:sp>
-        <p:nvSpPr>
-          <p:cNvPr id="2" name="Título 1">
-            <a:extLst>
-              <a:ext uri="{FF2B5EF4-FFF2-40B4-BE49-F238E27FC236}">
-                <a16:creationId xmlns:a16="http://schemas.microsoft.com/office/drawing/2014/main" id="{EE723563-498C-41C1-B3F0-3151A8E3C0D1}"/>
-              </a:ext>
-            </a:extLst>
-          </p:cNvPr>
-          <p:cNvSpPr>
-            <a:spLocks noGrp="1"/>
-          </p:cNvSpPr>
-          <p:nvPr>
-            <p:ph type="title"/>
-          </p:nvPr>
-        </p:nvSpPr>
-        <p:spPr/>
-        <p:txBody>
-          <a:bodyPr/>
-          <a:lstStyle/>
-          <a:p>
-            <a:r>
-              <a:rPr lang="pt-BR" dirty="0"/>
-              <a:t>Trabalhos futuros</a:t>
-            </a:r>
-          </a:p>
-        </p:txBody>
-      </p:sp>
-      <p:sp>
-        <p:nvSpPr>
-          <p:cNvPr id="3" name="Espaço Reservado para Conteúdo 2">
-            <a:extLst>
-              <a:ext uri="{FF2B5EF4-FFF2-40B4-BE49-F238E27FC236}">
-                <a16:creationId xmlns:a16="http://schemas.microsoft.com/office/drawing/2014/main" id="{8660081E-8ACB-4B7E-BA17-832681C4C0C9}"/>
-              </a:ext>
-            </a:extLst>
-          </p:cNvPr>
-          <p:cNvSpPr>
-            <a:spLocks noGrp="1"/>
-          </p:cNvSpPr>
-          <p:nvPr>
-            <p:ph idx="1"/>
-          </p:nvPr>
-        </p:nvSpPr>
-        <p:spPr/>
-        <p:txBody>
-          <a:bodyPr>
-            <a:normAutofit fontScale="92500" lnSpcReduction="10000"/>
-          </a:bodyPr>
-          <a:lstStyle/>
-          <a:p>
-            <a:pPr lvl="0">
-              <a:lnSpc>
-                <a:spcPct val="110000"/>
-              </a:lnSpc>
-            </a:pPr>
-            <a:r>
-              <a:rPr lang="pt-BR" dirty="0"/>
-              <a:t>Realizar o carregamento dos dados do ano de 2015.</a:t>
-            </a:r>
-          </a:p>
-          <a:p>
-            <a:pPr lvl="0">
-              <a:lnSpc>
-                <a:spcPct val="110000"/>
-              </a:lnSpc>
-            </a:pPr>
-            <a:r>
-              <a:rPr lang="pt-BR" dirty="0"/>
-              <a:t>Criar novos relatórios utilizando o DW.</a:t>
-            </a:r>
-          </a:p>
-          <a:p>
-            <a:pPr lvl="0">
-              <a:lnSpc>
-                <a:spcPct val="110000"/>
-              </a:lnSpc>
-            </a:pPr>
-            <a:r>
-              <a:rPr lang="pt-BR" dirty="0"/>
-              <a:t> Melhorar o armazenamento de dados. </a:t>
-            </a:r>
-          </a:p>
-          <a:p>
-            <a:pPr lvl="0">
-              <a:lnSpc>
-                <a:spcPct val="110000"/>
-              </a:lnSpc>
-            </a:pPr>
-            <a:r>
-              <a:rPr lang="pt-BR" dirty="0"/>
-              <a:t>Refatorar os </a:t>
-            </a:r>
-            <a:r>
-              <a:rPr lang="pt-BR" dirty="0" err="1"/>
-              <a:t>ETL’s</a:t>
-            </a:r>
-            <a:r>
-              <a:rPr lang="pt-BR" dirty="0"/>
-              <a:t>. </a:t>
-            </a:r>
-          </a:p>
-          <a:p>
-            <a:pPr lvl="0">
-              <a:lnSpc>
-                <a:spcPct val="110000"/>
-              </a:lnSpc>
-            </a:pPr>
-            <a:r>
-              <a:rPr lang="pt-BR" dirty="0"/>
-              <a:t>Melhorar o desempenho das consultas que já existem e geram os relatórios. </a:t>
-            </a:r>
-          </a:p>
-          <a:p>
-            <a:pPr lvl="0">
-              <a:lnSpc>
-                <a:spcPct val="110000"/>
-              </a:lnSpc>
-            </a:pPr>
-            <a:r>
-              <a:rPr lang="pt-BR" dirty="0"/>
-              <a:t>Usar a capacidade dos dados para realizar um estudo com foco em </a:t>
-            </a:r>
-            <a:r>
-              <a:rPr lang="pt-BR" dirty="0" err="1"/>
-              <a:t>Tuning</a:t>
-            </a:r>
-            <a:r>
-              <a:rPr lang="pt-BR" dirty="0"/>
-              <a:t> de banco de dados.</a:t>
-            </a:r>
-          </a:p>
-          <a:p>
-            <a:pPr lvl="0">
-              <a:lnSpc>
-                <a:spcPct val="110000"/>
-              </a:lnSpc>
-            </a:pPr>
-            <a:r>
-              <a:rPr lang="pt-BR" dirty="0"/>
-              <a:t>Adaptar o banco de dados atual de acordo com o LGPD.</a:t>
-            </a:r>
-          </a:p>
-        </p:txBody>
-      </p:sp>
-    </p:spTree>
-    <p:extLst>
-      <p:ext uri="{BB962C8B-B14F-4D97-AF65-F5344CB8AC3E}">
-        <p14:creationId xmlns:p14="http://schemas.microsoft.com/office/powerpoint/2010/main" val="580782446"/>
-      </p:ext>
-    </p:extLst>
-  </p:cSld>
-  <p:clrMapOvr>
-    <a:masterClrMapping/>
-  </p:clrMapOvr>
-</p:sld>
-</file>
-
-<file path=ppt/slides/slide27.xml><?xml version="1.0" encoding="utf-8"?>
 <p:sld xmlns:a="http://schemas.openxmlformats.org/drawingml/2006/main" xmlns:r="http://schemas.openxmlformats.org/officeDocument/2006/relationships" xmlns:p="http://schemas.openxmlformats.org/presentationml/2006/main">
   <p:cSld>
     <p:spTree>
@@ -8022,6 +7979,39 @@
           </a:p>
         </p:txBody>
       </p:sp>
+      <p:sp>
+        <p:nvSpPr>
+          <p:cNvPr id="6" name="Espaço Reservado para Número de Slide 2">
+            <a:extLst>
+              <a:ext uri="{FF2B5EF4-FFF2-40B4-BE49-F238E27FC236}">
+                <a16:creationId xmlns:a16="http://schemas.microsoft.com/office/drawing/2014/main" id="{21D34E45-5C84-2678-6375-DBB393333045}"/>
+              </a:ext>
+            </a:extLst>
+          </p:cNvPr>
+          <p:cNvSpPr>
+            <a:spLocks noGrp="1"/>
+          </p:cNvSpPr>
+          <p:nvPr>
+            <p:ph type="sldNum" sz="quarter" idx="12"/>
+          </p:nvPr>
+        </p:nvSpPr>
+        <p:spPr>
+          <a:xfrm>
+            <a:off x="10758921" y="6068292"/>
+            <a:ext cx="479885" cy="482138"/>
+          </a:xfrm>
+        </p:spPr>
+        <p:txBody>
+          <a:bodyPr/>
+          <a:lstStyle/>
+          <a:p>
+            <a:r>
+              <a:rPr lang="pt-BR" b="1" dirty="0"/>
+              <a:t>3/20</a:t>
+            </a:r>
+          </a:p>
+        </p:txBody>
+      </p:sp>
     </p:spTree>
     <p:extLst>
       <p:ext uri="{BB962C8B-B14F-4D97-AF65-F5344CB8AC3E}">
@@ -8111,18 +8101,32 @@
             <a:pPr lvl="1" algn="just"/>
             <a:r>
               <a:rPr lang="pt-BR" sz="1800" dirty="0"/>
+              <a:t>Disponibilizar os dados de uma forma organizada e eficiente para consulta. </a:t>
+            </a:r>
+          </a:p>
+          <a:p>
+            <a:pPr lvl="1" algn="just"/>
+            <a:r>
+              <a:rPr lang="pt-BR" sz="1800" dirty="0"/>
+              <a:t>Objetivo Secundários</a:t>
+            </a:r>
+          </a:p>
+          <a:p>
+            <a:pPr lvl="2" algn="just"/>
+            <a:r>
+              <a:rPr lang="pt-BR" sz="1800" dirty="0"/>
               <a:t>Criar banco de dados transacional. </a:t>
             </a:r>
           </a:p>
           <a:p>
-            <a:pPr lvl="1" algn="just"/>
+            <a:pPr lvl="2" algn="just"/>
             <a:r>
               <a:rPr lang="pt-BR" sz="1800" dirty="0"/>
               <a:t>Criar um DW com os dados históricos do ENEM.</a:t>
             </a:r>
           </a:p>
           <a:p>
-            <a:pPr lvl="1" algn="just"/>
+            <a:pPr lvl="2" algn="just"/>
             <a:r>
               <a:rPr lang="pt-BR" sz="1800" dirty="0"/>
               <a:t>Criar as </a:t>
@@ -8137,10 +8141,43 @@
             </a:r>
           </a:p>
           <a:p>
-            <a:pPr lvl="1" algn="just"/>
+            <a:pPr lvl="2" algn="just"/>
             <a:r>
               <a:rPr lang="pt-BR" sz="1800" dirty="0"/>
               <a:t>Criar os gráficos no PowerBi para a visualização de dados.</a:t>
+            </a:r>
+          </a:p>
+        </p:txBody>
+      </p:sp>
+      <p:sp>
+        <p:nvSpPr>
+          <p:cNvPr id="5" name="Espaço Reservado para Número de Slide 2">
+            <a:extLst>
+              <a:ext uri="{FF2B5EF4-FFF2-40B4-BE49-F238E27FC236}">
+                <a16:creationId xmlns:a16="http://schemas.microsoft.com/office/drawing/2014/main" id="{90328CAD-AB66-9D2F-CA60-FAD3D993F8D5}"/>
+              </a:ext>
+            </a:extLst>
+          </p:cNvPr>
+          <p:cNvSpPr>
+            <a:spLocks noGrp="1"/>
+          </p:cNvSpPr>
+          <p:nvPr>
+            <p:ph type="sldNum" sz="quarter" idx="12"/>
+          </p:nvPr>
+        </p:nvSpPr>
+        <p:spPr>
+          <a:xfrm>
+            <a:off x="10758921" y="6068292"/>
+            <a:ext cx="479885" cy="482138"/>
+          </a:xfrm>
+        </p:spPr>
+        <p:txBody>
+          <a:bodyPr/>
+          <a:lstStyle/>
+          <a:p>
+            <a:r>
+              <a:rPr lang="pt-BR" b="1" dirty="0"/>
+              <a:t>4/20</a:t>
             </a:r>
           </a:p>
         </p:txBody>
@@ -8240,7 +8277,7 @@
         <p:spPr>
           <a:xfrm>
             <a:off x="2231136" y="2359152"/>
-            <a:ext cx="7729728" cy="3696208"/>
+            <a:ext cx="7729728" cy="3990848"/>
           </a:xfrm>
         </p:spPr>
         <p:txBody>
@@ -8252,7 +8289,14 @@
             <a:pPr algn="just"/>
             <a:r>
               <a:rPr lang="pt-BR" dirty="0"/>
-              <a:t>ENEM tem por objetivo avaliar a qualidade do Ensino Médio Brasileiro. </a:t>
+              <a:t>Exame Nacional do Ensino Médio (ENEM)</a:t>
+            </a:r>
+          </a:p>
+          <a:p>
+            <a:pPr algn="just"/>
+            <a:r>
+              <a:rPr lang="pt-BR" dirty="0"/>
+              <a:t>Avaliar a qualidade do Ensino Médio Brasileiro. </a:t>
             </a:r>
           </a:p>
           <a:p>
@@ -8306,6 +8350,39 @@
             <a:r>
               <a:rPr lang="pt-BR" dirty="0"/>
               <a:t>Dados pessoais e socioeconômicos.</a:t>
+            </a:r>
+          </a:p>
+        </p:txBody>
+      </p:sp>
+      <p:sp>
+        <p:nvSpPr>
+          <p:cNvPr id="5" name="Espaço Reservado para Número de Slide 2">
+            <a:extLst>
+              <a:ext uri="{FF2B5EF4-FFF2-40B4-BE49-F238E27FC236}">
+                <a16:creationId xmlns:a16="http://schemas.microsoft.com/office/drawing/2014/main" id="{182B7E53-67E4-A03F-96DB-12BEFA0B64F4}"/>
+              </a:ext>
+            </a:extLst>
+          </p:cNvPr>
+          <p:cNvSpPr>
+            <a:spLocks noGrp="1"/>
+          </p:cNvSpPr>
+          <p:nvPr>
+            <p:ph type="sldNum" sz="quarter" idx="12"/>
+          </p:nvPr>
+        </p:nvSpPr>
+        <p:spPr>
+          <a:xfrm>
+            <a:off x="10758921" y="6068292"/>
+            <a:ext cx="479885" cy="482138"/>
+          </a:xfrm>
+        </p:spPr>
+        <p:txBody>
+          <a:bodyPr/>
+          <a:lstStyle/>
+          <a:p>
+            <a:r>
+              <a:rPr lang="pt-BR" b="1" dirty="0"/>
+              <a:t>5/20</a:t>
             </a:r>
           </a:p>
         </p:txBody>
@@ -8409,6 +8486,143 @@
           </a:xfrm>
         </p:spPr>
       </p:pic>
+      <p:sp>
+        <p:nvSpPr>
+          <p:cNvPr id="5" name="Espaço Reservado para Número de Slide 2">
+            <a:extLst>
+              <a:ext uri="{FF2B5EF4-FFF2-40B4-BE49-F238E27FC236}">
+                <a16:creationId xmlns:a16="http://schemas.microsoft.com/office/drawing/2014/main" id="{98078701-A8C3-0F1F-C791-F1C2A6AE1DFC}"/>
+              </a:ext>
+            </a:extLst>
+          </p:cNvPr>
+          <p:cNvSpPr>
+            <a:spLocks noGrp="1"/>
+          </p:cNvSpPr>
+          <p:nvPr>
+            <p:ph type="sldNum" sz="quarter" idx="12"/>
+          </p:nvPr>
+        </p:nvSpPr>
+        <p:spPr>
+          <a:xfrm>
+            <a:off x="10758921" y="6068292"/>
+            <a:ext cx="479885" cy="482138"/>
+          </a:xfrm>
+        </p:spPr>
+        <p:txBody>
+          <a:bodyPr/>
+          <a:lstStyle/>
+          <a:p>
+            <a:r>
+              <a:rPr lang="pt-BR" b="1" dirty="0"/>
+              <a:t>6/20</a:t>
+            </a:r>
+          </a:p>
+        </p:txBody>
+      </p:sp>
+      <p:sp>
+        <p:nvSpPr>
+          <p:cNvPr id="4" name="Retângulo 3">
+            <a:extLst>
+              <a:ext uri="{FF2B5EF4-FFF2-40B4-BE49-F238E27FC236}">
+                <a16:creationId xmlns:a16="http://schemas.microsoft.com/office/drawing/2014/main" id="{A691581C-A4FB-F871-9F56-80B556909BCF}"/>
+              </a:ext>
+            </a:extLst>
+          </p:cNvPr>
+          <p:cNvSpPr/>
+          <p:nvPr/>
+        </p:nvSpPr>
+        <p:spPr>
+          <a:xfrm>
+            <a:off x="314960" y="2550160"/>
+            <a:ext cx="11521440" cy="1087120"/>
+          </a:xfrm>
+          <a:prstGeom prst="rect">
+            <a:avLst/>
+          </a:prstGeom>
+          <a:noFill/>
+          <a:ln w="28575">
+            <a:solidFill>
+              <a:srgbClr val="FFFF00"/>
+            </a:solidFill>
+          </a:ln>
+        </p:spPr>
+        <p:style>
+          <a:lnRef idx="2">
+            <a:schemeClr val="accent1">
+              <a:shade val="50000"/>
+            </a:schemeClr>
+          </a:lnRef>
+          <a:fillRef idx="1">
+            <a:schemeClr val="accent1"/>
+          </a:fillRef>
+          <a:effectRef idx="0">
+            <a:schemeClr val="accent1"/>
+          </a:effectRef>
+          <a:fontRef idx="minor">
+            <a:schemeClr val="lt1"/>
+          </a:fontRef>
+        </p:style>
+        <p:txBody>
+          <a:bodyPr rtlCol="0" anchor="ctr"/>
+          <a:lstStyle/>
+          <a:p>
+            <a:pPr algn="ctr"/>
+            <a:endParaRPr lang="pt-BR"/>
+          </a:p>
+        </p:txBody>
+      </p:sp>
+      <p:sp>
+        <p:nvSpPr>
+          <p:cNvPr id="6" name="Retângulo 5">
+            <a:extLst>
+              <a:ext uri="{FF2B5EF4-FFF2-40B4-BE49-F238E27FC236}">
+                <a16:creationId xmlns:a16="http://schemas.microsoft.com/office/drawing/2014/main" id="{5D30154E-6D5E-8E59-E8F9-7434BAC94DFF}"/>
+              </a:ext>
+            </a:extLst>
+          </p:cNvPr>
+          <p:cNvSpPr/>
+          <p:nvPr/>
+        </p:nvSpPr>
+        <p:spPr>
+          <a:xfrm>
+            <a:off x="314960" y="3637280"/>
+            <a:ext cx="11521440" cy="511291"/>
+          </a:xfrm>
+          <a:prstGeom prst="rect">
+            <a:avLst/>
+          </a:prstGeom>
+          <a:noFill/>
+          <a:ln w="28575">
+            <a:solidFill>
+              <a:srgbClr val="92D050"/>
+            </a:solidFill>
+          </a:ln>
+        </p:spPr>
+        <p:style>
+          <a:lnRef idx="2">
+            <a:schemeClr val="accent1">
+              <a:shade val="50000"/>
+            </a:schemeClr>
+          </a:lnRef>
+          <a:fillRef idx="1">
+            <a:schemeClr val="accent1"/>
+          </a:fillRef>
+          <a:effectRef idx="0">
+            <a:schemeClr val="accent1"/>
+          </a:effectRef>
+          <a:fontRef idx="minor">
+            <a:schemeClr val="lt1"/>
+          </a:fontRef>
+        </p:style>
+        <p:txBody>
+          <a:bodyPr rtlCol="0" anchor="ctr"/>
+          <a:lstStyle/>
+          <a:p>
+            <a:pPr algn="ctr"/>
+            <a:endParaRPr lang="pt-BR"/>
+          </a:p>
+        </p:txBody>
+      </p:sp>
     </p:spTree>
     <p:extLst>
       <p:ext uri="{BB962C8B-B14F-4D97-AF65-F5344CB8AC3E}">
@@ -8508,6 +8722,39 @@
           </a:xfrm>
         </p:spPr>
       </p:pic>
+      <p:sp>
+        <p:nvSpPr>
+          <p:cNvPr id="5" name="Espaço Reservado para Número de Slide 2">
+            <a:extLst>
+              <a:ext uri="{FF2B5EF4-FFF2-40B4-BE49-F238E27FC236}">
+                <a16:creationId xmlns:a16="http://schemas.microsoft.com/office/drawing/2014/main" id="{E41AADB7-2E79-692D-CB3E-A93F397214EE}"/>
+              </a:ext>
+            </a:extLst>
+          </p:cNvPr>
+          <p:cNvSpPr>
+            <a:spLocks noGrp="1"/>
+          </p:cNvSpPr>
+          <p:nvPr>
+            <p:ph type="sldNum" sz="quarter" idx="12"/>
+          </p:nvPr>
+        </p:nvSpPr>
+        <p:spPr>
+          <a:xfrm>
+            <a:off x="10769081" y="5889143"/>
+            <a:ext cx="479885" cy="482138"/>
+          </a:xfrm>
+        </p:spPr>
+        <p:txBody>
+          <a:bodyPr/>
+          <a:lstStyle/>
+          <a:p>
+            <a:r>
+              <a:rPr lang="pt-BR" b="1" dirty="0"/>
+              <a:t>7/20</a:t>
+            </a:r>
+          </a:p>
+        </p:txBody>
+      </p:sp>
     </p:spTree>
     <p:extLst>
       <p:ext uri="{BB962C8B-B14F-4D97-AF65-F5344CB8AC3E}">
@@ -8568,17 +8815,17 @@
           <a:p>
             <a:r>
               <a:rPr lang="pt-BR" dirty="0"/>
-              <a:t>MODELO lógico</a:t>
+              <a:t>MODELO lógico - Transacional</a:t>
             </a:r>
           </a:p>
         </p:txBody>
       </p:sp>
       <p:pic>
         <p:nvPicPr>
-          <p:cNvPr id="5" name="Imagem 4" descr="Diagrama&#10;&#10;Descrição gerada automaticamente">
+          <p:cNvPr id="9" name="Imagem 8" descr="Diagrama&#10;&#10;Descrição gerada automaticamente">
             <a:extLst>
               <a:ext uri="{FF2B5EF4-FFF2-40B4-BE49-F238E27FC236}">
-                <a16:creationId xmlns:a16="http://schemas.microsoft.com/office/drawing/2014/main" id="{762F17E1-BEE4-4F33-BE89-A17CD547582A}"/>
+                <a16:creationId xmlns:a16="http://schemas.microsoft.com/office/drawing/2014/main" id="{579CCBD2-B3CD-F023-957A-10525B8C5D5A}"/>
               </a:ext>
             </a:extLst>
           </p:cNvPr>
@@ -8601,14 +8848,47 @@
         </p:blipFill>
         <p:spPr>
           <a:xfrm>
-            <a:off x="1" y="718457"/>
-            <a:ext cx="12192000" cy="6074229"/>
+            <a:off x="1" y="762000"/>
+            <a:ext cx="12192000" cy="6030685"/>
           </a:xfrm>
           <a:prstGeom prst="rect">
             <a:avLst/>
           </a:prstGeom>
         </p:spPr>
       </p:pic>
+      <p:sp>
+        <p:nvSpPr>
+          <p:cNvPr id="6" name="Espaço Reservado para Número de Slide 2">
+            <a:extLst>
+              <a:ext uri="{FF2B5EF4-FFF2-40B4-BE49-F238E27FC236}">
+                <a16:creationId xmlns:a16="http://schemas.microsoft.com/office/drawing/2014/main" id="{255D665B-7A8A-97A2-7E97-6D92D3BFA04D}"/>
+              </a:ext>
+            </a:extLst>
+          </p:cNvPr>
+          <p:cNvSpPr>
+            <a:spLocks noGrp="1"/>
+          </p:cNvSpPr>
+          <p:nvPr>
+            <p:ph type="sldNum" sz="quarter" idx="12"/>
+          </p:nvPr>
+        </p:nvSpPr>
+        <p:spPr>
+          <a:xfrm>
+            <a:off x="10758921" y="6068292"/>
+            <a:ext cx="479885" cy="482138"/>
+          </a:xfrm>
+        </p:spPr>
+        <p:txBody>
+          <a:bodyPr/>
+          <a:lstStyle/>
+          <a:p>
+            <a:r>
+              <a:rPr lang="pt-BR" b="1" dirty="0"/>
+              <a:t>8/20</a:t>
+            </a:r>
+          </a:p>
+        </p:txBody>
+      </p:sp>
     </p:spTree>
     <p:extLst>
       <p:ext uri="{BB962C8B-B14F-4D97-AF65-F5344CB8AC3E}">
@@ -8703,10 +8983,43 @@
         <p:spPr>
           <a:xfrm>
             <a:off x="354679" y="2094404"/>
-            <a:ext cx="11482644" cy="4190018"/>
+            <a:ext cx="11482644" cy="4050365"/>
           </a:xfrm>
         </p:spPr>
       </p:pic>
+      <p:sp>
+        <p:nvSpPr>
+          <p:cNvPr id="5" name="Espaço Reservado para Número de Slide 2">
+            <a:extLst>
+              <a:ext uri="{FF2B5EF4-FFF2-40B4-BE49-F238E27FC236}">
+                <a16:creationId xmlns:a16="http://schemas.microsoft.com/office/drawing/2014/main" id="{00F50E9B-63EA-627B-060D-4B62BBC625C1}"/>
+              </a:ext>
+            </a:extLst>
+          </p:cNvPr>
+          <p:cNvSpPr>
+            <a:spLocks noGrp="1"/>
+          </p:cNvSpPr>
+          <p:nvPr>
+            <p:ph type="sldNum" sz="quarter" idx="12"/>
+          </p:nvPr>
+        </p:nvSpPr>
+        <p:spPr>
+          <a:xfrm>
+            <a:off x="10728441" y="6212620"/>
+            <a:ext cx="479885" cy="482138"/>
+          </a:xfrm>
+        </p:spPr>
+        <p:txBody>
+          <a:bodyPr/>
+          <a:lstStyle/>
+          <a:p>
+            <a:r>
+              <a:rPr lang="pt-BR" b="1" dirty="0"/>
+              <a:t>9/20</a:t>
+            </a:r>
+          </a:p>
+        </p:txBody>
+      </p:sp>
     </p:spTree>
     <p:extLst>
       <p:ext uri="{BB962C8B-B14F-4D97-AF65-F5344CB8AC3E}">
